--- a/Apresentação/Apresentação-Sollute.pptx
+++ b/Apresentação/Apresentação-Sollute.pptx
@@ -208,7 +208,7 @@
           <a:p>
             <a:fld id="{1233B479-B86F-4B3B-92CC-A65D21022A71}" type="datetime1">
               <a:rPr lang="pt-BR" smtClean="0"/>
-              <a:t>27/02/2022</a:t>
+              <a:t>01/03/2022</a:t>
             </a:fld>
             <a:endParaRPr lang="pt-BR" dirty="0"/>
           </a:p>
@@ -374,7 +374,7 @@
             <a:fld id="{8EE89ABE-C638-43EB-8FF2-1C40E4E3A55D}" type="datetime1">
               <a:rPr lang="pt-BR" smtClean="0"/>
               <a:pPr/>
-              <a:t>27/02/2022</a:t>
+              <a:t>01/03/2022</a:t>
             </a:fld>
             <a:endParaRPr lang="pt-BR" dirty="0"/>
           </a:p>
@@ -892,7 +892,7 @@
             <a:pPr rtl="0"/>
             <a:fld id="{ACA70E9B-807F-4AE6-92CC-96282D5E7311}" type="datetime1">
               <a:rPr lang="pt-BR" noProof="0" smtClean="0"/>
-              <a:t>27/02/2022</a:t>
+              <a:t>01/03/2022</a:t>
             </a:fld>
             <a:endParaRPr lang="pt-BR" noProof="0" dirty="0"/>
           </a:p>
@@ -1071,7 +1071,7 @@
             <a:pPr rtl="0"/>
             <a:fld id="{2F190B64-7C24-4AC5-981A-18293759B464}" type="datetime1">
               <a:rPr lang="pt-BR" noProof="0" smtClean="0"/>
-              <a:t>27/02/2022</a:t>
+              <a:t>01/03/2022</a:t>
             </a:fld>
             <a:endParaRPr lang="pt-BR" noProof="0" dirty="0"/>
           </a:p>
@@ -1260,7 +1260,7 @@
             <a:pPr rtl="0"/>
             <a:fld id="{DCB21156-01AE-471C-8785-A0104C41415F}" type="datetime1">
               <a:rPr lang="pt-BR" noProof="0" smtClean="0"/>
-              <a:t>27/02/2022</a:t>
+              <a:t>01/03/2022</a:t>
             </a:fld>
             <a:endParaRPr lang="pt-BR" noProof="0" dirty="0"/>
           </a:p>
@@ -1439,7 +1439,7 @@
             <a:pPr rtl="0"/>
             <a:fld id="{27C79FE1-4EE1-4F09-AF1C-ADB867A4DDB7}" type="datetime1">
               <a:rPr lang="pt-BR" noProof="0" smtClean="0"/>
-              <a:t>27/02/2022</a:t>
+              <a:t>01/03/2022</a:t>
             </a:fld>
             <a:endParaRPr lang="pt-BR" noProof="0" dirty="0"/>
           </a:p>
@@ -1716,7 +1716,7 @@
             <a:pPr rtl="0"/>
             <a:fld id="{5132E7D4-C3C8-491E-AF18-B3F00DDC0614}" type="datetime1">
               <a:rPr lang="pt-BR" noProof="0" smtClean="0"/>
-              <a:t>27/02/2022</a:t>
+              <a:t>01/03/2022</a:t>
             </a:fld>
             <a:endParaRPr lang="pt-BR" noProof="0" dirty="0"/>
           </a:p>
@@ -1957,7 +1957,7 @@
             <a:pPr rtl="0"/>
             <a:fld id="{FB6D9EE8-2544-4943-81D3-517B336FA10A}" type="datetime1">
               <a:rPr lang="pt-BR" noProof="0" smtClean="0"/>
-              <a:t>27/02/2022</a:t>
+              <a:t>01/03/2022</a:t>
             </a:fld>
             <a:endParaRPr lang="pt-BR" noProof="0" dirty="0"/>
           </a:p>
@@ -2324,7 +2324,7 @@
             <a:pPr rtl="0"/>
             <a:fld id="{0B952E2D-6498-45E7-A8E3-132689DDCE1E}" type="datetime1">
               <a:rPr lang="pt-BR" noProof="0" smtClean="0"/>
-              <a:t>27/02/2022</a:t>
+              <a:t>01/03/2022</a:t>
             </a:fld>
             <a:endParaRPr lang="pt-BR" noProof="0" dirty="0"/>
           </a:p>
@@ -2476,7 +2476,7 @@
             <a:pPr rtl="0"/>
             <a:fld id="{100953FF-B44C-4032-BE08-263E004F48D0}" type="datetime1">
               <a:rPr lang="pt-BR" noProof="0" smtClean="0"/>
-              <a:t>27/02/2022</a:t>
+              <a:t>01/03/2022</a:t>
             </a:fld>
             <a:endParaRPr lang="pt-BR" noProof="0" dirty="0"/>
           </a:p>
@@ -2579,7 +2579,7 @@
             <a:pPr rtl="0"/>
             <a:fld id="{EA1CED91-10F8-4F28-862B-FD4E3A97170A}" type="datetime1">
               <a:rPr lang="pt-BR" noProof="0" smtClean="0"/>
-              <a:t>27/02/2022</a:t>
+              <a:t>01/03/2022</a:t>
             </a:fld>
             <a:endParaRPr lang="pt-BR" noProof="0" dirty="0"/>
           </a:p>
@@ -2945,7 +2945,7 @@
             <a:pPr rtl="0"/>
             <a:fld id="{7ACFC77E-2AA3-4152-A54C-74981BE28E55}" type="datetime1">
               <a:rPr lang="pt-BR" noProof="0" smtClean="0"/>
-              <a:t>27/02/2022</a:t>
+              <a:t>01/03/2022</a:t>
             </a:fld>
             <a:endParaRPr lang="pt-BR" noProof="0" dirty="0"/>
           </a:p>
@@ -3312,7 +3312,7 @@
             <a:pPr rtl="0"/>
             <a:fld id="{8EC681D4-C3A8-4CE6-91AF-0785B228C7CF}" type="datetime1">
               <a:rPr lang="pt-BR" noProof="0" smtClean="0"/>
-              <a:t>27/02/2022</a:t>
+              <a:t>01/03/2022</a:t>
             </a:fld>
             <a:endParaRPr lang="pt-BR" noProof="0" dirty="0"/>
           </a:p>
@@ -3563,7 +3563,7 @@
             <a:pPr rtl="0"/>
             <a:fld id="{CB6EA007-E4DD-442B-86B0-09BBF9FC84DB}" type="datetime1">
               <a:rPr lang="pt-BR" noProof="0" smtClean="0"/>
-              <a:t>27/02/2022</a:t>
+              <a:t>01/03/2022</a:t>
             </a:fld>
             <a:endParaRPr lang="pt-BR" noProof="0" dirty="0"/>
           </a:p>
@@ -4047,7 +4047,7 @@
             <a:avLst/>
           </a:prstGeom>
           <a:solidFill>
-            <a:srgbClr val="605FAB"/>
+            <a:srgbClr val="DAD2F1"/>
           </a:solidFill>
           <a:ln>
             <a:solidFill>
@@ -4075,7 +4075,6 @@
           <a:bodyPr rtlCol="0" anchor="ctr"/>
           <a:lstStyle/>
           <a:p>
-            <a:pPr algn="ctr"/>
             <a:endParaRPr lang="pt-BR"/>
           </a:p>
         </p:txBody>
@@ -4088,7 +4087,7 @@
         </p:nvSpPr>
         <p:spPr>
           <a:xfrm>
-            <a:off x="413234" y="3968287"/>
+            <a:off x="702529" y="3613803"/>
             <a:ext cx="3229851" cy="1754326"/>
           </a:xfrm>
           <a:prstGeom prst="rect">
@@ -4103,26 +4102,28 @@
           <a:lstStyle/>
           <a:p>
             <a:r>
-              <a:rPr lang="pt-BR" sz="5400" dirty="0" smtClean="0">
+              <a:rPr lang="pt-BR" sz="5400" b="1" dirty="0" smtClean="0">
                 <a:solidFill>
-                  <a:srgbClr val="29284C"/>
+                  <a:srgbClr val="3A3A52"/>
                 </a:solidFill>
-                <a:latin typeface="Arial Rounded MT Bold" panose="020F0704030504030204" pitchFamily="34" charset="0"/>
+                <a:latin typeface="Arial" panose="020B0604020202020204" pitchFamily="34" charset="0"/>
+                <a:cs typeface="Arial" panose="020B0604020202020204" pitchFamily="34" charset="0"/>
               </a:rPr>
               <a:t>Estoque Certo</a:t>
             </a:r>
-            <a:endParaRPr lang="pt-BR" sz="5400" dirty="0">
+            <a:endParaRPr lang="pt-BR" sz="5400" b="1" dirty="0">
               <a:solidFill>
-                <a:srgbClr val="29284C"/>
+                <a:srgbClr val="3A3A52"/>
               </a:solidFill>
-              <a:latin typeface="Arial Rounded MT Bold" panose="020F0704030504030204" pitchFamily="34" charset="0"/>
+              <a:latin typeface="Arial" panose="020B0604020202020204" pitchFamily="34" charset="0"/>
+              <a:cs typeface="Arial" panose="020B0604020202020204" pitchFamily="34" charset="0"/>
             </a:endParaRPr>
           </a:p>
         </p:txBody>
       </p:sp>
       <p:pic>
         <p:nvPicPr>
-          <p:cNvPr id="15" name="Imagem 14"/>
+          <p:cNvPr id="3" name="Imagem 2"/>
           <p:cNvPicPr>
             <a:picLocks noChangeAspect="1"/>
           </p:cNvPicPr>
@@ -4136,8 +4137,8 @@
         </p:blipFill>
         <p:spPr>
           <a:xfrm>
-            <a:off x="7298" y="835028"/>
-            <a:ext cx="5872142" cy="2221699"/>
+            <a:off x="5599741" y="362098"/>
+            <a:ext cx="6858000" cy="6858000"/>
           </a:xfrm>
           <a:prstGeom prst="rect">
             <a:avLst/>
@@ -4146,7 +4147,7 @@
       </p:pic>
       <p:pic>
         <p:nvPicPr>
-          <p:cNvPr id="21" name="Imagem 20"/>
+          <p:cNvPr id="4" name="Imagem 3"/>
           <p:cNvPicPr>
             <a:picLocks noChangeAspect="1"/>
           </p:cNvPicPr>
@@ -4160,32 +4161,8 @@
         </p:blipFill>
         <p:spPr>
           <a:xfrm>
-            <a:off x="6340475" y="26860"/>
-            <a:ext cx="5851525" cy="6858000"/>
-          </a:xfrm>
-          <a:prstGeom prst="rect">
-            <a:avLst/>
-          </a:prstGeom>
-        </p:spPr>
-      </p:pic>
-      <p:pic>
-        <p:nvPicPr>
-          <p:cNvPr id="20" name="Imagem 19"/>
-          <p:cNvPicPr>
-            <a:picLocks noChangeAspect="1"/>
-          </p:cNvPicPr>
-          <p:nvPr/>
-        </p:nvPicPr>
-        <p:blipFill>
-          <a:blip r:embed="rId5"/>
-          <a:stretch>
-            <a:fillRect/>
-          </a:stretch>
-        </p:blipFill>
-        <p:spPr>
-          <a:xfrm>
-            <a:off x="6089021" y="53720"/>
-            <a:ext cx="6312560" cy="6858000"/>
+            <a:off x="702529" y="1146463"/>
+            <a:ext cx="4897212" cy="1675362"/>
           </a:xfrm>
           <a:prstGeom prst="rect">
             <a:avLst/>
@@ -4244,7 +4221,7 @@
             <a:avLst/>
           </a:prstGeom>
           <a:solidFill>
-            <a:srgbClr val="605FAB"/>
+            <a:srgbClr val="DAD2F1"/>
           </a:solidFill>
           <a:ln>
             <a:solidFill>
@@ -4292,11 +4269,11 @@
             <a:avLst/>
           </a:prstGeom>
           <a:solidFill>
-            <a:srgbClr val="DB3EAF"/>
+            <a:srgbClr val="3E00FF"/>
           </a:solidFill>
           <a:ln>
             <a:solidFill>
-              <a:schemeClr val="bg1"/>
+              <a:srgbClr val="3E00FF"/>
             </a:solidFill>
           </a:ln>
         </p:spPr>
@@ -4340,11 +4317,11 @@
             <a:avLst/>
           </a:prstGeom>
           <a:solidFill>
-            <a:srgbClr val="DB3EAF"/>
+            <a:srgbClr val="3E00FF"/>
           </a:solidFill>
           <a:ln>
             <a:solidFill>
-              <a:schemeClr val="bg1"/>
+              <a:srgbClr val="3E00FF"/>
             </a:solidFill>
           </a:ln>
         </p:spPr>
@@ -4388,11 +4365,11 @@
             <a:avLst/>
           </a:prstGeom>
           <a:solidFill>
-            <a:srgbClr val="DB3EAF"/>
+            <a:srgbClr val="3E00FF"/>
           </a:solidFill>
           <a:ln>
             <a:solidFill>
-              <a:schemeClr val="bg1"/>
+              <a:srgbClr val="3E00FF"/>
             </a:solidFill>
           </a:ln>
         </p:spPr>
@@ -4436,11 +4413,11 @@
             <a:avLst/>
           </a:prstGeom>
           <a:solidFill>
-            <a:srgbClr val="DB3EAF"/>
+            <a:srgbClr val="3E00FF"/>
           </a:solidFill>
           <a:ln>
             <a:solidFill>
-              <a:schemeClr val="bg1"/>
+              <a:srgbClr val="3E00FF"/>
             </a:solidFill>
           </a:ln>
         </p:spPr>
@@ -4484,11 +4461,11 @@
             <a:avLst/>
           </a:prstGeom>
           <a:solidFill>
-            <a:srgbClr val="DB3EAF"/>
+            <a:srgbClr val="3E00FF"/>
           </a:solidFill>
           <a:ln>
             <a:solidFill>
-              <a:schemeClr val="bg1"/>
+              <a:srgbClr val="3E00FF"/>
             </a:solidFill>
           </a:ln>
         </p:spPr>
@@ -4541,17 +4518,11 @@
           <a:p>
             <a:r>
               <a:rPr lang="pt-BR" sz="4000" dirty="0" smtClean="0">
-                <a:solidFill>
-                  <a:schemeClr val="bg1"/>
-                </a:solidFill>
                 <a:latin typeface="Arial Rounded MT Bold" panose="020F0704030504030204" pitchFamily="34" charset="0"/>
               </a:rPr>
               <a:t>Quem somos nós ?</a:t>
             </a:r>
             <a:endParaRPr lang="pt-BR" sz="4000" dirty="0">
-              <a:solidFill>
-                <a:schemeClr val="bg1"/>
-              </a:solidFill>
               <a:latin typeface="Arial Rounded MT Bold" panose="020F0704030504030204" pitchFamily="34" charset="0"/>
             </a:endParaRPr>
           </a:p>
@@ -4573,7 +4544,7 @@
           </a:prstGeom>
           <a:ln>
             <a:solidFill>
-              <a:srgbClr val="DB3EAF"/>
+              <a:srgbClr val="3E00FF"/>
             </a:solidFill>
           </a:ln>
         </p:spPr>
@@ -4631,7 +4602,7 @@
       </p:grpSpPr>
       <p:pic>
         <p:nvPicPr>
-          <p:cNvPr id="4" name="Imagem 3"/>
+          <p:cNvPr id="2" name="Imagem 1"/>
           <p:cNvPicPr>
             <a:picLocks noChangeAspect="1"/>
           </p:cNvPicPr>
@@ -4669,6 +4640,13 @@
   <p:clrMapOvr>
     <a:masterClrMapping/>
   </p:clrMapOvr>
+  <p:timing>
+    <p:tnLst>
+      <p:par>
+        <p:cTn id="1" dur="indefinite" restart="never" nodeType="tmRoot"/>
+      </p:par>
+    </p:tnLst>
+  </p:timing>
 </p:sld>
 </file>
 
@@ -4704,7 +4682,7 @@
             <a:avLst/>
           </a:prstGeom>
           <a:solidFill>
-            <a:srgbClr val="605FAB"/>
+            <a:srgbClr val="DAD2F1"/>
           </a:solidFill>
           <a:ln>
             <a:solidFill>
@@ -4737,55 +4715,9 @@
           </a:p>
         </p:txBody>
       </p:sp>
-      <p:sp>
-        <p:nvSpPr>
-          <p:cNvPr id="27" name="CaixaDeTexto 26"/>
-          <p:cNvSpPr txBox="1"/>
-          <p:nvPr/>
-        </p:nvSpPr>
-        <p:spPr>
-          <a:xfrm>
-            <a:off x="4591049" y="5232965"/>
-            <a:ext cx="3009900" cy="584775"/>
-          </a:xfrm>
-          <a:prstGeom prst="rect">
-            <a:avLst/>
-          </a:prstGeom>
-          <a:noFill/>
-        </p:spPr>
-        <p:txBody>
-          <a:bodyPr wrap="square" rtlCol="0">
-            <a:spAutoFit/>
-          </a:bodyPr>
-          <a:lstStyle/>
-          <a:p>
-            <a:r>
-              <a:rPr lang="pt-BR" sz="3200" dirty="0" err="1" smtClean="0">
-                <a:solidFill>
-                  <a:schemeClr val="bg1"/>
-                </a:solidFill>
-              </a:rPr>
-              <a:t>Proto</a:t>
-            </a:r>
-            <a:r>
-              <a:rPr lang="pt-BR" sz="3200" dirty="0" smtClean="0">
-                <a:solidFill>
-                  <a:schemeClr val="bg1"/>
-                </a:solidFill>
-              </a:rPr>
-              <a:t> Persona</a:t>
-            </a:r>
-            <a:endParaRPr lang="pt-BR" sz="3200" dirty="0">
-              <a:solidFill>
-                <a:schemeClr val="bg1"/>
-              </a:solidFill>
-            </a:endParaRPr>
-          </a:p>
-        </p:txBody>
-      </p:sp>
       <p:pic>
         <p:nvPicPr>
-          <p:cNvPr id="6" name="Imagem 5"/>
+          <p:cNvPr id="2" name="Imagem 1"/>
           <p:cNvPicPr>
             <a:picLocks noChangeAspect="1"/>
           </p:cNvPicPr>
@@ -4805,8 +4737,8 @@
         </p:blipFill>
         <p:spPr>
           <a:xfrm>
-            <a:off x="388619" y="218598"/>
-            <a:ext cx="11414760" cy="6420803"/>
+            <a:off x="181428" y="102053"/>
+            <a:ext cx="11829143" cy="6653893"/>
           </a:xfrm>
           <a:prstGeom prst="rect">
             <a:avLst/>
@@ -4823,6 +4755,13 @@
   <p:clrMapOvr>
     <a:masterClrMapping/>
   </p:clrMapOvr>
+  <p:timing>
+    <p:tnLst>
+      <p:par>
+        <p:cTn id="1" dur="indefinite" restart="never" nodeType="tmRoot"/>
+      </p:par>
+    </p:tnLst>
+  </p:timing>
 </p:sld>
 </file>
 
@@ -4858,7 +4797,7 @@
             <a:avLst/>
           </a:prstGeom>
           <a:solidFill>
-            <a:srgbClr val="605FAB"/>
+            <a:srgbClr val="DAD2F1"/>
           </a:solidFill>
           <a:ln>
             <a:solidFill>
@@ -4921,35 +4860,19 @@
           <a:p>
             <a:pPr lvl="1"/>
             <a:r>
-              <a:rPr lang="pt-BR" dirty="0" smtClean="0">
-                <a:solidFill>
-                  <a:schemeClr val="bg1"/>
-                </a:solidFill>
-              </a:rPr>
+              <a:rPr lang="pt-BR" dirty="0" smtClean="0"/>
               <a:t>Nome </a:t>
             </a:r>
             <a:r>
-              <a:rPr lang="pt-BR" u="sng" dirty="0" smtClean="0">
-                <a:solidFill>
-                  <a:schemeClr val="bg1"/>
-                </a:solidFill>
-              </a:rPr>
+              <a:rPr lang="pt-BR" u="sng" dirty="0" smtClean="0"/>
               <a:t>:</a:t>
             </a:r>
             <a:r>
-              <a:rPr lang="pt-BR" dirty="0" smtClean="0">
-                <a:solidFill>
-                  <a:schemeClr val="bg1"/>
-                </a:solidFill>
-              </a:rPr>
+              <a:rPr lang="pt-BR" dirty="0" smtClean="0"/>
               <a:t>   Maria </a:t>
             </a:r>
             <a:r>
-              <a:rPr lang="pt-BR" dirty="0">
-                <a:solidFill>
-                  <a:schemeClr val="bg1"/>
-                </a:solidFill>
-              </a:rPr>
+              <a:rPr lang="pt-BR" dirty="0"/>
               <a:t>Aparecida</a:t>
             </a:r>
           </a:p>
@@ -4984,18 +4907,10 @@
           <a:lstStyle/>
           <a:p>
             <a:r>
-              <a:rPr lang="pt-BR" dirty="0" smtClean="0">
-                <a:solidFill>
-                  <a:schemeClr val="bg1"/>
-                </a:solidFill>
-              </a:rPr>
+              <a:rPr lang="pt-BR" dirty="0" smtClean="0"/>
               <a:t>Idade :   30</a:t>
             </a:r>
-            <a:endParaRPr lang="pt-BR" dirty="0">
-              <a:solidFill>
-                <a:schemeClr val="bg1"/>
-              </a:solidFill>
-            </a:endParaRPr>
+            <a:endParaRPr lang="pt-BR" dirty="0"/>
           </a:p>
         </p:txBody>
       </p:sp>
@@ -5024,7 +4939,7 @@
           </a:solidFill>
           <a:ln>
             <a:solidFill>
-              <a:srgbClr val="DB3EAF"/>
+              <a:srgbClr val="3E00FF"/>
             </a:solidFill>
           </a:ln>
         </p:spPr>
@@ -5077,7 +4992,7 @@
           </a:prstGeom>
           <a:ln>
             <a:solidFill>
-              <a:srgbClr val="DB3EAF"/>
+              <a:srgbClr val="3E00FF"/>
             </a:solidFill>
           </a:ln>
         </p:spPr>
@@ -5120,7 +5035,7 @@
           </a:prstGeom>
           <a:ln>
             <a:solidFill>
-              <a:srgbClr val="DB3EAF"/>
+              <a:srgbClr val="3E00FF"/>
             </a:solidFill>
           </a:ln>
         </p:spPr>
@@ -5163,7 +5078,7 @@
           </a:prstGeom>
           <a:ln>
             <a:solidFill>
-              <a:srgbClr val="DB3EAF"/>
+              <a:srgbClr val="3E00FF"/>
             </a:solidFill>
           </a:ln>
         </p:spPr>
@@ -5206,7 +5121,7 @@
           </a:prstGeom>
           <a:ln>
             <a:solidFill>
-              <a:srgbClr val="DB3EAF"/>
+              <a:srgbClr val="3E00FF"/>
             </a:solidFill>
           </a:ln>
         </p:spPr>
@@ -5360,7 +5275,7 @@
         </p:nvSpPr>
         <p:spPr>
           <a:xfrm>
-            <a:off x="6352707" y="2570656"/>
+            <a:off x="6405707" y="2570656"/>
             <a:ext cx="677718" cy="369332"/>
           </a:xfrm>
           <a:prstGeom prst="rect">
@@ -5975,6 +5890,13 @@
   <p:clrMapOvr>
     <a:masterClrMapping/>
   </p:clrMapOvr>
+  <p:timing>
+    <p:tnLst>
+      <p:par>
+        <p:cTn id="1" dur="indefinite" restart="never" nodeType="tmRoot"/>
+      </p:par>
+    </p:tnLst>
+  </p:timing>
 </p:sld>
 </file>
 
@@ -5997,69 +5919,25 @@
       </p:grpSpPr>
       <p:sp>
         <p:nvSpPr>
-          <p:cNvPr id="4" name="Título 5">
-            <a:extLst>
-              <a:ext uri="{FF2B5EF4-FFF2-40B4-BE49-F238E27FC236}">
-                <a16:creationId xmlns:a16="http://schemas.microsoft.com/office/drawing/2014/main" xmlns="" id="{FBFC9F05-42CB-4663-9738-6A830E14BF9B}"/>
-              </a:ext>
-            </a:extLst>
-          </p:cNvPr>
-          <p:cNvSpPr>
-            <a:spLocks noGrp="1"/>
-          </p:cNvSpPr>
-          <p:nvPr>
-            <p:ph type="title"/>
-          </p:nvPr>
-        </p:nvSpPr>
-        <p:spPr>
-          <a:xfrm>
-            <a:off x="672352" y="50502"/>
-            <a:ext cx="10554448" cy="660473"/>
-          </a:xfrm>
+          <p:cNvPr id="31" name="Retângulo 30"/>
+          <p:cNvSpPr/>
+          <p:nvPr/>
+        </p:nvSpPr>
+        <p:spPr>
+          <a:xfrm>
+            <a:off x="-69288" y="0"/>
+            <a:ext cx="12261287" cy="6858000"/>
+          </a:xfrm>
+          <a:prstGeom prst="rect">
+            <a:avLst/>
+          </a:prstGeom>
+          <a:solidFill>
+            <a:srgbClr val="FFFFFF"/>
+          </a:solidFill>
           <a:ln>
             <a:solidFill>
-              <a:srgbClr val="DB3EAF"/>
+              <a:srgbClr val="605FAB"/>
             </a:solidFill>
-          </a:ln>
-        </p:spPr>
-        <p:txBody>
-          <a:bodyPr>
-            <a:normAutofit fontScale="90000"/>
-          </a:bodyPr>
-          <a:lstStyle/>
-          <a:p>
-            <a:r>
-              <a:rPr lang="pt-BR" dirty="0"/>
-              <a:t>Jornada - Simplificada</a:t>
-            </a:r>
-          </a:p>
-        </p:txBody>
-      </p:sp>
-      <p:sp>
-        <p:nvSpPr>
-          <p:cNvPr id="5" name="Seta: Pentágono 39">
-            <a:extLst>
-              <a:ext uri="{FF2B5EF4-FFF2-40B4-BE49-F238E27FC236}">
-                <a16:creationId xmlns:a16="http://schemas.microsoft.com/office/drawing/2014/main" xmlns="" id="{7A5E176E-AA3B-4B6E-AE29-195BD6366D37}"/>
-              </a:ext>
-            </a:extLst>
-          </p:cNvPr>
-          <p:cNvSpPr/>
-          <p:nvPr/>
-        </p:nvSpPr>
-        <p:spPr>
-          <a:xfrm>
-            <a:off x="3054600" y="996615"/>
-            <a:ext cx="2037351" cy="573368"/>
-          </a:xfrm>
-          <a:prstGeom prst="homePlate">
-            <a:avLst/>
-          </a:prstGeom>
-          <a:solidFill>
-            <a:srgbClr val="605FAB"/>
-          </a:solidFill>
-          <a:ln>
-            <a:noFill/>
           </a:ln>
         </p:spPr>
         <p:style>
@@ -6083,62 +5961,60 @@
           <a:lstStyle/>
           <a:p>
             <a:pPr algn="ctr"/>
-            <a:r>
-              <a:rPr lang="pt-BR" sz="1400" b="1" dirty="0"/>
-              <a:t>FASES UTILIZADOR</a:t>
-            </a:r>
-          </a:p>
-        </p:txBody>
-      </p:sp>
-      <p:cxnSp>
-        <p:nvCxnSpPr>
-          <p:cNvPr id="6" name="Conector reto 5">
+            <a:endParaRPr lang="pt-BR"/>
+          </a:p>
+        </p:txBody>
+      </p:sp>
+      <p:sp>
+        <p:nvSpPr>
+          <p:cNvPr id="4" name="Título 5">
             <a:extLst>
               <a:ext uri="{FF2B5EF4-FFF2-40B4-BE49-F238E27FC236}">
-                <a16:creationId xmlns:a16="http://schemas.microsoft.com/office/drawing/2014/main" xmlns="" id="{A8AD9801-F73F-4FF4-AD2D-E89ABBB7D0F5}"/>
+                <a16:creationId xmlns:a16="http://schemas.microsoft.com/office/drawing/2014/main" xmlns="" id="{FBFC9F05-42CB-4663-9738-6A830E14BF9B}"/>
               </a:ext>
             </a:extLst>
           </p:cNvPr>
-          <p:cNvCxnSpPr>
-            <a:cxnSpLocks/>
-          </p:cNvCxnSpPr>
-          <p:nvPr/>
-        </p:nvCxnSpPr>
-        <p:spPr>
-          <a:xfrm>
-            <a:off x="672352" y="1763806"/>
-            <a:ext cx="10554448" cy="0"/>
-          </a:xfrm>
-          <a:prstGeom prst="line">
-            <a:avLst/>
-          </a:prstGeom>
+          <p:cNvSpPr>
+            <a:spLocks noGrp="1"/>
+          </p:cNvSpPr>
+          <p:nvPr>
+            <p:ph type="title"/>
+          </p:nvPr>
+        </p:nvSpPr>
+        <p:spPr>
+          <a:xfrm>
+            <a:off x="672352" y="50502"/>
+            <a:ext cx="10554448" cy="660473"/>
+          </a:xfrm>
+          <a:solidFill>
+            <a:srgbClr val="DAD2F1"/>
+          </a:solidFill>
           <a:ln>
             <a:solidFill>
-              <a:srgbClr val="32B9CD"/>
+              <a:srgbClr val="3E00FF"/>
             </a:solidFill>
           </a:ln>
         </p:spPr>
-        <p:style>
-          <a:lnRef idx="1">
-            <a:schemeClr val="accent1"/>
-          </a:lnRef>
-          <a:fillRef idx="0">
-            <a:schemeClr val="accent1"/>
-          </a:fillRef>
-          <a:effectRef idx="0">
-            <a:schemeClr val="accent1"/>
-          </a:effectRef>
-          <a:fontRef idx="minor">
-            <a:schemeClr val="tx1"/>
-          </a:fontRef>
-        </p:style>
-      </p:cxnSp>
-      <p:sp>
-        <p:nvSpPr>
-          <p:cNvPr id="7" name="Retângulo 6">
+        <p:txBody>
+          <a:bodyPr>
+            <a:normAutofit fontScale="90000"/>
+          </a:bodyPr>
+          <a:lstStyle/>
+          <a:p>
+            <a:r>
+              <a:rPr lang="pt-BR" dirty="0" smtClean="0"/>
+              <a:t>Jornada do usuário</a:t>
+            </a:r>
+            <a:endParaRPr lang="pt-BR" dirty="0"/>
+          </a:p>
+        </p:txBody>
+      </p:sp>
+      <p:sp>
+        <p:nvSpPr>
+          <p:cNvPr id="5" name="Seta: Pentágono 39">
             <a:extLst>
               <a:ext uri="{FF2B5EF4-FFF2-40B4-BE49-F238E27FC236}">
-                <a16:creationId xmlns:a16="http://schemas.microsoft.com/office/drawing/2014/main" xmlns="" id="{C2EABCFD-DF70-4F16-AD1B-2E16D3CBCDB4}"/>
+                <a16:creationId xmlns:a16="http://schemas.microsoft.com/office/drawing/2014/main" xmlns="" id="{7A5E176E-AA3B-4B6E-AE29-195BD6366D37}"/>
               </a:ext>
             </a:extLst>
           </p:cNvPr>
@@ -6147,610 +6023,14 @@
         </p:nvSpPr>
         <p:spPr>
           <a:xfrm>
-            <a:off x="3054600" y="1821034"/>
-            <a:ext cx="2037351" cy="923330"/>
-          </a:xfrm>
-          <a:prstGeom prst="rect">
-            <a:avLst/>
-          </a:prstGeom>
-        </p:spPr>
-        <p:txBody>
-          <a:bodyPr wrap="square">
-            <a:spAutoFit/>
-          </a:bodyPr>
-          <a:lstStyle/>
-          <a:p>
-            <a:pPr marL="342900" indent="-342900">
-              <a:buFont typeface="Arial" panose="020B0604020202020204" pitchFamily="34" charset="0"/>
-              <a:buChar char="•"/>
-            </a:pPr>
-            <a:r>
-              <a:rPr lang="pt-BR" sz="1800" dirty="0">
-                <a:latin typeface="Exo 2" panose="00000500000000000000" pitchFamily="50" charset="0"/>
-              </a:rPr>
-              <a:t>Ação 1</a:t>
-            </a:r>
-          </a:p>
-          <a:p>
-            <a:pPr marL="342900" indent="-342900">
-              <a:buFont typeface="Arial" panose="020B0604020202020204" pitchFamily="34" charset="0"/>
-              <a:buChar char="•"/>
-            </a:pPr>
-            <a:r>
-              <a:rPr lang="pt-BR" sz="1800" dirty="0">
-                <a:latin typeface="Exo 2" panose="00000500000000000000" pitchFamily="50" charset="0"/>
-              </a:rPr>
-              <a:t>Ação 2</a:t>
-            </a:r>
-          </a:p>
-          <a:p>
-            <a:pPr marL="342900" indent="-342900">
-              <a:buFont typeface="Arial" panose="020B0604020202020204" pitchFamily="34" charset="0"/>
-              <a:buChar char="•"/>
-            </a:pPr>
-            <a:r>
-              <a:rPr lang="pt-BR" sz="1800" dirty="0">
-                <a:latin typeface="Exo 2" panose="00000500000000000000" pitchFamily="50" charset="0"/>
-              </a:rPr>
-              <a:t>Ação 3 </a:t>
-            </a:r>
-          </a:p>
-        </p:txBody>
-      </p:sp>
-      <p:cxnSp>
-        <p:nvCxnSpPr>
-          <p:cNvPr id="8" name="Conector reto 7">
-            <a:extLst>
-              <a:ext uri="{FF2B5EF4-FFF2-40B4-BE49-F238E27FC236}">
-                <a16:creationId xmlns:a16="http://schemas.microsoft.com/office/drawing/2014/main" xmlns="" id="{B27F9872-88B9-49C8-9870-E721BFE687D5}"/>
-              </a:ext>
-            </a:extLst>
-          </p:cNvPr>
-          <p:cNvCxnSpPr>
-            <a:cxnSpLocks/>
-          </p:cNvCxnSpPr>
-          <p:nvPr/>
-        </p:nvCxnSpPr>
-        <p:spPr>
-          <a:xfrm>
-            <a:off x="672352" y="2862692"/>
-            <a:ext cx="10554448" cy="0"/>
-          </a:xfrm>
-          <a:prstGeom prst="line">
-            <a:avLst/>
-          </a:prstGeom>
-          <a:ln>
-            <a:solidFill>
-              <a:srgbClr val="32B9CD"/>
-            </a:solidFill>
-          </a:ln>
-        </p:spPr>
-        <p:style>
-          <a:lnRef idx="1">
-            <a:schemeClr val="accent1"/>
-          </a:lnRef>
-          <a:fillRef idx="0">
-            <a:schemeClr val="accent1"/>
-          </a:fillRef>
-          <a:effectRef idx="0">
-            <a:schemeClr val="accent1"/>
-          </a:effectRef>
-          <a:fontRef idx="minor">
-            <a:schemeClr val="tx1"/>
-          </a:fontRef>
-        </p:style>
-      </p:cxnSp>
-      <p:sp>
-        <p:nvSpPr>
-          <p:cNvPr id="9" name="Retângulo 8">
-            <a:extLst>
-              <a:ext uri="{FF2B5EF4-FFF2-40B4-BE49-F238E27FC236}">
-                <a16:creationId xmlns:a16="http://schemas.microsoft.com/office/drawing/2014/main" xmlns="" id="{97711B2C-6CD3-470D-AA36-229EC801CCD1}"/>
-              </a:ext>
-            </a:extLst>
-          </p:cNvPr>
-          <p:cNvSpPr/>
-          <p:nvPr/>
-        </p:nvSpPr>
-        <p:spPr>
-          <a:xfrm>
-            <a:off x="672352" y="940464"/>
-            <a:ext cx="2184972" cy="769441"/>
-          </a:xfrm>
-          <a:prstGeom prst="rect">
-            <a:avLst/>
-          </a:prstGeom>
-        </p:spPr>
-        <p:txBody>
-          <a:bodyPr wrap="square">
-            <a:spAutoFit/>
-          </a:bodyPr>
-          <a:lstStyle/>
-          <a:p>
-            <a:r>
-              <a:rPr lang="pt-BR" sz="2800" b="1" dirty="0">
-                <a:solidFill>
-                  <a:srgbClr val="E6005A"/>
-                </a:solidFill>
-                <a:latin typeface="Exo 2" panose="00000500000000000000" pitchFamily="50" charset="0"/>
-              </a:rPr>
-              <a:t>Fases </a:t>
-            </a:r>
-            <a:r>
-              <a:rPr lang="pt-BR" sz="1600" b="1" dirty="0">
-                <a:solidFill>
-                  <a:srgbClr val="E6005A"/>
-                </a:solidFill>
-                <a:latin typeface="Exo 2" panose="00000500000000000000" pitchFamily="50" charset="0"/>
-              </a:rPr>
-              <a:t>(utilizador)</a:t>
-            </a:r>
-          </a:p>
-        </p:txBody>
-      </p:sp>
-      <p:sp>
-        <p:nvSpPr>
-          <p:cNvPr id="10" name="Retângulo 9">
-            <a:extLst>
-              <a:ext uri="{FF2B5EF4-FFF2-40B4-BE49-F238E27FC236}">
-                <a16:creationId xmlns:a16="http://schemas.microsoft.com/office/drawing/2014/main" xmlns="" id="{32D853A9-2996-41B9-BDE6-AC13EBC37446}"/>
-              </a:ext>
-            </a:extLst>
-          </p:cNvPr>
-          <p:cNvSpPr/>
-          <p:nvPr/>
-        </p:nvSpPr>
-        <p:spPr>
-          <a:xfrm>
-            <a:off x="672352" y="1821034"/>
-            <a:ext cx="2184972" cy="800219"/>
-          </a:xfrm>
-          <a:prstGeom prst="rect">
-            <a:avLst/>
-          </a:prstGeom>
-        </p:spPr>
-        <p:txBody>
-          <a:bodyPr wrap="square">
-            <a:spAutoFit/>
-          </a:bodyPr>
-          <a:lstStyle/>
-          <a:p>
-            <a:r>
-              <a:rPr lang="pt-BR" sz="2800" b="1" dirty="0">
-                <a:solidFill>
-                  <a:srgbClr val="E6005A"/>
-                </a:solidFill>
-                <a:latin typeface="Exo 2" panose="00000500000000000000" pitchFamily="50" charset="0"/>
-              </a:rPr>
-              <a:t>Faz</a:t>
-            </a:r>
-          </a:p>
-          <a:p>
-            <a:r>
-              <a:rPr lang="pt-BR" sz="1800" b="1" dirty="0">
-                <a:solidFill>
-                  <a:srgbClr val="E6005A"/>
-                </a:solidFill>
-                <a:latin typeface="Exo 2" panose="00000500000000000000" pitchFamily="50" charset="0"/>
-              </a:rPr>
-              <a:t>(ações do usuário) </a:t>
-            </a:r>
-          </a:p>
-        </p:txBody>
-      </p:sp>
-      <p:pic>
-        <p:nvPicPr>
-          <p:cNvPr id="11" name="Gráfico 48" descr="Rosto surpreso sem preenchimento ">
-            <a:extLst>
-              <a:ext uri="{FF2B5EF4-FFF2-40B4-BE49-F238E27FC236}">
-                <a16:creationId xmlns:a16="http://schemas.microsoft.com/office/drawing/2014/main" xmlns="" id="{75C24F49-359D-4FB9-AF27-0954A5DF839A}"/>
-              </a:ext>
-            </a:extLst>
-          </p:cNvPr>
-          <p:cNvPicPr>
-            <a:picLocks noChangeAspect="1"/>
-          </p:cNvPicPr>
-          <p:nvPr/>
-        </p:nvPicPr>
-        <p:blipFill>
-          <a:blip r:embed="rId2">
-            <a:extLst>
-              <a:ext uri="{28A0092B-C50C-407E-A947-70E740481C1C}">
-                <a14:useLocalDpi xmlns:a14="http://schemas.microsoft.com/office/drawing/2010/main"/>
-              </a:ext>
-              <a:ext uri="{96DAC541-7B7A-43D3-8B79-37D633B846F1}">
-                <asvg:svgBlip xmlns:asvg="http://schemas.microsoft.com/office/drawing/2016/SVG/main" xmlns="" r:embed="rId4"/>
-              </a:ext>
-            </a:extLst>
-          </a:blip>
-          <a:stretch>
-            <a:fillRect/>
-          </a:stretch>
-        </p:blipFill>
-        <p:spPr>
-          <a:xfrm>
-            <a:off x="3399505" y="2874106"/>
-            <a:ext cx="914400" cy="914400"/>
-          </a:xfrm>
-          <a:prstGeom prst="rect">
-            <a:avLst/>
-          </a:prstGeom>
-        </p:spPr>
-      </p:pic>
-      <p:sp>
-        <p:nvSpPr>
-          <p:cNvPr id="12" name="Retângulo 11">
-            <a:extLst>
-              <a:ext uri="{FF2B5EF4-FFF2-40B4-BE49-F238E27FC236}">
-                <a16:creationId xmlns:a16="http://schemas.microsoft.com/office/drawing/2014/main" xmlns="" id="{6C1FC3A8-D29F-416C-8866-FFBFF6CFA21F}"/>
-              </a:ext>
-            </a:extLst>
-          </p:cNvPr>
-          <p:cNvSpPr/>
-          <p:nvPr/>
-        </p:nvSpPr>
-        <p:spPr>
-          <a:xfrm>
-            <a:off x="672352" y="2952800"/>
-            <a:ext cx="2382248" cy="830997"/>
-          </a:xfrm>
-          <a:prstGeom prst="rect">
-            <a:avLst/>
-          </a:prstGeom>
-        </p:spPr>
-        <p:txBody>
-          <a:bodyPr wrap="square">
-            <a:spAutoFit/>
-          </a:bodyPr>
-          <a:lstStyle/>
-          <a:p>
-            <a:r>
-              <a:rPr lang="pt-BR" sz="2800" b="1" dirty="0">
-                <a:solidFill>
-                  <a:srgbClr val="E6005A"/>
-                </a:solidFill>
-                <a:latin typeface="Exo 2" panose="00000500000000000000" pitchFamily="50" charset="0"/>
-              </a:rPr>
-              <a:t>Sente</a:t>
-            </a:r>
-          </a:p>
-          <a:p>
-            <a:r>
-              <a:rPr lang="pt-BR" sz="2000" b="1" dirty="0">
-                <a:solidFill>
-                  <a:srgbClr val="E6005A"/>
-                </a:solidFill>
-                <a:latin typeface="Exo 2" panose="00000500000000000000" pitchFamily="50" charset="0"/>
-              </a:rPr>
-              <a:t>(dores do usuário) </a:t>
-            </a:r>
-          </a:p>
-        </p:txBody>
-      </p:sp>
-      <p:cxnSp>
-        <p:nvCxnSpPr>
-          <p:cNvPr id="13" name="Conector reto 12">
-            <a:extLst>
-              <a:ext uri="{FF2B5EF4-FFF2-40B4-BE49-F238E27FC236}">
-                <a16:creationId xmlns:a16="http://schemas.microsoft.com/office/drawing/2014/main" xmlns="" id="{5F72E0CD-6E7D-4BE3-B122-0FDE0DB13CA3}"/>
-              </a:ext>
-            </a:extLst>
-          </p:cNvPr>
-          <p:cNvCxnSpPr>
-            <a:cxnSpLocks/>
-          </p:cNvCxnSpPr>
-          <p:nvPr/>
-        </p:nvCxnSpPr>
-        <p:spPr>
-          <a:xfrm>
-            <a:off x="672352" y="3977621"/>
-            <a:ext cx="10554448" cy="0"/>
-          </a:xfrm>
-          <a:prstGeom prst="line">
-            <a:avLst/>
-          </a:prstGeom>
-          <a:ln>
-            <a:solidFill>
-              <a:srgbClr val="32B9CD"/>
-            </a:solidFill>
-          </a:ln>
-        </p:spPr>
-        <p:style>
-          <a:lnRef idx="1">
-            <a:schemeClr val="accent1"/>
-          </a:lnRef>
-          <a:fillRef idx="0">
-            <a:schemeClr val="accent1"/>
-          </a:fillRef>
-          <a:effectRef idx="0">
-            <a:schemeClr val="accent1"/>
-          </a:effectRef>
-          <a:fontRef idx="minor">
-            <a:schemeClr val="tx1"/>
-          </a:fontRef>
-        </p:style>
-      </p:cxnSp>
-      <p:sp>
-        <p:nvSpPr>
-          <p:cNvPr id="14" name="Retângulo 13">
-            <a:extLst>
-              <a:ext uri="{FF2B5EF4-FFF2-40B4-BE49-F238E27FC236}">
-                <a16:creationId xmlns:a16="http://schemas.microsoft.com/office/drawing/2014/main" xmlns="" id="{38E392A5-D5C4-4E93-81B3-2C2DDE0DF481}"/>
-              </a:ext>
-            </a:extLst>
-          </p:cNvPr>
-          <p:cNvSpPr/>
-          <p:nvPr/>
-        </p:nvSpPr>
-        <p:spPr>
-          <a:xfrm>
-            <a:off x="3142832" y="4267456"/>
-            <a:ext cx="2037351" cy="923330"/>
-          </a:xfrm>
-          <a:prstGeom prst="rect">
-            <a:avLst/>
-          </a:prstGeom>
-        </p:spPr>
-        <p:txBody>
-          <a:bodyPr wrap="square">
-            <a:spAutoFit/>
-          </a:bodyPr>
-          <a:lstStyle/>
-          <a:p>
-            <a:pPr marL="342900" indent="-342900">
-              <a:buFont typeface="Arial" panose="020B0604020202020204" pitchFamily="34" charset="0"/>
-              <a:buChar char="•"/>
-            </a:pPr>
-            <a:r>
-              <a:rPr lang="pt-BR" sz="1800" dirty="0">
-                <a:latin typeface="Exo 2" panose="00000500000000000000" pitchFamily="50" charset="0"/>
-              </a:rPr>
-              <a:t>Pensamento 1</a:t>
-            </a:r>
-          </a:p>
-          <a:p>
-            <a:pPr marL="342900" indent="-342900">
-              <a:buFont typeface="Arial" panose="020B0604020202020204" pitchFamily="34" charset="0"/>
-              <a:buChar char="•"/>
-            </a:pPr>
-            <a:r>
-              <a:rPr lang="pt-BR" sz="1800" dirty="0">
-                <a:latin typeface="Exo 2" panose="00000500000000000000" pitchFamily="50" charset="0"/>
-              </a:rPr>
-              <a:t>Pensamento 2</a:t>
-            </a:r>
-          </a:p>
-          <a:p>
-            <a:pPr marL="342900" indent="-342900">
-              <a:buFont typeface="Arial" panose="020B0604020202020204" pitchFamily="34" charset="0"/>
-              <a:buChar char="•"/>
-            </a:pPr>
-            <a:r>
-              <a:rPr lang="pt-BR" sz="1800" dirty="0">
-                <a:latin typeface="Exo 2" panose="00000500000000000000" pitchFamily="50" charset="0"/>
-              </a:rPr>
-              <a:t>Pensamento 3</a:t>
-            </a:r>
-          </a:p>
-        </p:txBody>
-      </p:sp>
-      <p:cxnSp>
-        <p:nvCxnSpPr>
-          <p:cNvPr id="15" name="Conector reto 14">
-            <a:extLst>
-              <a:ext uri="{FF2B5EF4-FFF2-40B4-BE49-F238E27FC236}">
-                <a16:creationId xmlns:a16="http://schemas.microsoft.com/office/drawing/2014/main" xmlns="" id="{B0E22083-FDC6-42DB-8F22-3D295395355C}"/>
-              </a:ext>
-            </a:extLst>
-          </p:cNvPr>
-          <p:cNvCxnSpPr>
-            <a:cxnSpLocks/>
-          </p:cNvCxnSpPr>
-          <p:nvPr/>
-        </p:nvCxnSpPr>
-        <p:spPr>
-          <a:xfrm>
-            <a:off x="672352" y="5453500"/>
-            <a:ext cx="10554448" cy="0"/>
-          </a:xfrm>
-          <a:prstGeom prst="line">
-            <a:avLst/>
-          </a:prstGeom>
-          <a:ln>
-            <a:solidFill>
-              <a:srgbClr val="32B9CD"/>
-            </a:solidFill>
-          </a:ln>
-        </p:spPr>
-        <p:style>
-          <a:lnRef idx="1">
-            <a:schemeClr val="accent1"/>
-          </a:lnRef>
-          <a:fillRef idx="0">
-            <a:schemeClr val="accent1"/>
-          </a:fillRef>
-          <a:effectRef idx="0">
-            <a:schemeClr val="accent1"/>
-          </a:effectRef>
-          <a:fontRef idx="minor">
-            <a:schemeClr val="tx1"/>
-          </a:fontRef>
-        </p:style>
-      </p:cxnSp>
-      <p:sp>
-        <p:nvSpPr>
-          <p:cNvPr id="16" name="Retângulo 15">
-            <a:extLst>
-              <a:ext uri="{FF2B5EF4-FFF2-40B4-BE49-F238E27FC236}">
-                <a16:creationId xmlns:a16="http://schemas.microsoft.com/office/drawing/2014/main" xmlns="" id="{0AFE6135-8811-4A6E-833E-9E842EBC6675}"/>
-              </a:ext>
-            </a:extLst>
-          </p:cNvPr>
-          <p:cNvSpPr/>
-          <p:nvPr/>
-        </p:nvSpPr>
-        <p:spPr>
-          <a:xfrm>
-            <a:off x="672352" y="4267456"/>
-            <a:ext cx="2184972" cy="830997"/>
-          </a:xfrm>
-          <a:prstGeom prst="rect">
-            <a:avLst/>
-          </a:prstGeom>
-        </p:spPr>
-        <p:txBody>
-          <a:bodyPr wrap="square">
-            <a:spAutoFit/>
-          </a:bodyPr>
-          <a:lstStyle/>
-          <a:p>
-            <a:r>
-              <a:rPr lang="pt-BR" sz="2800" b="1" dirty="0">
-                <a:solidFill>
-                  <a:srgbClr val="E6005A"/>
-                </a:solidFill>
-                <a:latin typeface="Exo 2" panose="00000500000000000000" pitchFamily="50" charset="0"/>
-              </a:rPr>
-              <a:t>Pensa</a:t>
-            </a:r>
-          </a:p>
-          <a:p>
-            <a:r>
-              <a:rPr lang="pt-BR" sz="2000" b="1" dirty="0">
-                <a:solidFill>
-                  <a:srgbClr val="E6005A"/>
-                </a:solidFill>
-                <a:latin typeface="Exo 2" panose="00000500000000000000" pitchFamily="50" charset="0"/>
-              </a:rPr>
-              <a:t>(usuário) </a:t>
-            </a:r>
-          </a:p>
-        </p:txBody>
-      </p:sp>
-      <p:sp>
-        <p:nvSpPr>
-          <p:cNvPr id="17" name="Retângulo 16">
-            <a:extLst>
-              <a:ext uri="{FF2B5EF4-FFF2-40B4-BE49-F238E27FC236}">
-                <a16:creationId xmlns:a16="http://schemas.microsoft.com/office/drawing/2014/main" xmlns="" id="{11053D1A-6F2A-4187-BDDA-F16CCFD2FB8A}"/>
-              </a:ext>
-            </a:extLst>
-          </p:cNvPr>
-          <p:cNvSpPr/>
-          <p:nvPr/>
-        </p:nvSpPr>
-        <p:spPr>
-          <a:xfrm>
-            <a:off x="680374" y="5644778"/>
-            <a:ext cx="2184972" cy="800219"/>
-          </a:xfrm>
-          <a:prstGeom prst="rect">
-            <a:avLst/>
-          </a:prstGeom>
-        </p:spPr>
-        <p:txBody>
-          <a:bodyPr wrap="square">
-            <a:spAutoFit/>
-          </a:bodyPr>
-          <a:lstStyle/>
-          <a:p>
-            <a:r>
-              <a:rPr lang="pt-BR" sz="2800" b="1" dirty="0">
-                <a:solidFill>
-                  <a:srgbClr val="E6005A"/>
-                </a:solidFill>
-                <a:latin typeface="Exo 2" panose="00000500000000000000" pitchFamily="50" charset="0"/>
-              </a:rPr>
-              <a:t>Proposta</a:t>
-            </a:r>
-          </a:p>
-          <a:p>
-            <a:r>
-              <a:rPr lang="pt-BR" sz="1800" b="1" dirty="0">
-                <a:solidFill>
-                  <a:srgbClr val="E6005A"/>
-                </a:solidFill>
-                <a:latin typeface="Exo 2" panose="00000500000000000000" pitchFamily="50" charset="0"/>
-              </a:rPr>
-              <a:t>(mudanças) </a:t>
-            </a:r>
-          </a:p>
-        </p:txBody>
-      </p:sp>
-      <p:sp>
-        <p:nvSpPr>
-          <p:cNvPr id="18" name="Retângulo 17">
-            <a:extLst>
-              <a:ext uri="{FF2B5EF4-FFF2-40B4-BE49-F238E27FC236}">
-                <a16:creationId xmlns:a16="http://schemas.microsoft.com/office/drawing/2014/main" xmlns="" id="{88C73EF7-0221-4C9D-8984-1DB5E5329B28}"/>
-              </a:ext>
-            </a:extLst>
-          </p:cNvPr>
-          <p:cNvSpPr/>
-          <p:nvPr/>
-        </p:nvSpPr>
-        <p:spPr>
-          <a:xfrm>
-            <a:off x="3142831" y="5658267"/>
-            <a:ext cx="2037351" cy="646331"/>
-          </a:xfrm>
-          <a:prstGeom prst="rect">
-            <a:avLst/>
-          </a:prstGeom>
-        </p:spPr>
-        <p:txBody>
-          <a:bodyPr wrap="square">
-            <a:spAutoFit/>
-          </a:bodyPr>
-          <a:lstStyle/>
-          <a:p>
-            <a:pPr marL="342900" indent="-342900">
-              <a:buFont typeface="Arial" panose="020B0604020202020204" pitchFamily="34" charset="0"/>
-              <a:buChar char="•"/>
-            </a:pPr>
-            <a:r>
-              <a:rPr lang="pt-BR" sz="1800" dirty="0">
-                <a:latin typeface="Exo 2" panose="00000500000000000000" pitchFamily="50" charset="0"/>
-              </a:rPr>
-              <a:t>Fazer isso</a:t>
-            </a:r>
-          </a:p>
-          <a:p>
-            <a:pPr marL="342900" indent="-342900">
-              <a:buFont typeface="Arial" panose="020B0604020202020204" pitchFamily="34" charset="0"/>
-              <a:buChar char="•"/>
-            </a:pPr>
-            <a:r>
-              <a:rPr lang="pt-BR" sz="1800" dirty="0">
-                <a:latin typeface="Exo 2" panose="00000500000000000000" pitchFamily="50" charset="0"/>
-              </a:rPr>
-              <a:t>Fazer aquilo</a:t>
-            </a:r>
-          </a:p>
-        </p:txBody>
-      </p:sp>
-      <p:sp>
-        <p:nvSpPr>
-          <p:cNvPr id="19" name="Seta: Pentágono 56">
-            <a:extLst>
-              <a:ext uri="{FF2B5EF4-FFF2-40B4-BE49-F238E27FC236}">
-                <a16:creationId xmlns:a16="http://schemas.microsoft.com/office/drawing/2014/main" xmlns="" id="{7F002D23-EA12-4C3E-8CD9-8A8226298C53}"/>
-              </a:ext>
-            </a:extLst>
-          </p:cNvPr>
-          <p:cNvSpPr/>
-          <p:nvPr/>
-        </p:nvSpPr>
-        <p:spPr>
-          <a:xfrm>
-            <a:off x="5180182" y="983236"/>
+            <a:off x="3054600" y="996615"/>
             <a:ext cx="2037351" cy="573368"/>
           </a:xfrm>
           <a:prstGeom prst="homePlate">
             <a:avLst/>
           </a:prstGeom>
           <a:solidFill>
-            <a:srgbClr val="605FAB"/>
+            <a:srgbClr val="3E00FF"/>
           </a:solidFill>
           <a:ln>
             <a:noFill/>
@@ -6778,18 +6058,62 @@
           <a:p>
             <a:pPr algn="ctr"/>
             <a:r>
-              <a:rPr lang="pt-BR" sz="1400" b="1" dirty="0"/>
-              <a:t>FASES UTILIZADOR</a:t>
-            </a:r>
-          </a:p>
-        </p:txBody>
-      </p:sp>
-      <p:sp>
-        <p:nvSpPr>
-          <p:cNvPr id="20" name="Seta: Pentágono 57">
+              <a:rPr lang="pt-BR" sz="1400" b="1" dirty="0" smtClean="0"/>
+              <a:t>ACESSA O SITE</a:t>
+            </a:r>
+            <a:endParaRPr lang="pt-BR" sz="1400" b="1" dirty="0"/>
+          </a:p>
+        </p:txBody>
+      </p:sp>
+      <p:cxnSp>
+        <p:nvCxnSpPr>
+          <p:cNvPr id="6" name="Conector reto 5">
             <a:extLst>
               <a:ext uri="{FF2B5EF4-FFF2-40B4-BE49-F238E27FC236}">
-                <a16:creationId xmlns:a16="http://schemas.microsoft.com/office/drawing/2014/main" xmlns="" id="{0CCDB0CF-AE1B-43FB-B894-DA318A573E45}"/>
+                <a16:creationId xmlns:a16="http://schemas.microsoft.com/office/drawing/2014/main" xmlns="" id="{A8AD9801-F73F-4FF4-AD2D-E89ABBB7D0F5}"/>
+              </a:ext>
+            </a:extLst>
+          </p:cNvPr>
+          <p:cNvCxnSpPr>
+            <a:cxnSpLocks/>
+          </p:cNvCxnSpPr>
+          <p:nvPr/>
+        </p:nvCxnSpPr>
+        <p:spPr>
+          <a:xfrm>
+            <a:off x="672352" y="1763806"/>
+            <a:ext cx="10554448" cy="0"/>
+          </a:xfrm>
+          <a:prstGeom prst="line">
+            <a:avLst/>
+          </a:prstGeom>
+          <a:ln>
+            <a:solidFill>
+              <a:srgbClr val="3E00FF"/>
+            </a:solidFill>
+          </a:ln>
+        </p:spPr>
+        <p:style>
+          <a:lnRef idx="1">
+            <a:schemeClr val="accent1"/>
+          </a:lnRef>
+          <a:fillRef idx="0">
+            <a:schemeClr val="accent1"/>
+          </a:fillRef>
+          <a:effectRef idx="0">
+            <a:schemeClr val="accent1"/>
+          </a:effectRef>
+          <a:fontRef idx="minor">
+            <a:schemeClr val="tx1"/>
+          </a:fontRef>
+        </p:style>
+      </p:cxnSp>
+      <p:sp>
+        <p:nvSpPr>
+          <p:cNvPr id="7" name="Retângulo 6">
+            <a:extLst>
+              <a:ext uri="{FF2B5EF4-FFF2-40B4-BE49-F238E27FC236}">
+                <a16:creationId xmlns:a16="http://schemas.microsoft.com/office/drawing/2014/main" xmlns="" id="{C2EABCFD-DF70-4F16-AD1B-2E16D3CBCDB4}"/>
               </a:ext>
             </a:extLst>
           </p:cNvPr>
@@ -6798,14 +6122,489 @@
         </p:nvSpPr>
         <p:spPr>
           <a:xfrm>
-            <a:off x="7305764" y="973689"/>
+            <a:off x="2906643" y="2067812"/>
+            <a:ext cx="2125581" cy="461665"/>
+          </a:xfrm>
+          <a:prstGeom prst="rect">
+            <a:avLst/>
+          </a:prstGeom>
+        </p:spPr>
+        <p:txBody>
+          <a:bodyPr wrap="square">
+            <a:spAutoFit/>
+          </a:bodyPr>
+          <a:lstStyle/>
+          <a:p>
+            <a:pPr marL="342900" indent="-342900">
+              <a:buFont typeface="Arial" panose="020B0604020202020204" pitchFamily="34" charset="0"/>
+              <a:buChar char="•"/>
+            </a:pPr>
+            <a:r>
+              <a:rPr lang="pt-BR" sz="1200" dirty="0" smtClean="0">
+                <a:latin typeface="Exo 2" panose="00000500000000000000" pitchFamily="50" charset="0"/>
+              </a:rPr>
+              <a:t>Procura o site na </a:t>
+            </a:r>
+            <a:r>
+              <a:rPr lang="pt-BR" sz="1200" dirty="0" smtClean="0">
+                <a:latin typeface="Exo 2" panose="00000500000000000000" pitchFamily="50" charset="0"/>
+              </a:rPr>
+              <a:t>barra de pesquisa</a:t>
+            </a:r>
+          </a:p>
+        </p:txBody>
+      </p:sp>
+      <p:cxnSp>
+        <p:nvCxnSpPr>
+          <p:cNvPr id="8" name="Conector reto 7">
+            <a:extLst>
+              <a:ext uri="{FF2B5EF4-FFF2-40B4-BE49-F238E27FC236}">
+                <a16:creationId xmlns:a16="http://schemas.microsoft.com/office/drawing/2014/main" xmlns="" id="{B27F9872-88B9-49C8-9870-E721BFE687D5}"/>
+              </a:ext>
+            </a:extLst>
+          </p:cNvPr>
+          <p:cNvCxnSpPr>
+            <a:cxnSpLocks/>
+          </p:cNvCxnSpPr>
+          <p:nvPr/>
+        </p:nvCxnSpPr>
+        <p:spPr>
+          <a:xfrm>
+            <a:off x="672352" y="2862692"/>
+            <a:ext cx="10554448" cy="0"/>
+          </a:xfrm>
+          <a:prstGeom prst="line">
+            <a:avLst/>
+          </a:prstGeom>
+          <a:ln>
+            <a:solidFill>
+              <a:srgbClr val="3E00FF"/>
+            </a:solidFill>
+          </a:ln>
+        </p:spPr>
+        <p:style>
+          <a:lnRef idx="1">
+            <a:schemeClr val="accent1"/>
+          </a:lnRef>
+          <a:fillRef idx="0">
+            <a:schemeClr val="accent1"/>
+          </a:fillRef>
+          <a:effectRef idx="0">
+            <a:schemeClr val="accent1"/>
+          </a:effectRef>
+          <a:fontRef idx="minor">
+            <a:schemeClr val="tx1"/>
+          </a:fontRef>
+        </p:style>
+      </p:cxnSp>
+      <p:sp>
+        <p:nvSpPr>
+          <p:cNvPr id="9" name="Retângulo 8">
+            <a:extLst>
+              <a:ext uri="{FF2B5EF4-FFF2-40B4-BE49-F238E27FC236}">
+                <a16:creationId xmlns:a16="http://schemas.microsoft.com/office/drawing/2014/main" xmlns="" id="{97711B2C-6CD3-470D-AA36-229EC801CCD1}"/>
+              </a:ext>
+            </a:extLst>
+          </p:cNvPr>
+          <p:cNvSpPr/>
+          <p:nvPr/>
+        </p:nvSpPr>
+        <p:spPr>
+          <a:xfrm>
+            <a:off x="672352" y="940464"/>
+            <a:ext cx="2184972" cy="769441"/>
+          </a:xfrm>
+          <a:prstGeom prst="rect">
+            <a:avLst/>
+          </a:prstGeom>
+        </p:spPr>
+        <p:txBody>
+          <a:bodyPr wrap="square">
+            <a:spAutoFit/>
+          </a:bodyPr>
+          <a:lstStyle/>
+          <a:p>
+            <a:r>
+              <a:rPr lang="pt-BR" sz="2800" b="1" dirty="0">
+                <a:latin typeface="Exo 2" panose="00000500000000000000" pitchFamily="50" charset="0"/>
+              </a:rPr>
+              <a:t>Fases </a:t>
+            </a:r>
+            <a:r>
+              <a:rPr lang="pt-BR" sz="1600" b="1" dirty="0">
+                <a:latin typeface="Exo 2" panose="00000500000000000000" pitchFamily="50" charset="0"/>
+              </a:rPr>
+              <a:t>(utilizador)</a:t>
+            </a:r>
+          </a:p>
+        </p:txBody>
+      </p:sp>
+      <p:sp>
+        <p:nvSpPr>
+          <p:cNvPr id="10" name="Retângulo 9">
+            <a:extLst>
+              <a:ext uri="{FF2B5EF4-FFF2-40B4-BE49-F238E27FC236}">
+                <a16:creationId xmlns:a16="http://schemas.microsoft.com/office/drawing/2014/main" xmlns="" id="{32D853A9-2996-41B9-BDE6-AC13EBC37446}"/>
+              </a:ext>
+            </a:extLst>
+          </p:cNvPr>
+          <p:cNvSpPr/>
+          <p:nvPr/>
+        </p:nvSpPr>
+        <p:spPr>
+          <a:xfrm>
+            <a:off x="672352" y="1765933"/>
+            <a:ext cx="2184972" cy="1077218"/>
+          </a:xfrm>
+          <a:prstGeom prst="rect">
+            <a:avLst/>
+          </a:prstGeom>
+        </p:spPr>
+        <p:txBody>
+          <a:bodyPr wrap="square">
+            <a:spAutoFit/>
+          </a:bodyPr>
+          <a:lstStyle/>
+          <a:p>
+            <a:r>
+              <a:rPr lang="pt-BR" sz="2800" b="1" dirty="0">
+                <a:latin typeface="Exo 2" panose="00000500000000000000" pitchFamily="50" charset="0"/>
+              </a:rPr>
+              <a:t>Faz</a:t>
+            </a:r>
+          </a:p>
+          <a:p>
+            <a:r>
+              <a:rPr lang="pt-BR" sz="1800" b="1" dirty="0">
+                <a:latin typeface="Exo 2" panose="00000500000000000000" pitchFamily="50" charset="0"/>
+              </a:rPr>
+              <a:t>(ações do usuário) </a:t>
+            </a:r>
+          </a:p>
+        </p:txBody>
+      </p:sp>
+      <p:pic>
+        <p:nvPicPr>
+          <p:cNvPr id="11" name="Gráfico 48" descr="Rosto surpreso sem preenchimento ">
+            <a:extLst>
+              <a:ext uri="{FF2B5EF4-FFF2-40B4-BE49-F238E27FC236}">
+                <a16:creationId xmlns:a16="http://schemas.microsoft.com/office/drawing/2014/main" xmlns="" id="{75C24F49-359D-4FB9-AF27-0954A5DF839A}"/>
+              </a:ext>
+            </a:extLst>
+          </p:cNvPr>
+          <p:cNvPicPr>
+            <a:picLocks noChangeAspect="1"/>
+          </p:cNvPicPr>
+          <p:nvPr/>
+        </p:nvPicPr>
+        <p:blipFill>
+          <a:blip r:embed="rId2">
+            <a:extLst>
+              <a:ext uri="{28A0092B-C50C-407E-A947-70E740481C1C}">
+                <a14:useLocalDpi xmlns:a14="http://schemas.microsoft.com/office/drawing/2010/main"/>
+              </a:ext>
+              <a:ext uri="{96DAC541-7B7A-43D3-8B79-37D633B846F1}">
+                <asvg:svgBlip xmlns:asvg="http://schemas.microsoft.com/office/drawing/2016/SVG/main" xmlns="" r:embed="rId4"/>
+              </a:ext>
+            </a:extLst>
+          </a:blip>
+          <a:stretch>
+            <a:fillRect/>
+          </a:stretch>
+        </p:blipFill>
+        <p:spPr>
+          <a:xfrm>
+            <a:off x="12345328" y="4996300"/>
+            <a:ext cx="914400" cy="914400"/>
+          </a:xfrm>
+          <a:prstGeom prst="rect">
+            <a:avLst/>
+          </a:prstGeom>
+        </p:spPr>
+      </p:pic>
+      <p:sp>
+        <p:nvSpPr>
+          <p:cNvPr id="12" name="Retângulo 11">
+            <a:extLst>
+              <a:ext uri="{FF2B5EF4-FFF2-40B4-BE49-F238E27FC236}">
+                <a16:creationId xmlns:a16="http://schemas.microsoft.com/office/drawing/2014/main" xmlns="" id="{6C1FC3A8-D29F-416C-8866-FFBFF6CFA21F}"/>
+              </a:ext>
+            </a:extLst>
+          </p:cNvPr>
+          <p:cNvSpPr/>
+          <p:nvPr/>
+        </p:nvSpPr>
+        <p:spPr>
+          <a:xfrm>
+            <a:off x="689164" y="2887724"/>
+            <a:ext cx="2382248" cy="1138773"/>
+          </a:xfrm>
+          <a:prstGeom prst="rect">
+            <a:avLst/>
+          </a:prstGeom>
+        </p:spPr>
+        <p:txBody>
+          <a:bodyPr wrap="square">
+            <a:spAutoFit/>
+          </a:bodyPr>
+          <a:lstStyle/>
+          <a:p>
+            <a:r>
+              <a:rPr lang="pt-BR" sz="2800" b="1" dirty="0">
+                <a:latin typeface="Exo 2" panose="00000500000000000000" pitchFamily="50" charset="0"/>
+              </a:rPr>
+              <a:t>Sente</a:t>
+            </a:r>
+          </a:p>
+          <a:p>
+            <a:r>
+              <a:rPr lang="pt-BR" sz="2000" b="1" dirty="0">
+                <a:latin typeface="Exo 2" panose="00000500000000000000" pitchFamily="50" charset="0"/>
+              </a:rPr>
+              <a:t>(dores do usuário) </a:t>
+            </a:r>
+          </a:p>
+        </p:txBody>
+      </p:sp>
+      <p:cxnSp>
+        <p:nvCxnSpPr>
+          <p:cNvPr id="13" name="Conector reto 12">
+            <a:extLst>
+              <a:ext uri="{FF2B5EF4-FFF2-40B4-BE49-F238E27FC236}">
+                <a16:creationId xmlns:a16="http://schemas.microsoft.com/office/drawing/2014/main" xmlns="" id="{5F72E0CD-6E7D-4BE3-B122-0FDE0DB13CA3}"/>
+              </a:ext>
+            </a:extLst>
+          </p:cNvPr>
+          <p:cNvCxnSpPr>
+            <a:cxnSpLocks/>
+          </p:cNvCxnSpPr>
+          <p:nvPr/>
+        </p:nvCxnSpPr>
+        <p:spPr>
+          <a:xfrm>
+            <a:off x="672352" y="3977621"/>
+            <a:ext cx="10554448" cy="0"/>
+          </a:xfrm>
+          <a:prstGeom prst="line">
+            <a:avLst/>
+          </a:prstGeom>
+          <a:ln>
+            <a:solidFill>
+              <a:srgbClr val="3E00FF"/>
+            </a:solidFill>
+          </a:ln>
+        </p:spPr>
+        <p:style>
+          <a:lnRef idx="1">
+            <a:schemeClr val="accent1"/>
+          </a:lnRef>
+          <a:fillRef idx="0">
+            <a:schemeClr val="accent1"/>
+          </a:fillRef>
+          <a:effectRef idx="0">
+            <a:schemeClr val="accent1"/>
+          </a:effectRef>
+          <a:fontRef idx="minor">
+            <a:schemeClr val="tx1"/>
+          </a:fontRef>
+        </p:style>
+      </p:cxnSp>
+      <p:sp>
+        <p:nvSpPr>
+          <p:cNvPr id="14" name="Retângulo 13">
+            <a:extLst>
+              <a:ext uri="{FF2B5EF4-FFF2-40B4-BE49-F238E27FC236}">
+                <a16:creationId xmlns:a16="http://schemas.microsoft.com/office/drawing/2014/main" xmlns="" id="{38E392A5-D5C4-4E93-81B3-2C2DDE0DF481}"/>
+              </a:ext>
+            </a:extLst>
+          </p:cNvPr>
+          <p:cNvSpPr/>
+          <p:nvPr/>
+        </p:nvSpPr>
+        <p:spPr>
+          <a:xfrm>
+            <a:off x="2857324" y="4310871"/>
+            <a:ext cx="2037351" cy="461665"/>
+          </a:xfrm>
+          <a:prstGeom prst="rect">
+            <a:avLst/>
+          </a:prstGeom>
+        </p:spPr>
+        <p:txBody>
+          <a:bodyPr wrap="square">
+            <a:spAutoFit/>
+          </a:bodyPr>
+          <a:lstStyle/>
+          <a:p>
+            <a:pPr marL="342900" indent="-342900">
+              <a:buFont typeface="Arial" panose="020B0604020202020204" pitchFamily="34" charset="0"/>
+              <a:buChar char="•"/>
+            </a:pPr>
+            <a:r>
+              <a:rPr lang="pt-BR" sz="1200" dirty="0" smtClean="0">
+                <a:latin typeface="Exo 2" panose="00000500000000000000" pitchFamily="50" charset="0"/>
+              </a:rPr>
+              <a:t>“Como deve ser esse site” </a:t>
+            </a:r>
+            <a:endParaRPr lang="pt-BR" sz="1200" dirty="0">
+              <a:latin typeface="Exo 2" panose="00000500000000000000" pitchFamily="50" charset="0"/>
+            </a:endParaRPr>
+          </a:p>
+        </p:txBody>
+      </p:sp>
+      <p:cxnSp>
+        <p:nvCxnSpPr>
+          <p:cNvPr id="15" name="Conector reto 14">
+            <a:extLst>
+              <a:ext uri="{FF2B5EF4-FFF2-40B4-BE49-F238E27FC236}">
+                <a16:creationId xmlns:a16="http://schemas.microsoft.com/office/drawing/2014/main" xmlns="" id="{B0E22083-FDC6-42DB-8F22-3D295395355C}"/>
+              </a:ext>
+            </a:extLst>
+          </p:cNvPr>
+          <p:cNvCxnSpPr>
+            <a:cxnSpLocks/>
+          </p:cNvCxnSpPr>
+          <p:nvPr/>
+        </p:nvCxnSpPr>
+        <p:spPr>
+          <a:xfrm>
+            <a:off x="672352" y="5453500"/>
+            <a:ext cx="10554448" cy="0"/>
+          </a:xfrm>
+          <a:prstGeom prst="line">
+            <a:avLst/>
+          </a:prstGeom>
+          <a:ln>
+            <a:solidFill>
+              <a:srgbClr val="3E00FF"/>
+            </a:solidFill>
+          </a:ln>
+        </p:spPr>
+        <p:style>
+          <a:lnRef idx="1">
+            <a:schemeClr val="accent1"/>
+          </a:lnRef>
+          <a:fillRef idx="0">
+            <a:schemeClr val="accent1"/>
+          </a:fillRef>
+          <a:effectRef idx="0">
+            <a:schemeClr val="accent1"/>
+          </a:effectRef>
+          <a:fontRef idx="minor">
+            <a:schemeClr val="tx1"/>
+          </a:fontRef>
+        </p:style>
+      </p:cxnSp>
+      <p:sp>
+        <p:nvSpPr>
+          <p:cNvPr id="16" name="Retângulo 15">
+            <a:extLst>
+              <a:ext uri="{FF2B5EF4-FFF2-40B4-BE49-F238E27FC236}">
+                <a16:creationId xmlns:a16="http://schemas.microsoft.com/office/drawing/2014/main" xmlns="" id="{0AFE6135-8811-4A6E-833E-9E842EBC6675}"/>
+              </a:ext>
+            </a:extLst>
+          </p:cNvPr>
+          <p:cNvSpPr/>
+          <p:nvPr/>
+        </p:nvSpPr>
+        <p:spPr>
+          <a:xfrm>
+            <a:off x="672352" y="4267456"/>
+            <a:ext cx="2184972" cy="830997"/>
+          </a:xfrm>
+          <a:prstGeom prst="rect">
+            <a:avLst/>
+          </a:prstGeom>
+        </p:spPr>
+        <p:txBody>
+          <a:bodyPr wrap="square">
+            <a:spAutoFit/>
+          </a:bodyPr>
+          <a:lstStyle/>
+          <a:p>
+            <a:r>
+              <a:rPr lang="pt-BR" sz="2800" b="1" dirty="0">
+                <a:latin typeface="Exo 2" panose="00000500000000000000" pitchFamily="50" charset="0"/>
+              </a:rPr>
+              <a:t>Pensa</a:t>
+            </a:r>
+          </a:p>
+          <a:p>
+            <a:r>
+              <a:rPr lang="pt-BR" sz="2000" b="1" dirty="0">
+                <a:latin typeface="Exo 2" panose="00000500000000000000" pitchFamily="50" charset="0"/>
+              </a:rPr>
+              <a:t>(usuário) </a:t>
+            </a:r>
+          </a:p>
+        </p:txBody>
+      </p:sp>
+      <p:sp>
+        <p:nvSpPr>
+          <p:cNvPr id="17" name="Retângulo 16">
+            <a:extLst>
+              <a:ext uri="{FF2B5EF4-FFF2-40B4-BE49-F238E27FC236}">
+                <a16:creationId xmlns:a16="http://schemas.microsoft.com/office/drawing/2014/main" xmlns="" id="{11053D1A-6F2A-4187-BDDA-F16CCFD2FB8A}"/>
+              </a:ext>
+            </a:extLst>
+          </p:cNvPr>
+          <p:cNvSpPr/>
+          <p:nvPr/>
+        </p:nvSpPr>
+        <p:spPr>
+          <a:xfrm>
+            <a:off x="680374" y="5644778"/>
+            <a:ext cx="2184972" cy="800219"/>
+          </a:xfrm>
+          <a:prstGeom prst="rect">
+            <a:avLst/>
+          </a:prstGeom>
+        </p:spPr>
+        <p:txBody>
+          <a:bodyPr wrap="square">
+            <a:spAutoFit/>
+          </a:bodyPr>
+          <a:lstStyle/>
+          <a:p>
+            <a:r>
+              <a:rPr lang="pt-BR" sz="2800" b="1" dirty="0">
+                <a:latin typeface="Exo 2" panose="00000500000000000000" pitchFamily="50" charset="0"/>
+              </a:rPr>
+              <a:t>Proposta</a:t>
+            </a:r>
+          </a:p>
+          <a:p>
+            <a:r>
+              <a:rPr lang="pt-BR" sz="1800" b="1" dirty="0">
+                <a:latin typeface="Exo 2" panose="00000500000000000000" pitchFamily="50" charset="0"/>
+              </a:rPr>
+              <a:t>(mudanças) </a:t>
+            </a:r>
+          </a:p>
+        </p:txBody>
+      </p:sp>
+      <p:sp>
+        <p:nvSpPr>
+          <p:cNvPr id="19" name="Seta: Pentágono 56">
+            <a:extLst>
+              <a:ext uri="{FF2B5EF4-FFF2-40B4-BE49-F238E27FC236}">
+                <a16:creationId xmlns:a16="http://schemas.microsoft.com/office/drawing/2014/main" xmlns="" id="{7F002D23-EA12-4C3E-8CD9-8A8226298C53}"/>
+              </a:ext>
+            </a:extLst>
+          </p:cNvPr>
+          <p:cNvSpPr/>
+          <p:nvPr/>
+        </p:nvSpPr>
+        <p:spPr>
+          <a:xfrm>
+            <a:off x="5180182" y="983236"/>
             <a:ext cx="2037351" cy="573368"/>
           </a:xfrm>
           <a:prstGeom prst="homePlate">
             <a:avLst/>
           </a:prstGeom>
           <a:solidFill>
-            <a:srgbClr val="605FAB"/>
+            <a:srgbClr val="3E00FF"/>
           </a:solidFill>
           <a:ln>
             <a:noFill/>
@@ -6833,18 +6632,19 @@
           <a:p>
             <a:pPr algn="ctr"/>
             <a:r>
-              <a:rPr lang="pt-BR" sz="1400" b="1" dirty="0"/>
-              <a:t>FASES UTILIZADOR</a:t>
-            </a:r>
-          </a:p>
-        </p:txBody>
-      </p:sp>
-      <p:sp>
-        <p:nvSpPr>
-          <p:cNvPr id="21" name="Seta: Pentágono 58">
+              <a:rPr lang="pt-BR" sz="1400" b="1" dirty="0" smtClean="0"/>
+              <a:t>REALIZA O CADASTRO</a:t>
+            </a:r>
+            <a:endParaRPr lang="pt-BR" sz="1400" b="1" dirty="0"/>
+          </a:p>
+        </p:txBody>
+      </p:sp>
+      <p:sp>
+        <p:nvSpPr>
+          <p:cNvPr id="20" name="Seta: Pentágono 57">
             <a:extLst>
               <a:ext uri="{FF2B5EF4-FFF2-40B4-BE49-F238E27FC236}">
-                <a16:creationId xmlns:a16="http://schemas.microsoft.com/office/drawing/2014/main" xmlns="" id="{0BB13E62-EB58-4BCD-B51B-6701A40573A6}"/>
+                <a16:creationId xmlns:a16="http://schemas.microsoft.com/office/drawing/2014/main" xmlns="" id="{0CCDB0CF-AE1B-43FB-B894-DA318A573E45}"/>
               </a:ext>
             </a:extLst>
           </p:cNvPr>
@@ -6853,14 +6653,14 @@
         </p:nvSpPr>
         <p:spPr>
           <a:xfrm>
-            <a:off x="9431346" y="973689"/>
+            <a:off x="7305764" y="973689"/>
             <a:ext cx="2037351" cy="573368"/>
           </a:xfrm>
           <a:prstGeom prst="homePlate">
             <a:avLst/>
           </a:prstGeom>
           <a:solidFill>
-            <a:srgbClr val="605FAB"/>
+            <a:srgbClr val="3E00FF"/>
           </a:solidFill>
           <a:ln>
             <a:noFill/>
@@ -6888,9 +6688,66 @@
           <a:p>
             <a:pPr algn="ctr"/>
             <a:r>
-              <a:rPr lang="pt-BR" sz="1400" b="1" dirty="0"/>
-              <a:t>FASES UTILIZADOR</a:t>
-            </a:r>
+              <a:rPr lang="pt-BR" sz="1400" b="1" dirty="0" smtClean="0"/>
+              <a:t>REALIZA O LOGIN</a:t>
+            </a:r>
+            <a:endParaRPr lang="pt-BR" sz="1400" b="1" dirty="0"/>
+          </a:p>
+        </p:txBody>
+      </p:sp>
+      <p:sp>
+        <p:nvSpPr>
+          <p:cNvPr id="21" name="Seta: Pentágono 58">
+            <a:extLst>
+              <a:ext uri="{FF2B5EF4-FFF2-40B4-BE49-F238E27FC236}">
+                <a16:creationId xmlns:a16="http://schemas.microsoft.com/office/drawing/2014/main" xmlns="" id="{0BB13E62-EB58-4BCD-B51B-6701A40573A6}"/>
+              </a:ext>
+            </a:extLst>
+          </p:cNvPr>
+          <p:cNvSpPr/>
+          <p:nvPr/>
+        </p:nvSpPr>
+        <p:spPr>
+          <a:xfrm>
+            <a:off x="9431346" y="973689"/>
+            <a:ext cx="2037351" cy="573368"/>
+          </a:xfrm>
+          <a:prstGeom prst="homePlate">
+            <a:avLst/>
+          </a:prstGeom>
+          <a:solidFill>
+            <a:srgbClr val="3E00FF"/>
+          </a:solidFill>
+          <a:ln>
+            <a:noFill/>
+          </a:ln>
+        </p:spPr>
+        <p:style>
+          <a:lnRef idx="2">
+            <a:schemeClr val="accent1">
+              <a:shade val="50000"/>
+            </a:schemeClr>
+          </a:lnRef>
+          <a:fillRef idx="1">
+            <a:schemeClr val="accent1"/>
+          </a:fillRef>
+          <a:effectRef idx="0">
+            <a:schemeClr val="accent1"/>
+          </a:effectRef>
+          <a:fontRef idx="minor">
+            <a:schemeClr val="lt1"/>
+          </a:fontRef>
+        </p:style>
+        <p:txBody>
+          <a:bodyPr rtlCol="0" anchor="ctr"/>
+          <a:lstStyle/>
+          <a:p>
+            <a:pPr algn="ctr"/>
+            <a:r>
+              <a:rPr lang="pt-BR" sz="1400" b="1" dirty="0" smtClean="0"/>
+              <a:t>ACESSAR A DASHBOARD</a:t>
+            </a:r>
+            <a:endParaRPr lang="pt-BR" sz="1400" b="1" dirty="0"/>
           </a:p>
         </p:txBody>
       </p:sp>
@@ -7120,7 +6977,7 @@
         </p:blipFill>
         <p:spPr>
           <a:xfrm>
-            <a:off x="12345328" y="1958628"/>
+            <a:off x="3512233" y="2983529"/>
             <a:ext cx="914400" cy="914400"/>
           </a:xfrm>
           <a:prstGeom prst="rect">
@@ -7245,6 +7102,740 @@
           </a:prstGeom>
         </p:spPr>
       </p:pic>
+      <p:sp>
+        <p:nvSpPr>
+          <p:cNvPr id="33" name="Retângulo 32">
+            <a:extLst>
+              <a:ext uri="{FF2B5EF4-FFF2-40B4-BE49-F238E27FC236}">
+                <a16:creationId xmlns:a16="http://schemas.microsoft.com/office/drawing/2014/main" xmlns="" id="{C2EABCFD-DF70-4F16-AD1B-2E16D3CBCDB4}"/>
+              </a:ext>
+            </a:extLst>
+          </p:cNvPr>
+          <p:cNvSpPr/>
+          <p:nvPr/>
+        </p:nvSpPr>
+        <p:spPr>
+          <a:xfrm>
+            <a:off x="5081543" y="1735796"/>
+            <a:ext cx="2496969" cy="1200329"/>
+          </a:xfrm>
+          <a:prstGeom prst="rect">
+            <a:avLst/>
+          </a:prstGeom>
+        </p:spPr>
+        <p:txBody>
+          <a:bodyPr wrap="square">
+            <a:spAutoFit/>
+          </a:bodyPr>
+          <a:lstStyle/>
+          <a:p>
+            <a:pPr marL="342900" indent="-342900">
+              <a:buFont typeface="Arial" panose="020B0604020202020204" pitchFamily="34" charset="0"/>
+              <a:buChar char="•"/>
+            </a:pPr>
+            <a:r>
+              <a:rPr lang="pt-BR" sz="1200" dirty="0" smtClean="0">
+                <a:latin typeface="Exo 2" panose="00000500000000000000" pitchFamily="50" charset="0"/>
+              </a:rPr>
+              <a:t>Inseri</a:t>
+            </a:r>
+            <a:r>
+              <a:rPr lang="pt-BR" sz="1200" dirty="0" smtClean="0">
+                <a:latin typeface="Exo 2" panose="00000500000000000000" pitchFamily="50" charset="0"/>
+              </a:rPr>
+              <a:t> Dados de Entrada</a:t>
+            </a:r>
+            <a:endParaRPr lang="pt-BR" sz="1200" dirty="0">
+              <a:latin typeface="Exo 2" panose="00000500000000000000" pitchFamily="50" charset="0"/>
+            </a:endParaRPr>
+          </a:p>
+          <a:p>
+            <a:pPr marL="342900" indent="-342900">
+              <a:buFont typeface="Arial" panose="020B0604020202020204" pitchFamily="34" charset="0"/>
+              <a:buChar char="•"/>
+            </a:pPr>
+            <a:r>
+              <a:rPr lang="pt-BR" sz="1200" dirty="0" smtClean="0">
+                <a:latin typeface="Exo 2" panose="00000500000000000000" pitchFamily="50" charset="0"/>
+              </a:rPr>
+              <a:t>Inseri Dados da Empresa </a:t>
+            </a:r>
+          </a:p>
+          <a:p>
+            <a:pPr marL="342900" indent="-342900">
+              <a:buFont typeface="Arial" panose="020B0604020202020204" pitchFamily="34" charset="0"/>
+              <a:buChar char="•"/>
+            </a:pPr>
+            <a:r>
+              <a:rPr lang="pt-BR" sz="1200" dirty="0" smtClean="0">
+                <a:latin typeface="Exo 2" panose="00000500000000000000" pitchFamily="50" charset="0"/>
+              </a:rPr>
+              <a:t>Inseri Dados de Endereço</a:t>
+            </a:r>
+          </a:p>
+        </p:txBody>
+      </p:sp>
+      <p:sp>
+        <p:nvSpPr>
+          <p:cNvPr id="34" name="Retângulo 33">
+            <a:extLst>
+              <a:ext uri="{FF2B5EF4-FFF2-40B4-BE49-F238E27FC236}">
+                <a16:creationId xmlns:a16="http://schemas.microsoft.com/office/drawing/2014/main" xmlns="" id="{C2EABCFD-DF70-4F16-AD1B-2E16D3CBCDB4}"/>
+              </a:ext>
+            </a:extLst>
+          </p:cNvPr>
+          <p:cNvSpPr/>
+          <p:nvPr/>
+        </p:nvSpPr>
+        <p:spPr>
+          <a:xfrm>
+            <a:off x="7219661" y="1984507"/>
+            <a:ext cx="2496969" cy="461665"/>
+          </a:xfrm>
+          <a:prstGeom prst="rect">
+            <a:avLst/>
+          </a:prstGeom>
+        </p:spPr>
+        <p:txBody>
+          <a:bodyPr wrap="square">
+            <a:spAutoFit/>
+          </a:bodyPr>
+          <a:lstStyle/>
+          <a:p>
+            <a:pPr marL="342900" indent="-342900">
+              <a:buFont typeface="Arial" panose="020B0604020202020204" pitchFamily="34" charset="0"/>
+              <a:buChar char="•"/>
+            </a:pPr>
+            <a:r>
+              <a:rPr lang="pt-BR" sz="1200" dirty="0" smtClean="0">
+                <a:latin typeface="Exo 2" panose="00000500000000000000" pitchFamily="50" charset="0"/>
+              </a:rPr>
+              <a:t>Inseri o E-mail</a:t>
+            </a:r>
+          </a:p>
+          <a:p>
+            <a:pPr marL="342900" indent="-342900">
+              <a:buFont typeface="Arial" panose="020B0604020202020204" pitchFamily="34" charset="0"/>
+              <a:buChar char="•"/>
+            </a:pPr>
+            <a:r>
+              <a:rPr lang="pt-BR" sz="1200" dirty="0" smtClean="0">
+                <a:latin typeface="Exo 2" panose="00000500000000000000" pitchFamily="50" charset="0"/>
+              </a:rPr>
+              <a:t>Inseri a Senha</a:t>
+            </a:r>
+            <a:endParaRPr lang="pt-BR" sz="1200" dirty="0" smtClean="0">
+              <a:latin typeface="Exo 2" panose="00000500000000000000" pitchFamily="50" charset="0"/>
+            </a:endParaRPr>
+          </a:p>
+        </p:txBody>
+      </p:sp>
+      <p:sp>
+        <p:nvSpPr>
+          <p:cNvPr id="36" name="Retângulo 35">
+            <a:extLst>
+              <a:ext uri="{FF2B5EF4-FFF2-40B4-BE49-F238E27FC236}">
+                <a16:creationId xmlns:a16="http://schemas.microsoft.com/office/drawing/2014/main" xmlns="" id="{C2EABCFD-DF70-4F16-AD1B-2E16D3CBCDB4}"/>
+              </a:ext>
+            </a:extLst>
+          </p:cNvPr>
+          <p:cNvSpPr/>
+          <p:nvPr/>
+        </p:nvSpPr>
+        <p:spPr>
+          <a:xfrm>
+            <a:off x="9343115" y="1807015"/>
+            <a:ext cx="2496969" cy="1015663"/>
+          </a:xfrm>
+          <a:prstGeom prst="rect">
+            <a:avLst/>
+          </a:prstGeom>
+        </p:spPr>
+        <p:txBody>
+          <a:bodyPr wrap="square">
+            <a:spAutoFit/>
+          </a:bodyPr>
+          <a:lstStyle/>
+          <a:p>
+            <a:pPr marL="342900" indent="-342900">
+              <a:buFont typeface="Arial" panose="020B0604020202020204" pitchFamily="34" charset="0"/>
+              <a:buChar char="•"/>
+            </a:pPr>
+            <a:r>
+              <a:rPr lang="pt-BR" sz="1200" dirty="0" smtClean="0">
+                <a:latin typeface="Exo 2" panose="00000500000000000000" pitchFamily="50" charset="0"/>
+              </a:rPr>
+              <a:t>Fazer o cadastro de produto</a:t>
+            </a:r>
+          </a:p>
+          <a:p>
+            <a:pPr marL="342900" indent="-342900">
+              <a:buFont typeface="Arial" panose="020B0604020202020204" pitchFamily="34" charset="0"/>
+              <a:buChar char="•"/>
+            </a:pPr>
+            <a:r>
+              <a:rPr lang="pt-BR" sz="1200" dirty="0" smtClean="0">
+                <a:latin typeface="Exo 2" panose="00000500000000000000" pitchFamily="50" charset="0"/>
+              </a:rPr>
+              <a:t>Fazer controle de estoque</a:t>
+            </a:r>
+          </a:p>
+          <a:p>
+            <a:pPr marL="342900" indent="-342900">
+              <a:buFont typeface="Arial" panose="020B0604020202020204" pitchFamily="34" charset="0"/>
+              <a:buChar char="•"/>
+            </a:pPr>
+            <a:r>
+              <a:rPr lang="pt-BR" sz="1200" dirty="0" smtClean="0">
+                <a:latin typeface="Exo 2" panose="00000500000000000000" pitchFamily="50" charset="0"/>
+              </a:rPr>
+              <a:t>Realizar Venda</a:t>
+            </a:r>
+            <a:endParaRPr lang="pt-BR" sz="1200" dirty="0" smtClean="0">
+              <a:latin typeface="Exo 2" panose="00000500000000000000" pitchFamily="50" charset="0"/>
+            </a:endParaRPr>
+          </a:p>
+        </p:txBody>
+      </p:sp>
+      <p:pic>
+        <p:nvPicPr>
+          <p:cNvPr id="37" name="Gráfico 78" descr="Rosto neutro sem preenchimento ">
+            <a:extLst>
+              <a:ext uri="{FF2B5EF4-FFF2-40B4-BE49-F238E27FC236}">
+                <a16:creationId xmlns:a16="http://schemas.microsoft.com/office/drawing/2014/main" xmlns="" id="{D1E4C346-AACD-4ABA-9540-6EE52F5A8371}"/>
+              </a:ext>
+            </a:extLst>
+          </p:cNvPr>
+          <p:cNvPicPr>
+            <a:picLocks noChangeAspect="1"/>
+          </p:cNvPicPr>
+          <p:nvPr/>
+        </p:nvPicPr>
+        <p:blipFill>
+          <a:blip r:embed="rId15">
+            <a:extLst>
+              <a:ext uri="{28A0092B-C50C-407E-A947-70E740481C1C}">
+                <a14:useLocalDpi xmlns:a14="http://schemas.microsoft.com/office/drawing/2010/main"/>
+              </a:ext>
+              <a:ext uri="{96DAC541-7B7A-43D3-8B79-37D633B846F1}">
+                <asvg:svgBlip xmlns:asvg="http://schemas.microsoft.com/office/drawing/2016/SVG/main" xmlns="" r:embed="rId16"/>
+              </a:ext>
+            </a:extLst>
+          </a:blip>
+          <a:stretch>
+            <a:fillRect/>
+          </a:stretch>
+        </p:blipFill>
+        <p:spPr>
+          <a:xfrm>
+            <a:off x="12311690" y="1966677"/>
+            <a:ext cx="914400" cy="914400"/>
+          </a:xfrm>
+          <a:prstGeom prst="rect">
+            <a:avLst/>
+          </a:prstGeom>
+        </p:spPr>
+      </p:pic>
+      <p:pic>
+        <p:nvPicPr>
+          <p:cNvPr id="39" name="Gráfico 77" descr="Rosto sorridente sem preenchimento ">
+            <a:extLst>
+              <a:ext uri="{FF2B5EF4-FFF2-40B4-BE49-F238E27FC236}">
+                <a16:creationId xmlns:a16="http://schemas.microsoft.com/office/drawing/2014/main" xmlns="" id="{C0027FE7-FDE9-473F-ADAF-1281A7BD417D}"/>
+              </a:ext>
+            </a:extLst>
+          </p:cNvPr>
+          <p:cNvPicPr>
+            <a:picLocks noChangeAspect="1"/>
+          </p:cNvPicPr>
+          <p:nvPr/>
+        </p:nvPicPr>
+        <p:blipFill>
+          <a:blip r:embed="rId13">
+            <a:extLst>
+              <a:ext uri="{28A0092B-C50C-407E-A947-70E740481C1C}">
+                <a14:useLocalDpi xmlns:a14="http://schemas.microsoft.com/office/drawing/2010/main"/>
+              </a:ext>
+              <a:ext uri="{96DAC541-7B7A-43D3-8B79-37D633B846F1}">
+                <asvg:svgBlip xmlns:asvg="http://schemas.microsoft.com/office/drawing/2016/SVG/main" xmlns="" r:embed="rId14"/>
+              </a:ext>
+            </a:extLst>
+          </a:blip>
+          <a:stretch>
+            <a:fillRect/>
+          </a:stretch>
+        </p:blipFill>
+        <p:spPr>
+          <a:xfrm>
+            <a:off x="7867239" y="2999911"/>
+            <a:ext cx="914400" cy="914400"/>
+          </a:xfrm>
+          <a:prstGeom prst="rect">
+            <a:avLst/>
+          </a:prstGeom>
+        </p:spPr>
+      </p:pic>
+      <p:pic>
+        <p:nvPicPr>
+          <p:cNvPr id="40" name="Gráfico 79" descr="Rosto triste sem preenchimento ">
+            <a:extLst>
+              <a:ext uri="{FF2B5EF4-FFF2-40B4-BE49-F238E27FC236}">
+                <a16:creationId xmlns:a16="http://schemas.microsoft.com/office/drawing/2014/main" xmlns="" id="{5E638E41-AE51-4FCB-918B-4D93C61F3350}"/>
+              </a:ext>
+            </a:extLst>
+          </p:cNvPr>
+          <p:cNvPicPr>
+            <a:picLocks noChangeAspect="1"/>
+          </p:cNvPicPr>
+          <p:nvPr/>
+        </p:nvPicPr>
+        <p:blipFill>
+          <a:blip r:embed="rId17">
+            <a:extLst>
+              <a:ext uri="{28A0092B-C50C-407E-A947-70E740481C1C}">
+                <a14:useLocalDpi xmlns:a14="http://schemas.microsoft.com/office/drawing/2010/main"/>
+              </a:ext>
+              <a:ext uri="{96DAC541-7B7A-43D3-8B79-37D633B846F1}">
+                <asvg:svgBlip xmlns:asvg="http://schemas.microsoft.com/office/drawing/2016/SVG/main" xmlns="" r:embed="rId18"/>
+              </a:ext>
+            </a:extLst>
+          </a:blip>
+          <a:stretch>
+            <a:fillRect/>
+          </a:stretch>
+        </p:blipFill>
+        <p:spPr>
+          <a:xfrm>
+            <a:off x="5741657" y="2975699"/>
+            <a:ext cx="914400" cy="914400"/>
+          </a:xfrm>
+          <a:prstGeom prst="rect">
+            <a:avLst/>
+          </a:prstGeom>
+        </p:spPr>
+      </p:pic>
+      <p:pic>
+        <p:nvPicPr>
+          <p:cNvPr id="41" name="Gráfico 80" descr="Rosto sorrindo sem preenchimento ">
+            <a:extLst>
+              <a:ext uri="{FF2B5EF4-FFF2-40B4-BE49-F238E27FC236}">
+                <a16:creationId xmlns:a16="http://schemas.microsoft.com/office/drawing/2014/main" xmlns="" id="{72C5BDBD-5C3F-4A7A-A02D-0828B0C77AEA}"/>
+              </a:ext>
+            </a:extLst>
+          </p:cNvPr>
+          <p:cNvPicPr>
+            <a:picLocks noChangeAspect="1"/>
+          </p:cNvPicPr>
+          <p:nvPr/>
+        </p:nvPicPr>
+        <p:blipFill>
+          <a:blip r:embed="rId19">
+            <a:extLst>
+              <a:ext uri="{28A0092B-C50C-407E-A947-70E740481C1C}">
+                <a14:useLocalDpi xmlns:a14="http://schemas.microsoft.com/office/drawing/2010/main"/>
+              </a:ext>
+              <a:ext uri="{96DAC541-7B7A-43D3-8B79-37D633B846F1}">
+                <asvg:svgBlip xmlns:asvg="http://schemas.microsoft.com/office/drawing/2016/SVG/main" xmlns="" r:embed="rId20"/>
+              </a:ext>
+            </a:extLst>
+          </a:blip>
+          <a:stretch>
+            <a:fillRect/>
+          </a:stretch>
+        </p:blipFill>
+        <p:spPr>
+          <a:xfrm>
+            <a:off x="9992821" y="2973565"/>
+            <a:ext cx="914400" cy="914400"/>
+          </a:xfrm>
+          <a:prstGeom prst="rect">
+            <a:avLst/>
+          </a:prstGeom>
+        </p:spPr>
+      </p:pic>
+      <p:sp>
+        <p:nvSpPr>
+          <p:cNvPr id="42" name="Retângulo 41">
+            <a:extLst>
+              <a:ext uri="{FF2B5EF4-FFF2-40B4-BE49-F238E27FC236}">
+                <a16:creationId xmlns:a16="http://schemas.microsoft.com/office/drawing/2014/main" xmlns="" id="{38E392A5-D5C4-4E93-81B3-2C2DDE0DF481}"/>
+              </a:ext>
+            </a:extLst>
+          </p:cNvPr>
+          <p:cNvSpPr/>
+          <p:nvPr/>
+        </p:nvSpPr>
+        <p:spPr>
+          <a:xfrm>
+            <a:off x="5091951" y="4291759"/>
+            <a:ext cx="2037351" cy="1015663"/>
+          </a:xfrm>
+          <a:prstGeom prst="rect">
+            <a:avLst/>
+          </a:prstGeom>
+        </p:spPr>
+        <p:txBody>
+          <a:bodyPr wrap="square">
+            <a:spAutoFit/>
+          </a:bodyPr>
+          <a:lstStyle/>
+          <a:p>
+            <a:pPr marL="342900" indent="-342900">
+              <a:buFont typeface="Arial" panose="020B0604020202020204" pitchFamily="34" charset="0"/>
+              <a:buChar char="•"/>
+            </a:pPr>
+            <a:r>
+              <a:rPr lang="pt-BR" sz="1200" dirty="0" smtClean="0">
+                <a:latin typeface="Exo 2" panose="00000500000000000000" pitchFamily="50" charset="0"/>
+              </a:rPr>
+              <a:t>“Ai, quanta burocracia” </a:t>
+            </a:r>
+          </a:p>
+          <a:p>
+            <a:pPr marL="342900" indent="-342900">
+              <a:buFont typeface="Arial" panose="020B0604020202020204" pitchFamily="34" charset="0"/>
+              <a:buChar char="•"/>
+            </a:pPr>
+            <a:r>
+              <a:rPr lang="pt-BR" sz="1200" dirty="0" smtClean="0">
+                <a:latin typeface="Exo 2" panose="00000500000000000000" pitchFamily="50" charset="0"/>
+              </a:rPr>
+              <a:t>“Porque será que eles precisam do meu endereço”</a:t>
+            </a:r>
+            <a:endParaRPr lang="pt-BR" sz="1200" dirty="0">
+              <a:latin typeface="Exo 2" panose="00000500000000000000" pitchFamily="50" charset="0"/>
+            </a:endParaRPr>
+          </a:p>
+        </p:txBody>
+      </p:sp>
+      <p:sp>
+        <p:nvSpPr>
+          <p:cNvPr id="43" name="Retângulo 42">
+            <a:extLst>
+              <a:ext uri="{FF2B5EF4-FFF2-40B4-BE49-F238E27FC236}">
+                <a16:creationId xmlns:a16="http://schemas.microsoft.com/office/drawing/2014/main" xmlns="" id="{38E392A5-D5C4-4E93-81B3-2C2DDE0DF481}"/>
+              </a:ext>
+            </a:extLst>
+          </p:cNvPr>
+          <p:cNvSpPr/>
+          <p:nvPr/>
+        </p:nvSpPr>
+        <p:spPr>
+          <a:xfrm>
+            <a:off x="7326578" y="4267456"/>
+            <a:ext cx="2037351" cy="1015663"/>
+          </a:xfrm>
+          <a:prstGeom prst="rect">
+            <a:avLst/>
+          </a:prstGeom>
+        </p:spPr>
+        <p:txBody>
+          <a:bodyPr wrap="square">
+            <a:spAutoFit/>
+          </a:bodyPr>
+          <a:lstStyle/>
+          <a:p>
+            <a:pPr marL="342900" indent="-342900">
+              <a:buFont typeface="Arial" panose="020B0604020202020204" pitchFamily="34" charset="0"/>
+              <a:buChar char="•"/>
+            </a:pPr>
+            <a:r>
+              <a:rPr lang="pt-BR" sz="1200" dirty="0" smtClean="0">
+                <a:latin typeface="Exo 2" panose="00000500000000000000" pitchFamily="50" charset="0"/>
+              </a:rPr>
+              <a:t>“Finalmente conclui o cadastro” </a:t>
+            </a:r>
+          </a:p>
+          <a:p>
+            <a:pPr marL="342900" indent="-342900">
+              <a:buFont typeface="Arial" panose="020B0604020202020204" pitchFamily="34" charset="0"/>
+              <a:buChar char="•"/>
+            </a:pPr>
+            <a:r>
+              <a:rPr lang="pt-BR" sz="1200" dirty="0" smtClean="0">
+                <a:latin typeface="Exo 2" panose="00000500000000000000" pitchFamily="50" charset="0"/>
+              </a:rPr>
+              <a:t>“Agora é mais rápido”</a:t>
+            </a:r>
+            <a:endParaRPr lang="pt-BR" sz="1200" dirty="0">
+              <a:latin typeface="Exo 2" panose="00000500000000000000" pitchFamily="50" charset="0"/>
+            </a:endParaRPr>
+          </a:p>
+        </p:txBody>
+      </p:sp>
+      <p:sp>
+        <p:nvSpPr>
+          <p:cNvPr id="44" name="Retângulo 43">
+            <a:extLst>
+              <a:ext uri="{FF2B5EF4-FFF2-40B4-BE49-F238E27FC236}">
+                <a16:creationId xmlns:a16="http://schemas.microsoft.com/office/drawing/2014/main" xmlns="" id="{38E392A5-D5C4-4E93-81B3-2C2DDE0DF481}"/>
+              </a:ext>
+            </a:extLst>
+          </p:cNvPr>
+          <p:cNvSpPr/>
+          <p:nvPr/>
+        </p:nvSpPr>
+        <p:spPr>
+          <a:xfrm>
+            <a:off x="9343115" y="4384091"/>
+            <a:ext cx="2037351" cy="830997"/>
+          </a:xfrm>
+          <a:prstGeom prst="rect">
+            <a:avLst/>
+          </a:prstGeom>
+        </p:spPr>
+        <p:txBody>
+          <a:bodyPr wrap="square">
+            <a:spAutoFit/>
+          </a:bodyPr>
+          <a:lstStyle/>
+          <a:p>
+            <a:pPr marL="342900" indent="-342900">
+              <a:buFont typeface="Arial" panose="020B0604020202020204" pitchFamily="34" charset="0"/>
+              <a:buChar char="•"/>
+            </a:pPr>
+            <a:r>
+              <a:rPr lang="pt-BR" sz="1200" dirty="0" smtClean="0">
+                <a:latin typeface="Exo 2" panose="00000500000000000000" pitchFamily="50" charset="0"/>
+              </a:rPr>
+              <a:t>“Agora sim, tenho as informações que eu queria” </a:t>
+            </a:r>
+          </a:p>
+        </p:txBody>
+      </p:sp>
+      <p:sp>
+        <p:nvSpPr>
+          <p:cNvPr id="47" name="Retângulo 46">
+            <a:extLst>
+              <a:ext uri="{FF2B5EF4-FFF2-40B4-BE49-F238E27FC236}">
+                <a16:creationId xmlns:a16="http://schemas.microsoft.com/office/drawing/2014/main" xmlns="" id="{38E392A5-D5C4-4E93-81B3-2C2DDE0DF481}"/>
+              </a:ext>
+            </a:extLst>
+          </p:cNvPr>
+          <p:cNvSpPr/>
+          <p:nvPr/>
+        </p:nvSpPr>
+        <p:spPr>
+          <a:xfrm>
+            <a:off x="3059042" y="5985315"/>
+            <a:ext cx="2037351" cy="276999"/>
+          </a:xfrm>
+          <a:prstGeom prst="rect">
+            <a:avLst/>
+          </a:prstGeom>
+        </p:spPr>
+        <p:txBody>
+          <a:bodyPr wrap="square">
+            <a:spAutoFit/>
+          </a:bodyPr>
+          <a:lstStyle/>
+          <a:p>
+            <a:pPr marL="342900" indent="-342900">
+              <a:buFont typeface="Arial" panose="020B0604020202020204" pitchFamily="34" charset="0"/>
+              <a:buChar char="•"/>
+            </a:pPr>
+            <a:endParaRPr lang="pt-BR" sz="1200" dirty="0">
+              <a:latin typeface="Exo 2" panose="00000500000000000000" pitchFamily="50" charset="0"/>
+            </a:endParaRPr>
+          </a:p>
+        </p:txBody>
+      </p:sp>
+      <p:sp>
+        <p:nvSpPr>
+          <p:cNvPr id="48" name="Retângulo 47">
+            <a:extLst>
+              <a:ext uri="{FF2B5EF4-FFF2-40B4-BE49-F238E27FC236}">
+                <a16:creationId xmlns:a16="http://schemas.microsoft.com/office/drawing/2014/main" xmlns="" id="{38E392A5-D5C4-4E93-81B3-2C2DDE0DF481}"/>
+              </a:ext>
+            </a:extLst>
+          </p:cNvPr>
+          <p:cNvSpPr/>
+          <p:nvPr/>
+        </p:nvSpPr>
+        <p:spPr>
+          <a:xfrm>
+            <a:off x="5032224" y="5743091"/>
+            <a:ext cx="2037351" cy="830997"/>
+          </a:xfrm>
+          <a:prstGeom prst="rect">
+            <a:avLst/>
+          </a:prstGeom>
+        </p:spPr>
+        <p:txBody>
+          <a:bodyPr wrap="square">
+            <a:spAutoFit/>
+          </a:bodyPr>
+          <a:lstStyle/>
+          <a:p>
+            <a:pPr marL="342900" indent="-342900">
+              <a:buFont typeface="Arial" panose="020B0604020202020204" pitchFamily="34" charset="0"/>
+              <a:buChar char="•"/>
+            </a:pPr>
+            <a:r>
+              <a:rPr lang="pt-BR" sz="1200" dirty="0" smtClean="0">
+                <a:latin typeface="Exo 2" panose="00000500000000000000" pitchFamily="50" charset="0"/>
+              </a:rPr>
+              <a:t>Separar o cadastro em etapas para não parecer longo</a:t>
+            </a:r>
+            <a:endParaRPr lang="pt-BR" sz="1200" dirty="0">
+              <a:latin typeface="Exo 2" panose="00000500000000000000" pitchFamily="50" charset="0"/>
+            </a:endParaRPr>
+          </a:p>
+        </p:txBody>
+      </p:sp>
+      <p:sp>
+        <p:nvSpPr>
+          <p:cNvPr id="49" name="Retângulo 48">
+            <a:extLst>
+              <a:ext uri="{FF2B5EF4-FFF2-40B4-BE49-F238E27FC236}">
+                <a16:creationId xmlns:a16="http://schemas.microsoft.com/office/drawing/2014/main" xmlns="" id="{38E392A5-D5C4-4E93-81B3-2C2DDE0DF481}"/>
+              </a:ext>
+            </a:extLst>
+          </p:cNvPr>
+          <p:cNvSpPr/>
+          <p:nvPr/>
+        </p:nvSpPr>
+        <p:spPr>
+          <a:xfrm>
+            <a:off x="7247040" y="5591073"/>
+            <a:ext cx="2125583" cy="1200329"/>
+          </a:xfrm>
+          <a:prstGeom prst="rect">
+            <a:avLst/>
+          </a:prstGeom>
+        </p:spPr>
+        <p:txBody>
+          <a:bodyPr wrap="square">
+            <a:spAutoFit/>
+          </a:bodyPr>
+          <a:lstStyle/>
+          <a:p>
+            <a:pPr marL="342900" indent="-342900">
+              <a:buFont typeface="Arial" panose="020B0604020202020204" pitchFamily="34" charset="0"/>
+              <a:buChar char="•"/>
+            </a:pPr>
+            <a:r>
+              <a:rPr lang="pt-BR" sz="1200" dirty="0" smtClean="0">
+                <a:latin typeface="Exo 2" panose="00000500000000000000" pitchFamily="50" charset="0"/>
+              </a:rPr>
+              <a:t>Após o cadastro, fazer a realização do </a:t>
+            </a:r>
+            <a:r>
+              <a:rPr lang="pt-BR" sz="1200" dirty="0" err="1" smtClean="0">
+                <a:latin typeface="Exo 2" panose="00000500000000000000" pitchFamily="50" charset="0"/>
+              </a:rPr>
+              <a:t>login</a:t>
+            </a:r>
+            <a:r>
+              <a:rPr lang="pt-BR" sz="1200" dirty="0" smtClean="0">
+                <a:latin typeface="Exo 2" panose="00000500000000000000" pitchFamily="50" charset="0"/>
+              </a:rPr>
+              <a:t> automático, para minimizar o tempo</a:t>
+            </a:r>
+            <a:endParaRPr lang="pt-BR" sz="1200" dirty="0">
+              <a:latin typeface="Exo 2" panose="00000500000000000000" pitchFamily="50" charset="0"/>
+            </a:endParaRPr>
+          </a:p>
+        </p:txBody>
+      </p:sp>
+      <p:sp>
+        <p:nvSpPr>
+          <p:cNvPr id="50" name="Retângulo 49">
+            <a:extLst>
+              <a:ext uri="{FF2B5EF4-FFF2-40B4-BE49-F238E27FC236}">
+                <a16:creationId xmlns:a16="http://schemas.microsoft.com/office/drawing/2014/main" xmlns="" id="{38E392A5-D5C4-4E93-81B3-2C2DDE0DF481}"/>
+              </a:ext>
+            </a:extLst>
+          </p:cNvPr>
+          <p:cNvSpPr/>
+          <p:nvPr/>
+        </p:nvSpPr>
+        <p:spPr>
+          <a:xfrm>
+            <a:off x="9343114" y="5660007"/>
+            <a:ext cx="2037351" cy="1015663"/>
+          </a:xfrm>
+          <a:prstGeom prst="rect">
+            <a:avLst/>
+          </a:prstGeom>
+        </p:spPr>
+        <p:txBody>
+          <a:bodyPr wrap="square">
+            <a:spAutoFit/>
+          </a:bodyPr>
+          <a:lstStyle/>
+          <a:p>
+            <a:pPr marL="342900" indent="-342900">
+              <a:buFont typeface="Arial" panose="020B0604020202020204" pitchFamily="34" charset="0"/>
+              <a:buChar char="•"/>
+            </a:pPr>
+            <a:r>
+              <a:rPr lang="pt-BR" sz="1200" dirty="0" smtClean="0">
+                <a:latin typeface="Exo 2" panose="00000500000000000000" pitchFamily="50" charset="0"/>
+              </a:rPr>
+              <a:t>Deixar a </a:t>
+            </a:r>
+            <a:r>
+              <a:rPr lang="pt-BR" sz="1200" dirty="0" err="1" smtClean="0">
+                <a:latin typeface="Exo 2" panose="00000500000000000000" pitchFamily="50" charset="0"/>
+              </a:rPr>
+              <a:t>dashbord</a:t>
+            </a:r>
+            <a:r>
+              <a:rPr lang="pt-BR" sz="1200" dirty="0" smtClean="0">
+                <a:latin typeface="Exo 2" panose="00000500000000000000" pitchFamily="50" charset="0"/>
+              </a:rPr>
+              <a:t> bem intuitiva para não confundir o usuário</a:t>
+            </a:r>
+            <a:endParaRPr lang="pt-BR" sz="1200" dirty="0">
+              <a:latin typeface="Exo 2" panose="00000500000000000000" pitchFamily="50" charset="0"/>
+            </a:endParaRPr>
+          </a:p>
+        </p:txBody>
+      </p:sp>
+      <p:sp>
+        <p:nvSpPr>
+          <p:cNvPr id="51" name="Retângulo 50">
+            <a:extLst>
+              <a:ext uri="{FF2B5EF4-FFF2-40B4-BE49-F238E27FC236}">
+                <a16:creationId xmlns:a16="http://schemas.microsoft.com/office/drawing/2014/main" xmlns="" id="{38E392A5-D5C4-4E93-81B3-2C2DDE0DF481}"/>
+              </a:ext>
+            </a:extLst>
+          </p:cNvPr>
+          <p:cNvSpPr/>
+          <p:nvPr/>
+        </p:nvSpPr>
+        <p:spPr>
+          <a:xfrm>
+            <a:off x="2803586" y="5786748"/>
+            <a:ext cx="2037351" cy="646331"/>
+          </a:xfrm>
+          <a:prstGeom prst="rect">
+            <a:avLst/>
+          </a:prstGeom>
+        </p:spPr>
+        <p:txBody>
+          <a:bodyPr wrap="square">
+            <a:spAutoFit/>
+          </a:bodyPr>
+          <a:lstStyle/>
+          <a:p>
+            <a:pPr marL="342900" indent="-342900">
+              <a:buFont typeface="Arial" panose="020B0604020202020204" pitchFamily="34" charset="0"/>
+              <a:buChar char="•"/>
+            </a:pPr>
+            <a:r>
+              <a:rPr lang="pt-BR" sz="1200" dirty="0" smtClean="0">
+                <a:latin typeface="Exo 2" panose="00000500000000000000" pitchFamily="50" charset="0"/>
+              </a:rPr>
+              <a:t>Botões maiores para melhor sinalização </a:t>
+            </a:r>
+            <a:endParaRPr lang="pt-BR" sz="1200" dirty="0">
+              <a:latin typeface="Exo 2" panose="00000500000000000000" pitchFamily="50" charset="0"/>
+            </a:endParaRPr>
+          </a:p>
+        </p:txBody>
+      </p:sp>
     </p:spTree>
     <p:extLst>
       <p:ext uri="{BB962C8B-B14F-4D97-AF65-F5344CB8AC3E}">
@@ -7255,6 +7846,13 @@
   <p:clrMapOvr>
     <a:masterClrMapping/>
   </p:clrMapOvr>
+  <p:timing>
+    <p:tnLst>
+      <p:par>
+        <p:cTn id="1" dur="indefinite" restart="never" nodeType="tmRoot"/>
+      </p:par>
+    </p:tnLst>
+  </p:timing>
 </p:sld>
 </file>
 
@@ -8298,6 +8896,7 @@
 <file path=customXml/itemProps3.xml><?xml version="1.0" encoding="utf-8"?>
 <ds:datastoreItem xmlns:ds="http://schemas.openxmlformats.org/officeDocument/2006/customXml" ds:itemID="{620ED59B-F67D-4B99-A0A7-E5237FF58100}">
   <ds:schemaRefs>
+    <ds:schemaRef ds:uri="http://schemas.microsoft.com/office/2006/metadata/properties"/>
     <ds:schemaRef ds:uri="http://schemas.microsoft.com/office/2006/documentManagement/types"/>
     <ds:schemaRef ds:uri="http://purl.org/dc/terms/"/>
     <ds:schemaRef ds:uri="http://schemas.openxmlformats.org/package/2006/metadata/core-properties"/>
@@ -8305,7 +8904,6 @@
     <ds:schemaRef ds:uri="http://purl.org/dc/dcmitype/"/>
     <ds:schemaRef ds:uri="http://schemas.microsoft.com/office/infopath/2007/PartnerControls"/>
     <ds:schemaRef ds:uri="http://purl.org/dc/elements/1.1/"/>
-    <ds:schemaRef ds:uri="http://schemas.microsoft.com/office/2006/metadata/properties"/>
     <ds:schemaRef ds:uri="71af3243-3dd4-4a8d-8c0d-dd76da1f02a5"/>
     <ds:schemaRef ds:uri="http://www.w3.org/XML/1998/namespace"/>
   </ds:schemaRefs>

--- a/Apresentação/Apresentação-Sollute.pptx
+++ b/Apresentação/Apresentação-Sollute.pptx
@@ -5,18 +5,20 @@
     <p:sldMasterId id="2147483828" r:id="rId4"/>
   </p:sldMasterIdLst>
   <p:notesMasterIdLst>
-    <p:notesMasterId r:id="rId11"/>
+    <p:notesMasterId r:id="rId13"/>
   </p:notesMasterIdLst>
   <p:handoutMasterIdLst>
-    <p:handoutMasterId r:id="rId12"/>
+    <p:handoutMasterId r:id="rId14"/>
   </p:handoutMasterIdLst>
   <p:sldIdLst>
     <p:sldId id="256" r:id="rId5"/>
-    <p:sldId id="261" r:id="rId6"/>
-    <p:sldId id="263" r:id="rId7"/>
-    <p:sldId id="262" r:id="rId8"/>
-    <p:sldId id="264" r:id="rId9"/>
-    <p:sldId id="265" r:id="rId10"/>
+    <p:sldId id="266" r:id="rId6"/>
+    <p:sldId id="261" r:id="rId7"/>
+    <p:sldId id="263" r:id="rId8"/>
+    <p:sldId id="262" r:id="rId9"/>
+    <p:sldId id="264" r:id="rId10"/>
+    <p:sldId id="265" r:id="rId11"/>
+    <p:sldId id="267" r:id="rId12"/>
   </p:sldIdLst>
   <p:sldSz cx="12192000" cy="6858000"/>
   <p:notesSz cx="6858000" cy="9144000"/>
@@ -208,7 +210,7 @@
           <a:p>
             <a:fld id="{1233B479-B86F-4B3B-92CC-A65D21022A71}" type="datetime1">
               <a:rPr lang="pt-BR" smtClean="0"/>
-              <a:t>01/03/2022</a:t>
+              <a:t>02/03/2022</a:t>
             </a:fld>
             <a:endParaRPr lang="pt-BR" dirty="0"/>
           </a:p>
@@ -374,7 +376,7 @@
             <a:fld id="{8EE89ABE-C638-43EB-8FF2-1C40E4E3A55D}" type="datetime1">
               <a:rPr lang="pt-BR" smtClean="0"/>
               <a:pPr/>
-              <a:t>01/03/2022</a:t>
+              <a:t>02/03/2022</a:t>
             </a:fld>
             <a:endParaRPr lang="pt-BR" dirty="0"/>
           </a:p>
@@ -438,38 +440,37 @@
           <a:p>
             <a:pPr lvl="0"/>
             <a:r>
-              <a:rPr lang="pt-BR" noProof="0" dirty="0" smtClean="0"/>
+              <a:rPr lang="pt-BR" noProof="0" dirty="0"/>
               <a:t>Editar estilos de texto Mestre</a:t>
             </a:r>
           </a:p>
           <a:p>
             <a:pPr lvl="1"/>
             <a:r>
-              <a:rPr lang="pt-BR" noProof="0" dirty="0" smtClean="0"/>
+              <a:rPr lang="pt-BR" noProof="0" dirty="0"/>
               <a:t>Segundo nível</a:t>
             </a:r>
           </a:p>
           <a:p>
             <a:pPr lvl="2"/>
             <a:r>
-              <a:rPr lang="pt-BR" noProof="0" dirty="0" smtClean="0"/>
+              <a:rPr lang="pt-BR" noProof="0" dirty="0"/>
               <a:t>Terceiro nível</a:t>
             </a:r>
           </a:p>
           <a:p>
             <a:pPr lvl="3"/>
             <a:r>
-              <a:rPr lang="pt-BR" noProof="0" dirty="0" smtClean="0"/>
+              <a:rPr lang="pt-BR" noProof="0" dirty="0"/>
               <a:t>Quarto nível</a:t>
             </a:r>
           </a:p>
           <a:p>
             <a:pPr lvl="4"/>
             <a:r>
-              <a:rPr lang="pt-BR" noProof="0" dirty="0" smtClean="0"/>
+              <a:rPr lang="pt-BR" noProof="0" dirty="0"/>
               <a:t>Quinto nível</a:t>
             </a:r>
-            <a:endParaRPr lang="pt-BR" noProof="0" dirty="0"/>
           </a:p>
         </p:txBody>
       </p:sp>
@@ -791,7 +792,7 @@
           <a:p>
             <a:pPr rtl="0"/>
             <a:r>
-              <a:rPr lang="pt-BR" noProof="0" smtClean="0"/>
+              <a:rPr lang="pt-BR" noProof="0"/>
               <a:t>Clique para editar o título mestre</a:t>
             </a:r>
             <a:endParaRPr lang="pt-BR" noProof="0" dirty="0"/>
@@ -867,7 +868,7 @@
           <a:p>
             <a:pPr rtl="0"/>
             <a:r>
-              <a:rPr lang="pt-BR" noProof="0" smtClean="0"/>
+              <a:rPr lang="pt-BR" noProof="0"/>
               <a:t>Clique para editar o estilo do subtítulo mestre</a:t>
             </a:r>
             <a:endParaRPr lang="pt-BR" noProof="0" dirty="0"/>
@@ -892,7 +893,7 @@
             <a:pPr rtl="0"/>
             <a:fld id="{ACA70E9B-807F-4AE6-92CC-96282D5E7311}" type="datetime1">
               <a:rPr lang="pt-BR" noProof="0" smtClean="0"/>
-              <a:t>01/03/2022</a:t>
+              <a:t>02/03/2022</a:t>
             </a:fld>
             <a:endParaRPr lang="pt-BR" noProof="0" dirty="0"/>
           </a:p>
@@ -915,11 +916,10 @@
           <a:p>
             <a:pPr rtl="0"/>
             <a:r>
-              <a:rPr lang="pt-BR" noProof="0" dirty="0" smtClean="0"/>
+              <a:rPr lang="pt-BR" noProof="0" dirty="0"/>
               <a:t>
               </a:t>
             </a:r>
-            <a:endParaRPr lang="pt-BR" noProof="0" dirty="0"/>
           </a:p>
         </p:txBody>
       </p:sp>
@@ -994,7 +994,7 @@
           <a:p>
             <a:pPr rtl="0"/>
             <a:r>
-              <a:rPr lang="pt-BR" noProof="0" smtClean="0"/>
+              <a:rPr lang="pt-BR" noProof="0"/>
               <a:t>Clique para editar o título mestre</a:t>
             </a:r>
             <a:endParaRPr lang="pt-BR" noProof="0" dirty="0"/>
@@ -1018,35 +1018,35 @@
           <a:p>
             <a:pPr lvl="0" rtl="0"/>
             <a:r>
-              <a:rPr lang="pt-BR" noProof="0" smtClean="0"/>
+              <a:rPr lang="pt-BR" noProof="0"/>
               <a:t>Clique para editar o texto mestre</a:t>
             </a:r>
           </a:p>
           <a:p>
             <a:pPr lvl="1" rtl="0"/>
             <a:r>
-              <a:rPr lang="pt-BR" noProof="0" smtClean="0"/>
+              <a:rPr lang="pt-BR" noProof="0"/>
               <a:t>Segundo nível</a:t>
             </a:r>
           </a:p>
           <a:p>
             <a:pPr lvl="2" rtl="0"/>
             <a:r>
-              <a:rPr lang="pt-BR" noProof="0" smtClean="0"/>
+              <a:rPr lang="pt-BR" noProof="0"/>
               <a:t>Terceiro nível</a:t>
             </a:r>
           </a:p>
           <a:p>
             <a:pPr lvl="3" rtl="0"/>
             <a:r>
-              <a:rPr lang="pt-BR" noProof="0" smtClean="0"/>
+              <a:rPr lang="pt-BR" noProof="0"/>
               <a:t>Quarto nível</a:t>
             </a:r>
           </a:p>
           <a:p>
             <a:pPr lvl="4" rtl="0"/>
             <a:r>
-              <a:rPr lang="pt-BR" noProof="0" smtClean="0"/>
+              <a:rPr lang="pt-BR" noProof="0"/>
               <a:t>Quinto nível</a:t>
             </a:r>
             <a:endParaRPr lang="pt-BR" noProof="0" dirty="0"/>
@@ -1071,7 +1071,7 @@
             <a:pPr rtl="0"/>
             <a:fld id="{2F190B64-7C24-4AC5-981A-18293759B464}" type="datetime1">
               <a:rPr lang="pt-BR" noProof="0" smtClean="0"/>
-              <a:t>01/03/2022</a:t>
+              <a:t>02/03/2022</a:t>
             </a:fld>
             <a:endParaRPr lang="pt-BR" noProof="0" dirty="0"/>
           </a:p>
@@ -1094,11 +1094,10 @@
           <a:p>
             <a:pPr rtl="0"/>
             <a:r>
-              <a:rPr lang="pt-BR" noProof="0" dirty="0" smtClean="0"/>
+              <a:rPr lang="pt-BR" noProof="0" dirty="0"/>
               <a:t>
               </a:t>
             </a:r>
-            <a:endParaRPr lang="pt-BR" noProof="0" dirty="0"/>
           </a:p>
         </p:txBody>
       </p:sp>
@@ -1178,7 +1177,7 @@
           <a:p>
             <a:pPr rtl="0"/>
             <a:r>
-              <a:rPr lang="pt-BR" noProof="0" smtClean="0"/>
+              <a:rPr lang="pt-BR" noProof="0"/>
               <a:t>Clique para editar o título mestre</a:t>
             </a:r>
             <a:endParaRPr lang="pt-BR" noProof="0" dirty="0"/>
@@ -1207,35 +1206,35 @@
           <a:p>
             <a:pPr lvl="0" rtl="0"/>
             <a:r>
-              <a:rPr lang="pt-BR" noProof="0" smtClean="0"/>
+              <a:rPr lang="pt-BR" noProof="0"/>
               <a:t>Clique para editar o texto mestre</a:t>
             </a:r>
           </a:p>
           <a:p>
             <a:pPr lvl="1" rtl="0"/>
             <a:r>
-              <a:rPr lang="pt-BR" noProof="0" smtClean="0"/>
+              <a:rPr lang="pt-BR" noProof="0"/>
               <a:t>Segundo nível</a:t>
             </a:r>
           </a:p>
           <a:p>
             <a:pPr lvl="2" rtl="0"/>
             <a:r>
-              <a:rPr lang="pt-BR" noProof="0" smtClean="0"/>
+              <a:rPr lang="pt-BR" noProof="0"/>
               <a:t>Terceiro nível</a:t>
             </a:r>
           </a:p>
           <a:p>
             <a:pPr lvl="3" rtl="0"/>
             <a:r>
-              <a:rPr lang="pt-BR" noProof="0" smtClean="0"/>
+              <a:rPr lang="pt-BR" noProof="0"/>
               <a:t>Quarto nível</a:t>
             </a:r>
           </a:p>
           <a:p>
             <a:pPr lvl="4" rtl="0"/>
             <a:r>
-              <a:rPr lang="pt-BR" noProof="0" smtClean="0"/>
+              <a:rPr lang="pt-BR" noProof="0"/>
               <a:t>Quinto nível</a:t>
             </a:r>
             <a:endParaRPr lang="pt-BR" noProof="0" dirty="0"/>
@@ -1260,7 +1259,7 @@
             <a:pPr rtl="0"/>
             <a:fld id="{DCB21156-01AE-471C-8785-A0104C41415F}" type="datetime1">
               <a:rPr lang="pt-BR" noProof="0" smtClean="0"/>
-              <a:t>01/03/2022</a:t>
+              <a:t>02/03/2022</a:t>
             </a:fld>
             <a:endParaRPr lang="pt-BR" noProof="0" dirty="0"/>
           </a:p>
@@ -1283,11 +1282,10 @@
           <a:p>
             <a:pPr rtl="0"/>
             <a:r>
-              <a:rPr lang="pt-BR" noProof="0" dirty="0" smtClean="0"/>
+              <a:rPr lang="pt-BR" noProof="0" dirty="0"/>
               <a:t>
               </a:t>
             </a:r>
-            <a:endParaRPr lang="pt-BR" noProof="0" dirty="0"/>
           </a:p>
         </p:txBody>
       </p:sp>
@@ -1362,7 +1360,7 @@
           <a:p>
             <a:pPr rtl="0"/>
             <a:r>
-              <a:rPr lang="pt-BR" noProof="0" smtClean="0"/>
+              <a:rPr lang="pt-BR" noProof="0"/>
               <a:t>Clique para editar o título mestre</a:t>
             </a:r>
             <a:endParaRPr lang="pt-BR" noProof="0" dirty="0"/>
@@ -1386,35 +1384,35 @@
           <a:p>
             <a:pPr lvl="0" rtl="0"/>
             <a:r>
-              <a:rPr lang="pt-BR" noProof="0" smtClean="0"/>
+              <a:rPr lang="pt-BR" noProof="0"/>
               <a:t>Clique para editar o texto mestre</a:t>
             </a:r>
           </a:p>
           <a:p>
             <a:pPr lvl="1" rtl="0"/>
             <a:r>
-              <a:rPr lang="pt-BR" noProof="0" smtClean="0"/>
+              <a:rPr lang="pt-BR" noProof="0"/>
               <a:t>Segundo nível</a:t>
             </a:r>
           </a:p>
           <a:p>
             <a:pPr lvl="2" rtl="0"/>
             <a:r>
-              <a:rPr lang="pt-BR" noProof="0" smtClean="0"/>
+              <a:rPr lang="pt-BR" noProof="0"/>
               <a:t>Terceiro nível</a:t>
             </a:r>
           </a:p>
           <a:p>
             <a:pPr lvl="3" rtl="0"/>
             <a:r>
-              <a:rPr lang="pt-BR" noProof="0" smtClean="0"/>
+              <a:rPr lang="pt-BR" noProof="0"/>
               <a:t>Quarto nível</a:t>
             </a:r>
           </a:p>
           <a:p>
             <a:pPr lvl="4" rtl="0"/>
             <a:r>
-              <a:rPr lang="pt-BR" noProof="0" smtClean="0"/>
+              <a:rPr lang="pt-BR" noProof="0"/>
               <a:t>Quinto nível</a:t>
             </a:r>
             <a:endParaRPr lang="pt-BR" noProof="0" dirty="0"/>
@@ -1439,7 +1437,7 @@
             <a:pPr rtl="0"/>
             <a:fld id="{27C79FE1-4EE1-4F09-AF1C-ADB867A4DDB7}" type="datetime1">
               <a:rPr lang="pt-BR" noProof="0" smtClean="0"/>
-              <a:t>01/03/2022</a:t>
+              <a:t>02/03/2022</a:t>
             </a:fld>
             <a:endParaRPr lang="pt-BR" noProof="0" dirty="0"/>
           </a:p>
@@ -1462,11 +1460,10 @@
           <a:p>
             <a:pPr rtl="0"/>
             <a:r>
-              <a:rPr lang="pt-BR" noProof="0" dirty="0" smtClean="0"/>
+              <a:rPr lang="pt-BR" noProof="0" dirty="0"/>
               <a:t>
               </a:t>
             </a:r>
-            <a:endParaRPr lang="pt-BR" noProof="0" dirty="0"/>
           </a:p>
         </p:txBody>
       </p:sp>
@@ -1572,7 +1569,7 @@
           <a:p>
             <a:pPr rtl="0"/>
             <a:r>
-              <a:rPr lang="pt-BR" noProof="0" smtClean="0"/>
+              <a:rPr lang="pt-BR" noProof="0"/>
               <a:t>Clique para editar o título mestre</a:t>
             </a:r>
             <a:endParaRPr lang="pt-BR" noProof="0" dirty="0"/>
@@ -1692,7 +1689,7 @@
           <a:p>
             <a:pPr lvl="0" rtl="0"/>
             <a:r>
-              <a:rPr lang="pt-BR" noProof="0" smtClean="0"/>
+              <a:rPr lang="pt-BR" noProof="0"/>
               <a:t>Clique para editar o texto mestre</a:t>
             </a:r>
           </a:p>
@@ -1716,7 +1713,7 @@
             <a:pPr rtl="0"/>
             <a:fld id="{5132E7D4-C3C8-491E-AF18-B3F00DDC0614}" type="datetime1">
               <a:rPr lang="pt-BR" noProof="0" smtClean="0"/>
-              <a:t>01/03/2022</a:t>
+              <a:t>02/03/2022</a:t>
             </a:fld>
             <a:endParaRPr lang="pt-BR" noProof="0" dirty="0"/>
           </a:p>
@@ -1739,11 +1736,10 @@
           <a:p>
             <a:pPr rtl="0"/>
             <a:r>
-              <a:rPr lang="pt-BR" noProof="0" dirty="0" smtClean="0"/>
+              <a:rPr lang="pt-BR" noProof="0" dirty="0"/>
               <a:t>
               </a:t>
             </a:r>
-            <a:endParaRPr lang="pt-BR" noProof="0" dirty="0"/>
           </a:p>
         </p:txBody>
       </p:sp>
@@ -1818,7 +1814,7 @@
           <a:p>
             <a:pPr rtl="0"/>
             <a:r>
-              <a:rPr lang="pt-BR" noProof="0" smtClean="0"/>
+              <a:rPr lang="pt-BR" noProof="0"/>
               <a:t>Clique para editar o título mestre</a:t>
             </a:r>
             <a:endParaRPr lang="pt-BR" noProof="0" dirty="0"/>
@@ -1847,35 +1843,35 @@
           <a:p>
             <a:pPr lvl="0" rtl="0"/>
             <a:r>
-              <a:rPr lang="pt-BR" noProof="0" smtClean="0"/>
+              <a:rPr lang="pt-BR" noProof="0"/>
               <a:t>Clique para editar o texto mestre</a:t>
             </a:r>
           </a:p>
           <a:p>
             <a:pPr lvl="1" rtl="0"/>
             <a:r>
-              <a:rPr lang="pt-BR" noProof="0" smtClean="0"/>
+              <a:rPr lang="pt-BR" noProof="0"/>
               <a:t>Segundo nível</a:t>
             </a:r>
           </a:p>
           <a:p>
             <a:pPr lvl="2" rtl="0"/>
             <a:r>
-              <a:rPr lang="pt-BR" noProof="0" smtClean="0"/>
+              <a:rPr lang="pt-BR" noProof="0"/>
               <a:t>Terceiro nível</a:t>
             </a:r>
           </a:p>
           <a:p>
             <a:pPr lvl="3" rtl="0"/>
             <a:r>
-              <a:rPr lang="pt-BR" noProof="0" smtClean="0"/>
+              <a:rPr lang="pt-BR" noProof="0"/>
               <a:t>Quarto nível</a:t>
             </a:r>
           </a:p>
           <a:p>
             <a:pPr lvl="4" rtl="0"/>
             <a:r>
-              <a:rPr lang="pt-BR" noProof="0" smtClean="0"/>
+              <a:rPr lang="pt-BR" noProof="0"/>
               <a:t>Quinto nível</a:t>
             </a:r>
             <a:endParaRPr lang="pt-BR" noProof="0" dirty="0"/>
@@ -1904,35 +1900,35 @@
           <a:p>
             <a:pPr lvl="0" rtl="0"/>
             <a:r>
-              <a:rPr lang="pt-BR" noProof="0" smtClean="0"/>
+              <a:rPr lang="pt-BR" noProof="0"/>
               <a:t>Clique para editar o texto mestre</a:t>
             </a:r>
           </a:p>
           <a:p>
             <a:pPr lvl="1" rtl="0"/>
             <a:r>
-              <a:rPr lang="pt-BR" noProof="0" smtClean="0"/>
+              <a:rPr lang="pt-BR" noProof="0"/>
               <a:t>Segundo nível</a:t>
             </a:r>
           </a:p>
           <a:p>
             <a:pPr lvl="2" rtl="0"/>
             <a:r>
-              <a:rPr lang="pt-BR" noProof="0" smtClean="0"/>
+              <a:rPr lang="pt-BR" noProof="0"/>
               <a:t>Terceiro nível</a:t>
             </a:r>
           </a:p>
           <a:p>
             <a:pPr lvl="3" rtl="0"/>
             <a:r>
-              <a:rPr lang="pt-BR" noProof="0" smtClean="0"/>
+              <a:rPr lang="pt-BR" noProof="0"/>
               <a:t>Quarto nível</a:t>
             </a:r>
           </a:p>
           <a:p>
             <a:pPr lvl="4" rtl="0"/>
             <a:r>
-              <a:rPr lang="pt-BR" noProof="0" smtClean="0"/>
+              <a:rPr lang="pt-BR" noProof="0"/>
               <a:t>Quinto nível</a:t>
             </a:r>
             <a:endParaRPr lang="pt-BR" noProof="0" dirty="0"/>
@@ -1957,7 +1953,7 @@
             <a:pPr rtl="0"/>
             <a:fld id="{FB6D9EE8-2544-4943-81D3-517B336FA10A}" type="datetime1">
               <a:rPr lang="pt-BR" noProof="0" smtClean="0"/>
-              <a:t>01/03/2022</a:t>
+              <a:t>02/03/2022</a:t>
             </a:fld>
             <a:endParaRPr lang="pt-BR" noProof="0" dirty="0"/>
           </a:p>
@@ -1980,11 +1976,10 @@
           <a:p>
             <a:pPr rtl="0"/>
             <a:r>
-              <a:rPr lang="pt-BR" noProof="0" dirty="0" smtClean="0"/>
+              <a:rPr lang="pt-BR" noProof="0" dirty="0"/>
               <a:t>
               </a:t>
             </a:r>
-            <a:endParaRPr lang="pt-BR" noProof="0" dirty="0"/>
           </a:p>
         </p:txBody>
       </p:sp>
@@ -2109,7 +2104,7 @@
           <a:p>
             <a:pPr lvl="0" rtl="0"/>
             <a:r>
-              <a:rPr lang="pt-BR" noProof="0" smtClean="0"/>
+              <a:rPr lang="pt-BR" noProof="0"/>
               <a:t>Clique para editar o texto mestre</a:t>
             </a:r>
           </a:p>
@@ -2137,35 +2132,35 @@
           <a:p>
             <a:pPr lvl="0" rtl="0"/>
             <a:r>
-              <a:rPr lang="pt-BR" noProof="0" smtClean="0"/>
+              <a:rPr lang="pt-BR" noProof="0"/>
               <a:t>Clique para editar o texto mestre</a:t>
             </a:r>
           </a:p>
           <a:p>
             <a:pPr lvl="1" rtl="0"/>
             <a:r>
-              <a:rPr lang="pt-BR" noProof="0" smtClean="0"/>
+              <a:rPr lang="pt-BR" noProof="0"/>
               <a:t>Segundo nível</a:t>
             </a:r>
           </a:p>
           <a:p>
             <a:pPr lvl="2" rtl="0"/>
             <a:r>
-              <a:rPr lang="pt-BR" noProof="0" smtClean="0"/>
+              <a:rPr lang="pt-BR" noProof="0"/>
               <a:t>Terceiro nível</a:t>
             </a:r>
           </a:p>
           <a:p>
             <a:pPr lvl="3" rtl="0"/>
             <a:r>
-              <a:rPr lang="pt-BR" noProof="0" smtClean="0"/>
+              <a:rPr lang="pt-BR" noProof="0"/>
               <a:t>Quarto nível</a:t>
             </a:r>
           </a:p>
           <a:p>
             <a:pPr lvl="4" rtl="0"/>
             <a:r>
-              <a:rPr lang="pt-BR" noProof="0" smtClean="0"/>
+              <a:rPr lang="pt-BR" noProof="0"/>
               <a:t>Quinto nível</a:t>
             </a:r>
             <a:endParaRPr lang="pt-BR" noProof="0" dirty="0"/>
@@ -2198,35 +2193,35 @@
           <a:p>
             <a:pPr lvl="0" rtl="0"/>
             <a:r>
-              <a:rPr lang="pt-BR" noProof="0" smtClean="0"/>
+              <a:rPr lang="pt-BR" noProof="0"/>
               <a:t>Clique para editar o texto mestre</a:t>
             </a:r>
           </a:p>
           <a:p>
             <a:pPr lvl="1" rtl="0"/>
             <a:r>
-              <a:rPr lang="pt-BR" noProof="0" smtClean="0"/>
+              <a:rPr lang="pt-BR" noProof="0"/>
               <a:t>Segundo nível</a:t>
             </a:r>
           </a:p>
           <a:p>
             <a:pPr lvl="2" rtl="0"/>
             <a:r>
-              <a:rPr lang="pt-BR" noProof="0" smtClean="0"/>
+              <a:rPr lang="pt-BR" noProof="0"/>
               <a:t>Terceiro nível</a:t>
             </a:r>
           </a:p>
           <a:p>
             <a:pPr lvl="3" rtl="0"/>
             <a:r>
-              <a:rPr lang="pt-BR" noProof="0" smtClean="0"/>
+              <a:rPr lang="pt-BR" noProof="0"/>
               <a:t>Quarto nível</a:t>
             </a:r>
           </a:p>
           <a:p>
             <a:pPr lvl="4" rtl="0"/>
             <a:r>
-              <a:rPr lang="pt-BR" noProof="0" smtClean="0"/>
+              <a:rPr lang="pt-BR" noProof="0"/>
               <a:t>Quinto nível</a:t>
             </a:r>
             <a:endParaRPr lang="pt-BR" noProof="0" dirty="0"/>
@@ -2300,7 +2295,7 @@
           <a:p>
             <a:pPr lvl="0" rtl="0"/>
             <a:r>
-              <a:rPr lang="pt-BR" noProof="0" smtClean="0"/>
+              <a:rPr lang="pt-BR" noProof="0"/>
               <a:t>Clique para editar o texto mestre</a:t>
             </a:r>
           </a:p>
@@ -2324,7 +2319,7 @@
             <a:pPr rtl="0"/>
             <a:fld id="{0B952E2D-6498-45E7-A8E3-132689DDCE1E}" type="datetime1">
               <a:rPr lang="pt-BR" noProof="0" smtClean="0"/>
-              <a:t>01/03/2022</a:t>
+              <a:t>02/03/2022</a:t>
             </a:fld>
             <a:endParaRPr lang="pt-BR" noProof="0" dirty="0"/>
           </a:p>
@@ -2347,11 +2342,10 @@
           <a:p>
             <a:pPr rtl="0"/>
             <a:r>
-              <a:rPr lang="pt-BR" noProof="0" dirty="0" smtClean="0"/>
+              <a:rPr lang="pt-BR" noProof="0" dirty="0"/>
               <a:t>
               </a:t>
             </a:r>
-            <a:endParaRPr lang="pt-BR" noProof="0" dirty="0"/>
           </a:p>
         </p:txBody>
       </p:sp>
@@ -2397,7 +2391,7 @@
           <a:p>
             <a:pPr rtl="0"/>
             <a:r>
-              <a:rPr lang="pt-BR" noProof="0" smtClean="0"/>
+              <a:rPr lang="pt-BR" noProof="0"/>
               <a:t>Clique para editar o título mestre</a:t>
             </a:r>
             <a:endParaRPr lang="pt-BR" noProof="0" dirty="0"/>
@@ -2451,7 +2445,7 @@
           <a:p>
             <a:pPr rtl="0"/>
             <a:r>
-              <a:rPr lang="pt-BR" noProof="0" smtClean="0"/>
+              <a:rPr lang="pt-BR" noProof="0"/>
               <a:t>Clique para editar o título mestre</a:t>
             </a:r>
             <a:endParaRPr lang="pt-BR" noProof="0" dirty="0"/>
@@ -2476,7 +2470,7 @@
             <a:pPr rtl="0"/>
             <a:fld id="{100953FF-B44C-4032-BE08-263E004F48D0}" type="datetime1">
               <a:rPr lang="pt-BR" noProof="0" smtClean="0"/>
-              <a:t>01/03/2022</a:t>
+              <a:t>02/03/2022</a:t>
             </a:fld>
             <a:endParaRPr lang="pt-BR" noProof="0" dirty="0"/>
           </a:p>
@@ -2499,11 +2493,10 @@
           <a:p>
             <a:pPr rtl="0"/>
             <a:r>
-              <a:rPr lang="pt-BR" noProof="0" dirty="0" smtClean="0"/>
+              <a:rPr lang="pt-BR" noProof="0" dirty="0"/>
               <a:t>
               </a:t>
             </a:r>
-            <a:endParaRPr lang="pt-BR" noProof="0" dirty="0"/>
           </a:p>
         </p:txBody>
       </p:sp>
@@ -2579,7 +2572,7 @@
             <a:pPr rtl="0"/>
             <a:fld id="{EA1CED91-10F8-4F28-862B-FD4E3A97170A}" type="datetime1">
               <a:rPr lang="pt-BR" noProof="0" smtClean="0"/>
-              <a:t>01/03/2022</a:t>
+              <a:t>02/03/2022</a:t>
             </a:fld>
             <a:endParaRPr lang="pt-BR" noProof="0" dirty="0"/>
           </a:p>
@@ -2602,11 +2595,10 @@
           <a:p>
             <a:pPr rtl="0"/>
             <a:r>
-              <a:rPr lang="pt-BR" noProof="0" dirty="0" smtClean="0"/>
+              <a:rPr lang="pt-BR" noProof="0" dirty="0"/>
               <a:t>
               </a:t>
             </a:r>
-            <a:endParaRPr lang="pt-BR" noProof="0" dirty="0"/>
           </a:p>
         </p:txBody>
       </p:sp>
@@ -2742,7 +2734,7 @@
           <a:p>
             <a:pPr rtl="0"/>
             <a:r>
-              <a:rPr lang="pt-BR" noProof="0" smtClean="0"/>
+              <a:rPr lang="pt-BR" noProof="0"/>
               <a:t>Clique para editar o título mestre</a:t>
             </a:r>
             <a:endParaRPr lang="pt-BR" noProof="0" dirty="0"/>
@@ -2821,35 +2813,35 @@
           <a:p>
             <a:pPr lvl="0" rtl="0"/>
             <a:r>
-              <a:rPr lang="pt-BR" noProof="0" smtClean="0"/>
+              <a:rPr lang="pt-BR" noProof="0"/>
               <a:t>Clique para editar o texto mestre</a:t>
             </a:r>
           </a:p>
           <a:p>
             <a:pPr lvl="1" rtl="0"/>
             <a:r>
-              <a:rPr lang="pt-BR" noProof="0" smtClean="0"/>
+              <a:rPr lang="pt-BR" noProof="0"/>
               <a:t>Segundo nível</a:t>
             </a:r>
           </a:p>
           <a:p>
             <a:pPr lvl="2" rtl="0"/>
             <a:r>
-              <a:rPr lang="pt-BR" noProof="0" smtClean="0"/>
+              <a:rPr lang="pt-BR" noProof="0"/>
               <a:t>Terceiro nível</a:t>
             </a:r>
           </a:p>
           <a:p>
             <a:pPr lvl="3" rtl="0"/>
             <a:r>
-              <a:rPr lang="pt-BR" noProof="0" smtClean="0"/>
+              <a:rPr lang="pt-BR" noProof="0"/>
               <a:t>Quarto nível</a:t>
             </a:r>
           </a:p>
           <a:p>
             <a:pPr lvl="4" rtl="0"/>
             <a:r>
-              <a:rPr lang="pt-BR" noProof="0" smtClean="0"/>
+              <a:rPr lang="pt-BR" noProof="0"/>
               <a:t>Quinto nível</a:t>
             </a:r>
             <a:endParaRPr lang="pt-BR" noProof="0" dirty="0"/>
@@ -2921,7 +2913,7 @@
           <a:p>
             <a:pPr lvl="0" rtl="0"/>
             <a:r>
-              <a:rPr lang="pt-BR" noProof="0" smtClean="0"/>
+              <a:rPr lang="pt-BR" noProof="0"/>
               <a:t>Clique para editar o texto mestre</a:t>
             </a:r>
           </a:p>
@@ -2945,7 +2937,7 @@
             <a:pPr rtl="0"/>
             <a:fld id="{7ACFC77E-2AA3-4152-A54C-74981BE28E55}" type="datetime1">
               <a:rPr lang="pt-BR" noProof="0" smtClean="0"/>
-              <a:t>01/03/2022</a:t>
+              <a:t>02/03/2022</a:t>
             </a:fld>
             <a:endParaRPr lang="pt-BR" noProof="0" dirty="0"/>
           </a:p>
@@ -2983,11 +2975,10 @@
           <a:p>
             <a:pPr rtl="0"/>
             <a:r>
-              <a:rPr lang="pt-BR" noProof="0" dirty="0" smtClean="0"/>
+              <a:rPr lang="pt-BR" noProof="0" dirty="0"/>
               <a:t>
               </a:t>
             </a:r>
-            <a:endParaRPr lang="pt-BR" noProof="0" dirty="0"/>
           </a:p>
         </p:txBody>
       </p:sp>
@@ -3123,7 +3114,7 @@
           <a:p>
             <a:pPr rtl="0"/>
             <a:r>
-              <a:rPr lang="pt-BR" noProof="0" smtClean="0"/>
+              <a:rPr lang="pt-BR" noProof="0"/>
               <a:t>Clique para editar o título mestre</a:t>
             </a:r>
             <a:endParaRPr lang="pt-BR" noProof="0" dirty="0"/>
@@ -3201,7 +3192,7 @@
           <a:p>
             <a:pPr rtl="0"/>
             <a:r>
-              <a:rPr lang="pt-BR" noProof="0" smtClean="0"/>
+              <a:rPr lang="pt-BR" noProof="0"/>
               <a:t>Clique no ícone para adicionar uma imagem</a:t>
             </a:r>
             <a:endParaRPr lang="pt-BR" noProof="0" dirty="0"/>
@@ -3273,7 +3264,7 @@
           <a:p>
             <a:pPr lvl="0" rtl="0"/>
             <a:r>
-              <a:rPr lang="pt-BR" noProof="0" smtClean="0"/>
+              <a:rPr lang="pt-BR" noProof="0"/>
               <a:t>Clique para editar o texto mestre</a:t>
             </a:r>
           </a:p>
@@ -3312,7 +3303,7 @@
             <a:pPr rtl="0"/>
             <a:fld id="{8EC681D4-C3A8-4CE6-91AF-0785B228C7CF}" type="datetime1">
               <a:rPr lang="pt-BR" noProof="0" smtClean="0"/>
-              <a:t>01/03/2022</a:t>
+              <a:t>02/03/2022</a:t>
             </a:fld>
             <a:endParaRPr lang="pt-BR" noProof="0" dirty="0"/>
           </a:p>
@@ -3350,11 +3341,10 @@
           <a:p>
             <a:pPr rtl="0"/>
             <a:r>
-              <a:rPr lang="pt-BR" noProof="0" dirty="0" smtClean="0"/>
+              <a:rPr lang="pt-BR" noProof="0" dirty="0"/>
               <a:t>
               </a:t>
             </a:r>
-            <a:endParaRPr lang="pt-BR" noProof="0" dirty="0"/>
           </a:p>
         </p:txBody>
       </p:sp>
@@ -3458,10 +3448,9 @@
           <a:p>
             <a:pPr rtl="0"/>
             <a:r>
-              <a:rPr lang="pt-BR" noProof="0" dirty="0" smtClean="0"/>
+              <a:rPr lang="pt-BR" noProof="0" dirty="0"/>
               <a:t>Clique para editar o estilo de título Mestre</a:t>
             </a:r>
-            <a:endParaRPr lang="pt-BR" noProof="0" dirty="0"/>
           </a:p>
         </p:txBody>
       </p:sp>
@@ -3492,38 +3481,37 @@
           <a:p>
             <a:pPr lvl="0" rtl="0"/>
             <a:r>
-              <a:rPr lang="pt-BR" noProof="0" dirty="0" smtClean="0"/>
+              <a:rPr lang="pt-BR" noProof="0" dirty="0"/>
               <a:t>Editar estilos de texto Mestre</a:t>
             </a:r>
           </a:p>
           <a:p>
             <a:pPr lvl="1" rtl="0"/>
             <a:r>
-              <a:rPr lang="pt-BR" noProof="0" dirty="0" smtClean="0"/>
+              <a:rPr lang="pt-BR" noProof="0" dirty="0"/>
               <a:t>Segundo nível</a:t>
             </a:r>
           </a:p>
           <a:p>
             <a:pPr lvl="2" rtl="0"/>
             <a:r>
-              <a:rPr lang="pt-BR" noProof="0" dirty="0" smtClean="0"/>
+              <a:rPr lang="pt-BR" noProof="0" dirty="0"/>
               <a:t>Terceiro nível</a:t>
             </a:r>
           </a:p>
           <a:p>
             <a:pPr lvl="3" rtl="0"/>
             <a:r>
-              <a:rPr lang="pt-BR" noProof="0" dirty="0" smtClean="0"/>
+              <a:rPr lang="pt-BR" noProof="0" dirty="0"/>
               <a:t>Quarto nível</a:t>
             </a:r>
           </a:p>
           <a:p>
             <a:pPr lvl="4" rtl="0"/>
             <a:r>
-              <a:rPr lang="pt-BR" noProof="0" dirty="0" smtClean="0"/>
+              <a:rPr lang="pt-BR" noProof="0" dirty="0"/>
               <a:t>Quinto nível</a:t>
             </a:r>
-            <a:endParaRPr lang="pt-BR" noProof="0" dirty="0"/>
           </a:p>
         </p:txBody>
       </p:sp>
@@ -3563,7 +3551,7 @@
             <a:pPr rtl="0"/>
             <a:fld id="{CB6EA007-E4DD-442B-86B0-09BBF9FC84DB}" type="datetime1">
               <a:rPr lang="pt-BR" noProof="0" smtClean="0"/>
-              <a:t>01/03/2022</a:t>
+              <a:t>02/03/2022</a:t>
             </a:fld>
             <a:endParaRPr lang="pt-BR" noProof="0" dirty="0"/>
           </a:p>
@@ -3604,11 +3592,10 @@
           <a:p>
             <a:pPr rtl="0"/>
             <a:r>
-              <a:rPr lang="pt-BR" noProof="0" dirty="0" smtClean="0"/>
+              <a:rPr lang="pt-BR" noProof="0" dirty="0"/>
               <a:t>
               </a:t>
             </a:r>
-            <a:endParaRPr lang="pt-BR" noProof="0" dirty="0"/>
           </a:p>
         </p:txBody>
       </p:sp>
@@ -4102,7 +4089,7 @@
           <a:lstStyle/>
           <a:p>
             <a:r>
-              <a:rPr lang="pt-BR" sz="5400" b="1" dirty="0" smtClean="0">
+              <a:rPr lang="pt-BR" sz="5400" b="1" dirty="0">
                 <a:solidFill>
                   <a:srgbClr val="3A3A52"/>
                 </a:solidFill>
@@ -4111,13 +4098,6 @@
               </a:rPr>
               <a:t>Estoque Certo</a:t>
             </a:r>
-            <a:endParaRPr lang="pt-BR" sz="5400" b="1" dirty="0">
-              <a:solidFill>
-                <a:srgbClr val="3A3A52"/>
-              </a:solidFill>
-              <a:latin typeface="Arial" panose="020B0604020202020204" pitchFamily="34" charset="0"/>
-              <a:cs typeface="Arial" panose="020B0604020202020204" pitchFamily="34" charset="0"/>
-            </a:endParaRPr>
           </a:p>
         </p:txBody>
       </p:sp>
@@ -4179,13 +4159,6 @@
   <p:clrMapOvr>
     <a:masterClrMapping/>
   </p:clrMapOvr>
-  <p:timing>
-    <p:tnLst>
-      <p:par>
-        <p:cTn id="1" dur="indefinite" restart="never" nodeType="tmRoot"/>
-      </p:par>
-    </p:tnLst>
-  </p:timing>
 </p:sld>
 </file>
 
@@ -4208,6 +4181,111 @@
       </p:grpSpPr>
       <p:sp>
         <p:nvSpPr>
+          <p:cNvPr id="2" name="Título 1">
+            <a:extLst>
+              <a:ext uri="{FF2B5EF4-FFF2-40B4-BE49-F238E27FC236}">
+                <a16:creationId xmlns:a16="http://schemas.microsoft.com/office/drawing/2014/main" id="{5DAB7D3B-3662-40F3-916B-ECE75CA79447}"/>
+              </a:ext>
+            </a:extLst>
+          </p:cNvPr>
+          <p:cNvSpPr>
+            <a:spLocks noGrp="1"/>
+          </p:cNvSpPr>
+          <p:nvPr>
+            <p:ph type="title"/>
+          </p:nvPr>
+        </p:nvSpPr>
+        <p:spPr/>
+        <p:txBody>
+          <a:bodyPr/>
+          <a:lstStyle/>
+          <a:p>
+            <a:endParaRPr lang="pt-BR"/>
+          </a:p>
+        </p:txBody>
+      </p:sp>
+      <p:sp>
+        <p:nvSpPr>
+          <p:cNvPr id="3" name="Espaço Reservado para Conteúdo 2">
+            <a:extLst>
+              <a:ext uri="{FF2B5EF4-FFF2-40B4-BE49-F238E27FC236}">
+                <a16:creationId xmlns:a16="http://schemas.microsoft.com/office/drawing/2014/main" id="{377FD2C8-55CC-4572-96A6-EA4449DF63CA}"/>
+              </a:ext>
+            </a:extLst>
+          </p:cNvPr>
+          <p:cNvSpPr>
+            <a:spLocks noGrp="1"/>
+          </p:cNvSpPr>
+          <p:nvPr>
+            <p:ph idx="1"/>
+          </p:nvPr>
+        </p:nvSpPr>
+        <p:spPr/>
+        <p:txBody>
+          <a:bodyPr/>
+          <a:lstStyle/>
+          <a:p>
+            <a:r>
+              <a:rPr lang="pt-BR" dirty="0"/>
+              <a:t>Contextualização (quantas empresas abriram no brasil)</a:t>
+            </a:r>
+          </a:p>
+          <a:p>
+            <a:r>
+              <a:rPr lang="pt-BR" dirty="0"/>
+              <a:t>ERP: o que é, para que serve, benefícios da utilização.</a:t>
+            </a:r>
+          </a:p>
+          <a:p>
+            <a:r>
+              <a:rPr lang="pt-BR" dirty="0"/>
+              <a:t>Desenho </a:t>
+            </a:r>
+            <a:r>
+              <a:rPr lang="pt-BR"/>
+              <a:t>de solução</a:t>
+            </a:r>
+          </a:p>
+          <a:p>
+            <a:endParaRPr lang="pt-BR" dirty="0"/>
+          </a:p>
+          <a:p>
+            <a:endParaRPr lang="pt-BR" dirty="0"/>
+          </a:p>
+        </p:txBody>
+      </p:sp>
+    </p:spTree>
+    <p:extLst>
+      <p:ext uri="{BB962C8B-B14F-4D97-AF65-F5344CB8AC3E}">
+        <p14:creationId xmlns:p14="http://schemas.microsoft.com/office/powerpoint/2010/main" val="2265508033"/>
+      </p:ext>
+    </p:extLst>
+  </p:cSld>
+  <p:clrMapOvr>
+    <a:masterClrMapping/>
+  </p:clrMapOvr>
+</p:sld>
+</file>
+
+<file path=ppt/slides/slide3.xml><?xml version="1.0" encoding="utf-8"?>
+<p:sld xmlns:a="http://schemas.openxmlformats.org/drawingml/2006/main" xmlns:r="http://schemas.openxmlformats.org/officeDocument/2006/relationships" xmlns:p="http://schemas.openxmlformats.org/presentationml/2006/main">
+  <p:cSld>
+    <p:spTree>
+      <p:nvGrpSpPr>
+        <p:cNvPr id="1" name=""/>
+        <p:cNvGrpSpPr/>
+        <p:nvPr/>
+      </p:nvGrpSpPr>
+      <p:grpSpPr>
+        <a:xfrm>
+          <a:off x="0" y="0"/>
+          <a:ext cx="0" cy="0"/>
+          <a:chOff x="0" y="0"/>
+          <a:chExt cx="0" cy="0"/>
+        </a:xfrm>
+      </p:grpSpPr>
+      <p:sp>
+        <p:nvSpPr>
           <p:cNvPr id="4" name="Retângulo 3"/>
           <p:cNvSpPr/>
           <p:nvPr/>
@@ -4517,14 +4595,11 @@
           <a:lstStyle/>
           <a:p>
             <a:r>
-              <a:rPr lang="pt-BR" sz="4000" dirty="0" smtClean="0">
+              <a:rPr lang="pt-BR" sz="4000" dirty="0">
                 <a:latin typeface="Arial Rounded MT Bold" panose="020F0704030504030204" pitchFamily="34" charset="0"/>
               </a:rPr>
               <a:t>Quem somos nós ?</a:t>
             </a:r>
-            <a:endParaRPr lang="pt-BR" sz="4000" dirty="0">
-              <a:latin typeface="Arial Rounded MT Bold" panose="020F0704030504030204" pitchFamily="34" charset="0"/>
-            </a:endParaRPr>
           </a:p>
         </p:txBody>
       </p:sp>
@@ -4573,17 +4648,10 @@
   <p:clrMapOvr>
     <a:masterClrMapping/>
   </p:clrMapOvr>
-  <p:timing>
-    <p:tnLst>
-      <p:par>
-        <p:cTn id="1" dur="indefinite" restart="never" nodeType="tmRoot"/>
-      </p:par>
-    </p:tnLst>
-  </p:timing>
 </p:sld>
 </file>
 
-<file path=ppt/slides/slide3.xml><?xml version="1.0" encoding="utf-8"?>
+<file path=ppt/slides/slide4.xml><?xml version="1.0" encoding="utf-8"?>
 <p:sld xmlns:a="http://schemas.openxmlformats.org/drawingml/2006/main" xmlns:r="http://schemas.openxmlformats.org/officeDocument/2006/relationships" xmlns:p="http://schemas.openxmlformats.org/presentationml/2006/main">
   <p:cSld>
     <p:spTree>
@@ -4640,128 +4708,6 @@
   <p:clrMapOvr>
     <a:masterClrMapping/>
   </p:clrMapOvr>
-  <p:timing>
-    <p:tnLst>
-      <p:par>
-        <p:cTn id="1" dur="indefinite" restart="never" nodeType="tmRoot"/>
-      </p:par>
-    </p:tnLst>
-  </p:timing>
-</p:sld>
-</file>
-
-<file path=ppt/slides/slide4.xml><?xml version="1.0" encoding="utf-8"?>
-<p:sld xmlns:a="http://schemas.openxmlformats.org/drawingml/2006/main" xmlns:r="http://schemas.openxmlformats.org/officeDocument/2006/relationships" xmlns:p="http://schemas.openxmlformats.org/presentationml/2006/main">
-  <p:cSld>
-    <p:spTree>
-      <p:nvGrpSpPr>
-        <p:cNvPr id="1" name=""/>
-        <p:cNvGrpSpPr/>
-        <p:nvPr/>
-      </p:nvGrpSpPr>
-      <p:grpSpPr>
-        <a:xfrm>
-          <a:off x="0" y="0"/>
-          <a:ext cx="0" cy="0"/>
-          <a:chOff x="0" y="0"/>
-          <a:chExt cx="0" cy="0"/>
-        </a:xfrm>
-      </p:grpSpPr>
-      <p:sp>
-        <p:nvSpPr>
-          <p:cNvPr id="21" name="Retângulo 20"/>
-          <p:cNvSpPr/>
-          <p:nvPr/>
-        </p:nvSpPr>
-        <p:spPr>
-          <a:xfrm>
-            <a:off x="0" y="0"/>
-            <a:ext cx="12192000" cy="6858000"/>
-          </a:xfrm>
-          <a:prstGeom prst="rect">
-            <a:avLst/>
-          </a:prstGeom>
-          <a:solidFill>
-            <a:srgbClr val="DAD2F1"/>
-          </a:solidFill>
-          <a:ln>
-            <a:solidFill>
-              <a:schemeClr val="bg1"/>
-            </a:solidFill>
-          </a:ln>
-        </p:spPr>
-        <p:style>
-          <a:lnRef idx="2">
-            <a:schemeClr val="accent1">
-              <a:shade val="50000"/>
-            </a:schemeClr>
-          </a:lnRef>
-          <a:fillRef idx="1">
-            <a:schemeClr val="accent1"/>
-          </a:fillRef>
-          <a:effectRef idx="0">
-            <a:schemeClr val="accent1"/>
-          </a:effectRef>
-          <a:fontRef idx="minor">
-            <a:schemeClr val="lt1"/>
-          </a:fontRef>
-        </p:style>
-        <p:txBody>
-          <a:bodyPr rtlCol="0" anchor="ctr"/>
-          <a:lstStyle/>
-          <a:p>
-            <a:pPr algn="ctr"/>
-            <a:endParaRPr lang="pt-BR"/>
-          </a:p>
-        </p:txBody>
-      </p:sp>
-      <p:pic>
-        <p:nvPicPr>
-          <p:cNvPr id="2" name="Imagem 1"/>
-          <p:cNvPicPr>
-            <a:picLocks noChangeAspect="1"/>
-          </p:cNvPicPr>
-          <p:nvPr/>
-        </p:nvPicPr>
-        <p:blipFill>
-          <a:blip r:embed="rId2">
-            <a:extLst>
-              <a:ext uri="{28A0092B-C50C-407E-A947-70E740481C1C}">
-                <a14:useLocalDpi xmlns:a14="http://schemas.microsoft.com/office/drawing/2010/main" val="0"/>
-              </a:ext>
-            </a:extLst>
-          </a:blip>
-          <a:stretch>
-            <a:fillRect/>
-          </a:stretch>
-        </p:blipFill>
-        <p:spPr>
-          <a:xfrm>
-            <a:off x="181428" y="102053"/>
-            <a:ext cx="11829143" cy="6653893"/>
-          </a:xfrm>
-          <a:prstGeom prst="rect">
-            <a:avLst/>
-          </a:prstGeom>
-        </p:spPr>
-      </p:pic>
-    </p:spTree>
-    <p:extLst>
-      <p:ext uri="{BB962C8B-B14F-4D97-AF65-F5344CB8AC3E}">
-        <p14:creationId xmlns:p14="http://schemas.microsoft.com/office/powerpoint/2010/main" val="2018927395"/>
-      </p:ext>
-    </p:extLst>
-  </p:cSld>
-  <p:clrMapOvr>
-    <a:masterClrMapping/>
-  </p:clrMapOvr>
-  <p:timing>
-    <p:tnLst>
-      <p:par>
-        <p:cTn id="1" dur="indefinite" restart="never" nodeType="tmRoot"/>
-      </p:par>
-    </p:tnLst>
-  </p:timing>
 </p:sld>
 </file>
 
@@ -4784,14 +4730,14 @@
       </p:grpSpPr>
       <p:sp>
         <p:nvSpPr>
-          <p:cNvPr id="23" name="Retângulo 22"/>
+          <p:cNvPr id="21" name="Retângulo 20"/>
           <p:cNvSpPr/>
           <p:nvPr/>
         </p:nvSpPr>
         <p:spPr>
           <a:xfrm>
             <a:off x="0" y="0"/>
-            <a:ext cx="12286445" cy="6858000"/>
+            <a:ext cx="12192000" cy="6858000"/>
           </a:xfrm>
           <a:prstGeom prst="rect">
             <a:avLst/>
@@ -4801,7 +4747,7 @@
           </a:solidFill>
           <a:ln>
             <a:solidFill>
-              <a:srgbClr val="605FAB"/>
+              <a:schemeClr val="bg1"/>
             </a:solidFill>
           </a:ln>
         </p:spPr>
@@ -4830,1073 +4776,46 @@
           </a:p>
         </p:txBody>
       </p:sp>
-      <p:sp>
-        <p:nvSpPr>
-          <p:cNvPr id="4" name="CaixaDeTexto 3">
-            <a:extLst>
-              <a:ext uri="{FF2B5EF4-FFF2-40B4-BE49-F238E27FC236}">
-                <a16:creationId xmlns:a16="http://schemas.microsoft.com/office/drawing/2014/main" xmlns="" id="{AB3BE1DA-E535-4405-B036-6B00872BAFF7}"/>
-              </a:ext>
-            </a:extLst>
-          </p:cNvPr>
-          <p:cNvSpPr txBox="1"/>
-          <p:nvPr/>
-        </p:nvSpPr>
-        <p:spPr>
-          <a:xfrm>
-            <a:off x="152399" y="95250"/>
-            <a:ext cx="3158055" cy="369332"/>
+      <p:pic>
+        <p:nvPicPr>
+          <p:cNvPr id="2" name="Imagem 1"/>
+          <p:cNvPicPr>
+            <a:picLocks noChangeAspect="1"/>
+          </p:cNvPicPr>
+          <p:nvPr/>
+        </p:nvPicPr>
+        <p:blipFill>
+          <a:blip r:embed="rId2">
+            <a:extLst>
+              <a:ext uri="{28A0092B-C50C-407E-A947-70E740481C1C}">
+                <a14:useLocalDpi xmlns:a14="http://schemas.microsoft.com/office/drawing/2010/main" val="0"/>
+              </a:ext>
+            </a:extLst>
+          </a:blip>
+          <a:stretch>
+            <a:fillRect/>
+          </a:stretch>
+        </p:blipFill>
+        <p:spPr>
+          <a:xfrm>
+            <a:off x="181428" y="102053"/>
+            <a:ext cx="11829143" cy="6653893"/>
           </a:xfrm>
           <a:prstGeom prst="rect">
             <a:avLst/>
           </a:prstGeom>
-          <a:noFill/>
-        </p:spPr>
-        <p:txBody>
-          <a:bodyPr wrap="square" rtlCol="0">
-            <a:spAutoFit/>
-          </a:bodyPr>
-          <a:lstStyle/>
-          <a:p>
-            <a:pPr lvl="1"/>
-            <a:r>
-              <a:rPr lang="pt-BR" dirty="0" smtClean="0"/>
-              <a:t>Nome </a:t>
-            </a:r>
-            <a:r>
-              <a:rPr lang="pt-BR" u="sng" dirty="0" smtClean="0"/>
-              <a:t>:</a:t>
-            </a:r>
-            <a:r>
-              <a:rPr lang="pt-BR" dirty="0" smtClean="0"/>
-              <a:t>   Maria </a:t>
-            </a:r>
-            <a:r>
-              <a:rPr lang="pt-BR" dirty="0"/>
-              <a:t>Aparecida</a:t>
-            </a:r>
-          </a:p>
-        </p:txBody>
-      </p:sp>
-      <p:sp>
-        <p:nvSpPr>
-          <p:cNvPr id="5" name="CaixaDeTexto 4">
-            <a:extLst>
-              <a:ext uri="{FF2B5EF4-FFF2-40B4-BE49-F238E27FC236}">
-                <a16:creationId xmlns:a16="http://schemas.microsoft.com/office/drawing/2014/main" xmlns="" id="{4055257E-7D68-4E7A-99CF-63B421CADC99}"/>
-              </a:ext>
-            </a:extLst>
-          </p:cNvPr>
-          <p:cNvSpPr txBox="1"/>
-          <p:nvPr/>
-        </p:nvSpPr>
-        <p:spPr>
-          <a:xfrm>
-            <a:off x="3543013" y="108392"/>
-            <a:ext cx="1790700" cy="369332"/>
-          </a:xfrm>
-          <a:prstGeom prst="rect">
-            <a:avLst/>
-          </a:prstGeom>
-          <a:noFill/>
-        </p:spPr>
-        <p:txBody>
-          <a:bodyPr wrap="square" rtlCol="0">
-            <a:spAutoFit/>
-          </a:bodyPr>
-          <a:lstStyle/>
-          <a:p>
-            <a:r>
-              <a:rPr lang="pt-BR" dirty="0" smtClean="0"/>
-              <a:t>Idade :   30</a:t>
-            </a:r>
-            <a:endParaRPr lang="pt-BR" dirty="0"/>
-          </a:p>
-        </p:txBody>
-      </p:sp>
-      <p:sp>
-        <p:nvSpPr>
-          <p:cNvPr id="6" name="Retângulo 5">
-            <a:extLst>
-              <a:ext uri="{FF2B5EF4-FFF2-40B4-BE49-F238E27FC236}">
-                <a16:creationId xmlns:a16="http://schemas.microsoft.com/office/drawing/2014/main" xmlns="" id="{F26303CD-6853-4C26-972E-5869653395CC}"/>
-              </a:ext>
-            </a:extLst>
-          </p:cNvPr>
-          <p:cNvSpPr/>
-          <p:nvPr/>
-        </p:nvSpPr>
-        <p:spPr>
-          <a:xfrm>
-            <a:off x="138112" y="495300"/>
-            <a:ext cx="11915775" cy="6267450"/>
-          </a:xfrm>
-          <a:prstGeom prst="rect">
-            <a:avLst/>
-          </a:prstGeom>
-          <a:solidFill>
-            <a:schemeClr val="bg1"/>
-          </a:solidFill>
-          <a:ln>
-            <a:solidFill>
-              <a:srgbClr val="3E00FF"/>
-            </a:solidFill>
-          </a:ln>
-        </p:spPr>
-        <p:style>
-          <a:lnRef idx="2">
-            <a:schemeClr val="accent1">
-              <a:shade val="50000"/>
-            </a:schemeClr>
-          </a:lnRef>
-          <a:fillRef idx="1">
-            <a:schemeClr val="accent1"/>
-          </a:fillRef>
-          <a:effectRef idx="0">
-            <a:schemeClr val="accent1"/>
-          </a:effectRef>
-          <a:fontRef idx="minor">
-            <a:schemeClr val="lt1"/>
-          </a:fontRef>
-        </p:style>
-        <p:txBody>
-          <a:bodyPr rtlCol="0" anchor="ctr"/>
-          <a:lstStyle/>
-          <a:p>
-            <a:pPr algn="ctr"/>
-            <a:endParaRPr lang="pt-BR"/>
-          </a:p>
-        </p:txBody>
-      </p:sp>
-      <p:cxnSp>
-        <p:nvCxnSpPr>
-          <p:cNvPr id="7" name="Conector reto 6">
-            <a:extLst>
-              <a:ext uri="{FF2B5EF4-FFF2-40B4-BE49-F238E27FC236}">
-                <a16:creationId xmlns:a16="http://schemas.microsoft.com/office/drawing/2014/main" xmlns="" id="{3190080B-252D-4451-B7C2-91B9D57E2D35}"/>
-              </a:ext>
-            </a:extLst>
-          </p:cNvPr>
-          <p:cNvCxnSpPr>
-            <a:cxnSpLocks/>
-          </p:cNvCxnSpPr>
-          <p:nvPr/>
-        </p:nvCxnSpPr>
-        <p:spPr>
-          <a:xfrm flipV="1">
-            <a:off x="138112" y="495300"/>
-            <a:ext cx="11915775" cy="4520045"/>
-          </a:xfrm>
-          <a:prstGeom prst="line">
-            <a:avLst/>
-          </a:prstGeom>
-          <a:ln>
-            <a:solidFill>
-              <a:srgbClr val="3E00FF"/>
-            </a:solidFill>
-          </a:ln>
-        </p:spPr>
-        <p:style>
-          <a:lnRef idx="1">
-            <a:schemeClr val="dk1"/>
-          </a:lnRef>
-          <a:fillRef idx="0">
-            <a:schemeClr val="dk1"/>
-          </a:fillRef>
-          <a:effectRef idx="0">
-            <a:schemeClr val="dk1"/>
-          </a:effectRef>
-          <a:fontRef idx="minor">
-            <a:schemeClr val="tx1"/>
-          </a:fontRef>
-        </p:style>
-      </p:cxnSp>
-      <p:cxnSp>
-        <p:nvCxnSpPr>
-          <p:cNvPr id="8" name="Conector reto 7">
-            <a:extLst>
-              <a:ext uri="{FF2B5EF4-FFF2-40B4-BE49-F238E27FC236}">
-                <a16:creationId xmlns:a16="http://schemas.microsoft.com/office/drawing/2014/main" xmlns="" id="{336359E2-4FAB-4C87-98D8-F5C57E18DB5F}"/>
-              </a:ext>
-            </a:extLst>
-          </p:cNvPr>
-          <p:cNvCxnSpPr>
-            <a:cxnSpLocks/>
-          </p:cNvCxnSpPr>
-          <p:nvPr/>
-        </p:nvCxnSpPr>
-        <p:spPr>
-          <a:xfrm>
-            <a:off x="152400" y="495300"/>
-            <a:ext cx="11887200" cy="4596245"/>
-          </a:xfrm>
-          <a:prstGeom prst="line">
-            <a:avLst/>
-          </a:prstGeom>
-          <a:ln>
-            <a:solidFill>
-              <a:srgbClr val="3E00FF"/>
-            </a:solidFill>
-          </a:ln>
-        </p:spPr>
-        <p:style>
-          <a:lnRef idx="1">
-            <a:schemeClr val="dk1"/>
-          </a:lnRef>
-          <a:fillRef idx="0">
-            <a:schemeClr val="dk1"/>
-          </a:fillRef>
-          <a:effectRef idx="0">
-            <a:schemeClr val="dk1"/>
-          </a:effectRef>
-          <a:fontRef idx="minor">
-            <a:schemeClr val="tx1"/>
-          </a:fontRef>
-        </p:style>
-      </p:cxnSp>
-      <p:cxnSp>
-        <p:nvCxnSpPr>
-          <p:cNvPr id="9" name="Conector reto 8">
-            <a:extLst>
-              <a:ext uri="{FF2B5EF4-FFF2-40B4-BE49-F238E27FC236}">
-                <a16:creationId xmlns:a16="http://schemas.microsoft.com/office/drawing/2014/main" xmlns="" id="{E4EC3597-0A44-400B-B642-96957716A0A7}"/>
-              </a:ext>
-            </a:extLst>
-          </p:cNvPr>
-          <p:cNvCxnSpPr>
-            <a:cxnSpLocks/>
-          </p:cNvCxnSpPr>
-          <p:nvPr/>
-        </p:nvCxnSpPr>
-        <p:spPr>
-          <a:xfrm>
-            <a:off x="152400" y="5015345"/>
-            <a:ext cx="11915775" cy="76200"/>
-          </a:xfrm>
-          <a:prstGeom prst="line">
-            <a:avLst/>
-          </a:prstGeom>
-          <a:ln>
-            <a:solidFill>
-              <a:srgbClr val="3E00FF"/>
-            </a:solidFill>
-          </a:ln>
-        </p:spPr>
-        <p:style>
-          <a:lnRef idx="1">
-            <a:schemeClr val="dk1"/>
-          </a:lnRef>
-          <a:fillRef idx="0">
-            <a:schemeClr val="dk1"/>
-          </a:fillRef>
-          <a:effectRef idx="0">
-            <a:schemeClr val="dk1"/>
-          </a:effectRef>
-          <a:fontRef idx="minor">
-            <a:schemeClr val="tx1"/>
-          </a:fontRef>
-        </p:style>
-      </p:cxnSp>
-      <p:cxnSp>
-        <p:nvCxnSpPr>
-          <p:cNvPr id="10" name="Conector reto 9">
-            <a:extLst>
-              <a:ext uri="{FF2B5EF4-FFF2-40B4-BE49-F238E27FC236}">
-                <a16:creationId xmlns:a16="http://schemas.microsoft.com/office/drawing/2014/main" xmlns="" id="{1E82A325-F461-4EBC-95A9-503BB43C9D46}"/>
-              </a:ext>
-            </a:extLst>
-          </p:cNvPr>
-          <p:cNvCxnSpPr>
-            <a:endCxn id="6" idx="2"/>
-          </p:cNvCxnSpPr>
-          <p:nvPr/>
-        </p:nvCxnSpPr>
-        <p:spPr>
-          <a:xfrm>
-            <a:off x="6095999" y="5053445"/>
-            <a:ext cx="1" cy="1709305"/>
-          </a:xfrm>
-          <a:prstGeom prst="line">
-            <a:avLst/>
-          </a:prstGeom>
-          <a:ln>
-            <a:solidFill>
-              <a:srgbClr val="3E00FF"/>
-            </a:solidFill>
-          </a:ln>
-        </p:spPr>
-        <p:style>
-          <a:lnRef idx="1">
-            <a:schemeClr val="dk1"/>
-          </a:lnRef>
-          <a:fillRef idx="0">
-            <a:schemeClr val="dk1"/>
-          </a:fillRef>
-          <a:effectRef idx="0">
-            <a:schemeClr val="dk1"/>
-          </a:effectRef>
-          <a:fontRef idx="minor">
-            <a:schemeClr val="tx1"/>
-          </a:fontRef>
-        </p:style>
-      </p:cxnSp>
-      <p:sp>
-        <p:nvSpPr>
-          <p:cNvPr id="11" name="CaixaDeTexto 10">
-            <a:extLst>
-              <a:ext uri="{FF2B5EF4-FFF2-40B4-BE49-F238E27FC236}">
-                <a16:creationId xmlns:a16="http://schemas.microsoft.com/office/drawing/2014/main" xmlns="" id="{1B27D237-ABC9-489C-A1F7-48325763E962}"/>
-              </a:ext>
-            </a:extLst>
-          </p:cNvPr>
-          <p:cNvSpPr txBox="1"/>
-          <p:nvPr/>
-        </p:nvSpPr>
-        <p:spPr>
-          <a:xfrm>
-            <a:off x="358462" y="5055862"/>
-            <a:ext cx="2539999" cy="369332"/>
-          </a:xfrm>
-          <a:prstGeom prst="rect">
-            <a:avLst/>
-          </a:prstGeom>
-          <a:noFill/>
-        </p:spPr>
-        <p:txBody>
-          <a:bodyPr wrap="square" rtlCol="0">
-            <a:spAutoFit/>
-          </a:bodyPr>
-          <a:lstStyle/>
-          <a:p>
-            <a:r>
-              <a:rPr lang="pt-BR" dirty="0"/>
-              <a:t>Quais são as </a:t>
-            </a:r>
-            <a:r>
-              <a:rPr lang="pt-BR" b="1" dirty="0"/>
-              <a:t>DORES </a:t>
-            </a:r>
-            <a:r>
-              <a:rPr lang="pt-BR" dirty="0"/>
-              <a:t>?</a:t>
-            </a:r>
-          </a:p>
-        </p:txBody>
-      </p:sp>
-      <p:sp>
-        <p:nvSpPr>
-          <p:cNvPr id="12" name="CaixaDeTexto 11">
-            <a:extLst>
-              <a:ext uri="{FF2B5EF4-FFF2-40B4-BE49-F238E27FC236}">
-                <a16:creationId xmlns:a16="http://schemas.microsoft.com/office/drawing/2014/main" xmlns="" id="{4F43D1C0-E0A4-4D9F-98CD-DEA244B4F00C}"/>
-              </a:ext>
-            </a:extLst>
-          </p:cNvPr>
-          <p:cNvSpPr txBox="1"/>
-          <p:nvPr/>
-        </p:nvSpPr>
-        <p:spPr>
-          <a:xfrm>
-            <a:off x="6234112" y="5057608"/>
-            <a:ext cx="3651095" cy="369332"/>
-          </a:xfrm>
-          <a:prstGeom prst="rect">
-            <a:avLst/>
-          </a:prstGeom>
-          <a:noFill/>
-        </p:spPr>
-        <p:txBody>
-          <a:bodyPr wrap="square" rtlCol="0">
-            <a:spAutoFit/>
-          </a:bodyPr>
-          <a:lstStyle/>
-          <a:p>
-            <a:r>
-              <a:rPr lang="pt-BR" dirty="0"/>
-              <a:t>Quais são as </a:t>
-            </a:r>
-            <a:r>
-              <a:rPr lang="pt-BR" b="1" dirty="0"/>
-              <a:t>NECESSIDADES </a:t>
-            </a:r>
-            <a:r>
-              <a:rPr lang="pt-BR" dirty="0"/>
-              <a:t>?</a:t>
-            </a:r>
-          </a:p>
-        </p:txBody>
-      </p:sp>
-      <p:sp>
-        <p:nvSpPr>
-          <p:cNvPr id="13" name="CaixaDeTexto 12">
-            <a:extLst>
-              <a:ext uri="{FF2B5EF4-FFF2-40B4-BE49-F238E27FC236}">
-                <a16:creationId xmlns:a16="http://schemas.microsoft.com/office/drawing/2014/main" xmlns="" id="{FBCA6C70-DDD7-443C-B8D6-9819A21096BD}"/>
-              </a:ext>
-            </a:extLst>
-          </p:cNvPr>
-          <p:cNvSpPr txBox="1"/>
-          <p:nvPr/>
-        </p:nvSpPr>
-        <p:spPr>
-          <a:xfrm>
-            <a:off x="5149847" y="2112081"/>
-            <a:ext cx="2051051" cy="369332"/>
-          </a:xfrm>
-          <a:prstGeom prst="rect">
-            <a:avLst/>
-          </a:prstGeom>
-          <a:noFill/>
-        </p:spPr>
-        <p:txBody>
-          <a:bodyPr wrap="square" rtlCol="0">
-            <a:spAutoFit/>
-          </a:bodyPr>
-          <a:lstStyle/>
-          <a:p>
-            <a:r>
-              <a:rPr lang="pt-BR" dirty="0"/>
-              <a:t>PENSA E SENTE ?</a:t>
-            </a:r>
-          </a:p>
-        </p:txBody>
-      </p:sp>
-      <p:sp>
-        <p:nvSpPr>
-          <p:cNvPr id="14" name="CaixaDeTexto 13">
-            <a:extLst>
-              <a:ext uri="{FF2B5EF4-FFF2-40B4-BE49-F238E27FC236}">
-                <a16:creationId xmlns:a16="http://schemas.microsoft.com/office/drawing/2014/main" xmlns="" id="{BEDCCD52-9AC7-4BB3-A264-1368D8DC2893}"/>
-              </a:ext>
-            </a:extLst>
-          </p:cNvPr>
-          <p:cNvSpPr txBox="1"/>
-          <p:nvPr/>
-        </p:nvSpPr>
-        <p:spPr>
-          <a:xfrm>
-            <a:off x="6405707" y="2570656"/>
-            <a:ext cx="677718" cy="369332"/>
-          </a:xfrm>
-          <a:prstGeom prst="rect">
-            <a:avLst/>
-          </a:prstGeom>
-          <a:noFill/>
-        </p:spPr>
-        <p:txBody>
-          <a:bodyPr wrap="square" rtlCol="0">
-            <a:spAutoFit/>
-          </a:bodyPr>
-          <a:lstStyle/>
-          <a:p>
-            <a:r>
-              <a:rPr lang="pt-BR" dirty="0"/>
-              <a:t>VÊ ?</a:t>
-            </a:r>
-          </a:p>
-        </p:txBody>
-      </p:sp>
-      <p:sp>
-        <p:nvSpPr>
-          <p:cNvPr id="15" name="CaixaDeTexto 14">
-            <a:extLst>
-              <a:ext uri="{FF2B5EF4-FFF2-40B4-BE49-F238E27FC236}">
-                <a16:creationId xmlns:a16="http://schemas.microsoft.com/office/drawing/2014/main" xmlns="" id="{7AF293A6-995F-4CA1-8A53-9476F18E532B}"/>
-              </a:ext>
-            </a:extLst>
-          </p:cNvPr>
-          <p:cNvSpPr txBox="1"/>
-          <p:nvPr/>
-        </p:nvSpPr>
-        <p:spPr>
-          <a:xfrm>
-            <a:off x="4842959" y="2570656"/>
-            <a:ext cx="1002144" cy="369332"/>
-          </a:xfrm>
-          <a:prstGeom prst="rect">
-            <a:avLst/>
-          </a:prstGeom>
-          <a:noFill/>
-        </p:spPr>
-        <p:txBody>
-          <a:bodyPr wrap="square" rtlCol="0">
-            <a:spAutoFit/>
-          </a:bodyPr>
-          <a:lstStyle/>
-          <a:p>
-            <a:r>
-              <a:rPr lang="pt-BR" dirty="0" smtClean="0"/>
-              <a:t>OUVE ?</a:t>
-            </a:r>
-            <a:endParaRPr lang="pt-BR" dirty="0"/>
-          </a:p>
-        </p:txBody>
-      </p:sp>
-      <p:sp>
-        <p:nvSpPr>
-          <p:cNvPr id="16" name="CaixaDeTexto 15">
-            <a:extLst>
-              <a:ext uri="{FF2B5EF4-FFF2-40B4-BE49-F238E27FC236}">
-                <a16:creationId xmlns:a16="http://schemas.microsoft.com/office/drawing/2014/main" xmlns="" id="{68CE6756-08BC-4CB5-AC8F-3DE9E704FCA7}"/>
-              </a:ext>
-            </a:extLst>
-          </p:cNvPr>
-          <p:cNvSpPr txBox="1"/>
-          <p:nvPr/>
-        </p:nvSpPr>
-        <p:spPr>
-          <a:xfrm>
-            <a:off x="5315616" y="3029231"/>
-            <a:ext cx="1589342" cy="369332"/>
-          </a:xfrm>
-          <a:prstGeom prst="rect">
-            <a:avLst/>
-          </a:prstGeom>
-          <a:noFill/>
-        </p:spPr>
-        <p:txBody>
-          <a:bodyPr wrap="square" rtlCol="0">
-            <a:spAutoFit/>
-          </a:bodyPr>
-          <a:lstStyle/>
-          <a:p>
-            <a:r>
-              <a:rPr lang="pt-BR" dirty="0"/>
-              <a:t>FALA E </a:t>
-            </a:r>
-            <a:r>
-              <a:rPr lang="pt-BR" dirty="0" smtClean="0"/>
-              <a:t>FAZ ?</a:t>
-            </a:r>
-            <a:endParaRPr lang="pt-BR" dirty="0"/>
-          </a:p>
-        </p:txBody>
-      </p:sp>
-      <p:sp>
-        <p:nvSpPr>
-          <p:cNvPr id="17" name="CaixaDeTexto 16">
-            <a:extLst>
-              <a:ext uri="{FF2B5EF4-FFF2-40B4-BE49-F238E27FC236}">
-                <a16:creationId xmlns:a16="http://schemas.microsoft.com/office/drawing/2014/main" xmlns="" id="{42A71A62-A69B-45AC-BC92-06AD38059AEB}"/>
-              </a:ext>
-            </a:extLst>
-          </p:cNvPr>
-          <p:cNvSpPr txBox="1"/>
-          <p:nvPr/>
-        </p:nvSpPr>
-        <p:spPr>
-          <a:xfrm>
-            <a:off x="7961385" y="2098438"/>
-            <a:ext cx="4084986" cy="2062103"/>
-          </a:xfrm>
-          <a:prstGeom prst="rect">
-            <a:avLst/>
-          </a:prstGeom>
-          <a:noFill/>
-        </p:spPr>
-        <p:txBody>
-          <a:bodyPr wrap="square" rtlCol="0">
-            <a:spAutoFit/>
-          </a:bodyPr>
-          <a:lstStyle/>
-          <a:p>
-            <a:pPr marL="285750" indent="-285750">
-              <a:buFont typeface="Arial" panose="020B0604020202020204" pitchFamily="34" charset="0"/>
-              <a:buChar char="•"/>
-            </a:pPr>
-            <a:r>
-              <a:rPr lang="pt-BR" sz="1600" dirty="0"/>
-              <a:t>Redes sociais(</a:t>
-            </a:r>
-            <a:r>
-              <a:rPr lang="pt-BR" sz="1600" dirty="0" err="1"/>
-              <a:t>Tik</a:t>
-            </a:r>
-            <a:r>
-              <a:rPr lang="pt-BR" sz="1600" dirty="0"/>
-              <a:t> Tok, Instagram, Facebook).</a:t>
-            </a:r>
-          </a:p>
-          <a:p>
-            <a:r>
-              <a:rPr lang="pt-BR" sz="1600" dirty="0" smtClean="0"/>
-              <a:t>       Market </a:t>
-            </a:r>
-            <a:r>
-              <a:rPr lang="pt-BR" sz="1600" dirty="0" err="1"/>
-              <a:t>Place</a:t>
-            </a:r>
-            <a:r>
-              <a:rPr lang="pt-BR" sz="1600" dirty="0"/>
-              <a:t>(Facebook, OLX)</a:t>
-            </a:r>
-          </a:p>
-          <a:p>
-            <a:pPr marL="285750" indent="-285750">
-              <a:buFont typeface="Arial" panose="020B0604020202020204" pitchFamily="34" charset="0"/>
-              <a:buChar char="•"/>
-            </a:pPr>
-            <a:r>
-              <a:rPr lang="pt-BR" sz="1600" dirty="0"/>
-              <a:t>Jornal </a:t>
-            </a:r>
-          </a:p>
-          <a:p>
-            <a:pPr marL="285750" indent="-285750">
-              <a:buFont typeface="Arial" panose="020B0604020202020204" pitchFamily="34" charset="0"/>
-              <a:buChar char="•"/>
-            </a:pPr>
-            <a:r>
-              <a:rPr lang="pt-BR" sz="1600" dirty="0"/>
-              <a:t>Filmes \ Series</a:t>
-            </a:r>
-          </a:p>
-          <a:p>
-            <a:pPr marL="285750" indent="-285750">
-              <a:buFont typeface="Arial" panose="020B0604020202020204" pitchFamily="34" charset="0"/>
-              <a:buChar char="•"/>
-            </a:pPr>
-            <a:r>
-              <a:rPr lang="pt-BR" sz="1600" dirty="0" err="1" smtClean="0"/>
-              <a:t>Whatsapp</a:t>
-            </a:r>
-            <a:endParaRPr lang="pt-BR" sz="1600" dirty="0"/>
-          </a:p>
-          <a:p>
-            <a:pPr marL="285750" indent="-285750">
-              <a:buFont typeface="Arial" panose="020B0604020202020204" pitchFamily="34" charset="0"/>
-              <a:buChar char="•"/>
-            </a:pPr>
-            <a:endParaRPr lang="pt-BR" sz="1600" dirty="0"/>
-          </a:p>
-          <a:p>
-            <a:endParaRPr lang="pt-BR" sz="1600" dirty="0"/>
-          </a:p>
-          <a:p>
-            <a:endParaRPr lang="pt-BR" sz="1600" dirty="0"/>
-          </a:p>
-        </p:txBody>
-      </p:sp>
-      <p:sp>
-        <p:nvSpPr>
-          <p:cNvPr id="18" name="CaixaDeTexto 17">
-            <a:extLst>
-              <a:ext uri="{FF2B5EF4-FFF2-40B4-BE49-F238E27FC236}">
-                <a16:creationId xmlns:a16="http://schemas.microsoft.com/office/drawing/2014/main" xmlns="" id="{2E26C4BB-3F48-472A-AFD5-6E0E68A5BD2F}"/>
-              </a:ext>
-            </a:extLst>
-          </p:cNvPr>
-          <p:cNvSpPr txBox="1"/>
-          <p:nvPr/>
-        </p:nvSpPr>
-        <p:spPr>
-          <a:xfrm>
-            <a:off x="828766" y="2404844"/>
-            <a:ext cx="3176061" cy="1323439"/>
-          </a:xfrm>
-          <a:prstGeom prst="rect">
-            <a:avLst/>
-          </a:prstGeom>
-          <a:noFill/>
-        </p:spPr>
-        <p:txBody>
-          <a:bodyPr wrap="square" rtlCol="0">
-            <a:spAutoFit/>
-          </a:bodyPr>
-          <a:lstStyle/>
-          <a:p>
-            <a:pPr marL="285750" indent="-285750">
-              <a:buFont typeface="Arial" panose="020B0604020202020204" pitchFamily="34" charset="0"/>
-              <a:buChar char="•"/>
-            </a:pPr>
-            <a:r>
-              <a:rPr lang="pt-BR" sz="1600" dirty="0"/>
-              <a:t>Noticias politicas</a:t>
-            </a:r>
-          </a:p>
-          <a:p>
-            <a:pPr marL="285750" indent="-285750">
-              <a:buFont typeface="Arial" panose="020B0604020202020204" pitchFamily="34" charset="0"/>
-              <a:buChar char="•"/>
-            </a:pPr>
-            <a:r>
-              <a:rPr lang="pt-BR" sz="1600" dirty="0"/>
-              <a:t>As(os) clientes</a:t>
-            </a:r>
-          </a:p>
-          <a:p>
-            <a:pPr marL="285750" indent="-285750">
-              <a:buFont typeface="Arial" panose="020B0604020202020204" pitchFamily="34" charset="0"/>
-              <a:buChar char="•"/>
-            </a:pPr>
-            <a:r>
-              <a:rPr lang="pt-BR" sz="1600" dirty="0"/>
-              <a:t>As amigas e amigos</a:t>
-            </a:r>
-          </a:p>
-          <a:p>
-            <a:pPr marL="285750" indent="-285750">
-              <a:buFont typeface="Arial" panose="020B0604020202020204" pitchFamily="34" charset="0"/>
-              <a:buChar char="•"/>
-            </a:pPr>
-            <a:endParaRPr lang="pt-BR" sz="1600" dirty="0"/>
-          </a:p>
-          <a:p>
-            <a:endParaRPr lang="pt-BR" sz="1600" dirty="0"/>
-          </a:p>
-        </p:txBody>
-      </p:sp>
-      <p:sp>
-        <p:nvSpPr>
-          <p:cNvPr id="19" name="CaixaDeTexto 18">
-            <a:extLst>
-              <a:ext uri="{FF2B5EF4-FFF2-40B4-BE49-F238E27FC236}">
-                <a16:creationId xmlns:a16="http://schemas.microsoft.com/office/drawing/2014/main" xmlns="" id="{848E44E1-191F-4918-86B4-4808343804A0}"/>
-              </a:ext>
-            </a:extLst>
-          </p:cNvPr>
-          <p:cNvSpPr txBox="1"/>
-          <p:nvPr/>
-        </p:nvSpPr>
-        <p:spPr>
-          <a:xfrm>
-            <a:off x="3543013" y="847706"/>
-            <a:ext cx="2862694" cy="830997"/>
-          </a:xfrm>
-          <a:prstGeom prst="rect">
-            <a:avLst/>
-          </a:prstGeom>
-          <a:noFill/>
-        </p:spPr>
-        <p:txBody>
-          <a:bodyPr wrap="square" rtlCol="0">
-            <a:spAutoFit/>
-          </a:bodyPr>
-          <a:lstStyle/>
-          <a:p>
-            <a:pPr marL="285750" indent="-285750">
-              <a:buFont typeface="Arial" panose="020B0604020202020204" pitchFamily="34" charset="0"/>
-              <a:buChar char="•"/>
-            </a:pPr>
-            <a:r>
-              <a:rPr lang="pt-BR" sz="1600" dirty="0"/>
-              <a:t>Sente Dores no corpo</a:t>
-            </a:r>
-          </a:p>
-          <a:p>
-            <a:pPr marL="285750" indent="-285750">
-              <a:buFont typeface="Arial" panose="020B0604020202020204" pitchFamily="34" charset="0"/>
-              <a:buChar char="•"/>
-            </a:pPr>
-            <a:r>
-              <a:rPr lang="pt-BR" sz="1600" dirty="0"/>
-              <a:t>Sente  Estresse</a:t>
-            </a:r>
-          </a:p>
-          <a:p>
-            <a:pPr marL="285750" indent="-285750">
-              <a:buFont typeface="Arial" panose="020B0604020202020204" pitchFamily="34" charset="0"/>
-              <a:buChar char="•"/>
-            </a:pPr>
-            <a:r>
-              <a:rPr lang="pt-BR" sz="1600" dirty="0"/>
-              <a:t>Sente  </a:t>
-            </a:r>
-            <a:r>
-              <a:rPr lang="pt-BR" sz="1600" dirty="0" smtClean="0"/>
-              <a:t>Ansiedade</a:t>
-            </a:r>
-            <a:endParaRPr lang="pt-BR" sz="1600" dirty="0"/>
-          </a:p>
-        </p:txBody>
-      </p:sp>
-      <p:sp>
-        <p:nvSpPr>
-          <p:cNvPr id="20" name="CaixaDeTexto 19">
-            <a:extLst>
-              <a:ext uri="{FF2B5EF4-FFF2-40B4-BE49-F238E27FC236}">
-                <a16:creationId xmlns:a16="http://schemas.microsoft.com/office/drawing/2014/main" xmlns="" id="{51D5D471-E281-4681-8746-5E36E5A851F5}"/>
-              </a:ext>
-            </a:extLst>
-          </p:cNvPr>
-          <p:cNvSpPr txBox="1"/>
-          <p:nvPr/>
-        </p:nvSpPr>
-        <p:spPr>
-          <a:xfrm>
-            <a:off x="4703439" y="3636244"/>
-            <a:ext cx="3976253" cy="1323439"/>
-          </a:xfrm>
-          <a:prstGeom prst="rect">
-            <a:avLst/>
-          </a:prstGeom>
-          <a:noFill/>
-        </p:spPr>
-        <p:txBody>
-          <a:bodyPr wrap="square" rtlCol="0">
-            <a:spAutoFit/>
-          </a:bodyPr>
-          <a:lstStyle/>
-          <a:p>
-            <a:pPr marL="285750" indent="-285750">
-              <a:buFont typeface="Arial" panose="020B0604020202020204" pitchFamily="34" charset="0"/>
-              <a:buChar char="•"/>
-            </a:pPr>
-            <a:r>
-              <a:rPr lang="pt-BR" sz="1600" dirty="0"/>
-              <a:t>Vendas de produtos ou serviços</a:t>
-            </a:r>
-          </a:p>
-          <a:p>
-            <a:pPr marL="285750" indent="-285750">
-              <a:buFont typeface="Arial" panose="020B0604020202020204" pitchFamily="34" charset="0"/>
-              <a:buChar char="•"/>
-            </a:pPr>
-            <a:r>
-              <a:rPr lang="pt-BR" sz="1600" dirty="0"/>
-              <a:t>Fala sobre o trabalho</a:t>
-            </a:r>
-          </a:p>
-          <a:p>
-            <a:pPr marL="285750" indent="-285750">
-              <a:buFont typeface="Arial" panose="020B0604020202020204" pitchFamily="34" charset="0"/>
-              <a:buChar char="•"/>
-            </a:pPr>
-            <a:r>
-              <a:rPr lang="pt-BR" sz="1600" dirty="0"/>
-              <a:t>Trabalha em excesso</a:t>
-            </a:r>
-          </a:p>
-          <a:p>
-            <a:pPr marL="285750" indent="-285750">
-              <a:buFont typeface="Arial" panose="020B0604020202020204" pitchFamily="34" charset="0"/>
-              <a:buChar char="•"/>
-            </a:pPr>
-            <a:r>
-              <a:rPr lang="pt-BR" sz="1600" dirty="0"/>
-              <a:t>Fala com muitas pessoas</a:t>
-            </a:r>
-          </a:p>
-          <a:p>
-            <a:pPr marL="285750" indent="-285750">
-              <a:buFont typeface="Arial" panose="020B0604020202020204" pitchFamily="34" charset="0"/>
-              <a:buChar char="•"/>
-            </a:pPr>
-            <a:endParaRPr lang="pt-BR" sz="1600" dirty="0"/>
-          </a:p>
-        </p:txBody>
-      </p:sp>
-      <p:sp>
-        <p:nvSpPr>
-          <p:cNvPr id="21" name="CaixaDeTexto 20">
-            <a:extLst>
-              <a:ext uri="{FF2B5EF4-FFF2-40B4-BE49-F238E27FC236}">
-                <a16:creationId xmlns:a16="http://schemas.microsoft.com/office/drawing/2014/main" xmlns="" id="{A8ACBED5-51E9-4721-8AC4-05EEA68FE2FB}"/>
-              </a:ext>
-            </a:extLst>
-          </p:cNvPr>
-          <p:cNvSpPr txBox="1"/>
-          <p:nvPr/>
-        </p:nvSpPr>
-        <p:spPr>
-          <a:xfrm>
-            <a:off x="428669" y="5555363"/>
-            <a:ext cx="3976253" cy="1077218"/>
-          </a:xfrm>
-          <a:prstGeom prst="rect">
-            <a:avLst/>
-          </a:prstGeom>
-          <a:noFill/>
-        </p:spPr>
-        <p:txBody>
-          <a:bodyPr wrap="square" rtlCol="0">
-            <a:spAutoFit/>
-          </a:bodyPr>
-          <a:lstStyle/>
-          <a:p>
-            <a:pPr marL="285750" indent="-285750">
-              <a:buFont typeface="Arial" panose="020B0604020202020204" pitchFamily="34" charset="0"/>
-              <a:buChar char="•"/>
-            </a:pPr>
-            <a:r>
-              <a:rPr lang="pt-BR" sz="1600" dirty="0"/>
-              <a:t>Falta de organização</a:t>
-            </a:r>
-          </a:p>
-          <a:p>
-            <a:pPr marL="285750" indent="-285750">
-              <a:buFont typeface="Arial" panose="020B0604020202020204" pitchFamily="34" charset="0"/>
-              <a:buChar char="•"/>
-            </a:pPr>
-            <a:r>
-              <a:rPr lang="pt-BR" sz="1600" dirty="0"/>
-              <a:t>Muitas tarefas simultâneas</a:t>
-            </a:r>
-          </a:p>
-          <a:p>
-            <a:pPr marL="285750" indent="-285750">
-              <a:buFont typeface="Arial" panose="020B0604020202020204" pitchFamily="34" charset="0"/>
-              <a:buChar char="•"/>
-            </a:pPr>
-            <a:r>
-              <a:rPr lang="pt-BR" sz="1600" dirty="0"/>
-              <a:t>Falta de tempo</a:t>
-            </a:r>
-          </a:p>
-          <a:p>
-            <a:pPr marL="285750" indent="-285750">
-              <a:buFont typeface="Arial" panose="020B0604020202020204" pitchFamily="34" charset="0"/>
-              <a:buChar char="•"/>
-            </a:pPr>
-            <a:r>
-              <a:rPr lang="pt-BR" sz="1600" dirty="0"/>
-              <a:t>Falta de distribuição de tarefas</a:t>
-            </a:r>
-          </a:p>
-        </p:txBody>
-      </p:sp>
-      <p:sp>
-        <p:nvSpPr>
-          <p:cNvPr id="22" name="CaixaDeTexto 21">
-            <a:extLst>
-              <a:ext uri="{FF2B5EF4-FFF2-40B4-BE49-F238E27FC236}">
-                <a16:creationId xmlns:a16="http://schemas.microsoft.com/office/drawing/2014/main" xmlns="" id="{9963E216-4D5C-48AE-87D3-EE58AF318505}"/>
-              </a:ext>
-            </a:extLst>
-          </p:cNvPr>
-          <p:cNvSpPr txBox="1"/>
-          <p:nvPr/>
-        </p:nvSpPr>
-        <p:spPr>
-          <a:xfrm>
-            <a:off x="6234112" y="5495093"/>
-            <a:ext cx="5805487" cy="1077218"/>
-          </a:xfrm>
-          <a:prstGeom prst="rect">
-            <a:avLst/>
-          </a:prstGeom>
-          <a:noFill/>
-        </p:spPr>
-        <p:txBody>
-          <a:bodyPr wrap="square" rtlCol="0">
-            <a:spAutoFit/>
-          </a:bodyPr>
-          <a:lstStyle/>
-          <a:p>
-            <a:pPr marL="285750" indent="-285750">
-              <a:buFont typeface="Arial" panose="020B0604020202020204" pitchFamily="34" charset="0"/>
-              <a:buChar char="•"/>
-            </a:pPr>
-            <a:r>
-              <a:rPr lang="pt-BR" sz="1600" dirty="0"/>
-              <a:t>Precisa de uma sistema de gerenciamento para ajudar na organização de tarefas e controle de produtos</a:t>
-            </a:r>
-            <a:r>
-              <a:rPr lang="pt-BR" sz="1600" dirty="0" smtClean="0"/>
-              <a:t>.</a:t>
-            </a:r>
-            <a:endParaRPr lang="pt-BR" sz="1600" dirty="0"/>
-          </a:p>
-          <a:p>
-            <a:pPr marL="285750" indent="-285750">
-              <a:buFont typeface="Arial" panose="020B0604020202020204" pitchFamily="34" charset="0"/>
-              <a:buChar char="•"/>
-            </a:pPr>
-            <a:r>
-              <a:rPr lang="pt-BR" sz="1600" dirty="0"/>
-              <a:t>Obter controle simplificado e direto de tudo o que entra e </a:t>
-            </a:r>
-            <a:r>
-              <a:rPr lang="pt-BR" sz="1600" dirty="0" smtClean="0"/>
-              <a:t>sai de </a:t>
-            </a:r>
-            <a:r>
-              <a:rPr lang="pt-BR" sz="1600" dirty="0"/>
-              <a:t>dentro da empresa.</a:t>
-            </a:r>
-          </a:p>
-        </p:txBody>
-      </p:sp>
-      <p:sp>
-        <p:nvSpPr>
-          <p:cNvPr id="26" name="CaixaDeTexto 25">
-            <a:extLst>
-              <a:ext uri="{FF2B5EF4-FFF2-40B4-BE49-F238E27FC236}">
-                <a16:creationId xmlns:a16="http://schemas.microsoft.com/office/drawing/2014/main" xmlns="" id="{848E44E1-191F-4918-86B4-4808343804A0}"/>
-              </a:ext>
-            </a:extLst>
-          </p:cNvPr>
-          <p:cNvSpPr txBox="1"/>
-          <p:nvPr/>
-        </p:nvSpPr>
-        <p:spPr>
-          <a:xfrm>
-            <a:off x="6092420" y="851770"/>
-            <a:ext cx="2862694" cy="830997"/>
-          </a:xfrm>
-          <a:prstGeom prst="rect">
-            <a:avLst/>
-          </a:prstGeom>
-          <a:noFill/>
-        </p:spPr>
-        <p:txBody>
-          <a:bodyPr wrap="square" rtlCol="0">
-            <a:spAutoFit/>
-          </a:bodyPr>
-          <a:lstStyle/>
-          <a:p>
-            <a:pPr marL="285750" indent="-285750">
-              <a:buFont typeface="Arial" panose="020B0604020202020204" pitchFamily="34" charset="0"/>
-              <a:buChar char="•"/>
-            </a:pPr>
-            <a:r>
-              <a:rPr lang="pt-BR" sz="1600" dirty="0" smtClean="0"/>
-              <a:t>Sente  </a:t>
-            </a:r>
-            <a:r>
-              <a:rPr lang="pt-BR" sz="1600" dirty="0"/>
-              <a:t>Cansaço</a:t>
-            </a:r>
-          </a:p>
-          <a:p>
-            <a:pPr marL="285750" indent="-285750">
-              <a:buFont typeface="Arial" panose="020B0604020202020204" pitchFamily="34" charset="0"/>
-              <a:buChar char="•"/>
-            </a:pPr>
-            <a:r>
-              <a:rPr lang="pt-BR" sz="1600" dirty="0"/>
-              <a:t>Sente  Pressionada </a:t>
-            </a:r>
-          </a:p>
-          <a:p>
-            <a:pPr marL="285750" indent="-285750">
-              <a:buFont typeface="Arial" panose="020B0604020202020204" pitchFamily="34" charset="0"/>
-              <a:buChar char="•"/>
-            </a:pPr>
-            <a:r>
-              <a:rPr lang="pt-BR" sz="1600" dirty="0"/>
-              <a:t>Pensa no futuro</a:t>
-            </a:r>
-          </a:p>
-        </p:txBody>
-      </p:sp>
+        </p:spPr>
+      </p:pic>
     </p:spTree>
     <p:extLst>
       <p:ext uri="{BB962C8B-B14F-4D97-AF65-F5344CB8AC3E}">
-        <p14:creationId xmlns:p14="http://schemas.microsoft.com/office/powerpoint/2010/main" val="2231868797"/>
+        <p14:creationId xmlns:p14="http://schemas.microsoft.com/office/powerpoint/2010/main" val="2018927395"/>
       </p:ext>
     </p:extLst>
   </p:cSld>
   <p:clrMapOvr>
     <a:masterClrMapping/>
   </p:clrMapOvr>
-  <p:timing>
-    <p:tnLst>
-      <p:par>
-        <p:cTn id="1" dur="indefinite" restart="never" nodeType="tmRoot"/>
-      </p:par>
-    </p:tnLst>
-  </p:timing>
 </p:sld>
 </file>
 
@@ -5919,20 +4838,20 @@
       </p:grpSpPr>
       <p:sp>
         <p:nvSpPr>
-          <p:cNvPr id="31" name="Retângulo 30"/>
+          <p:cNvPr id="23" name="Retângulo 22"/>
           <p:cNvSpPr/>
           <p:nvPr/>
         </p:nvSpPr>
         <p:spPr>
           <a:xfrm>
-            <a:off x="-69288" y="0"/>
-            <a:ext cx="12261287" cy="6858000"/>
+            <a:off x="0" y="0"/>
+            <a:ext cx="12286445" cy="6858000"/>
           </a:xfrm>
           <a:prstGeom prst="rect">
             <a:avLst/>
           </a:prstGeom>
           <a:solidFill>
-            <a:srgbClr val="FFFFFF"/>
+            <a:srgbClr val="DAD2F1"/>
           </a:solidFill>
           <a:ln>
             <a:solidFill>
@@ -5967,73 +4886,110 @@
       </p:sp>
       <p:sp>
         <p:nvSpPr>
-          <p:cNvPr id="4" name="Título 5">
+          <p:cNvPr id="4" name="CaixaDeTexto 3">
             <a:extLst>
               <a:ext uri="{FF2B5EF4-FFF2-40B4-BE49-F238E27FC236}">
-                <a16:creationId xmlns:a16="http://schemas.microsoft.com/office/drawing/2014/main" xmlns="" id="{FBFC9F05-42CB-4663-9738-6A830E14BF9B}"/>
+                <a16:creationId xmlns:a16="http://schemas.microsoft.com/office/drawing/2014/main" id="{AB3BE1DA-E535-4405-B036-6B00872BAFF7}"/>
               </a:ext>
             </a:extLst>
           </p:cNvPr>
-          <p:cNvSpPr>
-            <a:spLocks noGrp="1"/>
-          </p:cNvSpPr>
-          <p:nvPr>
-            <p:ph type="title"/>
-          </p:nvPr>
-        </p:nvSpPr>
-        <p:spPr>
-          <a:xfrm>
-            <a:off x="672352" y="50502"/>
-            <a:ext cx="10554448" cy="660473"/>
-          </a:xfrm>
+          <p:cNvSpPr txBox="1"/>
+          <p:nvPr/>
+        </p:nvSpPr>
+        <p:spPr>
+          <a:xfrm>
+            <a:off x="152399" y="95250"/>
+            <a:ext cx="3158055" cy="369332"/>
+          </a:xfrm>
+          <a:prstGeom prst="rect">
+            <a:avLst/>
+          </a:prstGeom>
+          <a:noFill/>
+        </p:spPr>
+        <p:txBody>
+          <a:bodyPr wrap="square" rtlCol="0">
+            <a:spAutoFit/>
+          </a:bodyPr>
+          <a:lstStyle/>
+          <a:p>
+            <a:pPr lvl="1"/>
+            <a:r>
+              <a:rPr lang="pt-BR" dirty="0"/>
+              <a:t>Nome </a:t>
+            </a:r>
+            <a:r>
+              <a:rPr lang="pt-BR" u="sng" dirty="0"/>
+              <a:t>:</a:t>
+            </a:r>
+            <a:r>
+              <a:rPr lang="pt-BR" dirty="0"/>
+              <a:t>   Maria Aparecida</a:t>
+            </a:r>
+          </a:p>
+        </p:txBody>
+      </p:sp>
+      <p:sp>
+        <p:nvSpPr>
+          <p:cNvPr id="5" name="CaixaDeTexto 4">
+            <a:extLst>
+              <a:ext uri="{FF2B5EF4-FFF2-40B4-BE49-F238E27FC236}">
+                <a16:creationId xmlns:a16="http://schemas.microsoft.com/office/drawing/2014/main" id="{4055257E-7D68-4E7A-99CF-63B421CADC99}"/>
+              </a:ext>
+            </a:extLst>
+          </p:cNvPr>
+          <p:cNvSpPr txBox="1"/>
+          <p:nvPr/>
+        </p:nvSpPr>
+        <p:spPr>
+          <a:xfrm>
+            <a:off x="3543013" y="108392"/>
+            <a:ext cx="1790700" cy="369332"/>
+          </a:xfrm>
+          <a:prstGeom prst="rect">
+            <a:avLst/>
+          </a:prstGeom>
+          <a:noFill/>
+        </p:spPr>
+        <p:txBody>
+          <a:bodyPr wrap="square" rtlCol="0">
+            <a:spAutoFit/>
+          </a:bodyPr>
+          <a:lstStyle/>
+          <a:p>
+            <a:r>
+              <a:rPr lang="pt-BR" dirty="0"/>
+              <a:t>Idade :   30</a:t>
+            </a:r>
+          </a:p>
+        </p:txBody>
+      </p:sp>
+      <p:sp>
+        <p:nvSpPr>
+          <p:cNvPr id="6" name="Retângulo 5">
+            <a:extLst>
+              <a:ext uri="{FF2B5EF4-FFF2-40B4-BE49-F238E27FC236}">
+                <a16:creationId xmlns:a16="http://schemas.microsoft.com/office/drawing/2014/main" id="{F26303CD-6853-4C26-972E-5869653395CC}"/>
+              </a:ext>
+            </a:extLst>
+          </p:cNvPr>
+          <p:cNvSpPr/>
+          <p:nvPr/>
+        </p:nvSpPr>
+        <p:spPr>
+          <a:xfrm>
+            <a:off x="138112" y="495300"/>
+            <a:ext cx="11915775" cy="6267450"/>
+          </a:xfrm>
+          <a:prstGeom prst="rect">
+            <a:avLst/>
+          </a:prstGeom>
           <a:solidFill>
-            <a:srgbClr val="DAD2F1"/>
+            <a:schemeClr val="bg1"/>
           </a:solidFill>
           <a:ln>
             <a:solidFill>
               <a:srgbClr val="3E00FF"/>
             </a:solidFill>
-          </a:ln>
-        </p:spPr>
-        <p:txBody>
-          <a:bodyPr>
-            <a:normAutofit fontScale="90000"/>
-          </a:bodyPr>
-          <a:lstStyle/>
-          <a:p>
-            <a:r>
-              <a:rPr lang="pt-BR" dirty="0" smtClean="0"/>
-              <a:t>Jornada do usuário</a:t>
-            </a:r>
-            <a:endParaRPr lang="pt-BR" dirty="0"/>
-          </a:p>
-        </p:txBody>
-      </p:sp>
-      <p:sp>
-        <p:nvSpPr>
-          <p:cNvPr id="5" name="Seta: Pentágono 39">
-            <a:extLst>
-              <a:ext uri="{FF2B5EF4-FFF2-40B4-BE49-F238E27FC236}">
-                <a16:creationId xmlns:a16="http://schemas.microsoft.com/office/drawing/2014/main" xmlns="" id="{7A5E176E-AA3B-4B6E-AE29-195BD6366D37}"/>
-              </a:ext>
-            </a:extLst>
-          </p:cNvPr>
-          <p:cNvSpPr/>
-          <p:nvPr/>
-        </p:nvSpPr>
-        <p:spPr>
-          <a:xfrm>
-            <a:off x="3054600" y="996615"/>
-            <a:ext cx="2037351" cy="573368"/>
-          </a:xfrm>
-          <a:prstGeom prst="homePlate">
-            <a:avLst/>
-          </a:prstGeom>
-          <a:solidFill>
-            <a:srgbClr val="3E00FF"/>
-          </a:solidFill>
-          <a:ln>
-            <a:noFill/>
           </a:ln>
         </p:spPr>
         <p:style>
@@ -6057,20 +5013,16 @@
           <a:lstStyle/>
           <a:p>
             <a:pPr algn="ctr"/>
-            <a:r>
-              <a:rPr lang="pt-BR" sz="1400" b="1" dirty="0" smtClean="0"/>
-              <a:t>ACESSA O SITE</a:t>
-            </a:r>
-            <a:endParaRPr lang="pt-BR" sz="1400" b="1" dirty="0"/>
+            <a:endParaRPr lang="pt-BR"/>
           </a:p>
         </p:txBody>
       </p:sp>
       <p:cxnSp>
         <p:nvCxnSpPr>
-          <p:cNvPr id="6" name="Conector reto 5">
+          <p:cNvPr id="7" name="Conector reto 6">
             <a:extLst>
               <a:ext uri="{FF2B5EF4-FFF2-40B4-BE49-F238E27FC236}">
-                <a16:creationId xmlns:a16="http://schemas.microsoft.com/office/drawing/2014/main" xmlns="" id="{A8AD9801-F73F-4FF4-AD2D-E89ABBB7D0F5}"/>
+                <a16:creationId xmlns:a16="http://schemas.microsoft.com/office/drawing/2014/main" id="{3190080B-252D-4451-B7C2-91B9D57E2D35}"/>
               </a:ext>
             </a:extLst>
           </p:cNvPr>
@@ -6080,9 +5032,9 @@
           <p:nvPr/>
         </p:nvCxnSpPr>
         <p:spPr>
-          <a:xfrm>
-            <a:off x="672352" y="1763806"/>
-            <a:ext cx="10554448" cy="0"/>
+          <a:xfrm flipV="1">
+            <a:off x="138112" y="495300"/>
+            <a:ext cx="11915775" cy="4520045"/>
           </a:xfrm>
           <a:prstGeom prst="line">
             <a:avLst/>
@@ -6095,71 +5047,25 @@
         </p:spPr>
         <p:style>
           <a:lnRef idx="1">
-            <a:schemeClr val="accent1"/>
+            <a:schemeClr val="dk1"/>
           </a:lnRef>
           <a:fillRef idx="0">
-            <a:schemeClr val="accent1"/>
+            <a:schemeClr val="dk1"/>
           </a:fillRef>
           <a:effectRef idx="0">
-            <a:schemeClr val="accent1"/>
+            <a:schemeClr val="dk1"/>
           </a:effectRef>
           <a:fontRef idx="minor">
             <a:schemeClr val="tx1"/>
           </a:fontRef>
         </p:style>
       </p:cxnSp>
-      <p:sp>
-        <p:nvSpPr>
-          <p:cNvPr id="7" name="Retângulo 6">
-            <a:extLst>
-              <a:ext uri="{FF2B5EF4-FFF2-40B4-BE49-F238E27FC236}">
-                <a16:creationId xmlns:a16="http://schemas.microsoft.com/office/drawing/2014/main" xmlns="" id="{C2EABCFD-DF70-4F16-AD1B-2E16D3CBCDB4}"/>
-              </a:ext>
-            </a:extLst>
-          </p:cNvPr>
-          <p:cNvSpPr/>
-          <p:nvPr/>
-        </p:nvSpPr>
-        <p:spPr>
-          <a:xfrm>
-            <a:off x="2906643" y="2067812"/>
-            <a:ext cx="2125581" cy="461665"/>
-          </a:xfrm>
-          <a:prstGeom prst="rect">
-            <a:avLst/>
-          </a:prstGeom>
-        </p:spPr>
-        <p:txBody>
-          <a:bodyPr wrap="square">
-            <a:spAutoFit/>
-          </a:bodyPr>
-          <a:lstStyle/>
-          <a:p>
-            <a:pPr marL="342900" indent="-342900">
-              <a:buFont typeface="Arial" panose="020B0604020202020204" pitchFamily="34" charset="0"/>
-              <a:buChar char="•"/>
-            </a:pPr>
-            <a:r>
-              <a:rPr lang="pt-BR" sz="1200" dirty="0" smtClean="0">
-                <a:latin typeface="Exo 2" panose="00000500000000000000" pitchFamily="50" charset="0"/>
-              </a:rPr>
-              <a:t>Procura o site na </a:t>
-            </a:r>
-            <a:r>
-              <a:rPr lang="pt-BR" sz="1200" dirty="0" smtClean="0">
-                <a:latin typeface="Exo 2" panose="00000500000000000000" pitchFamily="50" charset="0"/>
-              </a:rPr>
-              <a:t>barra de pesquisa</a:t>
-            </a:r>
-          </a:p>
-        </p:txBody>
-      </p:sp>
       <p:cxnSp>
         <p:nvCxnSpPr>
           <p:cNvPr id="8" name="Conector reto 7">
             <a:extLst>
               <a:ext uri="{FF2B5EF4-FFF2-40B4-BE49-F238E27FC236}">
-                <a16:creationId xmlns:a16="http://schemas.microsoft.com/office/drawing/2014/main" xmlns="" id="{B27F9872-88B9-49C8-9870-E721BFE687D5}"/>
+                <a16:creationId xmlns:a16="http://schemas.microsoft.com/office/drawing/2014/main" id="{336359E2-4FAB-4C87-98D8-F5C57E18DB5F}"/>
               </a:ext>
             </a:extLst>
           </p:cNvPr>
@@ -6170,8 +5076,8 @@
         </p:nvCxnSpPr>
         <p:spPr>
           <a:xfrm>
-            <a:off x="672352" y="2862692"/>
-            <a:ext cx="10554448" cy="0"/>
+            <a:off x="152400" y="495300"/>
+            <a:ext cx="11887200" cy="4596245"/>
           </a:xfrm>
           <a:prstGeom prst="line">
             <a:avLst/>
@@ -6184,194 +5090,25 @@
         </p:spPr>
         <p:style>
           <a:lnRef idx="1">
-            <a:schemeClr val="accent1"/>
+            <a:schemeClr val="dk1"/>
           </a:lnRef>
           <a:fillRef idx="0">
-            <a:schemeClr val="accent1"/>
+            <a:schemeClr val="dk1"/>
           </a:fillRef>
           <a:effectRef idx="0">
-            <a:schemeClr val="accent1"/>
+            <a:schemeClr val="dk1"/>
           </a:effectRef>
           <a:fontRef idx="minor">
             <a:schemeClr val="tx1"/>
           </a:fontRef>
         </p:style>
       </p:cxnSp>
-      <p:sp>
-        <p:nvSpPr>
-          <p:cNvPr id="9" name="Retângulo 8">
-            <a:extLst>
-              <a:ext uri="{FF2B5EF4-FFF2-40B4-BE49-F238E27FC236}">
-                <a16:creationId xmlns:a16="http://schemas.microsoft.com/office/drawing/2014/main" xmlns="" id="{97711B2C-6CD3-470D-AA36-229EC801CCD1}"/>
-              </a:ext>
-            </a:extLst>
-          </p:cNvPr>
-          <p:cNvSpPr/>
-          <p:nvPr/>
-        </p:nvSpPr>
-        <p:spPr>
-          <a:xfrm>
-            <a:off x="672352" y="940464"/>
-            <a:ext cx="2184972" cy="769441"/>
-          </a:xfrm>
-          <a:prstGeom prst="rect">
-            <a:avLst/>
-          </a:prstGeom>
-        </p:spPr>
-        <p:txBody>
-          <a:bodyPr wrap="square">
-            <a:spAutoFit/>
-          </a:bodyPr>
-          <a:lstStyle/>
-          <a:p>
-            <a:r>
-              <a:rPr lang="pt-BR" sz="2800" b="1" dirty="0">
-                <a:latin typeface="Exo 2" panose="00000500000000000000" pitchFamily="50" charset="0"/>
-              </a:rPr>
-              <a:t>Fases </a:t>
-            </a:r>
-            <a:r>
-              <a:rPr lang="pt-BR" sz="1600" b="1" dirty="0">
-                <a:latin typeface="Exo 2" panose="00000500000000000000" pitchFamily="50" charset="0"/>
-              </a:rPr>
-              <a:t>(utilizador)</a:t>
-            </a:r>
-          </a:p>
-        </p:txBody>
-      </p:sp>
-      <p:sp>
-        <p:nvSpPr>
-          <p:cNvPr id="10" name="Retângulo 9">
-            <a:extLst>
-              <a:ext uri="{FF2B5EF4-FFF2-40B4-BE49-F238E27FC236}">
-                <a16:creationId xmlns:a16="http://schemas.microsoft.com/office/drawing/2014/main" xmlns="" id="{32D853A9-2996-41B9-BDE6-AC13EBC37446}"/>
-              </a:ext>
-            </a:extLst>
-          </p:cNvPr>
-          <p:cNvSpPr/>
-          <p:nvPr/>
-        </p:nvSpPr>
-        <p:spPr>
-          <a:xfrm>
-            <a:off x="672352" y="1765933"/>
-            <a:ext cx="2184972" cy="1077218"/>
-          </a:xfrm>
-          <a:prstGeom prst="rect">
-            <a:avLst/>
-          </a:prstGeom>
-        </p:spPr>
-        <p:txBody>
-          <a:bodyPr wrap="square">
-            <a:spAutoFit/>
-          </a:bodyPr>
-          <a:lstStyle/>
-          <a:p>
-            <a:r>
-              <a:rPr lang="pt-BR" sz="2800" b="1" dirty="0">
-                <a:latin typeface="Exo 2" panose="00000500000000000000" pitchFamily="50" charset="0"/>
-              </a:rPr>
-              <a:t>Faz</a:t>
-            </a:r>
-          </a:p>
-          <a:p>
-            <a:r>
-              <a:rPr lang="pt-BR" sz="1800" b="1" dirty="0">
-                <a:latin typeface="Exo 2" panose="00000500000000000000" pitchFamily="50" charset="0"/>
-              </a:rPr>
-              <a:t>(ações do usuário) </a:t>
-            </a:r>
-          </a:p>
-        </p:txBody>
-      </p:sp>
-      <p:pic>
-        <p:nvPicPr>
-          <p:cNvPr id="11" name="Gráfico 48" descr="Rosto surpreso sem preenchimento ">
-            <a:extLst>
-              <a:ext uri="{FF2B5EF4-FFF2-40B4-BE49-F238E27FC236}">
-                <a16:creationId xmlns:a16="http://schemas.microsoft.com/office/drawing/2014/main" xmlns="" id="{75C24F49-359D-4FB9-AF27-0954A5DF839A}"/>
-              </a:ext>
-            </a:extLst>
-          </p:cNvPr>
-          <p:cNvPicPr>
-            <a:picLocks noChangeAspect="1"/>
-          </p:cNvPicPr>
-          <p:nvPr/>
-        </p:nvPicPr>
-        <p:blipFill>
-          <a:blip r:embed="rId2">
-            <a:extLst>
-              <a:ext uri="{28A0092B-C50C-407E-A947-70E740481C1C}">
-                <a14:useLocalDpi xmlns:a14="http://schemas.microsoft.com/office/drawing/2010/main"/>
-              </a:ext>
-              <a:ext uri="{96DAC541-7B7A-43D3-8B79-37D633B846F1}">
-                <asvg:svgBlip xmlns:asvg="http://schemas.microsoft.com/office/drawing/2016/SVG/main" xmlns="" r:embed="rId4"/>
-              </a:ext>
-            </a:extLst>
-          </a:blip>
-          <a:stretch>
-            <a:fillRect/>
-          </a:stretch>
-        </p:blipFill>
-        <p:spPr>
-          <a:xfrm>
-            <a:off x="12345328" y="4996300"/>
-            <a:ext cx="914400" cy="914400"/>
-          </a:xfrm>
-          <a:prstGeom prst="rect">
-            <a:avLst/>
-          </a:prstGeom>
-        </p:spPr>
-      </p:pic>
-      <p:sp>
-        <p:nvSpPr>
-          <p:cNvPr id="12" name="Retângulo 11">
-            <a:extLst>
-              <a:ext uri="{FF2B5EF4-FFF2-40B4-BE49-F238E27FC236}">
-                <a16:creationId xmlns:a16="http://schemas.microsoft.com/office/drawing/2014/main" xmlns="" id="{6C1FC3A8-D29F-416C-8866-FFBFF6CFA21F}"/>
-              </a:ext>
-            </a:extLst>
-          </p:cNvPr>
-          <p:cNvSpPr/>
-          <p:nvPr/>
-        </p:nvSpPr>
-        <p:spPr>
-          <a:xfrm>
-            <a:off x="689164" y="2887724"/>
-            <a:ext cx="2382248" cy="1138773"/>
-          </a:xfrm>
-          <a:prstGeom prst="rect">
-            <a:avLst/>
-          </a:prstGeom>
-        </p:spPr>
-        <p:txBody>
-          <a:bodyPr wrap="square">
-            <a:spAutoFit/>
-          </a:bodyPr>
-          <a:lstStyle/>
-          <a:p>
-            <a:r>
-              <a:rPr lang="pt-BR" sz="2800" b="1" dirty="0">
-                <a:latin typeface="Exo 2" panose="00000500000000000000" pitchFamily="50" charset="0"/>
-              </a:rPr>
-              <a:t>Sente</a:t>
-            </a:r>
-          </a:p>
-          <a:p>
-            <a:r>
-              <a:rPr lang="pt-BR" sz="2000" b="1" dirty="0">
-                <a:latin typeface="Exo 2" panose="00000500000000000000" pitchFamily="50" charset="0"/>
-              </a:rPr>
-              <a:t>(dores do usuário) </a:t>
-            </a:r>
-          </a:p>
-        </p:txBody>
-      </p:sp>
       <p:cxnSp>
         <p:nvCxnSpPr>
-          <p:cNvPr id="13" name="Conector reto 12">
+          <p:cNvPr id="9" name="Conector reto 8">
             <a:extLst>
               <a:ext uri="{FF2B5EF4-FFF2-40B4-BE49-F238E27FC236}">
-                <a16:creationId xmlns:a16="http://schemas.microsoft.com/office/drawing/2014/main" xmlns="" id="{5F72E0CD-6E7D-4BE3-B122-0FDE0DB13CA3}"/>
+                <a16:creationId xmlns:a16="http://schemas.microsoft.com/office/drawing/2014/main" id="{E4EC3597-0A44-400B-B642-96957716A0A7}"/>
               </a:ext>
             </a:extLst>
           </p:cNvPr>
@@ -6382,8 +5119,8 @@
         </p:nvCxnSpPr>
         <p:spPr>
           <a:xfrm>
-            <a:off x="672352" y="3977621"/>
-            <a:ext cx="10554448" cy="0"/>
+            <a:off x="152400" y="5015345"/>
+            <a:ext cx="11915775" cy="76200"/>
           </a:xfrm>
           <a:prstGeom prst="line">
             <a:avLst/>
@@ -6396,80 +5133,37 @@
         </p:spPr>
         <p:style>
           <a:lnRef idx="1">
-            <a:schemeClr val="accent1"/>
+            <a:schemeClr val="dk1"/>
           </a:lnRef>
           <a:fillRef idx="0">
-            <a:schemeClr val="accent1"/>
+            <a:schemeClr val="dk1"/>
           </a:fillRef>
           <a:effectRef idx="0">
-            <a:schemeClr val="accent1"/>
+            <a:schemeClr val="dk1"/>
           </a:effectRef>
           <a:fontRef idx="minor">
             <a:schemeClr val="tx1"/>
           </a:fontRef>
         </p:style>
       </p:cxnSp>
-      <p:sp>
-        <p:nvSpPr>
-          <p:cNvPr id="14" name="Retângulo 13">
-            <a:extLst>
-              <a:ext uri="{FF2B5EF4-FFF2-40B4-BE49-F238E27FC236}">
-                <a16:creationId xmlns:a16="http://schemas.microsoft.com/office/drawing/2014/main" xmlns="" id="{38E392A5-D5C4-4E93-81B3-2C2DDE0DF481}"/>
-              </a:ext>
-            </a:extLst>
-          </p:cNvPr>
-          <p:cNvSpPr/>
-          <p:nvPr/>
-        </p:nvSpPr>
-        <p:spPr>
-          <a:xfrm>
-            <a:off x="2857324" y="4310871"/>
-            <a:ext cx="2037351" cy="461665"/>
-          </a:xfrm>
-          <a:prstGeom prst="rect">
-            <a:avLst/>
-          </a:prstGeom>
-        </p:spPr>
-        <p:txBody>
-          <a:bodyPr wrap="square">
-            <a:spAutoFit/>
-          </a:bodyPr>
-          <a:lstStyle/>
-          <a:p>
-            <a:pPr marL="342900" indent="-342900">
-              <a:buFont typeface="Arial" panose="020B0604020202020204" pitchFamily="34" charset="0"/>
-              <a:buChar char="•"/>
-            </a:pPr>
-            <a:r>
-              <a:rPr lang="pt-BR" sz="1200" dirty="0" smtClean="0">
-                <a:latin typeface="Exo 2" panose="00000500000000000000" pitchFamily="50" charset="0"/>
-              </a:rPr>
-              <a:t>“Como deve ser esse site” </a:t>
-            </a:r>
-            <a:endParaRPr lang="pt-BR" sz="1200" dirty="0">
-              <a:latin typeface="Exo 2" panose="00000500000000000000" pitchFamily="50" charset="0"/>
-            </a:endParaRPr>
-          </a:p>
-        </p:txBody>
-      </p:sp>
       <p:cxnSp>
         <p:nvCxnSpPr>
-          <p:cNvPr id="15" name="Conector reto 14">
+          <p:cNvPr id="10" name="Conector reto 9">
             <a:extLst>
               <a:ext uri="{FF2B5EF4-FFF2-40B4-BE49-F238E27FC236}">
-                <a16:creationId xmlns:a16="http://schemas.microsoft.com/office/drawing/2014/main" xmlns="" id="{B0E22083-FDC6-42DB-8F22-3D295395355C}"/>
+                <a16:creationId xmlns:a16="http://schemas.microsoft.com/office/drawing/2014/main" id="{1E82A325-F461-4EBC-95A9-503BB43C9D46}"/>
               </a:ext>
             </a:extLst>
           </p:cNvPr>
           <p:cNvCxnSpPr>
-            <a:cxnSpLocks/>
+            <a:endCxn id="6" idx="2"/>
           </p:cNvCxnSpPr>
           <p:nvPr/>
         </p:nvCxnSpPr>
         <p:spPr>
           <a:xfrm>
-            <a:off x="672352" y="5453500"/>
-            <a:ext cx="10554448" cy="0"/>
+            <a:off x="6095999" y="5053445"/>
+            <a:ext cx="1" cy="1709305"/>
           </a:xfrm>
           <a:prstGeom prst="line">
             <a:avLst/>
@@ -6482,13 +5176,13 @@
         </p:spPr>
         <p:style>
           <a:lnRef idx="1">
-            <a:schemeClr val="accent1"/>
+            <a:schemeClr val="dk1"/>
           </a:lnRef>
           <a:fillRef idx="0">
-            <a:schemeClr val="accent1"/>
+            <a:schemeClr val="dk1"/>
           </a:fillRef>
           <a:effectRef idx="0">
-            <a:schemeClr val="accent1"/>
+            <a:schemeClr val="dk1"/>
           </a:effectRef>
           <a:fontRef idx="minor">
             <a:schemeClr val="tx1"/>
@@ -6497,117 +5191,767 @@
       </p:cxnSp>
       <p:sp>
         <p:nvSpPr>
-          <p:cNvPr id="16" name="Retângulo 15">
+          <p:cNvPr id="11" name="CaixaDeTexto 10">
             <a:extLst>
               <a:ext uri="{FF2B5EF4-FFF2-40B4-BE49-F238E27FC236}">
-                <a16:creationId xmlns:a16="http://schemas.microsoft.com/office/drawing/2014/main" xmlns="" id="{0AFE6135-8811-4A6E-833E-9E842EBC6675}"/>
+                <a16:creationId xmlns:a16="http://schemas.microsoft.com/office/drawing/2014/main" id="{1B27D237-ABC9-489C-A1F7-48325763E962}"/>
               </a:ext>
             </a:extLst>
           </p:cNvPr>
-          <p:cNvSpPr/>
-          <p:nvPr/>
-        </p:nvSpPr>
-        <p:spPr>
-          <a:xfrm>
-            <a:off x="672352" y="4267456"/>
-            <a:ext cx="2184972" cy="830997"/>
+          <p:cNvSpPr txBox="1"/>
+          <p:nvPr/>
+        </p:nvSpPr>
+        <p:spPr>
+          <a:xfrm>
+            <a:off x="358462" y="5055862"/>
+            <a:ext cx="2539999" cy="369332"/>
           </a:xfrm>
           <a:prstGeom prst="rect">
             <a:avLst/>
           </a:prstGeom>
-        </p:spPr>
-        <p:txBody>
-          <a:bodyPr wrap="square">
+          <a:noFill/>
+        </p:spPr>
+        <p:txBody>
+          <a:bodyPr wrap="square" rtlCol="0">
             <a:spAutoFit/>
           </a:bodyPr>
           <a:lstStyle/>
           <a:p>
             <a:r>
-              <a:rPr lang="pt-BR" sz="2800" b="1" dirty="0">
-                <a:latin typeface="Exo 2" panose="00000500000000000000" pitchFamily="50" charset="0"/>
-              </a:rPr>
-              <a:t>Pensa</a:t>
-            </a:r>
-          </a:p>
-          <a:p>
-            <a:r>
-              <a:rPr lang="pt-BR" sz="2000" b="1" dirty="0">
-                <a:latin typeface="Exo 2" panose="00000500000000000000" pitchFamily="50" charset="0"/>
-              </a:rPr>
-              <a:t>(usuário) </a:t>
-            </a:r>
-          </a:p>
-        </p:txBody>
-      </p:sp>
-      <p:sp>
-        <p:nvSpPr>
-          <p:cNvPr id="17" name="Retângulo 16">
+              <a:rPr lang="pt-BR" dirty="0"/>
+              <a:t>Quais são as </a:t>
+            </a:r>
+            <a:r>
+              <a:rPr lang="pt-BR" b="1" dirty="0"/>
+              <a:t>DORES </a:t>
+            </a:r>
+            <a:r>
+              <a:rPr lang="pt-BR" dirty="0"/>
+              <a:t>?</a:t>
+            </a:r>
+          </a:p>
+        </p:txBody>
+      </p:sp>
+      <p:sp>
+        <p:nvSpPr>
+          <p:cNvPr id="12" name="CaixaDeTexto 11">
             <a:extLst>
               <a:ext uri="{FF2B5EF4-FFF2-40B4-BE49-F238E27FC236}">
-                <a16:creationId xmlns:a16="http://schemas.microsoft.com/office/drawing/2014/main" xmlns="" id="{11053D1A-6F2A-4187-BDDA-F16CCFD2FB8A}"/>
+                <a16:creationId xmlns:a16="http://schemas.microsoft.com/office/drawing/2014/main" id="{4F43D1C0-E0A4-4D9F-98CD-DEA244B4F00C}"/>
               </a:ext>
             </a:extLst>
           </p:cNvPr>
-          <p:cNvSpPr/>
-          <p:nvPr/>
-        </p:nvSpPr>
-        <p:spPr>
-          <a:xfrm>
-            <a:off x="680374" y="5644778"/>
-            <a:ext cx="2184972" cy="800219"/>
+          <p:cNvSpPr txBox="1"/>
+          <p:nvPr/>
+        </p:nvSpPr>
+        <p:spPr>
+          <a:xfrm>
+            <a:off x="6234112" y="5057608"/>
+            <a:ext cx="3651095" cy="369332"/>
           </a:xfrm>
           <a:prstGeom prst="rect">
             <a:avLst/>
           </a:prstGeom>
-        </p:spPr>
-        <p:txBody>
-          <a:bodyPr wrap="square">
+          <a:noFill/>
+        </p:spPr>
+        <p:txBody>
+          <a:bodyPr wrap="square" rtlCol="0">
             <a:spAutoFit/>
           </a:bodyPr>
           <a:lstStyle/>
           <a:p>
             <a:r>
-              <a:rPr lang="pt-BR" sz="2800" b="1" dirty="0">
-                <a:latin typeface="Exo 2" panose="00000500000000000000" pitchFamily="50" charset="0"/>
-              </a:rPr>
-              <a:t>Proposta</a:t>
-            </a:r>
-          </a:p>
-          <a:p>
-            <a:r>
-              <a:rPr lang="pt-BR" sz="1800" b="1" dirty="0">
-                <a:latin typeface="Exo 2" panose="00000500000000000000" pitchFamily="50" charset="0"/>
-              </a:rPr>
-              <a:t>(mudanças) </a:t>
-            </a:r>
-          </a:p>
-        </p:txBody>
-      </p:sp>
-      <p:sp>
-        <p:nvSpPr>
-          <p:cNvPr id="19" name="Seta: Pentágono 56">
+              <a:rPr lang="pt-BR" dirty="0"/>
+              <a:t>Quais são as </a:t>
+            </a:r>
+            <a:r>
+              <a:rPr lang="pt-BR" b="1" dirty="0"/>
+              <a:t>NECESSIDADES </a:t>
+            </a:r>
+            <a:r>
+              <a:rPr lang="pt-BR" dirty="0"/>
+              <a:t>?</a:t>
+            </a:r>
+          </a:p>
+        </p:txBody>
+      </p:sp>
+      <p:sp>
+        <p:nvSpPr>
+          <p:cNvPr id="13" name="CaixaDeTexto 12">
             <a:extLst>
               <a:ext uri="{FF2B5EF4-FFF2-40B4-BE49-F238E27FC236}">
-                <a16:creationId xmlns:a16="http://schemas.microsoft.com/office/drawing/2014/main" xmlns="" id="{7F002D23-EA12-4C3E-8CD9-8A8226298C53}"/>
+                <a16:creationId xmlns:a16="http://schemas.microsoft.com/office/drawing/2014/main" id="{FBCA6C70-DDD7-443C-B8D6-9819A21096BD}"/>
               </a:ext>
             </a:extLst>
           </p:cNvPr>
+          <p:cNvSpPr txBox="1"/>
+          <p:nvPr/>
+        </p:nvSpPr>
+        <p:spPr>
+          <a:xfrm>
+            <a:off x="5149847" y="2112081"/>
+            <a:ext cx="2051051" cy="369332"/>
+          </a:xfrm>
+          <a:prstGeom prst="rect">
+            <a:avLst/>
+          </a:prstGeom>
+          <a:noFill/>
+        </p:spPr>
+        <p:txBody>
+          <a:bodyPr wrap="square" rtlCol="0">
+            <a:spAutoFit/>
+          </a:bodyPr>
+          <a:lstStyle/>
+          <a:p>
+            <a:r>
+              <a:rPr lang="pt-BR" dirty="0"/>
+              <a:t>PENSA E SENTE ?</a:t>
+            </a:r>
+          </a:p>
+        </p:txBody>
+      </p:sp>
+      <p:sp>
+        <p:nvSpPr>
+          <p:cNvPr id="14" name="CaixaDeTexto 13">
+            <a:extLst>
+              <a:ext uri="{FF2B5EF4-FFF2-40B4-BE49-F238E27FC236}">
+                <a16:creationId xmlns:a16="http://schemas.microsoft.com/office/drawing/2014/main" id="{BEDCCD52-9AC7-4BB3-A264-1368D8DC2893}"/>
+              </a:ext>
+            </a:extLst>
+          </p:cNvPr>
+          <p:cNvSpPr txBox="1"/>
+          <p:nvPr/>
+        </p:nvSpPr>
+        <p:spPr>
+          <a:xfrm>
+            <a:off x="6405707" y="2570656"/>
+            <a:ext cx="677718" cy="369332"/>
+          </a:xfrm>
+          <a:prstGeom prst="rect">
+            <a:avLst/>
+          </a:prstGeom>
+          <a:noFill/>
+        </p:spPr>
+        <p:txBody>
+          <a:bodyPr wrap="square" rtlCol="0">
+            <a:spAutoFit/>
+          </a:bodyPr>
+          <a:lstStyle/>
+          <a:p>
+            <a:r>
+              <a:rPr lang="pt-BR" dirty="0"/>
+              <a:t>VÊ ?</a:t>
+            </a:r>
+          </a:p>
+        </p:txBody>
+      </p:sp>
+      <p:sp>
+        <p:nvSpPr>
+          <p:cNvPr id="15" name="CaixaDeTexto 14">
+            <a:extLst>
+              <a:ext uri="{FF2B5EF4-FFF2-40B4-BE49-F238E27FC236}">
+                <a16:creationId xmlns:a16="http://schemas.microsoft.com/office/drawing/2014/main" id="{7AF293A6-995F-4CA1-8A53-9476F18E532B}"/>
+              </a:ext>
+            </a:extLst>
+          </p:cNvPr>
+          <p:cNvSpPr txBox="1"/>
+          <p:nvPr/>
+        </p:nvSpPr>
+        <p:spPr>
+          <a:xfrm>
+            <a:off x="4842959" y="2570656"/>
+            <a:ext cx="1002144" cy="369332"/>
+          </a:xfrm>
+          <a:prstGeom prst="rect">
+            <a:avLst/>
+          </a:prstGeom>
+          <a:noFill/>
+        </p:spPr>
+        <p:txBody>
+          <a:bodyPr wrap="square" rtlCol="0">
+            <a:spAutoFit/>
+          </a:bodyPr>
+          <a:lstStyle/>
+          <a:p>
+            <a:r>
+              <a:rPr lang="pt-BR" dirty="0"/>
+              <a:t>OUVE ?</a:t>
+            </a:r>
+          </a:p>
+        </p:txBody>
+      </p:sp>
+      <p:sp>
+        <p:nvSpPr>
+          <p:cNvPr id="16" name="CaixaDeTexto 15">
+            <a:extLst>
+              <a:ext uri="{FF2B5EF4-FFF2-40B4-BE49-F238E27FC236}">
+                <a16:creationId xmlns:a16="http://schemas.microsoft.com/office/drawing/2014/main" id="{68CE6756-08BC-4CB5-AC8F-3DE9E704FCA7}"/>
+              </a:ext>
+            </a:extLst>
+          </p:cNvPr>
+          <p:cNvSpPr txBox="1"/>
+          <p:nvPr/>
+        </p:nvSpPr>
+        <p:spPr>
+          <a:xfrm>
+            <a:off x="5315616" y="3029231"/>
+            <a:ext cx="1589342" cy="369332"/>
+          </a:xfrm>
+          <a:prstGeom prst="rect">
+            <a:avLst/>
+          </a:prstGeom>
+          <a:noFill/>
+        </p:spPr>
+        <p:txBody>
+          <a:bodyPr wrap="square" rtlCol="0">
+            <a:spAutoFit/>
+          </a:bodyPr>
+          <a:lstStyle/>
+          <a:p>
+            <a:r>
+              <a:rPr lang="pt-BR" dirty="0"/>
+              <a:t>FALA E FAZ ?</a:t>
+            </a:r>
+          </a:p>
+        </p:txBody>
+      </p:sp>
+      <p:sp>
+        <p:nvSpPr>
+          <p:cNvPr id="17" name="CaixaDeTexto 16">
+            <a:extLst>
+              <a:ext uri="{FF2B5EF4-FFF2-40B4-BE49-F238E27FC236}">
+                <a16:creationId xmlns:a16="http://schemas.microsoft.com/office/drawing/2014/main" id="{42A71A62-A69B-45AC-BC92-06AD38059AEB}"/>
+              </a:ext>
+            </a:extLst>
+          </p:cNvPr>
+          <p:cNvSpPr txBox="1"/>
+          <p:nvPr/>
+        </p:nvSpPr>
+        <p:spPr>
+          <a:xfrm>
+            <a:off x="7961385" y="2098438"/>
+            <a:ext cx="4084986" cy="2062103"/>
+          </a:xfrm>
+          <a:prstGeom prst="rect">
+            <a:avLst/>
+          </a:prstGeom>
+          <a:noFill/>
+        </p:spPr>
+        <p:txBody>
+          <a:bodyPr wrap="square" rtlCol="0">
+            <a:spAutoFit/>
+          </a:bodyPr>
+          <a:lstStyle/>
+          <a:p>
+            <a:pPr marL="285750" indent="-285750">
+              <a:buFont typeface="Arial" panose="020B0604020202020204" pitchFamily="34" charset="0"/>
+              <a:buChar char="•"/>
+            </a:pPr>
+            <a:r>
+              <a:rPr lang="pt-BR" sz="1600" dirty="0"/>
+              <a:t>Redes sociais(</a:t>
+            </a:r>
+            <a:r>
+              <a:rPr lang="pt-BR" sz="1600" dirty="0" err="1"/>
+              <a:t>Tik</a:t>
+            </a:r>
+            <a:r>
+              <a:rPr lang="pt-BR" sz="1600" dirty="0"/>
+              <a:t> Tok, Instagram, Facebook).</a:t>
+            </a:r>
+          </a:p>
+          <a:p>
+            <a:r>
+              <a:rPr lang="pt-BR" sz="1600" dirty="0"/>
+              <a:t>       Market </a:t>
+            </a:r>
+            <a:r>
+              <a:rPr lang="pt-BR" sz="1600" dirty="0" err="1"/>
+              <a:t>Place</a:t>
+            </a:r>
+            <a:r>
+              <a:rPr lang="pt-BR" sz="1600" dirty="0"/>
+              <a:t>(Facebook, OLX)</a:t>
+            </a:r>
+          </a:p>
+          <a:p>
+            <a:pPr marL="285750" indent="-285750">
+              <a:buFont typeface="Arial" panose="020B0604020202020204" pitchFamily="34" charset="0"/>
+              <a:buChar char="•"/>
+            </a:pPr>
+            <a:r>
+              <a:rPr lang="pt-BR" sz="1600" dirty="0"/>
+              <a:t>Jornal </a:t>
+            </a:r>
+          </a:p>
+          <a:p>
+            <a:pPr marL="285750" indent="-285750">
+              <a:buFont typeface="Arial" panose="020B0604020202020204" pitchFamily="34" charset="0"/>
+              <a:buChar char="•"/>
+            </a:pPr>
+            <a:r>
+              <a:rPr lang="pt-BR" sz="1600" dirty="0"/>
+              <a:t>Filmes \ Series</a:t>
+            </a:r>
+          </a:p>
+          <a:p>
+            <a:pPr marL="285750" indent="-285750">
+              <a:buFont typeface="Arial" panose="020B0604020202020204" pitchFamily="34" charset="0"/>
+              <a:buChar char="•"/>
+            </a:pPr>
+            <a:r>
+              <a:rPr lang="pt-BR" sz="1600" dirty="0" err="1"/>
+              <a:t>Whatsapp</a:t>
+            </a:r>
+            <a:endParaRPr lang="pt-BR" sz="1600" dirty="0"/>
+          </a:p>
+          <a:p>
+            <a:pPr marL="285750" indent="-285750">
+              <a:buFont typeface="Arial" panose="020B0604020202020204" pitchFamily="34" charset="0"/>
+              <a:buChar char="•"/>
+            </a:pPr>
+            <a:endParaRPr lang="pt-BR" sz="1600" dirty="0"/>
+          </a:p>
+          <a:p>
+            <a:endParaRPr lang="pt-BR" sz="1600" dirty="0"/>
+          </a:p>
+          <a:p>
+            <a:endParaRPr lang="pt-BR" sz="1600" dirty="0"/>
+          </a:p>
+        </p:txBody>
+      </p:sp>
+      <p:sp>
+        <p:nvSpPr>
+          <p:cNvPr id="18" name="CaixaDeTexto 17">
+            <a:extLst>
+              <a:ext uri="{FF2B5EF4-FFF2-40B4-BE49-F238E27FC236}">
+                <a16:creationId xmlns:a16="http://schemas.microsoft.com/office/drawing/2014/main" id="{2E26C4BB-3F48-472A-AFD5-6E0E68A5BD2F}"/>
+              </a:ext>
+            </a:extLst>
+          </p:cNvPr>
+          <p:cNvSpPr txBox="1"/>
+          <p:nvPr/>
+        </p:nvSpPr>
+        <p:spPr>
+          <a:xfrm>
+            <a:off x="828766" y="2404844"/>
+            <a:ext cx="3176061" cy="1323439"/>
+          </a:xfrm>
+          <a:prstGeom prst="rect">
+            <a:avLst/>
+          </a:prstGeom>
+          <a:noFill/>
+        </p:spPr>
+        <p:txBody>
+          <a:bodyPr wrap="square" rtlCol="0">
+            <a:spAutoFit/>
+          </a:bodyPr>
+          <a:lstStyle/>
+          <a:p>
+            <a:pPr marL="285750" indent="-285750">
+              <a:buFont typeface="Arial" panose="020B0604020202020204" pitchFamily="34" charset="0"/>
+              <a:buChar char="•"/>
+            </a:pPr>
+            <a:r>
+              <a:rPr lang="pt-BR" sz="1600" dirty="0"/>
+              <a:t>Noticias politicas</a:t>
+            </a:r>
+          </a:p>
+          <a:p>
+            <a:pPr marL="285750" indent="-285750">
+              <a:buFont typeface="Arial" panose="020B0604020202020204" pitchFamily="34" charset="0"/>
+              <a:buChar char="•"/>
+            </a:pPr>
+            <a:r>
+              <a:rPr lang="pt-BR" sz="1600" dirty="0"/>
+              <a:t>As(os) clientes</a:t>
+            </a:r>
+          </a:p>
+          <a:p>
+            <a:pPr marL="285750" indent="-285750">
+              <a:buFont typeface="Arial" panose="020B0604020202020204" pitchFamily="34" charset="0"/>
+              <a:buChar char="•"/>
+            </a:pPr>
+            <a:r>
+              <a:rPr lang="pt-BR" sz="1600" dirty="0"/>
+              <a:t>As amigas e amigos</a:t>
+            </a:r>
+          </a:p>
+          <a:p>
+            <a:pPr marL="285750" indent="-285750">
+              <a:buFont typeface="Arial" panose="020B0604020202020204" pitchFamily="34" charset="0"/>
+              <a:buChar char="•"/>
+            </a:pPr>
+            <a:endParaRPr lang="pt-BR" sz="1600" dirty="0"/>
+          </a:p>
+          <a:p>
+            <a:endParaRPr lang="pt-BR" sz="1600" dirty="0"/>
+          </a:p>
+        </p:txBody>
+      </p:sp>
+      <p:sp>
+        <p:nvSpPr>
+          <p:cNvPr id="19" name="CaixaDeTexto 18">
+            <a:extLst>
+              <a:ext uri="{FF2B5EF4-FFF2-40B4-BE49-F238E27FC236}">
+                <a16:creationId xmlns:a16="http://schemas.microsoft.com/office/drawing/2014/main" id="{848E44E1-191F-4918-86B4-4808343804A0}"/>
+              </a:ext>
+            </a:extLst>
+          </p:cNvPr>
+          <p:cNvSpPr txBox="1"/>
+          <p:nvPr/>
+        </p:nvSpPr>
+        <p:spPr>
+          <a:xfrm>
+            <a:off x="3543013" y="847706"/>
+            <a:ext cx="2862694" cy="830997"/>
+          </a:xfrm>
+          <a:prstGeom prst="rect">
+            <a:avLst/>
+          </a:prstGeom>
+          <a:noFill/>
+        </p:spPr>
+        <p:txBody>
+          <a:bodyPr wrap="square" rtlCol="0">
+            <a:spAutoFit/>
+          </a:bodyPr>
+          <a:lstStyle/>
+          <a:p>
+            <a:pPr marL="285750" indent="-285750">
+              <a:buFont typeface="Arial" panose="020B0604020202020204" pitchFamily="34" charset="0"/>
+              <a:buChar char="•"/>
+            </a:pPr>
+            <a:r>
+              <a:rPr lang="pt-BR" sz="1600" dirty="0"/>
+              <a:t>Sente Dores no corpo</a:t>
+            </a:r>
+          </a:p>
+          <a:p>
+            <a:pPr marL="285750" indent="-285750">
+              <a:buFont typeface="Arial" panose="020B0604020202020204" pitchFamily="34" charset="0"/>
+              <a:buChar char="•"/>
+            </a:pPr>
+            <a:r>
+              <a:rPr lang="pt-BR" sz="1600" dirty="0"/>
+              <a:t>Sente  Estresse</a:t>
+            </a:r>
+          </a:p>
+          <a:p>
+            <a:pPr marL="285750" indent="-285750">
+              <a:buFont typeface="Arial" panose="020B0604020202020204" pitchFamily="34" charset="0"/>
+              <a:buChar char="•"/>
+            </a:pPr>
+            <a:r>
+              <a:rPr lang="pt-BR" sz="1600" dirty="0"/>
+              <a:t>Sente  Ansiedade</a:t>
+            </a:r>
+          </a:p>
+        </p:txBody>
+      </p:sp>
+      <p:sp>
+        <p:nvSpPr>
+          <p:cNvPr id="20" name="CaixaDeTexto 19">
+            <a:extLst>
+              <a:ext uri="{FF2B5EF4-FFF2-40B4-BE49-F238E27FC236}">
+                <a16:creationId xmlns:a16="http://schemas.microsoft.com/office/drawing/2014/main" id="{51D5D471-E281-4681-8746-5E36E5A851F5}"/>
+              </a:ext>
+            </a:extLst>
+          </p:cNvPr>
+          <p:cNvSpPr txBox="1"/>
+          <p:nvPr/>
+        </p:nvSpPr>
+        <p:spPr>
+          <a:xfrm>
+            <a:off x="4703439" y="3636244"/>
+            <a:ext cx="3976253" cy="1323439"/>
+          </a:xfrm>
+          <a:prstGeom prst="rect">
+            <a:avLst/>
+          </a:prstGeom>
+          <a:noFill/>
+        </p:spPr>
+        <p:txBody>
+          <a:bodyPr wrap="square" rtlCol="0">
+            <a:spAutoFit/>
+          </a:bodyPr>
+          <a:lstStyle/>
+          <a:p>
+            <a:pPr marL="285750" indent="-285750">
+              <a:buFont typeface="Arial" panose="020B0604020202020204" pitchFamily="34" charset="0"/>
+              <a:buChar char="•"/>
+            </a:pPr>
+            <a:r>
+              <a:rPr lang="pt-BR" sz="1600" dirty="0"/>
+              <a:t>Vendas de produtos ou serviços</a:t>
+            </a:r>
+          </a:p>
+          <a:p>
+            <a:pPr marL="285750" indent="-285750">
+              <a:buFont typeface="Arial" panose="020B0604020202020204" pitchFamily="34" charset="0"/>
+              <a:buChar char="•"/>
+            </a:pPr>
+            <a:r>
+              <a:rPr lang="pt-BR" sz="1600" dirty="0"/>
+              <a:t>Fala sobre o trabalho</a:t>
+            </a:r>
+          </a:p>
+          <a:p>
+            <a:pPr marL="285750" indent="-285750">
+              <a:buFont typeface="Arial" panose="020B0604020202020204" pitchFamily="34" charset="0"/>
+              <a:buChar char="•"/>
+            </a:pPr>
+            <a:r>
+              <a:rPr lang="pt-BR" sz="1600" dirty="0"/>
+              <a:t>Trabalha em excesso</a:t>
+            </a:r>
+          </a:p>
+          <a:p>
+            <a:pPr marL="285750" indent="-285750">
+              <a:buFont typeface="Arial" panose="020B0604020202020204" pitchFamily="34" charset="0"/>
+              <a:buChar char="•"/>
+            </a:pPr>
+            <a:r>
+              <a:rPr lang="pt-BR" sz="1600" dirty="0"/>
+              <a:t>Fala com muitas pessoas</a:t>
+            </a:r>
+          </a:p>
+          <a:p>
+            <a:pPr marL="285750" indent="-285750">
+              <a:buFont typeface="Arial" panose="020B0604020202020204" pitchFamily="34" charset="0"/>
+              <a:buChar char="•"/>
+            </a:pPr>
+            <a:endParaRPr lang="pt-BR" sz="1600" dirty="0"/>
+          </a:p>
+        </p:txBody>
+      </p:sp>
+      <p:sp>
+        <p:nvSpPr>
+          <p:cNvPr id="21" name="CaixaDeTexto 20">
+            <a:extLst>
+              <a:ext uri="{FF2B5EF4-FFF2-40B4-BE49-F238E27FC236}">
+                <a16:creationId xmlns:a16="http://schemas.microsoft.com/office/drawing/2014/main" id="{A8ACBED5-51E9-4721-8AC4-05EEA68FE2FB}"/>
+              </a:ext>
+            </a:extLst>
+          </p:cNvPr>
+          <p:cNvSpPr txBox="1"/>
+          <p:nvPr/>
+        </p:nvSpPr>
+        <p:spPr>
+          <a:xfrm>
+            <a:off x="428669" y="5555363"/>
+            <a:ext cx="3976253" cy="1077218"/>
+          </a:xfrm>
+          <a:prstGeom prst="rect">
+            <a:avLst/>
+          </a:prstGeom>
+          <a:noFill/>
+        </p:spPr>
+        <p:txBody>
+          <a:bodyPr wrap="square" rtlCol="0">
+            <a:spAutoFit/>
+          </a:bodyPr>
+          <a:lstStyle/>
+          <a:p>
+            <a:pPr marL="285750" indent="-285750">
+              <a:buFont typeface="Arial" panose="020B0604020202020204" pitchFamily="34" charset="0"/>
+              <a:buChar char="•"/>
+            </a:pPr>
+            <a:r>
+              <a:rPr lang="pt-BR" sz="1600" dirty="0"/>
+              <a:t>Falta de organização</a:t>
+            </a:r>
+          </a:p>
+          <a:p>
+            <a:pPr marL="285750" indent="-285750">
+              <a:buFont typeface="Arial" panose="020B0604020202020204" pitchFamily="34" charset="0"/>
+              <a:buChar char="•"/>
+            </a:pPr>
+            <a:r>
+              <a:rPr lang="pt-BR" sz="1600" dirty="0"/>
+              <a:t>Muitas tarefas simultâneas</a:t>
+            </a:r>
+          </a:p>
+          <a:p>
+            <a:pPr marL="285750" indent="-285750">
+              <a:buFont typeface="Arial" panose="020B0604020202020204" pitchFamily="34" charset="0"/>
+              <a:buChar char="•"/>
+            </a:pPr>
+            <a:r>
+              <a:rPr lang="pt-BR" sz="1600" dirty="0"/>
+              <a:t>Falta de tempo</a:t>
+            </a:r>
+          </a:p>
+          <a:p>
+            <a:pPr marL="285750" indent="-285750">
+              <a:buFont typeface="Arial" panose="020B0604020202020204" pitchFamily="34" charset="0"/>
+              <a:buChar char="•"/>
+            </a:pPr>
+            <a:r>
+              <a:rPr lang="pt-BR" sz="1600" dirty="0"/>
+              <a:t>Falta de distribuição de tarefas</a:t>
+            </a:r>
+          </a:p>
+        </p:txBody>
+      </p:sp>
+      <p:sp>
+        <p:nvSpPr>
+          <p:cNvPr id="22" name="CaixaDeTexto 21">
+            <a:extLst>
+              <a:ext uri="{FF2B5EF4-FFF2-40B4-BE49-F238E27FC236}">
+                <a16:creationId xmlns:a16="http://schemas.microsoft.com/office/drawing/2014/main" id="{9963E216-4D5C-48AE-87D3-EE58AF318505}"/>
+              </a:ext>
+            </a:extLst>
+          </p:cNvPr>
+          <p:cNvSpPr txBox="1"/>
+          <p:nvPr/>
+        </p:nvSpPr>
+        <p:spPr>
+          <a:xfrm>
+            <a:off x="6234112" y="5495093"/>
+            <a:ext cx="5805487" cy="1077218"/>
+          </a:xfrm>
+          <a:prstGeom prst="rect">
+            <a:avLst/>
+          </a:prstGeom>
+          <a:noFill/>
+        </p:spPr>
+        <p:txBody>
+          <a:bodyPr wrap="square" rtlCol="0">
+            <a:spAutoFit/>
+          </a:bodyPr>
+          <a:lstStyle/>
+          <a:p>
+            <a:pPr marL="285750" indent="-285750">
+              <a:buFont typeface="Arial" panose="020B0604020202020204" pitchFamily="34" charset="0"/>
+              <a:buChar char="•"/>
+            </a:pPr>
+            <a:r>
+              <a:rPr lang="pt-BR" sz="1600" dirty="0"/>
+              <a:t>Precisa de uma sistema de gerenciamento para ajudar na organização de tarefas e controle de produtos.</a:t>
+            </a:r>
+          </a:p>
+          <a:p>
+            <a:pPr marL="285750" indent="-285750">
+              <a:buFont typeface="Arial" panose="020B0604020202020204" pitchFamily="34" charset="0"/>
+              <a:buChar char="•"/>
+            </a:pPr>
+            <a:r>
+              <a:rPr lang="pt-BR" sz="1600" dirty="0"/>
+              <a:t>Obter controle simplificado e direto de tudo o que entra e sai de dentro da empresa.</a:t>
+            </a:r>
+          </a:p>
+        </p:txBody>
+      </p:sp>
+      <p:sp>
+        <p:nvSpPr>
+          <p:cNvPr id="26" name="CaixaDeTexto 25">
+            <a:extLst>
+              <a:ext uri="{FF2B5EF4-FFF2-40B4-BE49-F238E27FC236}">
+                <a16:creationId xmlns:a16="http://schemas.microsoft.com/office/drawing/2014/main" id="{848E44E1-191F-4918-86B4-4808343804A0}"/>
+              </a:ext>
+            </a:extLst>
+          </p:cNvPr>
+          <p:cNvSpPr txBox="1"/>
+          <p:nvPr/>
+        </p:nvSpPr>
+        <p:spPr>
+          <a:xfrm>
+            <a:off x="6092420" y="851770"/>
+            <a:ext cx="2862694" cy="830997"/>
+          </a:xfrm>
+          <a:prstGeom prst="rect">
+            <a:avLst/>
+          </a:prstGeom>
+          <a:noFill/>
+        </p:spPr>
+        <p:txBody>
+          <a:bodyPr wrap="square" rtlCol="0">
+            <a:spAutoFit/>
+          </a:bodyPr>
+          <a:lstStyle/>
+          <a:p>
+            <a:pPr marL="285750" indent="-285750">
+              <a:buFont typeface="Arial" panose="020B0604020202020204" pitchFamily="34" charset="0"/>
+              <a:buChar char="•"/>
+            </a:pPr>
+            <a:r>
+              <a:rPr lang="pt-BR" sz="1600" dirty="0"/>
+              <a:t>Sente  Cansaço</a:t>
+            </a:r>
+          </a:p>
+          <a:p>
+            <a:pPr marL="285750" indent="-285750">
+              <a:buFont typeface="Arial" panose="020B0604020202020204" pitchFamily="34" charset="0"/>
+              <a:buChar char="•"/>
+            </a:pPr>
+            <a:r>
+              <a:rPr lang="pt-BR" sz="1600" dirty="0"/>
+              <a:t>Sente  Pressionada </a:t>
+            </a:r>
+          </a:p>
+          <a:p>
+            <a:pPr marL="285750" indent="-285750">
+              <a:buFont typeface="Arial" panose="020B0604020202020204" pitchFamily="34" charset="0"/>
+              <a:buChar char="•"/>
+            </a:pPr>
+            <a:r>
+              <a:rPr lang="pt-BR" sz="1600" dirty="0"/>
+              <a:t>Pensa no futuro</a:t>
+            </a:r>
+          </a:p>
+        </p:txBody>
+      </p:sp>
+    </p:spTree>
+    <p:extLst>
+      <p:ext uri="{BB962C8B-B14F-4D97-AF65-F5344CB8AC3E}">
+        <p14:creationId xmlns:p14="http://schemas.microsoft.com/office/powerpoint/2010/main" val="2231868797"/>
+      </p:ext>
+    </p:extLst>
+  </p:cSld>
+  <p:clrMapOvr>
+    <a:masterClrMapping/>
+  </p:clrMapOvr>
+</p:sld>
+</file>
+
+<file path=ppt/slides/slide7.xml><?xml version="1.0" encoding="utf-8"?>
+<p:sld xmlns:a="http://schemas.openxmlformats.org/drawingml/2006/main" xmlns:r="http://schemas.openxmlformats.org/officeDocument/2006/relationships" xmlns:p="http://schemas.openxmlformats.org/presentationml/2006/main">
+  <p:cSld>
+    <p:spTree>
+      <p:nvGrpSpPr>
+        <p:cNvPr id="1" name=""/>
+        <p:cNvGrpSpPr/>
+        <p:nvPr/>
+      </p:nvGrpSpPr>
+      <p:grpSpPr>
+        <a:xfrm>
+          <a:off x="0" y="0"/>
+          <a:ext cx="0" cy="0"/>
+          <a:chOff x="0" y="0"/>
+          <a:chExt cx="0" cy="0"/>
+        </a:xfrm>
+      </p:grpSpPr>
+      <p:sp>
+        <p:nvSpPr>
+          <p:cNvPr id="31" name="Retângulo 30"/>
           <p:cNvSpPr/>
           <p:nvPr/>
         </p:nvSpPr>
         <p:spPr>
           <a:xfrm>
-            <a:off x="5180182" y="983236"/>
-            <a:ext cx="2037351" cy="573368"/>
-          </a:xfrm>
-          <a:prstGeom prst="homePlate">
+            <a:off x="-79092" y="-50502"/>
+            <a:ext cx="12261287" cy="6858000"/>
+          </a:xfrm>
+          <a:prstGeom prst="rect">
             <a:avLst/>
           </a:prstGeom>
           <a:solidFill>
-            <a:srgbClr val="3E00FF"/>
+            <a:srgbClr val="FFFFFF"/>
           </a:solidFill>
           <a:ln>
-            <a:noFill/>
+            <a:solidFill>
+              <a:srgbClr val="605FAB"/>
+            </a:solidFill>
           </a:ln>
         </p:spPr>
         <p:style>
@@ -6631,20 +5975,59 @@
           <a:lstStyle/>
           <a:p>
             <a:pPr algn="ctr"/>
-            <a:r>
-              <a:rPr lang="pt-BR" sz="1400" b="1" dirty="0" smtClean="0"/>
-              <a:t>REALIZA O CADASTRO</a:t>
-            </a:r>
-            <a:endParaRPr lang="pt-BR" sz="1400" b="1" dirty="0"/>
-          </a:p>
-        </p:txBody>
-      </p:sp>
-      <p:sp>
-        <p:nvSpPr>
-          <p:cNvPr id="20" name="Seta: Pentágono 57">
+            <a:endParaRPr lang="pt-BR"/>
+          </a:p>
+        </p:txBody>
+      </p:sp>
+      <p:sp>
+        <p:nvSpPr>
+          <p:cNvPr id="4" name="Título 5">
             <a:extLst>
               <a:ext uri="{FF2B5EF4-FFF2-40B4-BE49-F238E27FC236}">
-                <a16:creationId xmlns:a16="http://schemas.microsoft.com/office/drawing/2014/main" xmlns="" id="{0CCDB0CF-AE1B-43FB-B894-DA318A573E45}"/>
+                <a16:creationId xmlns:a16="http://schemas.microsoft.com/office/drawing/2014/main" id="{FBFC9F05-42CB-4663-9738-6A830E14BF9B}"/>
+              </a:ext>
+            </a:extLst>
+          </p:cNvPr>
+          <p:cNvSpPr>
+            <a:spLocks noGrp="1"/>
+          </p:cNvSpPr>
+          <p:nvPr>
+            <p:ph type="title"/>
+          </p:nvPr>
+        </p:nvSpPr>
+        <p:spPr>
+          <a:xfrm>
+            <a:off x="672352" y="50502"/>
+            <a:ext cx="10554448" cy="660473"/>
+          </a:xfrm>
+          <a:solidFill>
+            <a:srgbClr val="DAD2F1"/>
+          </a:solidFill>
+          <a:ln>
+            <a:solidFill>
+              <a:srgbClr val="3E00FF"/>
+            </a:solidFill>
+          </a:ln>
+        </p:spPr>
+        <p:txBody>
+          <a:bodyPr>
+            <a:normAutofit fontScale="90000"/>
+          </a:bodyPr>
+          <a:lstStyle/>
+          <a:p>
+            <a:r>
+              <a:rPr lang="pt-BR" dirty="0"/>
+              <a:t>Jornada do usuário</a:t>
+            </a:r>
+          </a:p>
+        </p:txBody>
+      </p:sp>
+      <p:sp>
+        <p:nvSpPr>
+          <p:cNvPr id="5" name="Seta: Pentágono 39">
+            <a:extLst>
+              <a:ext uri="{FF2B5EF4-FFF2-40B4-BE49-F238E27FC236}">
+                <a16:creationId xmlns:a16="http://schemas.microsoft.com/office/drawing/2014/main" id="{7A5E176E-AA3B-4B6E-AE29-195BD6366D37}"/>
               </a:ext>
             </a:extLst>
           </p:cNvPr>
@@ -6653,7 +6036,7 @@
         </p:nvSpPr>
         <p:spPr>
           <a:xfrm>
-            <a:off x="7305764" y="973689"/>
+            <a:off x="3054600" y="996615"/>
             <a:ext cx="2037351" cy="573368"/>
           </a:xfrm>
           <a:prstGeom prst="homePlate">
@@ -6688,19 +6071,61 @@
           <a:p>
             <a:pPr algn="ctr"/>
             <a:r>
-              <a:rPr lang="pt-BR" sz="1400" b="1" dirty="0" smtClean="0"/>
-              <a:t>REALIZA O LOGIN</a:t>
-            </a:r>
-            <a:endParaRPr lang="pt-BR" sz="1400" b="1" dirty="0"/>
-          </a:p>
-        </p:txBody>
-      </p:sp>
-      <p:sp>
-        <p:nvSpPr>
-          <p:cNvPr id="21" name="Seta: Pentágono 58">
+              <a:rPr lang="pt-BR" sz="1400" b="1" dirty="0"/>
+              <a:t>ACESSA O SITE</a:t>
+            </a:r>
+          </a:p>
+        </p:txBody>
+      </p:sp>
+      <p:cxnSp>
+        <p:nvCxnSpPr>
+          <p:cNvPr id="6" name="Conector reto 5">
             <a:extLst>
               <a:ext uri="{FF2B5EF4-FFF2-40B4-BE49-F238E27FC236}">
-                <a16:creationId xmlns:a16="http://schemas.microsoft.com/office/drawing/2014/main" xmlns="" id="{0BB13E62-EB58-4BCD-B51B-6701A40573A6}"/>
+                <a16:creationId xmlns:a16="http://schemas.microsoft.com/office/drawing/2014/main" id="{A8AD9801-F73F-4FF4-AD2D-E89ABBB7D0F5}"/>
+              </a:ext>
+            </a:extLst>
+          </p:cNvPr>
+          <p:cNvCxnSpPr>
+            <a:cxnSpLocks/>
+          </p:cNvCxnSpPr>
+          <p:nvPr/>
+        </p:nvCxnSpPr>
+        <p:spPr>
+          <a:xfrm>
+            <a:off x="672352" y="1763806"/>
+            <a:ext cx="10554448" cy="0"/>
+          </a:xfrm>
+          <a:prstGeom prst="line">
+            <a:avLst/>
+          </a:prstGeom>
+          <a:ln>
+            <a:solidFill>
+              <a:srgbClr val="3E00FF"/>
+            </a:solidFill>
+          </a:ln>
+        </p:spPr>
+        <p:style>
+          <a:lnRef idx="1">
+            <a:schemeClr val="accent1"/>
+          </a:lnRef>
+          <a:fillRef idx="0">
+            <a:schemeClr val="accent1"/>
+          </a:fillRef>
+          <a:effectRef idx="0">
+            <a:schemeClr val="accent1"/>
+          </a:effectRef>
+          <a:fontRef idx="minor">
+            <a:schemeClr val="tx1"/>
+          </a:fontRef>
+        </p:style>
+      </p:cxnSp>
+      <p:sp>
+        <p:nvSpPr>
+          <p:cNvPr id="7" name="Retângulo 6">
+            <a:extLst>
+              <a:ext uri="{FF2B5EF4-FFF2-40B4-BE49-F238E27FC236}">
+                <a16:creationId xmlns:a16="http://schemas.microsoft.com/office/drawing/2014/main" id="{C2EABCFD-DF70-4F16-AD1B-2E16D3CBCDB4}"/>
               </a:ext>
             </a:extLst>
           </p:cNvPr>
@@ -6709,7 +6134,485 @@
         </p:nvSpPr>
         <p:spPr>
           <a:xfrm>
-            <a:off x="9431346" y="973689"/>
+            <a:off x="2906643" y="2067812"/>
+            <a:ext cx="2125581" cy="461665"/>
+          </a:xfrm>
+          <a:prstGeom prst="rect">
+            <a:avLst/>
+          </a:prstGeom>
+        </p:spPr>
+        <p:txBody>
+          <a:bodyPr wrap="square">
+            <a:spAutoFit/>
+          </a:bodyPr>
+          <a:lstStyle/>
+          <a:p>
+            <a:pPr marL="342900" indent="-342900">
+              <a:buFont typeface="Arial" panose="020B0604020202020204" pitchFamily="34" charset="0"/>
+              <a:buChar char="•"/>
+            </a:pPr>
+            <a:r>
+              <a:rPr lang="pt-BR" sz="1200" dirty="0">
+                <a:latin typeface="Exo 2" panose="00000500000000000000" pitchFamily="50" charset="0"/>
+              </a:rPr>
+              <a:t>Procura o site na barra de pesquisa</a:t>
+            </a:r>
+          </a:p>
+        </p:txBody>
+      </p:sp>
+      <p:cxnSp>
+        <p:nvCxnSpPr>
+          <p:cNvPr id="8" name="Conector reto 7">
+            <a:extLst>
+              <a:ext uri="{FF2B5EF4-FFF2-40B4-BE49-F238E27FC236}">
+                <a16:creationId xmlns:a16="http://schemas.microsoft.com/office/drawing/2014/main" id="{B27F9872-88B9-49C8-9870-E721BFE687D5}"/>
+              </a:ext>
+            </a:extLst>
+          </p:cNvPr>
+          <p:cNvCxnSpPr>
+            <a:cxnSpLocks/>
+          </p:cNvCxnSpPr>
+          <p:nvPr/>
+        </p:nvCxnSpPr>
+        <p:spPr>
+          <a:xfrm>
+            <a:off x="672352" y="2862692"/>
+            <a:ext cx="10554448" cy="0"/>
+          </a:xfrm>
+          <a:prstGeom prst="line">
+            <a:avLst/>
+          </a:prstGeom>
+          <a:ln>
+            <a:solidFill>
+              <a:srgbClr val="3E00FF"/>
+            </a:solidFill>
+          </a:ln>
+        </p:spPr>
+        <p:style>
+          <a:lnRef idx="1">
+            <a:schemeClr val="accent1"/>
+          </a:lnRef>
+          <a:fillRef idx="0">
+            <a:schemeClr val="accent1"/>
+          </a:fillRef>
+          <a:effectRef idx="0">
+            <a:schemeClr val="accent1"/>
+          </a:effectRef>
+          <a:fontRef idx="minor">
+            <a:schemeClr val="tx1"/>
+          </a:fontRef>
+        </p:style>
+      </p:cxnSp>
+      <p:sp>
+        <p:nvSpPr>
+          <p:cNvPr id="9" name="Retângulo 8">
+            <a:extLst>
+              <a:ext uri="{FF2B5EF4-FFF2-40B4-BE49-F238E27FC236}">
+                <a16:creationId xmlns:a16="http://schemas.microsoft.com/office/drawing/2014/main" id="{97711B2C-6CD3-470D-AA36-229EC801CCD1}"/>
+              </a:ext>
+            </a:extLst>
+          </p:cNvPr>
+          <p:cNvSpPr/>
+          <p:nvPr/>
+        </p:nvSpPr>
+        <p:spPr>
+          <a:xfrm>
+            <a:off x="672352" y="940464"/>
+            <a:ext cx="2184972" cy="769441"/>
+          </a:xfrm>
+          <a:prstGeom prst="rect">
+            <a:avLst/>
+          </a:prstGeom>
+        </p:spPr>
+        <p:txBody>
+          <a:bodyPr wrap="square">
+            <a:spAutoFit/>
+          </a:bodyPr>
+          <a:lstStyle/>
+          <a:p>
+            <a:r>
+              <a:rPr lang="pt-BR" sz="2800" b="1" dirty="0">
+                <a:latin typeface="Exo 2" panose="00000500000000000000" pitchFamily="50" charset="0"/>
+              </a:rPr>
+              <a:t>Fases </a:t>
+            </a:r>
+            <a:r>
+              <a:rPr lang="pt-BR" sz="1600" b="1" dirty="0">
+                <a:latin typeface="Exo 2" panose="00000500000000000000" pitchFamily="50" charset="0"/>
+              </a:rPr>
+              <a:t>(utilizador)</a:t>
+            </a:r>
+          </a:p>
+        </p:txBody>
+      </p:sp>
+      <p:sp>
+        <p:nvSpPr>
+          <p:cNvPr id="10" name="Retângulo 9">
+            <a:extLst>
+              <a:ext uri="{FF2B5EF4-FFF2-40B4-BE49-F238E27FC236}">
+                <a16:creationId xmlns:a16="http://schemas.microsoft.com/office/drawing/2014/main" id="{32D853A9-2996-41B9-BDE6-AC13EBC37446}"/>
+              </a:ext>
+            </a:extLst>
+          </p:cNvPr>
+          <p:cNvSpPr/>
+          <p:nvPr/>
+        </p:nvSpPr>
+        <p:spPr>
+          <a:xfrm>
+            <a:off x="672352" y="1765933"/>
+            <a:ext cx="2184972" cy="1077218"/>
+          </a:xfrm>
+          <a:prstGeom prst="rect">
+            <a:avLst/>
+          </a:prstGeom>
+        </p:spPr>
+        <p:txBody>
+          <a:bodyPr wrap="square">
+            <a:spAutoFit/>
+          </a:bodyPr>
+          <a:lstStyle/>
+          <a:p>
+            <a:r>
+              <a:rPr lang="pt-BR" sz="2800" b="1" dirty="0">
+                <a:latin typeface="Exo 2" panose="00000500000000000000" pitchFamily="50" charset="0"/>
+              </a:rPr>
+              <a:t>Faz</a:t>
+            </a:r>
+          </a:p>
+          <a:p>
+            <a:r>
+              <a:rPr lang="pt-BR" sz="1800" b="1" dirty="0">
+                <a:latin typeface="Exo 2" panose="00000500000000000000" pitchFamily="50" charset="0"/>
+              </a:rPr>
+              <a:t>(ações do usuário) </a:t>
+            </a:r>
+          </a:p>
+        </p:txBody>
+      </p:sp>
+      <p:pic>
+        <p:nvPicPr>
+          <p:cNvPr id="11" name="Gráfico 48" descr="Rosto surpreso sem preenchimento ">
+            <a:extLst>
+              <a:ext uri="{FF2B5EF4-FFF2-40B4-BE49-F238E27FC236}">
+                <a16:creationId xmlns:a16="http://schemas.microsoft.com/office/drawing/2014/main" id="{75C24F49-359D-4FB9-AF27-0954A5DF839A}"/>
+              </a:ext>
+            </a:extLst>
+          </p:cNvPr>
+          <p:cNvPicPr>
+            <a:picLocks noChangeAspect="1"/>
+          </p:cNvPicPr>
+          <p:nvPr/>
+        </p:nvPicPr>
+        <p:blipFill>
+          <a:blip r:embed="rId2">
+            <a:extLst>
+              <a:ext uri="{28A0092B-C50C-407E-A947-70E740481C1C}">
+                <a14:useLocalDpi xmlns:a14="http://schemas.microsoft.com/office/drawing/2010/main"/>
+              </a:ext>
+              <a:ext uri="{96DAC541-7B7A-43D3-8B79-37D633B846F1}">
+                <asvg:svgBlip xmlns:asvg="http://schemas.microsoft.com/office/drawing/2016/SVG/main" r:embed="rId3"/>
+              </a:ext>
+            </a:extLst>
+          </a:blip>
+          <a:stretch>
+            <a:fillRect/>
+          </a:stretch>
+        </p:blipFill>
+        <p:spPr>
+          <a:xfrm>
+            <a:off x="12345328" y="4996300"/>
+            <a:ext cx="914400" cy="914400"/>
+          </a:xfrm>
+          <a:prstGeom prst="rect">
+            <a:avLst/>
+          </a:prstGeom>
+        </p:spPr>
+      </p:pic>
+      <p:sp>
+        <p:nvSpPr>
+          <p:cNvPr id="12" name="Retângulo 11">
+            <a:extLst>
+              <a:ext uri="{FF2B5EF4-FFF2-40B4-BE49-F238E27FC236}">
+                <a16:creationId xmlns:a16="http://schemas.microsoft.com/office/drawing/2014/main" id="{6C1FC3A8-D29F-416C-8866-FFBFF6CFA21F}"/>
+              </a:ext>
+            </a:extLst>
+          </p:cNvPr>
+          <p:cNvSpPr/>
+          <p:nvPr/>
+        </p:nvSpPr>
+        <p:spPr>
+          <a:xfrm>
+            <a:off x="689164" y="2887724"/>
+            <a:ext cx="2382248" cy="1138773"/>
+          </a:xfrm>
+          <a:prstGeom prst="rect">
+            <a:avLst/>
+          </a:prstGeom>
+        </p:spPr>
+        <p:txBody>
+          <a:bodyPr wrap="square">
+            <a:spAutoFit/>
+          </a:bodyPr>
+          <a:lstStyle/>
+          <a:p>
+            <a:r>
+              <a:rPr lang="pt-BR" sz="2800" b="1" dirty="0">
+                <a:latin typeface="Exo 2" panose="00000500000000000000" pitchFamily="50" charset="0"/>
+              </a:rPr>
+              <a:t>Sente</a:t>
+            </a:r>
+          </a:p>
+          <a:p>
+            <a:r>
+              <a:rPr lang="pt-BR" sz="2000" b="1" dirty="0">
+                <a:latin typeface="Exo 2" panose="00000500000000000000" pitchFamily="50" charset="0"/>
+              </a:rPr>
+              <a:t>(dores do usuário) </a:t>
+            </a:r>
+          </a:p>
+        </p:txBody>
+      </p:sp>
+      <p:cxnSp>
+        <p:nvCxnSpPr>
+          <p:cNvPr id="13" name="Conector reto 12">
+            <a:extLst>
+              <a:ext uri="{FF2B5EF4-FFF2-40B4-BE49-F238E27FC236}">
+                <a16:creationId xmlns:a16="http://schemas.microsoft.com/office/drawing/2014/main" id="{5F72E0CD-6E7D-4BE3-B122-0FDE0DB13CA3}"/>
+              </a:ext>
+            </a:extLst>
+          </p:cNvPr>
+          <p:cNvCxnSpPr>
+            <a:cxnSpLocks/>
+          </p:cNvCxnSpPr>
+          <p:nvPr/>
+        </p:nvCxnSpPr>
+        <p:spPr>
+          <a:xfrm>
+            <a:off x="672352" y="3977621"/>
+            <a:ext cx="10554448" cy="0"/>
+          </a:xfrm>
+          <a:prstGeom prst="line">
+            <a:avLst/>
+          </a:prstGeom>
+          <a:ln>
+            <a:solidFill>
+              <a:srgbClr val="3E00FF"/>
+            </a:solidFill>
+          </a:ln>
+        </p:spPr>
+        <p:style>
+          <a:lnRef idx="1">
+            <a:schemeClr val="accent1"/>
+          </a:lnRef>
+          <a:fillRef idx="0">
+            <a:schemeClr val="accent1"/>
+          </a:fillRef>
+          <a:effectRef idx="0">
+            <a:schemeClr val="accent1"/>
+          </a:effectRef>
+          <a:fontRef idx="minor">
+            <a:schemeClr val="tx1"/>
+          </a:fontRef>
+        </p:style>
+      </p:cxnSp>
+      <p:sp>
+        <p:nvSpPr>
+          <p:cNvPr id="14" name="Retângulo 13">
+            <a:extLst>
+              <a:ext uri="{FF2B5EF4-FFF2-40B4-BE49-F238E27FC236}">
+                <a16:creationId xmlns:a16="http://schemas.microsoft.com/office/drawing/2014/main" id="{38E392A5-D5C4-4E93-81B3-2C2DDE0DF481}"/>
+              </a:ext>
+            </a:extLst>
+          </p:cNvPr>
+          <p:cNvSpPr/>
+          <p:nvPr/>
+        </p:nvSpPr>
+        <p:spPr>
+          <a:xfrm>
+            <a:off x="2857324" y="4310871"/>
+            <a:ext cx="2037351" cy="830997"/>
+          </a:xfrm>
+          <a:prstGeom prst="rect">
+            <a:avLst/>
+          </a:prstGeom>
+        </p:spPr>
+        <p:txBody>
+          <a:bodyPr wrap="square">
+            <a:spAutoFit/>
+          </a:bodyPr>
+          <a:lstStyle/>
+          <a:p>
+            <a:pPr marL="342900" indent="-342900">
+              <a:buFont typeface="Arial" panose="020B0604020202020204" pitchFamily="34" charset="0"/>
+              <a:buChar char="•"/>
+            </a:pPr>
+            <a:r>
+              <a:rPr lang="pt-BR" sz="1200" dirty="0">
+                <a:latin typeface="Exo 2" panose="00000500000000000000" pitchFamily="50" charset="0"/>
+              </a:rPr>
+              <a:t>“Como deve ser esse site?” </a:t>
+            </a:r>
+          </a:p>
+          <a:p>
+            <a:pPr marL="342900" indent="-342900">
+              <a:buFont typeface="Arial" panose="020B0604020202020204" pitchFamily="34" charset="0"/>
+              <a:buChar char="•"/>
+            </a:pPr>
+            <a:r>
+              <a:rPr lang="pt-BR" sz="1200" dirty="0">
+                <a:latin typeface="Exo 2" panose="00000500000000000000" pitchFamily="50" charset="0"/>
+              </a:rPr>
+              <a:t>“Será que esse site vai me ajudar?”</a:t>
+            </a:r>
+          </a:p>
+        </p:txBody>
+      </p:sp>
+      <p:cxnSp>
+        <p:nvCxnSpPr>
+          <p:cNvPr id="15" name="Conector reto 14">
+            <a:extLst>
+              <a:ext uri="{FF2B5EF4-FFF2-40B4-BE49-F238E27FC236}">
+                <a16:creationId xmlns:a16="http://schemas.microsoft.com/office/drawing/2014/main" id="{B0E22083-FDC6-42DB-8F22-3D295395355C}"/>
+              </a:ext>
+            </a:extLst>
+          </p:cNvPr>
+          <p:cNvCxnSpPr>
+            <a:cxnSpLocks/>
+          </p:cNvCxnSpPr>
+          <p:nvPr/>
+        </p:nvCxnSpPr>
+        <p:spPr>
+          <a:xfrm>
+            <a:off x="672352" y="5453500"/>
+            <a:ext cx="10554448" cy="0"/>
+          </a:xfrm>
+          <a:prstGeom prst="line">
+            <a:avLst/>
+          </a:prstGeom>
+          <a:ln>
+            <a:solidFill>
+              <a:srgbClr val="3E00FF"/>
+            </a:solidFill>
+          </a:ln>
+        </p:spPr>
+        <p:style>
+          <a:lnRef idx="1">
+            <a:schemeClr val="accent1"/>
+          </a:lnRef>
+          <a:fillRef idx="0">
+            <a:schemeClr val="accent1"/>
+          </a:fillRef>
+          <a:effectRef idx="0">
+            <a:schemeClr val="accent1"/>
+          </a:effectRef>
+          <a:fontRef idx="minor">
+            <a:schemeClr val="tx1"/>
+          </a:fontRef>
+        </p:style>
+      </p:cxnSp>
+      <p:sp>
+        <p:nvSpPr>
+          <p:cNvPr id="16" name="Retângulo 15">
+            <a:extLst>
+              <a:ext uri="{FF2B5EF4-FFF2-40B4-BE49-F238E27FC236}">
+                <a16:creationId xmlns:a16="http://schemas.microsoft.com/office/drawing/2014/main" id="{0AFE6135-8811-4A6E-833E-9E842EBC6675}"/>
+              </a:ext>
+            </a:extLst>
+          </p:cNvPr>
+          <p:cNvSpPr/>
+          <p:nvPr/>
+        </p:nvSpPr>
+        <p:spPr>
+          <a:xfrm>
+            <a:off x="672352" y="4267456"/>
+            <a:ext cx="2184972" cy="830997"/>
+          </a:xfrm>
+          <a:prstGeom prst="rect">
+            <a:avLst/>
+          </a:prstGeom>
+        </p:spPr>
+        <p:txBody>
+          <a:bodyPr wrap="square">
+            <a:spAutoFit/>
+          </a:bodyPr>
+          <a:lstStyle/>
+          <a:p>
+            <a:r>
+              <a:rPr lang="pt-BR" sz="2800" b="1" dirty="0">
+                <a:latin typeface="Exo 2" panose="00000500000000000000" pitchFamily="50" charset="0"/>
+              </a:rPr>
+              <a:t>Pensa</a:t>
+            </a:r>
+          </a:p>
+          <a:p>
+            <a:r>
+              <a:rPr lang="pt-BR" sz="2000" b="1" dirty="0">
+                <a:latin typeface="Exo 2" panose="00000500000000000000" pitchFamily="50" charset="0"/>
+              </a:rPr>
+              <a:t>(usuário) </a:t>
+            </a:r>
+          </a:p>
+        </p:txBody>
+      </p:sp>
+      <p:sp>
+        <p:nvSpPr>
+          <p:cNvPr id="17" name="Retângulo 16">
+            <a:extLst>
+              <a:ext uri="{FF2B5EF4-FFF2-40B4-BE49-F238E27FC236}">
+                <a16:creationId xmlns:a16="http://schemas.microsoft.com/office/drawing/2014/main" id="{11053D1A-6F2A-4187-BDDA-F16CCFD2FB8A}"/>
+              </a:ext>
+            </a:extLst>
+          </p:cNvPr>
+          <p:cNvSpPr/>
+          <p:nvPr/>
+        </p:nvSpPr>
+        <p:spPr>
+          <a:xfrm>
+            <a:off x="680374" y="5644778"/>
+            <a:ext cx="2184972" cy="800219"/>
+          </a:xfrm>
+          <a:prstGeom prst="rect">
+            <a:avLst/>
+          </a:prstGeom>
+        </p:spPr>
+        <p:txBody>
+          <a:bodyPr wrap="square">
+            <a:spAutoFit/>
+          </a:bodyPr>
+          <a:lstStyle/>
+          <a:p>
+            <a:r>
+              <a:rPr lang="pt-BR" sz="2800" b="1" dirty="0">
+                <a:latin typeface="Exo 2" panose="00000500000000000000" pitchFamily="50" charset="0"/>
+              </a:rPr>
+              <a:t>Proposta</a:t>
+            </a:r>
+          </a:p>
+          <a:p>
+            <a:r>
+              <a:rPr lang="pt-BR" sz="1800" b="1" dirty="0">
+                <a:latin typeface="Exo 2" panose="00000500000000000000" pitchFamily="50" charset="0"/>
+              </a:rPr>
+              <a:t>(mudanças) </a:t>
+            </a:r>
+          </a:p>
+        </p:txBody>
+      </p:sp>
+      <p:sp>
+        <p:nvSpPr>
+          <p:cNvPr id="19" name="Seta: Pentágono 56">
+            <a:extLst>
+              <a:ext uri="{FF2B5EF4-FFF2-40B4-BE49-F238E27FC236}">
+                <a16:creationId xmlns:a16="http://schemas.microsoft.com/office/drawing/2014/main" id="{7F002D23-EA12-4C3E-8CD9-8A8226298C53}"/>
+              </a:ext>
+            </a:extLst>
+          </p:cNvPr>
+          <p:cNvSpPr/>
+          <p:nvPr/>
+        </p:nvSpPr>
+        <p:spPr>
+          <a:xfrm>
+            <a:off x="5180182" y="983236"/>
             <a:ext cx="2037351" cy="573368"/>
           </a:xfrm>
           <a:prstGeom prst="homePlate">
@@ -6744,10 +6647,119 @@
           <a:p>
             <a:pPr algn="ctr"/>
             <a:r>
-              <a:rPr lang="pt-BR" sz="1400" b="1" dirty="0" smtClean="0"/>
+              <a:rPr lang="pt-BR" sz="1400" b="1" dirty="0"/>
+              <a:t>REALIZA O CADASTRO</a:t>
+            </a:r>
+          </a:p>
+        </p:txBody>
+      </p:sp>
+      <p:sp>
+        <p:nvSpPr>
+          <p:cNvPr id="20" name="Seta: Pentágono 57">
+            <a:extLst>
+              <a:ext uri="{FF2B5EF4-FFF2-40B4-BE49-F238E27FC236}">
+                <a16:creationId xmlns:a16="http://schemas.microsoft.com/office/drawing/2014/main" id="{0CCDB0CF-AE1B-43FB-B894-DA318A573E45}"/>
+              </a:ext>
+            </a:extLst>
+          </p:cNvPr>
+          <p:cNvSpPr/>
+          <p:nvPr/>
+        </p:nvSpPr>
+        <p:spPr>
+          <a:xfrm>
+            <a:off x="7305764" y="973689"/>
+            <a:ext cx="2037351" cy="573368"/>
+          </a:xfrm>
+          <a:prstGeom prst="homePlate">
+            <a:avLst/>
+          </a:prstGeom>
+          <a:solidFill>
+            <a:srgbClr val="3E00FF"/>
+          </a:solidFill>
+          <a:ln>
+            <a:noFill/>
+          </a:ln>
+        </p:spPr>
+        <p:style>
+          <a:lnRef idx="2">
+            <a:schemeClr val="accent1">
+              <a:shade val="50000"/>
+            </a:schemeClr>
+          </a:lnRef>
+          <a:fillRef idx="1">
+            <a:schemeClr val="accent1"/>
+          </a:fillRef>
+          <a:effectRef idx="0">
+            <a:schemeClr val="accent1"/>
+          </a:effectRef>
+          <a:fontRef idx="minor">
+            <a:schemeClr val="lt1"/>
+          </a:fontRef>
+        </p:style>
+        <p:txBody>
+          <a:bodyPr rtlCol="0" anchor="ctr"/>
+          <a:lstStyle/>
+          <a:p>
+            <a:pPr algn="ctr"/>
+            <a:r>
+              <a:rPr lang="pt-BR" sz="1400" b="1" dirty="0"/>
+              <a:t>REALIZA O LOGIN</a:t>
+            </a:r>
+          </a:p>
+        </p:txBody>
+      </p:sp>
+      <p:sp>
+        <p:nvSpPr>
+          <p:cNvPr id="21" name="Seta: Pentágono 58">
+            <a:extLst>
+              <a:ext uri="{FF2B5EF4-FFF2-40B4-BE49-F238E27FC236}">
+                <a16:creationId xmlns:a16="http://schemas.microsoft.com/office/drawing/2014/main" id="{0BB13E62-EB58-4BCD-B51B-6701A40573A6}"/>
+              </a:ext>
+            </a:extLst>
+          </p:cNvPr>
+          <p:cNvSpPr/>
+          <p:nvPr/>
+        </p:nvSpPr>
+        <p:spPr>
+          <a:xfrm>
+            <a:off x="9431346" y="973689"/>
+            <a:ext cx="2037351" cy="573368"/>
+          </a:xfrm>
+          <a:prstGeom prst="homePlate">
+            <a:avLst/>
+          </a:prstGeom>
+          <a:solidFill>
+            <a:srgbClr val="3E00FF"/>
+          </a:solidFill>
+          <a:ln>
+            <a:noFill/>
+          </a:ln>
+        </p:spPr>
+        <p:style>
+          <a:lnRef idx="2">
+            <a:schemeClr val="accent1">
+              <a:shade val="50000"/>
+            </a:schemeClr>
+          </a:lnRef>
+          <a:fillRef idx="1">
+            <a:schemeClr val="accent1"/>
+          </a:fillRef>
+          <a:effectRef idx="0">
+            <a:schemeClr val="accent1"/>
+          </a:effectRef>
+          <a:fontRef idx="minor">
+            <a:schemeClr val="lt1"/>
+          </a:fontRef>
+        </p:style>
+        <p:txBody>
+          <a:bodyPr rtlCol="0" anchor="ctr"/>
+          <a:lstStyle/>
+          <a:p>
+            <a:pPr algn="ctr"/>
+            <a:r>
+              <a:rPr lang="pt-BR" sz="1400" b="1" dirty="0"/>
               <a:t>ACESSAR A DASHBOARD</a:t>
             </a:r>
-            <a:endParaRPr lang="pt-BR" sz="1400" b="1" dirty="0"/>
           </a:p>
         </p:txBody>
       </p:sp>
@@ -6756,7 +6768,7 @@
           <p:cNvPr id="22" name="Gráfico 73" descr="Envelope">
             <a:extLst>
               <a:ext uri="{FF2B5EF4-FFF2-40B4-BE49-F238E27FC236}">
-                <a16:creationId xmlns:a16="http://schemas.microsoft.com/office/drawing/2014/main" xmlns="" id="{705BD92E-401D-430E-BC8C-783C8215BA59}"/>
+                <a16:creationId xmlns:a16="http://schemas.microsoft.com/office/drawing/2014/main" id="{705BD92E-401D-430E-BC8C-783C8215BA59}"/>
               </a:ext>
             </a:extLst>
           </p:cNvPr>
@@ -6766,13 +6778,13 @@
           <p:nvPr/>
         </p:nvPicPr>
         <p:blipFill>
-          <a:blip r:embed="rId5">
+          <a:blip r:embed="rId4">
             <a:extLst>
               <a:ext uri="{28A0092B-C50C-407E-A947-70E740481C1C}">
                 <a14:useLocalDpi xmlns:a14="http://schemas.microsoft.com/office/drawing/2010/main"/>
               </a:ext>
               <a:ext uri="{96DAC541-7B7A-43D3-8B79-37D633B846F1}">
-                <asvg:svgBlip xmlns:asvg="http://schemas.microsoft.com/office/drawing/2016/SVG/main" xmlns="" r:embed="rId6"/>
+                <asvg:svgBlip xmlns:asvg="http://schemas.microsoft.com/office/drawing/2016/SVG/main" r:embed="rId5"/>
               </a:ext>
             </a:extLst>
           </a:blip>
@@ -6795,7 +6807,7 @@
           <p:cNvPr id="23" name="Gráfico 74" descr="Baixar da nuvem">
             <a:extLst>
               <a:ext uri="{FF2B5EF4-FFF2-40B4-BE49-F238E27FC236}">
-                <a16:creationId xmlns:a16="http://schemas.microsoft.com/office/drawing/2014/main" xmlns="" id="{E889898B-07D7-4A93-9022-99313B4109FB}"/>
+                <a16:creationId xmlns:a16="http://schemas.microsoft.com/office/drawing/2014/main" id="{E889898B-07D7-4A93-9022-99313B4109FB}"/>
               </a:ext>
             </a:extLst>
           </p:cNvPr>
@@ -6805,13 +6817,13 @@
           <p:nvPr/>
         </p:nvPicPr>
         <p:blipFill>
-          <a:blip r:embed="rId7">
+          <a:blip r:embed="rId6">
             <a:extLst>
               <a:ext uri="{28A0092B-C50C-407E-A947-70E740481C1C}">
                 <a14:useLocalDpi xmlns:a14="http://schemas.microsoft.com/office/drawing/2010/main"/>
               </a:ext>
               <a:ext uri="{96DAC541-7B7A-43D3-8B79-37D633B846F1}">
-                <asvg:svgBlip xmlns:asvg="http://schemas.microsoft.com/office/drawing/2016/SVG/main" xmlns="" r:embed="rId8"/>
+                <asvg:svgBlip xmlns:asvg="http://schemas.microsoft.com/office/drawing/2016/SVG/main" r:embed="rId7"/>
               </a:ext>
             </a:extLst>
           </a:blip>
@@ -6834,7 +6846,7 @@
           <p:cNvPr id="24" name="Gráfico 75" descr="Call center">
             <a:extLst>
               <a:ext uri="{FF2B5EF4-FFF2-40B4-BE49-F238E27FC236}">
-                <a16:creationId xmlns:a16="http://schemas.microsoft.com/office/drawing/2014/main" xmlns="" id="{809ADB87-B26C-4F66-9B09-86E09B718FD7}"/>
+                <a16:creationId xmlns:a16="http://schemas.microsoft.com/office/drawing/2014/main" id="{809ADB87-B26C-4F66-9B09-86E09B718FD7}"/>
               </a:ext>
             </a:extLst>
           </p:cNvPr>
@@ -6844,13 +6856,13 @@
           <p:nvPr/>
         </p:nvPicPr>
         <p:blipFill>
-          <a:blip r:embed="rId9">
+          <a:blip r:embed="rId8">
             <a:extLst>
               <a:ext uri="{28A0092B-C50C-407E-A947-70E740481C1C}">
                 <a14:useLocalDpi xmlns:a14="http://schemas.microsoft.com/office/drawing/2010/main"/>
               </a:ext>
               <a:ext uri="{96DAC541-7B7A-43D3-8B79-37D633B846F1}">
-                <asvg:svgBlip xmlns:asvg="http://schemas.microsoft.com/office/drawing/2016/SVG/main" xmlns="" r:embed="rId10"/>
+                <asvg:svgBlip xmlns:asvg="http://schemas.microsoft.com/office/drawing/2016/SVG/main" r:embed="rId9"/>
               </a:ext>
             </a:extLst>
           </a:blip>
@@ -6873,7 +6885,7 @@
           <p:cNvPr id="25" name="Gráfico 76" descr="Fala">
             <a:extLst>
               <a:ext uri="{FF2B5EF4-FFF2-40B4-BE49-F238E27FC236}">
-                <a16:creationId xmlns:a16="http://schemas.microsoft.com/office/drawing/2014/main" xmlns="" id="{B80393A4-CD8B-4216-A968-72EE521BFADA}"/>
+                <a16:creationId xmlns:a16="http://schemas.microsoft.com/office/drawing/2014/main" id="{B80393A4-CD8B-4216-A968-72EE521BFADA}"/>
               </a:ext>
             </a:extLst>
           </p:cNvPr>
@@ -6883,13 +6895,13 @@
           <p:nvPr/>
         </p:nvPicPr>
         <p:blipFill>
-          <a:blip r:embed="rId11">
+          <a:blip r:embed="rId10">
             <a:extLst>
               <a:ext uri="{28A0092B-C50C-407E-A947-70E740481C1C}">
                 <a14:useLocalDpi xmlns:a14="http://schemas.microsoft.com/office/drawing/2010/main"/>
               </a:ext>
               <a:ext uri="{96DAC541-7B7A-43D3-8B79-37D633B846F1}">
-                <asvg:svgBlip xmlns:asvg="http://schemas.microsoft.com/office/drawing/2016/SVG/main" xmlns="" r:embed="rId12"/>
+                <asvg:svgBlip xmlns:asvg="http://schemas.microsoft.com/office/drawing/2016/SVG/main" r:embed="rId11"/>
               </a:ext>
             </a:extLst>
           </a:blip>
@@ -6912,7 +6924,7 @@
           <p:cNvPr id="26" name="Gráfico 77" descr="Rosto sorridente sem preenchimento ">
             <a:extLst>
               <a:ext uri="{FF2B5EF4-FFF2-40B4-BE49-F238E27FC236}">
-                <a16:creationId xmlns:a16="http://schemas.microsoft.com/office/drawing/2014/main" xmlns="" id="{C0027FE7-FDE9-473F-ADAF-1281A7BD417D}"/>
+                <a16:creationId xmlns:a16="http://schemas.microsoft.com/office/drawing/2014/main" id="{C0027FE7-FDE9-473F-ADAF-1281A7BD417D}"/>
               </a:ext>
             </a:extLst>
           </p:cNvPr>
@@ -6922,13 +6934,13 @@
           <p:nvPr/>
         </p:nvPicPr>
         <p:blipFill>
-          <a:blip r:embed="rId13">
+          <a:blip r:embed="rId12">
             <a:extLst>
               <a:ext uri="{28A0092B-C50C-407E-A947-70E740481C1C}">
                 <a14:useLocalDpi xmlns:a14="http://schemas.microsoft.com/office/drawing/2010/main"/>
               </a:ext>
               <a:ext uri="{96DAC541-7B7A-43D3-8B79-37D633B846F1}">
-                <asvg:svgBlip xmlns:asvg="http://schemas.microsoft.com/office/drawing/2016/SVG/main" xmlns="" r:embed="rId14"/>
+                <asvg:svgBlip xmlns:asvg="http://schemas.microsoft.com/office/drawing/2016/SVG/main" r:embed="rId13"/>
               </a:ext>
             </a:extLst>
           </a:blip>
@@ -6951,7 +6963,7 @@
           <p:cNvPr id="27" name="Gráfico 78" descr="Rosto neutro sem preenchimento ">
             <a:extLst>
               <a:ext uri="{FF2B5EF4-FFF2-40B4-BE49-F238E27FC236}">
-                <a16:creationId xmlns:a16="http://schemas.microsoft.com/office/drawing/2014/main" xmlns="" id="{D1E4C346-AACD-4ABA-9540-6EE52F5A8371}"/>
+                <a16:creationId xmlns:a16="http://schemas.microsoft.com/office/drawing/2014/main" id="{D1E4C346-AACD-4ABA-9540-6EE52F5A8371}"/>
               </a:ext>
             </a:extLst>
           </p:cNvPr>
@@ -6961,13 +6973,13 @@
           <p:nvPr/>
         </p:nvPicPr>
         <p:blipFill>
-          <a:blip r:embed="rId15">
+          <a:blip r:embed="rId14">
             <a:extLst>
               <a:ext uri="{28A0092B-C50C-407E-A947-70E740481C1C}">
                 <a14:useLocalDpi xmlns:a14="http://schemas.microsoft.com/office/drawing/2010/main"/>
               </a:ext>
               <a:ext uri="{96DAC541-7B7A-43D3-8B79-37D633B846F1}">
-                <asvg:svgBlip xmlns:asvg="http://schemas.microsoft.com/office/drawing/2016/SVG/main" xmlns="" r:embed="rId16"/>
+                <asvg:svgBlip xmlns:asvg="http://schemas.microsoft.com/office/drawing/2016/SVG/main" r:embed="rId15"/>
               </a:ext>
             </a:extLst>
           </a:blip>
@@ -6990,7 +7002,7 @@
           <p:cNvPr id="28" name="Gráfico 79" descr="Rosto triste sem preenchimento ">
             <a:extLst>
               <a:ext uri="{FF2B5EF4-FFF2-40B4-BE49-F238E27FC236}">
-                <a16:creationId xmlns:a16="http://schemas.microsoft.com/office/drawing/2014/main" xmlns="" id="{5E638E41-AE51-4FCB-918B-4D93C61F3350}"/>
+                <a16:creationId xmlns:a16="http://schemas.microsoft.com/office/drawing/2014/main" id="{5E638E41-AE51-4FCB-918B-4D93C61F3350}"/>
               </a:ext>
             </a:extLst>
           </p:cNvPr>
@@ -7000,13 +7012,13 @@
           <p:nvPr/>
         </p:nvPicPr>
         <p:blipFill>
-          <a:blip r:embed="rId17">
+          <a:blip r:embed="rId16">
             <a:extLst>
               <a:ext uri="{28A0092B-C50C-407E-A947-70E740481C1C}">
                 <a14:useLocalDpi xmlns:a14="http://schemas.microsoft.com/office/drawing/2010/main"/>
               </a:ext>
               <a:ext uri="{96DAC541-7B7A-43D3-8B79-37D633B846F1}">
-                <asvg:svgBlip xmlns:asvg="http://schemas.microsoft.com/office/drawing/2016/SVG/main" xmlns="" r:embed="rId18"/>
+                <asvg:svgBlip xmlns:asvg="http://schemas.microsoft.com/office/drawing/2016/SVG/main" r:embed="rId17"/>
               </a:ext>
             </a:extLst>
           </a:blip>
@@ -7029,7 +7041,7 @@
           <p:cNvPr id="29" name="Gráfico 80" descr="Rosto sorrindo sem preenchimento ">
             <a:extLst>
               <a:ext uri="{FF2B5EF4-FFF2-40B4-BE49-F238E27FC236}">
-                <a16:creationId xmlns:a16="http://schemas.microsoft.com/office/drawing/2014/main" xmlns="" id="{72C5BDBD-5C3F-4A7A-A02D-0828B0C77AEA}"/>
+                <a16:creationId xmlns:a16="http://schemas.microsoft.com/office/drawing/2014/main" id="{72C5BDBD-5C3F-4A7A-A02D-0828B0C77AEA}"/>
               </a:ext>
             </a:extLst>
           </p:cNvPr>
@@ -7039,13 +7051,13 @@
           <p:nvPr/>
         </p:nvPicPr>
         <p:blipFill>
-          <a:blip r:embed="rId19">
+          <a:blip r:embed="rId18">
             <a:extLst>
               <a:ext uri="{28A0092B-C50C-407E-A947-70E740481C1C}">
                 <a14:useLocalDpi xmlns:a14="http://schemas.microsoft.com/office/drawing/2010/main"/>
               </a:ext>
               <a:ext uri="{96DAC541-7B7A-43D3-8B79-37D633B846F1}">
-                <asvg:svgBlip xmlns:asvg="http://schemas.microsoft.com/office/drawing/2016/SVG/main" xmlns="" r:embed="rId20"/>
+                <asvg:svgBlip xmlns:asvg="http://schemas.microsoft.com/office/drawing/2016/SVG/main" r:embed="rId19"/>
               </a:ext>
             </a:extLst>
           </a:blip>
@@ -7068,7 +7080,7 @@
           <p:cNvPr id="30" name="Gráfico 81" descr="Rosto sorridente sem preenchimento ">
             <a:extLst>
               <a:ext uri="{FF2B5EF4-FFF2-40B4-BE49-F238E27FC236}">
-                <a16:creationId xmlns:a16="http://schemas.microsoft.com/office/drawing/2014/main" xmlns="" id="{268105E5-E4E0-44B5-A69D-8326F3F69238}"/>
+                <a16:creationId xmlns:a16="http://schemas.microsoft.com/office/drawing/2014/main" id="{268105E5-E4E0-44B5-A69D-8326F3F69238}"/>
               </a:ext>
             </a:extLst>
           </p:cNvPr>
@@ -7078,13 +7090,13 @@
           <p:nvPr/>
         </p:nvPicPr>
         <p:blipFill>
-          <a:blip r:embed="rId13">
+          <a:blip r:embed="rId12">
             <a:extLst>
               <a:ext uri="{28A0092B-C50C-407E-A947-70E740481C1C}">
                 <a14:useLocalDpi xmlns:a14="http://schemas.microsoft.com/office/drawing/2010/main"/>
               </a:ext>
               <a:ext uri="{96DAC541-7B7A-43D3-8B79-37D633B846F1}">
-                <asvg:svgBlip xmlns:asvg="http://schemas.microsoft.com/office/drawing/2016/SVG/main" xmlns="" r:embed="rId14"/>
+                <asvg:svgBlip xmlns:asvg="http://schemas.microsoft.com/office/drawing/2016/SVG/main" r:embed="rId13"/>
               </a:ext>
             </a:extLst>
           </a:blip>
@@ -7107,7 +7119,7 @@
           <p:cNvPr id="33" name="Retângulo 32">
             <a:extLst>
               <a:ext uri="{FF2B5EF4-FFF2-40B4-BE49-F238E27FC236}">
-                <a16:creationId xmlns:a16="http://schemas.microsoft.com/office/drawing/2014/main" xmlns="" id="{C2EABCFD-DF70-4F16-AD1B-2E16D3CBCDB4}"/>
+                <a16:creationId xmlns:a16="http://schemas.microsoft.com/office/drawing/2014/main" id="{C2EABCFD-DF70-4F16-AD1B-2E16D3CBCDB4}"/>
               </a:ext>
             </a:extLst>
           </p:cNvPr>
@@ -7134,20 +7146,11 @@
               <a:buChar char="•"/>
             </a:pPr>
             <a:r>
-              <a:rPr lang="pt-BR" sz="1200" dirty="0" smtClean="0">
+              <a:rPr lang="pt-BR" sz="1200" dirty="0">
                 <a:latin typeface="Exo 2" panose="00000500000000000000" pitchFamily="50" charset="0"/>
               </a:rPr>
-              <a:t>Inseri</a:t>
-            </a:r>
-            <a:r>
-              <a:rPr lang="pt-BR" sz="1200" dirty="0" smtClean="0">
-                <a:latin typeface="Exo 2" panose="00000500000000000000" pitchFamily="50" charset="0"/>
-              </a:rPr>
-              <a:t> Dados de Entrada</a:t>
-            </a:r>
-            <a:endParaRPr lang="pt-BR" sz="1200" dirty="0">
-              <a:latin typeface="Exo 2" panose="00000500000000000000" pitchFamily="50" charset="0"/>
-            </a:endParaRPr>
+              <a:t>Inseri Dados de Entrada</a:t>
+            </a:r>
           </a:p>
           <a:p>
             <a:pPr marL="342900" indent="-342900">
@@ -7155,7 +7158,7 @@
               <a:buChar char="•"/>
             </a:pPr>
             <a:r>
-              <a:rPr lang="pt-BR" sz="1200" dirty="0" smtClean="0">
+              <a:rPr lang="pt-BR" sz="1200" dirty="0">
                 <a:latin typeface="Exo 2" panose="00000500000000000000" pitchFamily="50" charset="0"/>
               </a:rPr>
               <a:t>Inseri Dados da Empresa </a:t>
@@ -7167,7 +7170,7 @@
               <a:buChar char="•"/>
             </a:pPr>
             <a:r>
-              <a:rPr lang="pt-BR" sz="1200" dirty="0" smtClean="0">
+              <a:rPr lang="pt-BR" sz="1200" dirty="0">
                 <a:latin typeface="Exo 2" panose="00000500000000000000" pitchFamily="50" charset="0"/>
               </a:rPr>
               <a:t>Inseri Dados de Endereço</a:t>
@@ -7180,7 +7183,7 @@
           <p:cNvPr id="34" name="Retângulo 33">
             <a:extLst>
               <a:ext uri="{FF2B5EF4-FFF2-40B4-BE49-F238E27FC236}">
-                <a16:creationId xmlns:a16="http://schemas.microsoft.com/office/drawing/2014/main" xmlns="" id="{C2EABCFD-DF70-4F16-AD1B-2E16D3CBCDB4}"/>
+                <a16:creationId xmlns:a16="http://schemas.microsoft.com/office/drawing/2014/main" id="{C2EABCFD-DF70-4F16-AD1B-2E16D3CBCDB4}"/>
               </a:ext>
             </a:extLst>
           </p:cNvPr>
@@ -7207,7 +7210,7 @@
               <a:buChar char="•"/>
             </a:pPr>
             <a:r>
-              <a:rPr lang="pt-BR" sz="1200" dirty="0" smtClean="0">
+              <a:rPr lang="pt-BR" sz="1200" dirty="0">
                 <a:latin typeface="Exo 2" panose="00000500000000000000" pitchFamily="50" charset="0"/>
               </a:rPr>
               <a:t>Inseri o E-mail</a:t>
@@ -7219,14 +7222,11 @@
               <a:buChar char="•"/>
             </a:pPr>
             <a:r>
-              <a:rPr lang="pt-BR" sz="1200" dirty="0" smtClean="0">
+              <a:rPr lang="pt-BR" sz="1200" dirty="0">
                 <a:latin typeface="Exo 2" panose="00000500000000000000" pitchFamily="50" charset="0"/>
               </a:rPr>
               <a:t>Inseri a Senha</a:t>
             </a:r>
-            <a:endParaRPr lang="pt-BR" sz="1200" dirty="0" smtClean="0">
-              <a:latin typeface="Exo 2" panose="00000500000000000000" pitchFamily="50" charset="0"/>
-            </a:endParaRPr>
           </a:p>
         </p:txBody>
       </p:sp>
@@ -7235,7 +7235,7 @@
           <p:cNvPr id="36" name="Retângulo 35">
             <a:extLst>
               <a:ext uri="{FF2B5EF4-FFF2-40B4-BE49-F238E27FC236}">
-                <a16:creationId xmlns:a16="http://schemas.microsoft.com/office/drawing/2014/main" xmlns="" id="{C2EABCFD-DF70-4F16-AD1B-2E16D3CBCDB4}"/>
+                <a16:creationId xmlns:a16="http://schemas.microsoft.com/office/drawing/2014/main" id="{C2EABCFD-DF70-4F16-AD1B-2E16D3CBCDB4}"/>
               </a:ext>
             </a:extLst>
           </p:cNvPr>
@@ -7262,7 +7262,7 @@
               <a:buChar char="•"/>
             </a:pPr>
             <a:r>
-              <a:rPr lang="pt-BR" sz="1200" dirty="0" smtClean="0">
+              <a:rPr lang="pt-BR" sz="1200" dirty="0">
                 <a:latin typeface="Exo 2" panose="00000500000000000000" pitchFamily="50" charset="0"/>
               </a:rPr>
               <a:t>Fazer o cadastro de produto</a:t>
@@ -7274,7 +7274,7 @@
               <a:buChar char="•"/>
             </a:pPr>
             <a:r>
-              <a:rPr lang="pt-BR" sz="1200" dirty="0" smtClean="0">
+              <a:rPr lang="pt-BR" sz="1200" dirty="0">
                 <a:latin typeface="Exo 2" panose="00000500000000000000" pitchFamily="50" charset="0"/>
               </a:rPr>
               <a:t>Fazer controle de estoque</a:t>
@@ -7286,14 +7286,11 @@
               <a:buChar char="•"/>
             </a:pPr>
             <a:r>
-              <a:rPr lang="pt-BR" sz="1200" dirty="0" smtClean="0">
+              <a:rPr lang="pt-BR" sz="1200" dirty="0">
                 <a:latin typeface="Exo 2" panose="00000500000000000000" pitchFamily="50" charset="0"/>
               </a:rPr>
               <a:t>Realizar Venda</a:t>
             </a:r>
-            <a:endParaRPr lang="pt-BR" sz="1200" dirty="0" smtClean="0">
-              <a:latin typeface="Exo 2" panose="00000500000000000000" pitchFamily="50" charset="0"/>
-            </a:endParaRPr>
           </a:p>
         </p:txBody>
       </p:sp>
@@ -7302,7 +7299,7 @@
           <p:cNvPr id="37" name="Gráfico 78" descr="Rosto neutro sem preenchimento ">
             <a:extLst>
               <a:ext uri="{FF2B5EF4-FFF2-40B4-BE49-F238E27FC236}">
-                <a16:creationId xmlns:a16="http://schemas.microsoft.com/office/drawing/2014/main" xmlns="" id="{D1E4C346-AACD-4ABA-9540-6EE52F5A8371}"/>
+                <a16:creationId xmlns:a16="http://schemas.microsoft.com/office/drawing/2014/main" id="{D1E4C346-AACD-4ABA-9540-6EE52F5A8371}"/>
               </a:ext>
             </a:extLst>
           </p:cNvPr>
@@ -7312,13 +7309,13 @@
           <p:nvPr/>
         </p:nvPicPr>
         <p:blipFill>
-          <a:blip r:embed="rId15">
+          <a:blip r:embed="rId14">
             <a:extLst>
               <a:ext uri="{28A0092B-C50C-407E-A947-70E740481C1C}">
                 <a14:useLocalDpi xmlns:a14="http://schemas.microsoft.com/office/drawing/2010/main"/>
               </a:ext>
               <a:ext uri="{96DAC541-7B7A-43D3-8B79-37D633B846F1}">
-                <asvg:svgBlip xmlns:asvg="http://schemas.microsoft.com/office/drawing/2016/SVG/main" xmlns="" r:embed="rId16"/>
+                <asvg:svgBlip xmlns:asvg="http://schemas.microsoft.com/office/drawing/2016/SVG/main" r:embed="rId15"/>
               </a:ext>
             </a:extLst>
           </a:blip>
@@ -7341,7 +7338,7 @@
           <p:cNvPr id="39" name="Gráfico 77" descr="Rosto sorridente sem preenchimento ">
             <a:extLst>
               <a:ext uri="{FF2B5EF4-FFF2-40B4-BE49-F238E27FC236}">
-                <a16:creationId xmlns:a16="http://schemas.microsoft.com/office/drawing/2014/main" xmlns="" id="{C0027FE7-FDE9-473F-ADAF-1281A7BD417D}"/>
+                <a16:creationId xmlns:a16="http://schemas.microsoft.com/office/drawing/2014/main" id="{C0027FE7-FDE9-473F-ADAF-1281A7BD417D}"/>
               </a:ext>
             </a:extLst>
           </p:cNvPr>
@@ -7351,13 +7348,13 @@
           <p:nvPr/>
         </p:nvPicPr>
         <p:blipFill>
-          <a:blip r:embed="rId13">
+          <a:blip r:embed="rId12">
             <a:extLst>
               <a:ext uri="{28A0092B-C50C-407E-A947-70E740481C1C}">
                 <a14:useLocalDpi xmlns:a14="http://schemas.microsoft.com/office/drawing/2010/main"/>
               </a:ext>
               <a:ext uri="{96DAC541-7B7A-43D3-8B79-37D633B846F1}">
-                <asvg:svgBlip xmlns:asvg="http://schemas.microsoft.com/office/drawing/2016/SVG/main" xmlns="" r:embed="rId14"/>
+                <asvg:svgBlip xmlns:asvg="http://schemas.microsoft.com/office/drawing/2016/SVG/main" r:embed="rId13"/>
               </a:ext>
             </a:extLst>
           </a:blip>
@@ -7380,7 +7377,7 @@
           <p:cNvPr id="40" name="Gráfico 79" descr="Rosto triste sem preenchimento ">
             <a:extLst>
               <a:ext uri="{FF2B5EF4-FFF2-40B4-BE49-F238E27FC236}">
-                <a16:creationId xmlns:a16="http://schemas.microsoft.com/office/drawing/2014/main" xmlns="" id="{5E638E41-AE51-4FCB-918B-4D93C61F3350}"/>
+                <a16:creationId xmlns:a16="http://schemas.microsoft.com/office/drawing/2014/main" id="{5E638E41-AE51-4FCB-918B-4D93C61F3350}"/>
               </a:ext>
             </a:extLst>
           </p:cNvPr>
@@ -7390,13 +7387,13 @@
           <p:nvPr/>
         </p:nvPicPr>
         <p:blipFill>
-          <a:blip r:embed="rId17">
+          <a:blip r:embed="rId16">
             <a:extLst>
               <a:ext uri="{28A0092B-C50C-407E-A947-70E740481C1C}">
                 <a14:useLocalDpi xmlns:a14="http://schemas.microsoft.com/office/drawing/2010/main"/>
               </a:ext>
               <a:ext uri="{96DAC541-7B7A-43D3-8B79-37D633B846F1}">
-                <asvg:svgBlip xmlns:asvg="http://schemas.microsoft.com/office/drawing/2016/SVG/main" xmlns="" r:embed="rId18"/>
+                <asvg:svgBlip xmlns:asvg="http://schemas.microsoft.com/office/drawing/2016/SVG/main" r:embed="rId17"/>
               </a:ext>
             </a:extLst>
           </a:blip>
@@ -7419,7 +7416,7 @@
           <p:cNvPr id="41" name="Gráfico 80" descr="Rosto sorrindo sem preenchimento ">
             <a:extLst>
               <a:ext uri="{FF2B5EF4-FFF2-40B4-BE49-F238E27FC236}">
-                <a16:creationId xmlns:a16="http://schemas.microsoft.com/office/drawing/2014/main" xmlns="" id="{72C5BDBD-5C3F-4A7A-A02D-0828B0C77AEA}"/>
+                <a16:creationId xmlns:a16="http://schemas.microsoft.com/office/drawing/2014/main" id="{72C5BDBD-5C3F-4A7A-A02D-0828B0C77AEA}"/>
               </a:ext>
             </a:extLst>
           </p:cNvPr>
@@ -7429,13 +7426,13 @@
           <p:nvPr/>
         </p:nvPicPr>
         <p:blipFill>
-          <a:blip r:embed="rId19">
+          <a:blip r:embed="rId18">
             <a:extLst>
               <a:ext uri="{28A0092B-C50C-407E-A947-70E740481C1C}">
                 <a14:useLocalDpi xmlns:a14="http://schemas.microsoft.com/office/drawing/2010/main"/>
               </a:ext>
               <a:ext uri="{96DAC541-7B7A-43D3-8B79-37D633B846F1}">
-                <asvg:svgBlip xmlns:asvg="http://schemas.microsoft.com/office/drawing/2016/SVG/main" xmlns="" r:embed="rId20"/>
+                <asvg:svgBlip xmlns:asvg="http://schemas.microsoft.com/office/drawing/2016/SVG/main" r:embed="rId19"/>
               </a:ext>
             </a:extLst>
           </a:blip>
@@ -7458,7 +7455,7 @@
           <p:cNvPr id="42" name="Retângulo 41">
             <a:extLst>
               <a:ext uri="{FF2B5EF4-FFF2-40B4-BE49-F238E27FC236}">
-                <a16:creationId xmlns:a16="http://schemas.microsoft.com/office/drawing/2014/main" xmlns="" id="{38E392A5-D5C4-4E93-81B3-2C2DDE0DF481}"/>
+                <a16:creationId xmlns:a16="http://schemas.microsoft.com/office/drawing/2014/main" id="{38E392A5-D5C4-4E93-81B3-2C2DDE0DF481}"/>
               </a:ext>
             </a:extLst>
           </p:cNvPr>
@@ -7467,7 +7464,7 @@
         </p:nvSpPr>
         <p:spPr>
           <a:xfrm>
-            <a:off x="5091951" y="4291759"/>
+            <a:off x="5091951" y="4300265"/>
             <a:ext cx="2037351" cy="1015663"/>
           </a:xfrm>
           <a:prstGeom prst="rect">
@@ -7485,7 +7482,7 @@
               <a:buChar char="•"/>
             </a:pPr>
             <a:r>
-              <a:rPr lang="pt-BR" sz="1200" dirty="0" smtClean="0">
+              <a:rPr lang="pt-BR" sz="1200" dirty="0">
                 <a:latin typeface="Exo 2" panose="00000500000000000000" pitchFamily="50" charset="0"/>
               </a:rPr>
               <a:t>“Ai, quanta burocracia” </a:t>
@@ -7497,14 +7494,11 @@
               <a:buChar char="•"/>
             </a:pPr>
             <a:r>
-              <a:rPr lang="pt-BR" sz="1200" dirty="0" smtClean="0">
+              <a:rPr lang="pt-BR" sz="1200" dirty="0">
                 <a:latin typeface="Exo 2" panose="00000500000000000000" pitchFamily="50" charset="0"/>
               </a:rPr>
               <a:t>“Porque será que eles precisam do meu endereço”</a:t>
             </a:r>
-            <a:endParaRPr lang="pt-BR" sz="1200" dirty="0">
-              <a:latin typeface="Exo 2" panose="00000500000000000000" pitchFamily="50" charset="0"/>
-            </a:endParaRPr>
           </a:p>
         </p:txBody>
       </p:sp>
@@ -7513,7 +7507,7 @@
           <p:cNvPr id="43" name="Retângulo 42">
             <a:extLst>
               <a:ext uri="{FF2B5EF4-FFF2-40B4-BE49-F238E27FC236}">
-                <a16:creationId xmlns:a16="http://schemas.microsoft.com/office/drawing/2014/main" xmlns="" id="{38E392A5-D5C4-4E93-81B3-2C2DDE0DF481}"/>
+                <a16:creationId xmlns:a16="http://schemas.microsoft.com/office/drawing/2014/main" id="{38E392A5-D5C4-4E93-81B3-2C2DDE0DF481}"/>
               </a:ext>
             </a:extLst>
           </p:cNvPr>
@@ -7522,7 +7516,7 @@
         </p:nvSpPr>
         <p:spPr>
           <a:xfrm>
-            <a:off x="7326578" y="4267456"/>
+            <a:off x="7393995" y="4311290"/>
             <a:ext cx="2037351" cy="1015663"/>
           </a:xfrm>
           <a:prstGeom prst="rect">
@@ -7540,7 +7534,7 @@
               <a:buChar char="•"/>
             </a:pPr>
             <a:r>
-              <a:rPr lang="pt-BR" sz="1200" dirty="0" smtClean="0">
+              <a:rPr lang="pt-BR" sz="1200" dirty="0">
                 <a:latin typeface="Exo 2" panose="00000500000000000000" pitchFamily="50" charset="0"/>
               </a:rPr>
               <a:t>“Finalmente conclui o cadastro” </a:t>
@@ -7552,14 +7546,11 @@
               <a:buChar char="•"/>
             </a:pPr>
             <a:r>
-              <a:rPr lang="pt-BR" sz="1200" dirty="0" smtClean="0">
+              <a:rPr lang="pt-BR" sz="1200" dirty="0">
                 <a:latin typeface="Exo 2" panose="00000500000000000000" pitchFamily="50" charset="0"/>
               </a:rPr>
               <a:t>“Agora é mais rápido”</a:t>
             </a:r>
-            <a:endParaRPr lang="pt-BR" sz="1200" dirty="0">
-              <a:latin typeface="Exo 2" panose="00000500000000000000" pitchFamily="50" charset="0"/>
-            </a:endParaRPr>
           </a:p>
         </p:txBody>
       </p:sp>
@@ -7568,7 +7559,7 @@
           <p:cNvPr id="44" name="Retângulo 43">
             <a:extLst>
               <a:ext uri="{FF2B5EF4-FFF2-40B4-BE49-F238E27FC236}">
-                <a16:creationId xmlns:a16="http://schemas.microsoft.com/office/drawing/2014/main" xmlns="" id="{38E392A5-D5C4-4E93-81B3-2C2DDE0DF481}"/>
+                <a16:creationId xmlns:a16="http://schemas.microsoft.com/office/drawing/2014/main" id="{38E392A5-D5C4-4E93-81B3-2C2DDE0DF481}"/>
               </a:ext>
             </a:extLst>
           </p:cNvPr>
@@ -7577,7 +7568,7 @@
         </p:nvSpPr>
         <p:spPr>
           <a:xfrm>
-            <a:off x="9343115" y="4384091"/>
+            <a:off x="9363929" y="4266078"/>
             <a:ext cx="2037351" cy="830997"/>
           </a:xfrm>
           <a:prstGeom prst="rect">
@@ -7595,7 +7586,7 @@
               <a:buChar char="•"/>
             </a:pPr>
             <a:r>
-              <a:rPr lang="pt-BR" sz="1200" dirty="0" smtClean="0">
+              <a:rPr lang="pt-BR" sz="1200" dirty="0">
                 <a:latin typeface="Exo 2" panose="00000500000000000000" pitchFamily="50" charset="0"/>
               </a:rPr>
               <a:t>“Agora sim, tenho as informações que eu queria” </a:t>
@@ -7608,7 +7599,7 @@
           <p:cNvPr id="47" name="Retângulo 46">
             <a:extLst>
               <a:ext uri="{FF2B5EF4-FFF2-40B4-BE49-F238E27FC236}">
-                <a16:creationId xmlns:a16="http://schemas.microsoft.com/office/drawing/2014/main" xmlns="" id="{38E392A5-D5C4-4E93-81B3-2C2DDE0DF481}"/>
+                <a16:creationId xmlns:a16="http://schemas.microsoft.com/office/drawing/2014/main" id="{38E392A5-D5C4-4E93-81B3-2C2DDE0DF481}"/>
               </a:ext>
             </a:extLst>
           </p:cNvPr>
@@ -7645,7 +7636,7 @@
           <p:cNvPr id="48" name="Retângulo 47">
             <a:extLst>
               <a:ext uri="{FF2B5EF4-FFF2-40B4-BE49-F238E27FC236}">
-                <a16:creationId xmlns:a16="http://schemas.microsoft.com/office/drawing/2014/main" xmlns="" id="{38E392A5-D5C4-4E93-81B3-2C2DDE0DF481}"/>
+                <a16:creationId xmlns:a16="http://schemas.microsoft.com/office/drawing/2014/main" id="{38E392A5-D5C4-4E93-81B3-2C2DDE0DF481}"/>
               </a:ext>
             </a:extLst>
           </p:cNvPr>
@@ -7672,14 +7663,11 @@
               <a:buChar char="•"/>
             </a:pPr>
             <a:r>
-              <a:rPr lang="pt-BR" sz="1200" dirty="0" smtClean="0">
+              <a:rPr lang="pt-BR" sz="1200" dirty="0">
                 <a:latin typeface="Exo 2" panose="00000500000000000000" pitchFamily="50" charset="0"/>
               </a:rPr>
               <a:t>Separar o cadastro em etapas para não parecer longo</a:t>
             </a:r>
-            <a:endParaRPr lang="pt-BR" sz="1200" dirty="0">
-              <a:latin typeface="Exo 2" panose="00000500000000000000" pitchFamily="50" charset="0"/>
-            </a:endParaRPr>
           </a:p>
         </p:txBody>
       </p:sp>
@@ -7688,7 +7676,7 @@
           <p:cNvPr id="49" name="Retângulo 48">
             <a:extLst>
               <a:ext uri="{FF2B5EF4-FFF2-40B4-BE49-F238E27FC236}">
-                <a16:creationId xmlns:a16="http://schemas.microsoft.com/office/drawing/2014/main" xmlns="" id="{38E392A5-D5C4-4E93-81B3-2C2DDE0DF481}"/>
+                <a16:creationId xmlns:a16="http://schemas.microsoft.com/office/drawing/2014/main" id="{38E392A5-D5C4-4E93-81B3-2C2DDE0DF481}"/>
               </a:ext>
             </a:extLst>
           </p:cNvPr>
@@ -7715,26 +7703,23 @@
               <a:buChar char="•"/>
             </a:pPr>
             <a:r>
-              <a:rPr lang="pt-BR" sz="1200" dirty="0" smtClean="0">
+              <a:rPr lang="pt-BR" sz="1200" dirty="0">
                 <a:latin typeface="Exo 2" panose="00000500000000000000" pitchFamily="50" charset="0"/>
               </a:rPr>
               <a:t>Após o cadastro, fazer a realização do </a:t>
             </a:r>
             <a:r>
-              <a:rPr lang="pt-BR" sz="1200" dirty="0" err="1" smtClean="0">
+              <a:rPr lang="pt-BR" sz="1200" dirty="0" err="1">
                 <a:latin typeface="Exo 2" panose="00000500000000000000" pitchFamily="50" charset="0"/>
               </a:rPr>
               <a:t>login</a:t>
             </a:r>
             <a:r>
-              <a:rPr lang="pt-BR" sz="1200" dirty="0" smtClean="0">
+              <a:rPr lang="pt-BR" sz="1200" dirty="0">
                 <a:latin typeface="Exo 2" panose="00000500000000000000" pitchFamily="50" charset="0"/>
               </a:rPr>
               <a:t> automático, para minimizar o tempo</a:t>
             </a:r>
-            <a:endParaRPr lang="pt-BR" sz="1200" dirty="0">
-              <a:latin typeface="Exo 2" panose="00000500000000000000" pitchFamily="50" charset="0"/>
-            </a:endParaRPr>
           </a:p>
         </p:txBody>
       </p:sp>
@@ -7743,7 +7728,7 @@
           <p:cNvPr id="50" name="Retângulo 49">
             <a:extLst>
               <a:ext uri="{FF2B5EF4-FFF2-40B4-BE49-F238E27FC236}">
-                <a16:creationId xmlns:a16="http://schemas.microsoft.com/office/drawing/2014/main" xmlns="" id="{38E392A5-D5C4-4E93-81B3-2C2DDE0DF481}"/>
+                <a16:creationId xmlns:a16="http://schemas.microsoft.com/office/drawing/2014/main" id="{38E392A5-D5C4-4E93-81B3-2C2DDE0DF481}"/>
               </a:ext>
             </a:extLst>
           </p:cNvPr>
@@ -7770,26 +7755,23 @@
               <a:buChar char="•"/>
             </a:pPr>
             <a:r>
-              <a:rPr lang="pt-BR" sz="1200" dirty="0" smtClean="0">
+              <a:rPr lang="pt-BR" sz="1200" dirty="0">
                 <a:latin typeface="Exo 2" panose="00000500000000000000" pitchFamily="50" charset="0"/>
               </a:rPr>
               <a:t>Deixar a </a:t>
             </a:r>
             <a:r>
-              <a:rPr lang="pt-BR" sz="1200" dirty="0" err="1" smtClean="0">
+              <a:rPr lang="pt-BR" sz="1200" dirty="0" err="1">
                 <a:latin typeface="Exo 2" panose="00000500000000000000" pitchFamily="50" charset="0"/>
               </a:rPr>
               <a:t>dashbord</a:t>
             </a:r>
             <a:r>
-              <a:rPr lang="pt-BR" sz="1200" dirty="0" smtClean="0">
+              <a:rPr lang="pt-BR" sz="1200" dirty="0">
                 <a:latin typeface="Exo 2" panose="00000500000000000000" pitchFamily="50" charset="0"/>
               </a:rPr>
               <a:t> bem intuitiva para não confundir o usuário</a:t>
             </a:r>
-            <a:endParaRPr lang="pt-BR" sz="1200" dirty="0">
-              <a:latin typeface="Exo 2" panose="00000500000000000000" pitchFamily="50" charset="0"/>
-            </a:endParaRPr>
           </a:p>
         </p:txBody>
       </p:sp>
@@ -7798,7 +7780,7 @@
           <p:cNvPr id="51" name="Retângulo 50">
             <a:extLst>
               <a:ext uri="{FF2B5EF4-FFF2-40B4-BE49-F238E27FC236}">
-                <a16:creationId xmlns:a16="http://schemas.microsoft.com/office/drawing/2014/main" xmlns="" id="{38E392A5-D5C4-4E93-81B3-2C2DDE0DF481}"/>
+                <a16:creationId xmlns:a16="http://schemas.microsoft.com/office/drawing/2014/main" id="{38E392A5-D5C4-4E93-81B3-2C2DDE0DF481}"/>
               </a:ext>
             </a:extLst>
           </p:cNvPr>
@@ -7807,8 +7789,8 @@
         </p:nvSpPr>
         <p:spPr>
           <a:xfrm>
-            <a:off x="2803586" y="5786748"/>
-            <a:ext cx="2037351" cy="646331"/>
+            <a:off x="2801177" y="5700581"/>
+            <a:ext cx="2037351" cy="1200329"/>
           </a:xfrm>
           <a:prstGeom prst="rect">
             <a:avLst/>
@@ -7825,11 +7807,29 @@
               <a:buChar char="•"/>
             </a:pPr>
             <a:r>
-              <a:rPr lang="pt-BR" sz="1200" dirty="0" smtClean="0">
+              <a:rPr lang="pt-BR" sz="1200" dirty="0">
                 <a:latin typeface="Exo 2" panose="00000500000000000000" pitchFamily="50" charset="0"/>
               </a:rPr>
-              <a:t>Botões maiores para melhor sinalização </a:t>
-            </a:r>
+              <a:t>Botões maiores para melhor sinalização</a:t>
+            </a:r>
+          </a:p>
+          <a:p>
+            <a:pPr marL="342900" indent="-342900">
+              <a:buFont typeface="Arial" panose="020B0604020202020204" pitchFamily="34" charset="0"/>
+              <a:buChar char="•"/>
+            </a:pPr>
+            <a:r>
+              <a:rPr lang="pt-BR" sz="1200" dirty="0">
+                <a:latin typeface="Exo 2" panose="00000500000000000000" pitchFamily="50" charset="0"/>
+              </a:rPr>
+              <a:t>Colocar uma explicação do intuito do nosso produto </a:t>
+            </a:r>
+          </a:p>
+          <a:p>
+            <a:pPr marL="342900" indent="-342900">
+              <a:buFont typeface="Arial" panose="020B0604020202020204" pitchFamily="34" charset="0"/>
+              <a:buChar char="•"/>
+            </a:pPr>
             <a:endParaRPr lang="pt-BR" sz="1200" dirty="0">
               <a:latin typeface="Exo 2" panose="00000500000000000000" pitchFamily="50" charset="0"/>
             </a:endParaRPr>
@@ -7846,13 +7846,1877 @@
   <p:clrMapOvr>
     <a:masterClrMapping/>
   </p:clrMapOvr>
-  <p:timing>
-    <p:tnLst>
-      <p:par>
-        <p:cTn id="1" dur="indefinite" restart="never" nodeType="tmRoot"/>
-      </p:par>
-    </p:tnLst>
-  </p:timing>
+</p:sld>
+</file>
+
+<file path=ppt/slides/slide8.xml><?xml version="1.0" encoding="utf-8"?>
+<p:sld xmlns:a="http://schemas.openxmlformats.org/drawingml/2006/main" xmlns:r="http://schemas.openxmlformats.org/officeDocument/2006/relationships" xmlns:p="http://schemas.openxmlformats.org/presentationml/2006/main">
+  <p:cSld>
+    <p:bg>
+      <p:bgPr>
+        <a:solidFill>
+          <a:schemeClr val="bg1"/>
+        </a:solidFill>
+        <a:effectLst/>
+      </p:bgPr>
+    </p:bg>
+    <p:spTree>
+      <p:nvGrpSpPr>
+        <p:cNvPr id="1" name=""/>
+        <p:cNvGrpSpPr/>
+        <p:nvPr/>
+      </p:nvGrpSpPr>
+      <p:grpSpPr>
+        <a:xfrm>
+          <a:off x="0" y="0"/>
+          <a:ext cx="0" cy="0"/>
+          <a:chOff x="0" y="0"/>
+          <a:chExt cx="0" cy="0"/>
+        </a:xfrm>
+      </p:grpSpPr>
+      <p:sp>
+        <p:nvSpPr>
+          <p:cNvPr id="4" name="Título 5">
+            <a:extLst>
+              <a:ext uri="{FF2B5EF4-FFF2-40B4-BE49-F238E27FC236}">
+                <a16:creationId xmlns:a16="http://schemas.microsoft.com/office/drawing/2014/main" id="{FBFC9F05-42CB-4663-9738-6A830E14BF9B}"/>
+              </a:ext>
+            </a:extLst>
+          </p:cNvPr>
+          <p:cNvSpPr>
+            <a:spLocks noGrp="1"/>
+          </p:cNvSpPr>
+          <p:nvPr>
+            <p:ph type="title"/>
+          </p:nvPr>
+        </p:nvSpPr>
+        <p:spPr>
+          <a:xfrm>
+            <a:off x="672352" y="50503"/>
+            <a:ext cx="10554448" cy="525566"/>
+          </a:xfrm>
+          <a:solidFill>
+            <a:srgbClr val="DAD2F1"/>
+          </a:solidFill>
+          <a:ln>
+            <a:solidFill>
+              <a:srgbClr val="3E00FF"/>
+            </a:solidFill>
+          </a:ln>
+        </p:spPr>
+        <p:txBody>
+          <a:bodyPr>
+            <a:normAutofit fontScale="90000"/>
+          </a:bodyPr>
+          <a:lstStyle/>
+          <a:p>
+            <a:r>
+              <a:rPr lang="pt-BR" dirty="0"/>
+              <a:t>Jornada do usuário</a:t>
+            </a:r>
+          </a:p>
+        </p:txBody>
+      </p:sp>
+      <p:sp>
+        <p:nvSpPr>
+          <p:cNvPr id="5" name="Seta: Pentágono 39">
+            <a:extLst>
+              <a:ext uri="{FF2B5EF4-FFF2-40B4-BE49-F238E27FC236}">
+                <a16:creationId xmlns:a16="http://schemas.microsoft.com/office/drawing/2014/main" id="{7A5E176E-AA3B-4B6E-AE29-195BD6366D37}"/>
+              </a:ext>
+            </a:extLst>
+          </p:cNvPr>
+          <p:cNvSpPr/>
+          <p:nvPr/>
+        </p:nvSpPr>
+        <p:spPr>
+          <a:xfrm>
+            <a:off x="3054600" y="996615"/>
+            <a:ext cx="2037351" cy="573368"/>
+          </a:xfrm>
+          <a:prstGeom prst="homePlate">
+            <a:avLst/>
+          </a:prstGeom>
+          <a:solidFill>
+            <a:srgbClr val="3E00FF"/>
+          </a:solidFill>
+          <a:ln>
+            <a:noFill/>
+          </a:ln>
+        </p:spPr>
+        <p:style>
+          <a:lnRef idx="2">
+            <a:schemeClr val="accent1">
+              <a:shade val="50000"/>
+            </a:schemeClr>
+          </a:lnRef>
+          <a:fillRef idx="1">
+            <a:schemeClr val="accent1"/>
+          </a:fillRef>
+          <a:effectRef idx="0">
+            <a:schemeClr val="accent1"/>
+          </a:effectRef>
+          <a:fontRef idx="minor">
+            <a:schemeClr val="lt1"/>
+          </a:fontRef>
+        </p:style>
+        <p:txBody>
+          <a:bodyPr rtlCol="0" anchor="ctr"/>
+          <a:lstStyle/>
+          <a:p>
+            <a:pPr algn="ctr"/>
+            <a:r>
+              <a:rPr lang="pt-BR" sz="1400" b="1" dirty="0"/>
+              <a:t>ACESSA O SITE</a:t>
+            </a:r>
+          </a:p>
+        </p:txBody>
+      </p:sp>
+      <p:cxnSp>
+        <p:nvCxnSpPr>
+          <p:cNvPr id="6" name="Conector reto 5">
+            <a:extLst>
+              <a:ext uri="{FF2B5EF4-FFF2-40B4-BE49-F238E27FC236}">
+                <a16:creationId xmlns:a16="http://schemas.microsoft.com/office/drawing/2014/main" id="{A8AD9801-F73F-4FF4-AD2D-E89ABBB7D0F5}"/>
+              </a:ext>
+            </a:extLst>
+          </p:cNvPr>
+          <p:cNvCxnSpPr>
+            <a:cxnSpLocks/>
+          </p:cNvCxnSpPr>
+          <p:nvPr/>
+        </p:nvCxnSpPr>
+        <p:spPr>
+          <a:xfrm>
+            <a:off x="672352" y="1763806"/>
+            <a:ext cx="10554448" cy="0"/>
+          </a:xfrm>
+          <a:prstGeom prst="line">
+            <a:avLst/>
+          </a:prstGeom>
+          <a:ln>
+            <a:solidFill>
+              <a:srgbClr val="3E00FF"/>
+            </a:solidFill>
+          </a:ln>
+        </p:spPr>
+        <p:style>
+          <a:lnRef idx="1">
+            <a:schemeClr val="accent1"/>
+          </a:lnRef>
+          <a:fillRef idx="0">
+            <a:schemeClr val="accent1"/>
+          </a:fillRef>
+          <a:effectRef idx="0">
+            <a:schemeClr val="accent1"/>
+          </a:effectRef>
+          <a:fontRef idx="minor">
+            <a:schemeClr val="tx1"/>
+          </a:fontRef>
+        </p:style>
+      </p:cxnSp>
+      <p:sp>
+        <p:nvSpPr>
+          <p:cNvPr id="7" name="Retângulo 6">
+            <a:extLst>
+              <a:ext uri="{FF2B5EF4-FFF2-40B4-BE49-F238E27FC236}">
+                <a16:creationId xmlns:a16="http://schemas.microsoft.com/office/drawing/2014/main" id="{C2EABCFD-DF70-4F16-AD1B-2E16D3CBCDB4}"/>
+              </a:ext>
+            </a:extLst>
+          </p:cNvPr>
+          <p:cNvSpPr/>
+          <p:nvPr/>
+        </p:nvSpPr>
+        <p:spPr>
+          <a:xfrm>
+            <a:off x="2906643" y="2012921"/>
+            <a:ext cx="2125581" cy="461665"/>
+          </a:xfrm>
+          <a:prstGeom prst="rect">
+            <a:avLst/>
+          </a:prstGeom>
+        </p:spPr>
+        <p:txBody>
+          <a:bodyPr wrap="square">
+            <a:spAutoFit/>
+          </a:bodyPr>
+          <a:lstStyle/>
+          <a:p>
+            <a:pPr marL="342900" indent="-342900">
+              <a:buFont typeface="Arial" panose="020B0604020202020204" pitchFamily="34" charset="0"/>
+              <a:buChar char="•"/>
+            </a:pPr>
+            <a:r>
+              <a:rPr lang="pt-BR" sz="1200" dirty="0">
+                <a:latin typeface="Exo 2" panose="00000500000000000000" pitchFamily="50" charset="0"/>
+              </a:rPr>
+              <a:t>Procura o site na barra de pesquisa</a:t>
+            </a:r>
+          </a:p>
+        </p:txBody>
+      </p:sp>
+      <p:cxnSp>
+        <p:nvCxnSpPr>
+          <p:cNvPr id="8" name="Conector reto 7">
+            <a:extLst>
+              <a:ext uri="{FF2B5EF4-FFF2-40B4-BE49-F238E27FC236}">
+                <a16:creationId xmlns:a16="http://schemas.microsoft.com/office/drawing/2014/main" id="{B27F9872-88B9-49C8-9870-E721BFE687D5}"/>
+              </a:ext>
+            </a:extLst>
+          </p:cNvPr>
+          <p:cNvCxnSpPr>
+            <a:cxnSpLocks/>
+          </p:cNvCxnSpPr>
+          <p:nvPr/>
+        </p:nvCxnSpPr>
+        <p:spPr>
+          <a:xfrm>
+            <a:off x="672352" y="2862692"/>
+            <a:ext cx="10554448" cy="0"/>
+          </a:xfrm>
+          <a:prstGeom prst="line">
+            <a:avLst/>
+          </a:prstGeom>
+          <a:ln>
+            <a:solidFill>
+              <a:srgbClr val="3E00FF"/>
+            </a:solidFill>
+          </a:ln>
+        </p:spPr>
+        <p:style>
+          <a:lnRef idx="1">
+            <a:schemeClr val="accent1"/>
+          </a:lnRef>
+          <a:fillRef idx="0">
+            <a:schemeClr val="accent1"/>
+          </a:fillRef>
+          <a:effectRef idx="0">
+            <a:schemeClr val="accent1"/>
+          </a:effectRef>
+          <a:fontRef idx="minor">
+            <a:schemeClr val="tx1"/>
+          </a:fontRef>
+        </p:style>
+      </p:cxnSp>
+      <p:sp>
+        <p:nvSpPr>
+          <p:cNvPr id="9" name="Retângulo 8">
+            <a:extLst>
+              <a:ext uri="{FF2B5EF4-FFF2-40B4-BE49-F238E27FC236}">
+                <a16:creationId xmlns:a16="http://schemas.microsoft.com/office/drawing/2014/main" id="{97711B2C-6CD3-470D-AA36-229EC801CCD1}"/>
+              </a:ext>
+            </a:extLst>
+          </p:cNvPr>
+          <p:cNvSpPr/>
+          <p:nvPr/>
+        </p:nvSpPr>
+        <p:spPr>
+          <a:xfrm>
+            <a:off x="672352" y="940464"/>
+            <a:ext cx="2184972" cy="769441"/>
+          </a:xfrm>
+          <a:prstGeom prst="rect">
+            <a:avLst/>
+          </a:prstGeom>
+        </p:spPr>
+        <p:txBody>
+          <a:bodyPr wrap="square">
+            <a:spAutoFit/>
+          </a:bodyPr>
+          <a:lstStyle/>
+          <a:p>
+            <a:r>
+              <a:rPr lang="pt-BR" sz="2800" b="1" dirty="0">
+                <a:latin typeface="Exo 2" panose="00000500000000000000" pitchFamily="50" charset="0"/>
+              </a:rPr>
+              <a:t>Fases </a:t>
+            </a:r>
+            <a:r>
+              <a:rPr lang="pt-BR" sz="1600" b="1" dirty="0">
+                <a:latin typeface="Exo 2" panose="00000500000000000000" pitchFamily="50" charset="0"/>
+              </a:rPr>
+              <a:t>(utilizador)</a:t>
+            </a:r>
+          </a:p>
+        </p:txBody>
+      </p:sp>
+      <p:sp>
+        <p:nvSpPr>
+          <p:cNvPr id="10" name="Retângulo 9">
+            <a:extLst>
+              <a:ext uri="{FF2B5EF4-FFF2-40B4-BE49-F238E27FC236}">
+                <a16:creationId xmlns:a16="http://schemas.microsoft.com/office/drawing/2014/main" id="{32D853A9-2996-41B9-BDE6-AC13EBC37446}"/>
+              </a:ext>
+            </a:extLst>
+          </p:cNvPr>
+          <p:cNvSpPr/>
+          <p:nvPr/>
+        </p:nvSpPr>
+        <p:spPr>
+          <a:xfrm>
+            <a:off x="672352" y="1765933"/>
+            <a:ext cx="2184972" cy="1077218"/>
+          </a:xfrm>
+          <a:prstGeom prst="rect">
+            <a:avLst/>
+          </a:prstGeom>
+        </p:spPr>
+        <p:txBody>
+          <a:bodyPr wrap="square">
+            <a:spAutoFit/>
+          </a:bodyPr>
+          <a:lstStyle/>
+          <a:p>
+            <a:r>
+              <a:rPr lang="pt-BR" sz="2800" b="1" dirty="0">
+                <a:latin typeface="Exo 2" panose="00000500000000000000" pitchFamily="50" charset="0"/>
+              </a:rPr>
+              <a:t>Faz</a:t>
+            </a:r>
+          </a:p>
+          <a:p>
+            <a:r>
+              <a:rPr lang="pt-BR" sz="1800" b="1" dirty="0">
+                <a:latin typeface="Exo 2" panose="00000500000000000000" pitchFamily="50" charset="0"/>
+              </a:rPr>
+              <a:t>(ações do usuário) </a:t>
+            </a:r>
+          </a:p>
+        </p:txBody>
+      </p:sp>
+      <p:pic>
+        <p:nvPicPr>
+          <p:cNvPr id="11" name="Gráfico 48" descr="Rosto surpreso sem preenchimento ">
+            <a:extLst>
+              <a:ext uri="{FF2B5EF4-FFF2-40B4-BE49-F238E27FC236}">
+                <a16:creationId xmlns:a16="http://schemas.microsoft.com/office/drawing/2014/main" id="{75C24F49-359D-4FB9-AF27-0954A5DF839A}"/>
+              </a:ext>
+            </a:extLst>
+          </p:cNvPr>
+          <p:cNvPicPr>
+            <a:picLocks noChangeAspect="1"/>
+          </p:cNvPicPr>
+          <p:nvPr/>
+        </p:nvPicPr>
+        <p:blipFill>
+          <a:blip r:embed="rId2">
+            <a:extLst>
+              <a:ext uri="{28A0092B-C50C-407E-A947-70E740481C1C}">
+                <a14:useLocalDpi xmlns:a14="http://schemas.microsoft.com/office/drawing/2010/main"/>
+              </a:ext>
+              <a:ext uri="{96DAC541-7B7A-43D3-8B79-37D633B846F1}">
+                <asvg:svgBlip xmlns:asvg="http://schemas.microsoft.com/office/drawing/2016/SVG/main" r:embed="rId3"/>
+              </a:ext>
+            </a:extLst>
+          </a:blip>
+          <a:stretch>
+            <a:fillRect/>
+          </a:stretch>
+        </p:blipFill>
+        <p:spPr>
+          <a:xfrm>
+            <a:off x="9904589" y="2962597"/>
+            <a:ext cx="914400" cy="914400"/>
+          </a:xfrm>
+          <a:prstGeom prst="rect">
+            <a:avLst/>
+          </a:prstGeom>
+        </p:spPr>
+      </p:pic>
+      <p:sp>
+        <p:nvSpPr>
+          <p:cNvPr id="12" name="Retângulo 11">
+            <a:extLst>
+              <a:ext uri="{FF2B5EF4-FFF2-40B4-BE49-F238E27FC236}">
+                <a16:creationId xmlns:a16="http://schemas.microsoft.com/office/drawing/2014/main" id="{6C1FC3A8-D29F-416C-8866-FFBFF6CFA21F}"/>
+              </a:ext>
+            </a:extLst>
+          </p:cNvPr>
+          <p:cNvSpPr/>
+          <p:nvPr/>
+        </p:nvSpPr>
+        <p:spPr>
+          <a:xfrm>
+            <a:off x="689164" y="2887724"/>
+            <a:ext cx="2382248" cy="1138773"/>
+          </a:xfrm>
+          <a:prstGeom prst="rect">
+            <a:avLst/>
+          </a:prstGeom>
+        </p:spPr>
+        <p:txBody>
+          <a:bodyPr wrap="square">
+            <a:spAutoFit/>
+          </a:bodyPr>
+          <a:lstStyle/>
+          <a:p>
+            <a:r>
+              <a:rPr lang="pt-BR" sz="2800" b="1" dirty="0">
+                <a:latin typeface="Exo 2" panose="00000500000000000000" pitchFamily="50" charset="0"/>
+              </a:rPr>
+              <a:t>Sente</a:t>
+            </a:r>
+          </a:p>
+          <a:p>
+            <a:r>
+              <a:rPr lang="pt-BR" sz="2000" b="1" dirty="0">
+                <a:latin typeface="Exo 2" panose="00000500000000000000" pitchFamily="50" charset="0"/>
+              </a:rPr>
+              <a:t>(dores do usuário) </a:t>
+            </a:r>
+          </a:p>
+        </p:txBody>
+      </p:sp>
+      <p:cxnSp>
+        <p:nvCxnSpPr>
+          <p:cNvPr id="13" name="Conector reto 12">
+            <a:extLst>
+              <a:ext uri="{FF2B5EF4-FFF2-40B4-BE49-F238E27FC236}">
+                <a16:creationId xmlns:a16="http://schemas.microsoft.com/office/drawing/2014/main" id="{5F72E0CD-6E7D-4BE3-B122-0FDE0DB13CA3}"/>
+              </a:ext>
+            </a:extLst>
+          </p:cNvPr>
+          <p:cNvCxnSpPr>
+            <a:cxnSpLocks/>
+          </p:cNvCxnSpPr>
+          <p:nvPr/>
+        </p:nvCxnSpPr>
+        <p:spPr>
+          <a:xfrm>
+            <a:off x="672352" y="3977621"/>
+            <a:ext cx="10554448" cy="0"/>
+          </a:xfrm>
+          <a:prstGeom prst="line">
+            <a:avLst/>
+          </a:prstGeom>
+          <a:ln>
+            <a:solidFill>
+              <a:srgbClr val="3E00FF"/>
+            </a:solidFill>
+          </a:ln>
+        </p:spPr>
+        <p:style>
+          <a:lnRef idx="1">
+            <a:schemeClr val="accent1"/>
+          </a:lnRef>
+          <a:fillRef idx="0">
+            <a:schemeClr val="accent1"/>
+          </a:fillRef>
+          <a:effectRef idx="0">
+            <a:schemeClr val="accent1"/>
+          </a:effectRef>
+          <a:fontRef idx="minor">
+            <a:schemeClr val="tx1"/>
+          </a:fontRef>
+        </p:style>
+      </p:cxnSp>
+      <p:sp>
+        <p:nvSpPr>
+          <p:cNvPr id="14" name="Retângulo 13">
+            <a:extLst>
+              <a:ext uri="{FF2B5EF4-FFF2-40B4-BE49-F238E27FC236}">
+                <a16:creationId xmlns:a16="http://schemas.microsoft.com/office/drawing/2014/main" id="{38E392A5-D5C4-4E93-81B3-2C2DDE0DF481}"/>
+              </a:ext>
+            </a:extLst>
+          </p:cNvPr>
+          <p:cNvSpPr/>
+          <p:nvPr/>
+        </p:nvSpPr>
+        <p:spPr>
+          <a:xfrm>
+            <a:off x="2857324" y="4310871"/>
+            <a:ext cx="2037351" cy="830997"/>
+          </a:xfrm>
+          <a:prstGeom prst="rect">
+            <a:avLst/>
+          </a:prstGeom>
+        </p:spPr>
+        <p:txBody>
+          <a:bodyPr wrap="square">
+            <a:spAutoFit/>
+          </a:bodyPr>
+          <a:lstStyle/>
+          <a:p>
+            <a:pPr marL="342900" indent="-342900">
+              <a:buFont typeface="Arial" panose="020B0604020202020204" pitchFamily="34" charset="0"/>
+              <a:buChar char="•"/>
+            </a:pPr>
+            <a:r>
+              <a:rPr lang="pt-BR" sz="1200" dirty="0">
+                <a:latin typeface="Exo 2" panose="00000500000000000000" pitchFamily="50" charset="0"/>
+              </a:rPr>
+              <a:t>“Como deve ser esse site?” </a:t>
+            </a:r>
+          </a:p>
+          <a:p>
+            <a:pPr marL="342900" indent="-342900">
+              <a:buFont typeface="Arial" panose="020B0604020202020204" pitchFamily="34" charset="0"/>
+              <a:buChar char="•"/>
+            </a:pPr>
+            <a:r>
+              <a:rPr lang="pt-BR" sz="1200" dirty="0">
+                <a:latin typeface="Exo 2" panose="00000500000000000000" pitchFamily="50" charset="0"/>
+              </a:rPr>
+              <a:t>“Será que esse site vai me ajudar?”</a:t>
+            </a:r>
+          </a:p>
+        </p:txBody>
+      </p:sp>
+      <p:cxnSp>
+        <p:nvCxnSpPr>
+          <p:cNvPr id="15" name="Conector reto 14">
+            <a:extLst>
+              <a:ext uri="{FF2B5EF4-FFF2-40B4-BE49-F238E27FC236}">
+                <a16:creationId xmlns:a16="http://schemas.microsoft.com/office/drawing/2014/main" id="{B0E22083-FDC6-42DB-8F22-3D295395355C}"/>
+              </a:ext>
+            </a:extLst>
+          </p:cNvPr>
+          <p:cNvCxnSpPr>
+            <a:cxnSpLocks/>
+          </p:cNvCxnSpPr>
+          <p:nvPr/>
+        </p:nvCxnSpPr>
+        <p:spPr>
+          <a:xfrm>
+            <a:off x="672352" y="5453500"/>
+            <a:ext cx="10554448" cy="0"/>
+          </a:xfrm>
+          <a:prstGeom prst="line">
+            <a:avLst/>
+          </a:prstGeom>
+          <a:ln>
+            <a:solidFill>
+              <a:srgbClr val="3E00FF"/>
+            </a:solidFill>
+          </a:ln>
+        </p:spPr>
+        <p:style>
+          <a:lnRef idx="1">
+            <a:schemeClr val="accent1"/>
+          </a:lnRef>
+          <a:fillRef idx="0">
+            <a:schemeClr val="accent1"/>
+          </a:fillRef>
+          <a:effectRef idx="0">
+            <a:schemeClr val="accent1"/>
+          </a:effectRef>
+          <a:fontRef idx="minor">
+            <a:schemeClr val="tx1"/>
+          </a:fontRef>
+        </p:style>
+      </p:cxnSp>
+      <p:sp>
+        <p:nvSpPr>
+          <p:cNvPr id="16" name="Retângulo 15">
+            <a:extLst>
+              <a:ext uri="{FF2B5EF4-FFF2-40B4-BE49-F238E27FC236}">
+                <a16:creationId xmlns:a16="http://schemas.microsoft.com/office/drawing/2014/main" id="{0AFE6135-8811-4A6E-833E-9E842EBC6675}"/>
+              </a:ext>
+            </a:extLst>
+          </p:cNvPr>
+          <p:cNvSpPr/>
+          <p:nvPr/>
+        </p:nvSpPr>
+        <p:spPr>
+          <a:xfrm>
+            <a:off x="672352" y="4267456"/>
+            <a:ext cx="2184972" cy="830997"/>
+          </a:xfrm>
+          <a:prstGeom prst="rect">
+            <a:avLst/>
+          </a:prstGeom>
+        </p:spPr>
+        <p:txBody>
+          <a:bodyPr wrap="square">
+            <a:spAutoFit/>
+          </a:bodyPr>
+          <a:lstStyle/>
+          <a:p>
+            <a:r>
+              <a:rPr lang="pt-BR" sz="2800" b="1" dirty="0">
+                <a:latin typeface="Exo 2" panose="00000500000000000000" pitchFamily="50" charset="0"/>
+              </a:rPr>
+              <a:t>Pensa</a:t>
+            </a:r>
+          </a:p>
+          <a:p>
+            <a:r>
+              <a:rPr lang="pt-BR" sz="2000" b="1" dirty="0">
+                <a:latin typeface="Exo 2" panose="00000500000000000000" pitchFamily="50" charset="0"/>
+              </a:rPr>
+              <a:t>(usuário) </a:t>
+            </a:r>
+          </a:p>
+        </p:txBody>
+      </p:sp>
+      <p:sp>
+        <p:nvSpPr>
+          <p:cNvPr id="17" name="Retângulo 16">
+            <a:extLst>
+              <a:ext uri="{FF2B5EF4-FFF2-40B4-BE49-F238E27FC236}">
+                <a16:creationId xmlns:a16="http://schemas.microsoft.com/office/drawing/2014/main" id="{11053D1A-6F2A-4187-BDDA-F16CCFD2FB8A}"/>
+              </a:ext>
+            </a:extLst>
+          </p:cNvPr>
+          <p:cNvSpPr/>
+          <p:nvPr/>
+        </p:nvSpPr>
+        <p:spPr>
+          <a:xfrm>
+            <a:off x="680374" y="5644778"/>
+            <a:ext cx="2184972" cy="800219"/>
+          </a:xfrm>
+          <a:prstGeom prst="rect">
+            <a:avLst/>
+          </a:prstGeom>
+        </p:spPr>
+        <p:txBody>
+          <a:bodyPr wrap="square">
+            <a:spAutoFit/>
+          </a:bodyPr>
+          <a:lstStyle/>
+          <a:p>
+            <a:r>
+              <a:rPr lang="pt-BR" sz="2800" b="1" dirty="0">
+                <a:latin typeface="Exo 2" panose="00000500000000000000" pitchFamily="50" charset="0"/>
+              </a:rPr>
+              <a:t>Proposta</a:t>
+            </a:r>
+          </a:p>
+          <a:p>
+            <a:r>
+              <a:rPr lang="pt-BR" sz="1800" b="1" dirty="0">
+                <a:latin typeface="Exo 2" panose="00000500000000000000" pitchFamily="50" charset="0"/>
+              </a:rPr>
+              <a:t>(mudanças) </a:t>
+            </a:r>
+          </a:p>
+        </p:txBody>
+      </p:sp>
+      <p:sp>
+        <p:nvSpPr>
+          <p:cNvPr id="19" name="Seta: Pentágono 56">
+            <a:extLst>
+              <a:ext uri="{FF2B5EF4-FFF2-40B4-BE49-F238E27FC236}">
+                <a16:creationId xmlns:a16="http://schemas.microsoft.com/office/drawing/2014/main" id="{7F002D23-EA12-4C3E-8CD9-8A8226298C53}"/>
+              </a:ext>
+            </a:extLst>
+          </p:cNvPr>
+          <p:cNvSpPr/>
+          <p:nvPr/>
+        </p:nvSpPr>
+        <p:spPr>
+          <a:xfrm>
+            <a:off x="5180182" y="983236"/>
+            <a:ext cx="2037351" cy="573368"/>
+          </a:xfrm>
+          <a:prstGeom prst="homePlate">
+            <a:avLst/>
+          </a:prstGeom>
+          <a:solidFill>
+            <a:srgbClr val="3E00FF"/>
+          </a:solidFill>
+          <a:ln>
+            <a:noFill/>
+          </a:ln>
+        </p:spPr>
+        <p:style>
+          <a:lnRef idx="2">
+            <a:schemeClr val="accent1">
+              <a:shade val="50000"/>
+            </a:schemeClr>
+          </a:lnRef>
+          <a:fillRef idx="1">
+            <a:schemeClr val="accent1"/>
+          </a:fillRef>
+          <a:effectRef idx="0">
+            <a:schemeClr val="accent1"/>
+          </a:effectRef>
+          <a:fontRef idx="minor">
+            <a:schemeClr val="lt1"/>
+          </a:fontRef>
+        </p:style>
+        <p:txBody>
+          <a:bodyPr rtlCol="0" anchor="ctr"/>
+          <a:lstStyle/>
+          <a:p>
+            <a:pPr algn="ctr"/>
+            <a:r>
+              <a:rPr lang="pt-BR" sz="1400" b="1" dirty="0"/>
+              <a:t>REALIZA O CADASTRO</a:t>
+            </a:r>
+          </a:p>
+        </p:txBody>
+      </p:sp>
+      <p:sp>
+        <p:nvSpPr>
+          <p:cNvPr id="20" name="Seta: Pentágono 57">
+            <a:extLst>
+              <a:ext uri="{FF2B5EF4-FFF2-40B4-BE49-F238E27FC236}">
+                <a16:creationId xmlns:a16="http://schemas.microsoft.com/office/drawing/2014/main" id="{0CCDB0CF-AE1B-43FB-B894-DA318A573E45}"/>
+              </a:ext>
+            </a:extLst>
+          </p:cNvPr>
+          <p:cNvSpPr/>
+          <p:nvPr/>
+        </p:nvSpPr>
+        <p:spPr>
+          <a:xfrm>
+            <a:off x="7305764" y="973689"/>
+            <a:ext cx="2037351" cy="573368"/>
+          </a:xfrm>
+          <a:prstGeom prst="homePlate">
+            <a:avLst/>
+          </a:prstGeom>
+          <a:solidFill>
+            <a:srgbClr val="3E00FF"/>
+          </a:solidFill>
+          <a:ln>
+            <a:noFill/>
+          </a:ln>
+        </p:spPr>
+        <p:style>
+          <a:lnRef idx="2">
+            <a:schemeClr val="accent1">
+              <a:shade val="50000"/>
+            </a:schemeClr>
+          </a:lnRef>
+          <a:fillRef idx="1">
+            <a:schemeClr val="accent1"/>
+          </a:fillRef>
+          <a:effectRef idx="0">
+            <a:schemeClr val="accent1"/>
+          </a:effectRef>
+          <a:fontRef idx="minor">
+            <a:schemeClr val="lt1"/>
+          </a:fontRef>
+        </p:style>
+        <p:txBody>
+          <a:bodyPr rtlCol="0" anchor="ctr"/>
+          <a:lstStyle/>
+          <a:p>
+            <a:pPr algn="ctr"/>
+            <a:r>
+              <a:rPr lang="pt-BR" sz="1400" b="1" dirty="0"/>
+              <a:t>REALIZA O LOGIN</a:t>
+            </a:r>
+          </a:p>
+        </p:txBody>
+      </p:sp>
+      <p:sp>
+        <p:nvSpPr>
+          <p:cNvPr id="21" name="Seta: Pentágono 58">
+            <a:extLst>
+              <a:ext uri="{FF2B5EF4-FFF2-40B4-BE49-F238E27FC236}">
+                <a16:creationId xmlns:a16="http://schemas.microsoft.com/office/drawing/2014/main" id="{0BB13E62-EB58-4BCD-B51B-6701A40573A6}"/>
+              </a:ext>
+            </a:extLst>
+          </p:cNvPr>
+          <p:cNvSpPr/>
+          <p:nvPr/>
+        </p:nvSpPr>
+        <p:spPr>
+          <a:xfrm>
+            <a:off x="9431346" y="973689"/>
+            <a:ext cx="2037351" cy="573368"/>
+          </a:xfrm>
+          <a:prstGeom prst="homePlate">
+            <a:avLst/>
+          </a:prstGeom>
+          <a:solidFill>
+            <a:srgbClr val="3E00FF"/>
+          </a:solidFill>
+          <a:ln>
+            <a:noFill/>
+          </a:ln>
+        </p:spPr>
+        <p:style>
+          <a:lnRef idx="2">
+            <a:schemeClr val="accent1">
+              <a:shade val="50000"/>
+            </a:schemeClr>
+          </a:lnRef>
+          <a:fillRef idx="1">
+            <a:schemeClr val="accent1"/>
+          </a:fillRef>
+          <a:effectRef idx="0">
+            <a:schemeClr val="accent1"/>
+          </a:effectRef>
+          <a:fontRef idx="minor">
+            <a:schemeClr val="lt1"/>
+          </a:fontRef>
+        </p:style>
+        <p:txBody>
+          <a:bodyPr rtlCol="0" anchor="ctr"/>
+          <a:lstStyle/>
+          <a:p>
+            <a:pPr algn="ctr"/>
+            <a:r>
+              <a:rPr lang="pt-BR" sz="1400" b="1" dirty="0"/>
+              <a:t>ACESSAR A DASHBOARD</a:t>
+            </a:r>
+          </a:p>
+        </p:txBody>
+      </p:sp>
+      <p:pic>
+        <p:nvPicPr>
+          <p:cNvPr id="22" name="Gráfico 73" descr="Envelope">
+            <a:extLst>
+              <a:ext uri="{FF2B5EF4-FFF2-40B4-BE49-F238E27FC236}">
+                <a16:creationId xmlns:a16="http://schemas.microsoft.com/office/drawing/2014/main" id="{705BD92E-401D-430E-BC8C-783C8215BA59}"/>
+              </a:ext>
+            </a:extLst>
+          </p:cNvPr>
+          <p:cNvPicPr>
+            <a:picLocks noChangeAspect="1"/>
+          </p:cNvPicPr>
+          <p:nvPr/>
+        </p:nvPicPr>
+        <p:blipFill>
+          <a:blip r:embed="rId4">
+            <a:extLst>
+              <a:ext uri="{28A0092B-C50C-407E-A947-70E740481C1C}">
+                <a14:useLocalDpi xmlns:a14="http://schemas.microsoft.com/office/drawing/2010/main"/>
+              </a:ext>
+              <a:ext uri="{96DAC541-7B7A-43D3-8B79-37D633B846F1}">
+                <asvg:svgBlip xmlns:asvg="http://schemas.microsoft.com/office/drawing/2016/SVG/main" r:embed="rId5"/>
+              </a:ext>
+            </a:extLst>
+          </a:blip>
+          <a:stretch>
+            <a:fillRect/>
+          </a:stretch>
+        </p:blipFill>
+        <p:spPr>
+          <a:xfrm>
+            <a:off x="-1156625" y="-203425"/>
+            <a:ext cx="914400" cy="914400"/>
+          </a:xfrm>
+          <a:prstGeom prst="rect">
+            <a:avLst/>
+          </a:prstGeom>
+        </p:spPr>
+      </p:pic>
+      <p:pic>
+        <p:nvPicPr>
+          <p:cNvPr id="23" name="Gráfico 74" descr="Baixar da nuvem">
+            <a:extLst>
+              <a:ext uri="{FF2B5EF4-FFF2-40B4-BE49-F238E27FC236}">
+                <a16:creationId xmlns:a16="http://schemas.microsoft.com/office/drawing/2014/main" id="{E889898B-07D7-4A93-9022-99313B4109FB}"/>
+              </a:ext>
+            </a:extLst>
+          </p:cNvPr>
+          <p:cNvPicPr>
+            <a:picLocks noChangeAspect="1"/>
+          </p:cNvPicPr>
+          <p:nvPr/>
+        </p:nvPicPr>
+        <p:blipFill>
+          <a:blip r:embed="rId6">
+            <a:extLst>
+              <a:ext uri="{28A0092B-C50C-407E-A947-70E740481C1C}">
+                <a14:useLocalDpi xmlns:a14="http://schemas.microsoft.com/office/drawing/2010/main"/>
+              </a:ext>
+              <a:ext uri="{96DAC541-7B7A-43D3-8B79-37D633B846F1}">
+                <asvg:svgBlip xmlns:asvg="http://schemas.microsoft.com/office/drawing/2016/SVG/main" r:embed="rId7"/>
+              </a:ext>
+            </a:extLst>
+          </a:blip>
+          <a:stretch>
+            <a:fillRect/>
+          </a:stretch>
+        </p:blipFill>
+        <p:spPr>
+          <a:xfrm>
+            <a:off x="-1206301" y="2705477"/>
+            <a:ext cx="914400" cy="914400"/>
+          </a:xfrm>
+          <a:prstGeom prst="rect">
+            <a:avLst/>
+          </a:prstGeom>
+        </p:spPr>
+      </p:pic>
+      <p:pic>
+        <p:nvPicPr>
+          <p:cNvPr id="24" name="Gráfico 75" descr="Call center">
+            <a:extLst>
+              <a:ext uri="{FF2B5EF4-FFF2-40B4-BE49-F238E27FC236}">
+                <a16:creationId xmlns:a16="http://schemas.microsoft.com/office/drawing/2014/main" id="{809ADB87-B26C-4F66-9B09-86E09B718FD7}"/>
+              </a:ext>
+            </a:extLst>
+          </p:cNvPr>
+          <p:cNvPicPr>
+            <a:picLocks noChangeAspect="1"/>
+          </p:cNvPicPr>
+          <p:nvPr/>
+        </p:nvPicPr>
+        <p:blipFill>
+          <a:blip r:embed="rId8">
+            <a:extLst>
+              <a:ext uri="{28A0092B-C50C-407E-A947-70E740481C1C}">
+                <a14:useLocalDpi xmlns:a14="http://schemas.microsoft.com/office/drawing/2010/main"/>
+              </a:ext>
+              <a:ext uri="{96DAC541-7B7A-43D3-8B79-37D633B846F1}">
+                <asvg:svgBlip xmlns:asvg="http://schemas.microsoft.com/office/drawing/2016/SVG/main" r:embed="rId9"/>
+              </a:ext>
+            </a:extLst>
+          </a:blip>
+          <a:stretch>
+            <a:fillRect/>
+          </a:stretch>
+        </p:blipFill>
+        <p:spPr>
+          <a:xfrm>
+            <a:off x="-1206301" y="700633"/>
+            <a:ext cx="914400" cy="914400"/>
+          </a:xfrm>
+          <a:prstGeom prst="rect">
+            <a:avLst/>
+          </a:prstGeom>
+        </p:spPr>
+      </p:pic>
+      <p:pic>
+        <p:nvPicPr>
+          <p:cNvPr id="25" name="Gráfico 76" descr="Fala">
+            <a:extLst>
+              <a:ext uri="{FF2B5EF4-FFF2-40B4-BE49-F238E27FC236}">
+                <a16:creationId xmlns:a16="http://schemas.microsoft.com/office/drawing/2014/main" id="{B80393A4-CD8B-4216-A968-72EE521BFADA}"/>
+              </a:ext>
+            </a:extLst>
+          </p:cNvPr>
+          <p:cNvPicPr>
+            <a:picLocks noChangeAspect="1"/>
+          </p:cNvPicPr>
+          <p:nvPr/>
+        </p:nvPicPr>
+        <p:blipFill>
+          <a:blip r:embed="rId10">
+            <a:extLst>
+              <a:ext uri="{28A0092B-C50C-407E-A947-70E740481C1C}">
+                <a14:useLocalDpi xmlns:a14="http://schemas.microsoft.com/office/drawing/2010/main"/>
+              </a:ext>
+              <a:ext uri="{96DAC541-7B7A-43D3-8B79-37D633B846F1}">
+                <asvg:svgBlip xmlns:asvg="http://schemas.microsoft.com/office/drawing/2016/SVG/main" r:embed="rId11"/>
+              </a:ext>
+            </a:extLst>
+          </a:blip>
+          <a:stretch>
+            <a:fillRect/>
+          </a:stretch>
+        </p:blipFill>
+        <p:spPr>
+          <a:xfrm>
+            <a:off x="-1206301" y="1791077"/>
+            <a:ext cx="914400" cy="914400"/>
+          </a:xfrm>
+          <a:prstGeom prst="rect">
+            <a:avLst/>
+          </a:prstGeom>
+        </p:spPr>
+      </p:pic>
+      <p:pic>
+        <p:nvPicPr>
+          <p:cNvPr id="26" name="Gráfico 77" descr="Rosto sorridente sem preenchimento ">
+            <a:extLst>
+              <a:ext uri="{FF2B5EF4-FFF2-40B4-BE49-F238E27FC236}">
+                <a16:creationId xmlns:a16="http://schemas.microsoft.com/office/drawing/2014/main" id="{C0027FE7-FDE9-473F-ADAF-1281A7BD417D}"/>
+              </a:ext>
+            </a:extLst>
+          </p:cNvPr>
+          <p:cNvPicPr>
+            <a:picLocks noChangeAspect="1"/>
+          </p:cNvPicPr>
+          <p:nvPr/>
+        </p:nvPicPr>
+        <p:blipFill>
+          <a:blip r:embed="rId12">
+            <a:extLst>
+              <a:ext uri="{28A0092B-C50C-407E-A947-70E740481C1C}">
+                <a14:useLocalDpi xmlns:a14="http://schemas.microsoft.com/office/drawing/2010/main"/>
+              </a:ext>
+              <a:ext uri="{96DAC541-7B7A-43D3-8B79-37D633B846F1}">
+                <asvg:svgBlip xmlns:asvg="http://schemas.microsoft.com/office/drawing/2016/SVG/main" r:embed="rId13"/>
+              </a:ext>
+            </a:extLst>
+          </a:blip>
+          <a:stretch>
+            <a:fillRect/>
+          </a:stretch>
+        </p:blipFill>
+        <p:spPr>
+          <a:xfrm>
+            <a:off x="12345328" y="2973565"/>
+            <a:ext cx="914400" cy="914400"/>
+          </a:xfrm>
+          <a:prstGeom prst="rect">
+            <a:avLst/>
+          </a:prstGeom>
+        </p:spPr>
+      </p:pic>
+      <p:pic>
+        <p:nvPicPr>
+          <p:cNvPr id="28" name="Gráfico 79" descr="Rosto triste sem preenchimento ">
+            <a:extLst>
+              <a:ext uri="{FF2B5EF4-FFF2-40B4-BE49-F238E27FC236}">
+                <a16:creationId xmlns:a16="http://schemas.microsoft.com/office/drawing/2014/main" id="{5E638E41-AE51-4FCB-918B-4D93C61F3350}"/>
+              </a:ext>
+            </a:extLst>
+          </p:cNvPr>
+          <p:cNvPicPr>
+            <a:picLocks noChangeAspect="1"/>
+          </p:cNvPicPr>
+          <p:nvPr/>
+        </p:nvPicPr>
+        <p:blipFill>
+          <a:blip r:embed="rId14">
+            <a:extLst>
+              <a:ext uri="{28A0092B-C50C-407E-A947-70E740481C1C}">
+                <a14:useLocalDpi xmlns:a14="http://schemas.microsoft.com/office/drawing/2010/main"/>
+              </a:ext>
+              <a:ext uri="{96DAC541-7B7A-43D3-8B79-37D633B846F1}">
+                <asvg:svgBlip xmlns:asvg="http://schemas.microsoft.com/office/drawing/2016/SVG/main" r:embed="rId15"/>
+              </a:ext>
+            </a:extLst>
+          </a:blip>
+          <a:stretch>
+            <a:fillRect/>
+          </a:stretch>
+        </p:blipFill>
+        <p:spPr>
+          <a:xfrm>
+            <a:off x="12345328" y="981211"/>
+            <a:ext cx="914400" cy="914400"/>
+          </a:xfrm>
+          <a:prstGeom prst="rect">
+            <a:avLst/>
+          </a:prstGeom>
+        </p:spPr>
+      </p:pic>
+      <p:pic>
+        <p:nvPicPr>
+          <p:cNvPr id="29" name="Gráfico 80" descr="Rosto sorrindo sem preenchimento ">
+            <a:extLst>
+              <a:ext uri="{FF2B5EF4-FFF2-40B4-BE49-F238E27FC236}">
+                <a16:creationId xmlns:a16="http://schemas.microsoft.com/office/drawing/2014/main" id="{72C5BDBD-5C3F-4A7A-A02D-0828B0C77AEA}"/>
+              </a:ext>
+            </a:extLst>
+          </p:cNvPr>
+          <p:cNvPicPr>
+            <a:picLocks noChangeAspect="1"/>
+          </p:cNvPicPr>
+          <p:nvPr/>
+        </p:nvPicPr>
+        <p:blipFill>
+          <a:blip r:embed="rId16">
+            <a:extLst>
+              <a:ext uri="{28A0092B-C50C-407E-A947-70E740481C1C}">
+                <a14:useLocalDpi xmlns:a14="http://schemas.microsoft.com/office/drawing/2010/main"/>
+              </a:ext>
+              <a:ext uri="{96DAC541-7B7A-43D3-8B79-37D633B846F1}">
+                <asvg:svgBlip xmlns:asvg="http://schemas.microsoft.com/office/drawing/2016/SVG/main" r:embed="rId17"/>
+              </a:ext>
+            </a:extLst>
+          </a:blip>
+          <a:stretch>
+            <a:fillRect/>
+          </a:stretch>
+        </p:blipFill>
+        <p:spPr>
+          <a:xfrm>
+            <a:off x="12345328" y="0"/>
+            <a:ext cx="914400" cy="914400"/>
+          </a:xfrm>
+          <a:prstGeom prst="rect">
+            <a:avLst/>
+          </a:prstGeom>
+        </p:spPr>
+      </p:pic>
+      <p:pic>
+        <p:nvPicPr>
+          <p:cNvPr id="30" name="Gráfico 81" descr="Rosto sorridente sem preenchimento ">
+            <a:extLst>
+              <a:ext uri="{FF2B5EF4-FFF2-40B4-BE49-F238E27FC236}">
+                <a16:creationId xmlns:a16="http://schemas.microsoft.com/office/drawing/2014/main" id="{268105E5-E4E0-44B5-A69D-8326F3F69238}"/>
+              </a:ext>
+            </a:extLst>
+          </p:cNvPr>
+          <p:cNvPicPr>
+            <a:picLocks noChangeAspect="1"/>
+          </p:cNvPicPr>
+          <p:nvPr/>
+        </p:nvPicPr>
+        <p:blipFill>
+          <a:blip r:embed="rId12">
+            <a:extLst>
+              <a:ext uri="{28A0092B-C50C-407E-A947-70E740481C1C}">
+                <a14:useLocalDpi xmlns:a14="http://schemas.microsoft.com/office/drawing/2010/main"/>
+              </a:ext>
+              <a:ext uri="{96DAC541-7B7A-43D3-8B79-37D633B846F1}">
+                <asvg:svgBlip xmlns:asvg="http://schemas.microsoft.com/office/drawing/2016/SVG/main" r:embed="rId13"/>
+              </a:ext>
+            </a:extLst>
+          </a:blip>
+          <a:stretch>
+            <a:fillRect/>
+          </a:stretch>
+        </p:blipFill>
+        <p:spPr>
+          <a:xfrm>
+            <a:off x="12345328" y="3980453"/>
+            <a:ext cx="914400" cy="914400"/>
+          </a:xfrm>
+          <a:prstGeom prst="rect">
+            <a:avLst/>
+          </a:prstGeom>
+        </p:spPr>
+      </p:pic>
+      <p:sp>
+        <p:nvSpPr>
+          <p:cNvPr id="33" name="Retângulo 32">
+            <a:extLst>
+              <a:ext uri="{FF2B5EF4-FFF2-40B4-BE49-F238E27FC236}">
+                <a16:creationId xmlns:a16="http://schemas.microsoft.com/office/drawing/2014/main" id="{C2EABCFD-DF70-4F16-AD1B-2E16D3CBCDB4}"/>
+              </a:ext>
+            </a:extLst>
+          </p:cNvPr>
+          <p:cNvSpPr/>
+          <p:nvPr/>
+        </p:nvSpPr>
+        <p:spPr>
+          <a:xfrm>
+            <a:off x="5036187" y="1933927"/>
+            <a:ext cx="2496969" cy="1200329"/>
+          </a:xfrm>
+          <a:prstGeom prst="rect">
+            <a:avLst/>
+          </a:prstGeom>
+        </p:spPr>
+        <p:txBody>
+          <a:bodyPr wrap="square">
+            <a:spAutoFit/>
+          </a:bodyPr>
+          <a:lstStyle/>
+          <a:p>
+            <a:pPr marL="342900" indent="-342900">
+              <a:buFont typeface="Arial" panose="020B0604020202020204" pitchFamily="34" charset="0"/>
+              <a:buChar char="•"/>
+            </a:pPr>
+            <a:r>
+              <a:rPr lang="pt-BR" sz="1200" dirty="0">
+                <a:latin typeface="Exo 2" panose="00000500000000000000" pitchFamily="50" charset="0"/>
+              </a:rPr>
+              <a:t>Inseri Dados de Entrada</a:t>
+            </a:r>
+          </a:p>
+          <a:p>
+            <a:pPr marL="342900" indent="-342900">
+              <a:buFont typeface="Arial" panose="020B0604020202020204" pitchFamily="34" charset="0"/>
+              <a:buChar char="•"/>
+            </a:pPr>
+            <a:r>
+              <a:rPr lang="pt-BR" sz="1200" dirty="0">
+                <a:latin typeface="Exo 2" panose="00000500000000000000" pitchFamily="50" charset="0"/>
+              </a:rPr>
+              <a:t>Inseri Dados da Empresa </a:t>
+            </a:r>
+          </a:p>
+          <a:p>
+            <a:pPr marL="342900" indent="-342900">
+              <a:buFont typeface="Arial" panose="020B0604020202020204" pitchFamily="34" charset="0"/>
+              <a:buChar char="•"/>
+            </a:pPr>
+            <a:r>
+              <a:rPr lang="pt-BR" sz="1200" dirty="0">
+                <a:latin typeface="Exo 2" panose="00000500000000000000" pitchFamily="50" charset="0"/>
+              </a:rPr>
+              <a:t>Inseri Dados de Endereço</a:t>
+            </a:r>
+          </a:p>
+        </p:txBody>
+      </p:sp>
+      <p:sp>
+        <p:nvSpPr>
+          <p:cNvPr id="34" name="Retângulo 33">
+            <a:extLst>
+              <a:ext uri="{FF2B5EF4-FFF2-40B4-BE49-F238E27FC236}">
+                <a16:creationId xmlns:a16="http://schemas.microsoft.com/office/drawing/2014/main" id="{C2EABCFD-DF70-4F16-AD1B-2E16D3CBCDB4}"/>
+              </a:ext>
+            </a:extLst>
+          </p:cNvPr>
+          <p:cNvSpPr/>
+          <p:nvPr/>
+        </p:nvSpPr>
+        <p:spPr>
+          <a:xfrm>
+            <a:off x="7217533" y="1938304"/>
+            <a:ext cx="2496969" cy="461665"/>
+          </a:xfrm>
+          <a:prstGeom prst="rect">
+            <a:avLst/>
+          </a:prstGeom>
+        </p:spPr>
+        <p:txBody>
+          <a:bodyPr wrap="square">
+            <a:spAutoFit/>
+          </a:bodyPr>
+          <a:lstStyle/>
+          <a:p>
+            <a:pPr marL="342900" indent="-342900">
+              <a:buFont typeface="Arial" panose="020B0604020202020204" pitchFamily="34" charset="0"/>
+              <a:buChar char="•"/>
+            </a:pPr>
+            <a:r>
+              <a:rPr lang="pt-BR" sz="1200" dirty="0">
+                <a:latin typeface="Exo 2" panose="00000500000000000000" pitchFamily="50" charset="0"/>
+              </a:rPr>
+              <a:t>Inseri o E-mail</a:t>
+            </a:r>
+          </a:p>
+          <a:p>
+            <a:pPr marL="342900" indent="-342900">
+              <a:buFont typeface="Arial" panose="020B0604020202020204" pitchFamily="34" charset="0"/>
+              <a:buChar char="•"/>
+            </a:pPr>
+            <a:r>
+              <a:rPr lang="pt-BR" sz="1200" dirty="0">
+                <a:latin typeface="Exo 2" panose="00000500000000000000" pitchFamily="50" charset="0"/>
+              </a:rPr>
+              <a:t>Inseri a Senha</a:t>
+            </a:r>
+          </a:p>
+        </p:txBody>
+      </p:sp>
+      <p:sp>
+        <p:nvSpPr>
+          <p:cNvPr id="36" name="Retângulo 35">
+            <a:extLst>
+              <a:ext uri="{FF2B5EF4-FFF2-40B4-BE49-F238E27FC236}">
+                <a16:creationId xmlns:a16="http://schemas.microsoft.com/office/drawing/2014/main" id="{C2EABCFD-DF70-4F16-AD1B-2E16D3CBCDB4}"/>
+              </a:ext>
+            </a:extLst>
+          </p:cNvPr>
+          <p:cNvSpPr/>
+          <p:nvPr/>
+        </p:nvSpPr>
+        <p:spPr>
+          <a:xfrm>
+            <a:off x="9357142" y="1937349"/>
+            <a:ext cx="2496969" cy="1015663"/>
+          </a:xfrm>
+          <a:prstGeom prst="rect">
+            <a:avLst/>
+          </a:prstGeom>
+        </p:spPr>
+        <p:txBody>
+          <a:bodyPr wrap="square">
+            <a:spAutoFit/>
+          </a:bodyPr>
+          <a:lstStyle/>
+          <a:p>
+            <a:pPr marL="342900" indent="-342900">
+              <a:buFont typeface="Arial" panose="020B0604020202020204" pitchFamily="34" charset="0"/>
+              <a:buChar char="•"/>
+            </a:pPr>
+            <a:r>
+              <a:rPr lang="pt-BR" sz="1200" dirty="0">
+                <a:latin typeface="Exo 2" panose="00000500000000000000" pitchFamily="50" charset="0"/>
+              </a:rPr>
+              <a:t>Fazer o cadastro de produto</a:t>
+            </a:r>
+          </a:p>
+          <a:p>
+            <a:pPr marL="342900" indent="-342900">
+              <a:buFont typeface="Arial" panose="020B0604020202020204" pitchFamily="34" charset="0"/>
+              <a:buChar char="•"/>
+            </a:pPr>
+            <a:r>
+              <a:rPr lang="pt-BR" sz="1200" dirty="0">
+                <a:latin typeface="Exo 2" panose="00000500000000000000" pitchFamily="50" charset="0"/>
+              </a:rPr>
+              <a:t>Fazer controle de estoque</a:t>
+            </a:r>
+          </a:p>
+          <a:p>
+            <a:pPr marL="342900" indent="-342900">
+              <a:buFont typeface="Arial" panose="020B0604020202020204" pitchFamily="34" charset="0"/>
+              <a:buChar char="•"/>
+            </a:pPr>
+            <a:r>
+              <a:rPr lang="pt-BR" sz="1200" dirty="0">
+                <a:latin typeface="Exo 2" panose="00000500000000000000" pitchFamily="50" charset="0"/>
+              </a:rPr>
+              <a:t>Realizar Venda</a:t>
+            </a:r>
+          </a:p>
+        </p:txBody>
+      </p:sp>
+      <p:pic>
+        <p:nvPicPr>
+          <p:cNvPr id="37" name="Gráfico 78" descr="Rosto neutro sem preenchimento ">
+            <a:extLst>
+              <a:ext uri="{FF2B5EF4-FFF2-40B4-BE49-F238E27FC236}">
+                <a16:creationId xmlns:a16="http://schemas.microsoft.com/office/drawing/2014/main" id="{D1E4C346-AACD-4ABA-9540-6EE52F5A8371}"/>
+              </a:ext>
+            </a:extLst>
+          </p:cNvPr>
+          <p:cNvPicPr>
+            <a:picLocks noChangeAspect="1"/>
+          </p:cNvPicPr>
+          <p:nvPr/>
+        </p:nvPicPr>
+        <p:blipFill>
+          <a:blip r:embed="rId18">
+            <a:extLst>
+              <a:ext uri="{28A0092B-C50C-407E-A947-70E740481C1C}">
+                <a14:useLocalDpi xmlns:a14="http://schemas.microsoft.com/office/drawing/2010/main"/>
+              </a:ext>
+              <a:ext uri="{96DAC541-7B7A-43D3-8B79-37D633B846F1}">
+                <asvg:svgBlip xmlns:asvg="http://schemas.microsoft.com/office/drawing/2016/SVG/main" r:embed="rId19"/>
+              </a:ext>
+            </a:extLst>
+          </a:blip>
+          <a:stretch>
+            <a:fillRect/>
+          </a:stretch>
+        </p:blipFill>
+        <p:spPr>
+          <a:xfrm>
+            <a:off x="3418799" y="2963317"/>
+            <a:ext cx="914400" cy="914400"/>
+          </a:xfrm>
+          <a:prstGeom prst="rect">
+            <a:avLst/>
+          </a:prstGeom>
+        </p:spPr>
+      </p:pic>
+      <p:sp>
+        <p:nvSpPr>
+          <p:cNvPr id="42" name="Retângulo 41">
+            <a:extLst>
+              <a:ext uri="{FF2B5EF4-FFF2-40B4-BE49-F238E27FC236}">
+                <a16:creationId xmlns:a16="http://schemas.microsoft.com/office/drawing/2014/main" id="{38E392A5-D5C4-4E93-81B3-2C2DDE0DF481}"/>
+              </a:ext>
+            </a:extLst>
+          </p:cNvPr>
+          <p:cNvSpPr/>
+          <p:nvPr/>
+        </p:nvSpPr>
+        <p:spPr>
+          <a:xfrm>
+            <a:off x="5091951" y="4300265"/>
+            <a:ext cx="2037351" cy="830997"/>
+          </a:xfrm>
+          <a:prstGeom prst="rect">
+            <a:avLst/>
+          </a:prstGeom>
+        </p:spPr>
+        <p:txBody>
+          <a:bodyPr wrap="square">
+            <a:spAutoFit/>
+          </a:bodyPr>
+          <a:lstStyle/>
+          <a:p>
+            <a:pPr marL="342900" indent="-342900">
+              <a:buFont typeface="Arial" panose="020B0604020202020204" pitchFamily="34" charset="0"/>
+              <a:buChar char="•"/>
+            </a:pPr>
+            <a:r>
+              <a:rPr lang="pt-BR" sz="1200" dirty="0">
+                <a:latin typeface="Exo 2" panose="00000500000000000000" pitchFamily="50" charset="0"/>
+              </a:rPr>
+              <a:t>“Ai, quanta burocracia” </a:t>
+            </a:r>
+          </a:p>
+          <a:p>
+            <a:pPr marL="342900" indent="-342900">
+              <a:buFont typeface="Arial" panose="020B0604020202020204" pitchFamily="34" charset="0"/>
+              <a:buChar char="•"/>
+            </a:pPr>
+            <a:r>
+              <a:rPr lang="pt-BR" sz="1200" dirty="0">
+                <a:latin typeface="Exo 2" panose="00000500000000000000" pitchFamily="50" charset="0"/>
+              </a:rPr>
+              <a:t>“Por que será que eles precisam do meu endereço?”</a:t>
+            </a:r>
+          </a:p>
+        </p:txBody>
+      </p:sp>
+      <p:sp>
+        <p:nvSpPr>
+          <p:cNvPr id="43" name="Retângulo 42">
+            <a:extLst>
+              <a:ext uri="{FF2B5EF4-FFF2-40B4-BE49-F238E27FC236}">
+                <a16:creationId xmlns:a16="http://schemas.microsoft.com/office/drawing/2014/main" id="{38E392A5-D5C4-4E93-81B3-2C2DDE0DF481}"/>
+              </a:ext>
+            </a:extLst>
+          </p:cNvPr>
+          <p:cNvSpPr/>
+          <p:nvPr/>
+        </p:nvSpPr>
+        <p:spPr>
+          <a:xfrm>
+            <a:off x="7393995" y="4311290"/>
+            <a:ext cx="2037351" cy="1015663"/>
+          </a:xfrm>
+          <a:prstGeom prst="rect">
+            <a:avLst/>
+          </a:prstGeom>
+        </p:spPr>
+        <p:txBody>
+          <a:bodyPr wrap="square">
+            <a:spAutoFit/>
+          </a:bodyPr>
+          <a:lstStyle/>
+          <a:p>
+            <a:pPr marL="342900" indent="-342900">
+              <a:buFont typeface="Arial" panose="020B0604020202020204" pitchFamily="34" charset="0"/>
+              <a:buChar char="•"/>
+            </a:pPr>
+            <a:r>
+              <a:rPr lang="pt-BR" sz="1200" dirty="0">
+                <a:latin typeface="Exo 2" panose="00000500000000000000" pitchFamily="50" charset="0"/>
+              </a:rPr>
+              <a:t>“Finalmente conclui o cadastro” </a:t>
+            </a:r>
+          </a:p>
+          <a:p>
+            <a:pPr marL="342900" indent="-342900">
+              <a:buFont typeface="Arial" panose="020B0604020202020204" pitchFamily="34" charset="0"/>
+              <a:buChar char="•"/>
+            </a:pPr>
+            <a:r>
+              <a:rPr lang="pt-BR" sz="1200" dirty="0">
+                <a:latin typeface="Exo 2" panose="00000500000000000000" pitchFamily="50" charset="0"/>
+              </a:rPr>
+              <a:t>“Agora é mais rápido”</a:t>
+            </a:r>
+          </a:p>
+        </p:txBody>
+      </p:sp>
+      <p:sp>
+        <p:nvSpPr>
+          <p:cNvPr id="44" name="Retângulo 43">
+            <a:extLst>
+              <a:ext uri="{FF2B5EF4-FFF2-40B4-BE49-F238E27FC236}">
+                <a16:creationId xmlns:a16="http://schemas.microsoft.com/office/drawing/2014/main" id="{38E392A5-D5C4-4E93-81B3-2C2DDE0DF481}"/>
+              </a:ext>
+            </a:extLst>
+          </p:cNvPr>
+          <p:cNvSpPr/>
+          <p:nvPr/>
+        </p:nvSpPr>
+        <p:spPr>
+          <a:xfrm>
+            <a:off x="9372623" y="4310871"/>
+            <a:ext cx="2037351" cy="830997"/>
+          </a:xfrm>
+          <a:prstGeom prst="rect">
+            <a:avLst/>
+          </a:prstGeom>
+        </p:spPr>
+        <p:txBody>
+          <a:bodyPr wrap="square">
+            <a:spAutoFit/>
+          </a:bodyPr>
+          <a:lstStyle/>
+          <a:p>
+            <a:pPr marL="342900" indent="-342900">
+              <a:buFont typeface="Arial" panose="020B0604020202020204" pitchFamily="34" charset="0"/>
+              <a:buChar char="•"/>
+            </a:pPr>
+            <a:r>
+              <a:rPr lang="pt-BR" sz="1200" dirty="0">
+                <a:latin typeface="Exo 2" panose="00000500000000000000" pitchFamily="50" charset="0"/>
+              </a:rPr>
+              <a:t>“Agora sim, tenho as informações que eu queria” </a:t>
+            </a:r>
+          </a:p>
+        </p:txBody>
+      </p:sp>
+      <p:sp>
+        <p:nvSpPr>
+          <p:cNvPr id="47" name="Retângulo 46">
+            <a:extLst>
+              <a:ext uri="{FF2B5EF4-FFF2-40B4-BE49-F238E27FC236}">
+                <a16:creationId xmlns:a16="http://schemas.microsoft.com/office/drawing/2014/main" id="{38E392A5-D5C4-4E93-81B3-2C2DDE0DF481}"/>
+              </a:ext>
+            </a:extLst>
+          </p:cNvPr>
+          <p:cNvSpPr/>
+          <p:nvPr/>
+        </p:nvSpPr>
+        <p:spPr>
+          <a:xfrm>
+            <a:off x="3059042" y="5985315"/>
+            <a:ext cx="2037351" cy="276999"/>
+          </a:xfrm>
+          <a:prstGeom prst="rect">
+            <a:avLst/>
+          </a:prstGeom>
+        </p:spPr>
+        <p:txBody>
+          <a:bodyPr wrap="square">
+            <a:spAutoFit/>
+          </a:bodyPr>
+          <a:lstStyle/>
+          <a:p>
+            <a:pPr marL="342900" indent="-342900">
+              <a:buFont typeface="Arial" panose="020B0604020202020204" pitchFamily="34" charset="0"/>
+              <a:buChar char="•"/>
+            </a:pPr>
+            <a:endParaRPr lang="pt-BR" sz="1200" dirty="0">
+              <a:latin typeface="Exo 2" panose="00000500000000000000" pitchFamily="50" charset="0"/>
+            </a:endParaRPr>
+          </a:p>
+        </p:txBody>
+      </p:sp>
+      <p:sp>
+        <p:nvSpPr>
+          <p:cNvPr id="48" name="Retângulo 47">
+            <a:extLst>
+              <a:ext uri="{FF2B5EF4-FFF2-40B4-BE49-F238E27FC236}">
+                <a16:creationId xmlns:a16="http://schemas.microsoft.com/office/drawing/2014/main" id="{38E392A5-D5C4-4E93-81B3-2C2DDE0DF481}"/>
+              </a:ext>
+            </a:extLst>
+          </p:cNvPr>
+          <p:cNvSpPr/>
+          <p:nvPr/>
+        </p:nvSpPr>
+        <p:spPr>
+          <a:xfrm>
+            <a:off x="5032224" y="5655656"/>
+            <a:ext cx="2037351" cy="830997"/>
+          </a:xfrm>
+          <a:prstGeom prst="rect">
+            <a:avLst/>
+          </a:prstGeom>
+        </p:spPr>
+        <p:txBody>
+          <a:bodyPr wrap="square">
+            <a:spAutoFit/>
+          </a:bodyPr>
+          <a:lstStyle/>
+          <a:p>
+            <a:pPr marL="342900" indent="-342900">
+              <a:buFont typeface="Arial" panose="020B0604020202020204" pitchFamily="34" charset="0"/>
+              <a:buChar char="•"/>
+            </a:pPr>
+            <a:r>
+              <a:rPr lang="pt-BR" sz="1200" dirty="0">
+                <a:latin typeface="Exo 2" panose="00000500000000000000" pitchFamily="50" charset="0"/>
+              </a:rPr>
+              <a:t>Separar o cadastro em etapas para não parecer longo</a:t>
+            </a:r>
+          </a:p>
+        </p:txBody>
+      </p:sp>
+      <p:sp>
+        <p:nvSpPr>
+          <p:cNvPr id="49" name="Retângulo 48">
+            <a:extLst>
+              <a:ext uri="{FF2B5EF4-FFF2-40B4-BE49-F238E27FC236}">
+                <a16:creationId xmlns:a16="http://schemas.microsoft.com/office/drawing/2014/main" id="{38E392A5-D5C4-4E93-81B3-2C2DDE0DF481}"/>
+              </a:ext>
+            </a:extLst>
+          </p:cNvPr>
+          <p:cNvSpPr/>
+          <p:nvPr/>
+        </p:nvSpPr>
+        <p:spPr>
+          <a:xfrm>
+            <a:off x="7247040" y="5657671"/>
+            <a:ext cx="2125583" cy="1200329"/>
+          </a:xfrm>
+          <a:prstGeom prst="rect">
+            <a:avLst/>
+          </a:prstGeom>
+        </p:spPr>
+        <p:txBody>
+          <a:bodyPr wrap="square">
+            <a:spAutoFit/>
+          </a:bodyPr>
+          <a:lstStyle/>
+          <a:p>
+            <a:pPr marL="342900" indent="-342900">
+              <a:buFont typeface="Arial" panose="020B0604020202020204" pitchFamily="34" charset="0"/>
+              <a:buChar char="•"/>
+            </a:pPr>
+            <a:r>
+              <a:rPr lang="pt-BR" sz="1200" dirty="0">
+                <a:latin typeface="Exo 2" panose="00000500000000000000" pitchFamily="50" charset="0"/>
+              </a:rPr>
+              <a:t>Após o cadastro, fazer a realização do login automático, para minimizar o tempo</a:t>
+            </a:r>
+          </a:p>
+        </p:txBody>
+      </p:sp>
+      <p:sp>
+        <p:nvSpPr>
+          <p:cNvPr id="50" name="Retângulo 49">
+            <a:extLst>
+              <a:ext uri="{FF2B5EF4-FFF2-40B4-BE49-F238E27FC236}">
+                <a16:creationId xmlns:a16="http://schemas.microsoft.com/office/drawing/2014/main" id="{38E392A5-D5C4-4E93-81B3-2C2DDE0DF481}"/>
+              </a:ext>
+            </a:extLst>
+          </p:cNvPr>
+          <p:cNvSpPr/>
+          <p:nvPr/>
+        </p:nvSpPr>
+        <p:spPr>
+          <a:xfrm>
+            <a:off x="9343114" y="5660007"/>
+            <a:ext cx="2037351" cy="646331"/>
+          </a:xfrm>
+          <a:prstGeom prst="rect">
+            <a:avLst/>
+          </a:prstGeom>
+        </p:spPr>
+        <p:txBody>
+          <a:bodyPr wrap="square">
+            <a:spAutoFit/>
+          </a:bodyPr>
+          <a:lstStyle/>
+          <a:p>
+            <a:pPr marL="342900" indent="-342900">
+              <a:buFont typeface="Arial" panose="020B0604020202020204" pitchFamily="34" charset="0"/>
+              <a:buChar char="•"/>
+            </a:pPr>
+            <a:r>
+              <a:rPr lang="pt-BR" sz="1200" dirty="0">
+                <a:latin typeface="Exo 2" panose="00000500000000000000" pitchFamily="50" charset="0"/>
+              </a:rPr>
+              <a:t>Deixar a dashboard bem intuitiva para não confundir o usuário</a:t>
+            </a:r>
+          </a:p>
+        </p:txBody>
+      </p:sp>
+      <p:sp>
+        <p:nvSpPr>
+          <p:cNvPr id="51" name="Retângulo 50">
+            <a:extLst>
+              <a:ext uri="{FF2B5EF4-FFF2-40B4-BE49-F238E27FC236}">
+                <a16:creationId xmlns:a16="http://schemas.microsoft.com/office/drawing/2014/main" id="{38E392A5-D5C4-4E93-81B3-2C2DDE0DF481}"/>
+              </a:ext>
+            </a:extLst>
+          </p:cNvPr>
+          <p:cNvSpPr/>
+          <p:nvPr/>
+        </p:nvSpPr>
+        <p:spPr>
+          <a:xfrm>
+            <a:off x="2801177" y="5665108"/>
+            <a:ext cx="2037351" cy="1200329"/>
+          </a:xfrm>
+          <a:prstGeom prst="rect">
+            <a:avLst/>
+          </a:prstGeom>
+        </p:spPr>
+        <p:txBody>
+          <a:bodyPr wrap="square">
+            <a:spAutoFit/>
+          </a:bodyPr>
+          <a:lstStyle/>
+          <a:p>
+            <a:pPr marL="342900" indent="-342900">
+              <a:buFont typeface="Arial" panose="020B0604020202020204" pitchFamily="34" charset="0"/>
+              <a:buChar char="•"/>
+            </a:pPr>
+            <a:r>
+              <a:rPr lang="pt-BR" sz="1200" dirty="0">
+                <a:latin typeface="Exo 2" panose="00000500000000000000" pitchFamily="50" charset="0"/>
+              </a:rPr>
+              <a:t>Botões maiores para melhor sinalização</a:t>
+            </a:r>
+          </a:p>
+          <a:p>
+            <a:pPr marL="342900" indent="-342900">
+              <a:buFont typeface="Arial" panose="020B0604020202020204" pitchFamily="34" charset="0"/>
+              <a:buChar char="•"/>
+            </a:pPr>
+            <a:r>
+              <a:rPr lang="pt-BR" sz="1200" dirty="0">
+                <a:latin typeface="Exo 2" panose="00000500000000000000" pitchFamily="50" charset="0"/>
+              </a:rPr>
+              <a:t>Colocar uma explicação do intuito do nosso produto </a:t>
+            </a:r>
+          </a:p>
+          <a:p>
+            <a:pPr marL="342900" indent="-342900">
+              <a:buFont typeface="Arial" panose="020B0604020202020204" pitchFamily="34" charset="0"/>
+              <a:buChar char="•"/>
+            </a:pPr>
+            <a:endParaRPr lang="pt-BR" sz="1200" dirty="0">
+              <a:latin typeface="Exo 2" panose="00000500000000000000" pitchFamily="50" charset="0"/>
+            </a:endParaRPr>
+          </a:p>
+        </p:txBody>
+      </p:sp>
+      <p:pic>
+        <p:nvPicPr>
+          <p:cNvPr id="45" name="Gráfico 78" descr="Rosto neutro sem preenchimento ">
+            <a:extLst>
+              <a:ext uri="{FF2B5EF4-FFF2-40B4-BE49-F238E27FC236}">
+                <a16:creationId xmlns:a16="http://schemas.microsoft.com/office/drawing/2014/main" id="{E5212670-04E0-4540-AAC9-88C7A7322C8A}"/>
+              </a:ext>
+            </a:extLst>
+          </p:cNvPr>
+          <p:cNvPicPr>
+            <a:picLocks noChangeAspect="1"/>
+          </p:cNvPicPr>
+          <p:nvPr/>
+        </p:nvPicPr>
+        <p:blipFill>
+          <a:blip r:embed="rId18">
+            <a:extLst>
+              <a:ext uri="{28A0092B-C50C-407E-A947-70E740481C1C}">
+                <a14:useLocalDpi xmlns:a14="http://schemas.microsoft.com/office/drawing/2010/main"/>
+              </a:ext>
+              <a:ext uri="{96DAC541-7B7A-43D3-8B79-37D633B846F1}">
+                <asvg:svgBlip xmlns:asvg="http://schemas.microsoft.com/office/drawing/2016/SVG/main" r:embed="rId19"/>
+              </a:ext>
+            </a:extLst>
+          </a:blip>
+          <a:stretch>
+            <a:fillRect/>
+          </a:stretch>
+        </p:blipFill>
+        <p:spPr>
+          <a:xfrm>
+            <a:off x="12341042" y="2012921"/>
+            <a:ext cx="914400" cy="914400"/>
+          </a:xfrm>
+          <a:prstGeom prst="rect">
+            <a:avLst/>
+          </a:prstGeom>
+        </p:spPr>
+      </p:pic>
+      <p:pic>
+        <p:nvPicPr>
+          <p:cNvPr id="46" name="Gráfico 48" descr="Rosto surpreso sem preenchimento ">
+            <a:extLst>
+              <a:ext uri="{FF2B5EF4-FFF2-40B4-BE49-F238E27FC236}">
+                <a16:creationId xmlns:a16="http://schemas.microsoft.com/office/drawing/2014/main" id="{91494E11-C2CA-4664-9177-3E6BC85563FF}"/>
+              </a:ext>
+            </a:extLst>
+          </p:cNvPr>
+          <p:cNvPicPr>
+            <a:picLocks noChangeAspect="1"/>
+          </p:cNvPicPr>
+          <p:nvPr/>
+        </p:nvPicPr>
+        <p:blipFill>
+          <a:blip r:embed="rId2">
+            <a:extLst>
+              <a:ext uri="{28A0092B-C50C-407E-A947-70E740481C1C}">
+                <a14:useLocalDpi xmlns:a14="http://schemas.microsoft.com/office/drawing/2010/main"/>
+              </a:ext>
+              <a:ext uri="{96DAC541-7B7A-43D3-8B79-37D633B846F1}">
+                <asvg:svgBlip xmlns:asvg="http://schemas.microsoft.com/office/drawing/2016/SVG/main" r:embed="rId3"/>
+              </a:ext>
+            </a:extLst>
+          </a:blip>
+          <a:stretch>
+            <a:fillRect/>
+          </a:stretch>
+        </p:blipFill>
+        <p:spPr>
+          <a:xfrm>
+            <a:off x="12337076" y="4962389"/>
+            <a:ext cx="914400" cy="914400"/>
+          </a:xfrm>
+          <a:prstGeom prst="rect">
+            <a:avLst/>
+          </a:prstGeom>
+        </p:spPr>
+      </p:pic>
+      <p:pic>
+        <p:nvPicPr>
+          <p:cNvPr id="53" name="Gráfico 80" descr="Rosto sorrindo sem preenchimento ">
+            <a:extLst>
+              <a:ext uri="{FF2B5EF4-FFF2-40B4-BE49-F238E27FC236}">
+                <a16:creationId xmlns:a16="http://schemas.microsoft.com/office/drawing/2014/main" id="{02152C00-6F51-4900-8537-BF9ABAFA5E57}"/>
+              </a:ext>
+            </a:extLst>
+          </p:cNvPr>
+          <p:cNvPicPr>
+            <a:picLocks noChangeAspect="1"/>
+          </p:cNvPicPr>
+          <p:nvPr/>
+        </p:nvPicPr>
+        <p:blipFill>
+          <a:blip r:embed="rId16">
+            <a:extLst>
+              <a:ext uri="{28A0092B-C50C-407E-A947-70E740481C1C}">
+                <a14:useLocalDpi xmlns:a14="http://schemas.microsoft.com/office/drawing/2010/main"/>
+              </a:ext>
+              <a:ext uri="{96DAC541-7B7A-43D3-8B79-37D633B846F1}">
+                <asvg:svgBlip xmlns:asvg="http://schemas.microsoft.com/office/drawing/2016/SVG/main" r:embed="rId17"/>
+              </a:ext>
+            </a:extLst>
+          </a:blip>
+          <a:stretch>
+            <a:fillRect/>
+          </a:stretch>
+        </p:blipFill>
+        <p:spPr>
+          <a:xfrm>
+            <a:off x="7867239" y="2969809"/>
+            <a:ext cx="914400" cy="914400"/>
+          </a:xfrm>
+          <a:prstGeom prst="rect">
+            <a:avLst/>
+          </a:prstGeom>
+        </p:spPr>
+      </p:pic>
+      <p:pic>
+        <p:nvPicPr>
+          <p:cNvPr id="54" name="Gráfico 79" descr="Rosto triste sem preenchimento ">
+            <a:extLst>
+              <a:ext uri="{FF2B5EF4-FFF2-40B4-BE49-F238E27FC236}">
+                <a16:creationId xmlns:a16="http://schemas.microsoft.com/office/drawing/2014/main" id="{DC5D599C-E412-4CB0-BFA1-6E9DB462EDF4}"/>
+              </a:ext>
+            </a:extLst>
+          </p:cNvPr>
+          <p:cNvPicPr>
+            <a:picLocks noChangeAspect="1"/>
+          </p:cNvPicPr>
+          <p:nvPr/>
+        </p:nvPicPr>
+        <p:blipFill>
+          <a:blip r:embed="rId14">
+            <a:extLst>
+              <a:ext uri="{28A0092B-C50C-407E-A947-70E740481C1C}">
+                <a14:useLocalDpi xmlns:a14="http://schemas.microsoft.com/office/drawing/2010/main"/>
+              </a:ext>
+              <a:ext uri="{96DAC541-7B7A-43D3-8B79-37D633B846F1}">
+                <asvg:svgBlip xmlns:asvg="http://schemas.microsoft.com/office/drawing/2016/SVG/main" r:embed="rId15"/>
+              </a:ext>
+            </a:extLst>
+          </a:blip>
+          <a:stretch>
+            <a:fillRect/>
+          </a:stretch>
+        </p:blipFill>
+        <p:spPr>
+          <a:xfrm>
+            <a:off x="5653426" y="2986780"/>
+            <a:ext cx="914400" cy="914400"/>
+          </a:xfrm>
+          <a:prstGeom prst="rect">
+            <a:avLst/>
+          </a:prstGeom>
+        </p:spPr>
+      </p:pic>
+    </p:spTree>
+    <p:extLst>
+      <p:ext uri="{BB962C8B-B14F-4D97-AF65-F5344CB8AC3E}">
+        <p14:creationId xmlns:p14="http://schemas.microsoft.com/office/powerpoint/2010/main" val="2349108188"/>
+      </p:ext>
+    </p:extLst>
+  </p:cSld>
+  <p:clrMapOvr>
+    <a:masterClrMapping/>
+  </p:clrMapOvr>
 </p:sld>
 </file>
 
@@ -8639,6 +10503,23 @@
 </file>
 
 <file path=customXml/item1.xml><?xml version="1.0" encoding="utf-8"?>
+<p:properties xmlns:p="http://schemas.microsoft.com/office/2006/metadata/properties" xmlns:xsi="http://www.w3.org/2001/XMLSchema-instance" xmlns:pc="http://schemas.microsoft.com/office/infopath/2007/PartnerControls">
+  <documentManagement>
+    <MediaServiceKeyPoints xmlns="71af3243-3dd4-4a8d-8c0d-dd76da1f02a5" xsi:nil="true"/>
+  </documentManagement>
+</p:properties>
+</file>
+
+<file path=customXml/item2.xml><?xml version="1.0" encoding="utf-8"?>
+<?mso-contentType ?>
+<FormTemplates xmlns="http://schemas.microsoft.com/sharepoint/v3/contenttype/forms">
+  <Display>DocumentLibraryForm</Display>
+  <Edit>DocumentLibraryForm</Edit>
+  <New>DocumentLibraryForm</New>
+</FormTemplates>
+</file>
+
+<file path=customXml/item3.xml><?xml version="1.0" encoding="utf-8"?>
 <ct:contentTypeSchema xmlns:ct="http://schemas.microsoft.com/office/2006/metadata/contentType" xmlns:ma="http://schemas.microsoft.com/office/2006/metadata/properties/metaAttributes" ct:_="" ma:_="" ma:contentTypeName="Document" ma:contentTypeID="0x01010079F111ED35F8CC479449609E8A0923A6" ma:contentTypeVersion="11" ma:contentTypeDescription="Create a new document." ma:contentTypeScope="" ma:versionID="1c2eb7a32e66fb6e4260f3771546a5e2">
   <xsd:schema xmlns:xsd="http://www.w3.org/2001/XMLSchema" xmlns:xs="http://www.w3.org/2001/XMLSchema" xmlns:p="http://schemas.microsoft.com/office/2006/metadata/properties" xmlns:ns2="71af3243-3dd4-4a8d-8c0d-dd76da1f02a5" xmlns:ns3="16c05727-aa75-4e4a-9b5f-8a80a1165891" targetNamespace="http://schemas.microsoft.com/office/2006/metadata/properties" ma:root="true" ma:fieldsID="04e1f6479c48b08974ba73b5ca973489" ns2:_="" ns3:_="">
     <xsd:import namespace="71af3243-3dd4-4a8d-8c0d-dd76da1f02a5"/>
@@ -8849,24 +10730,32 @@
 </ct:contentTypeSchema>
 </file>
 
-<file path=customXml/item2.xml><?xml version="1.0" encoding="utf-8"?>
-<?mso-contentType ?>
-<FormTemplates xmlns="http://schemas.microsoft.com/sharepoint/v3/contenttype/forms">
-  <Display>DocumentLibraryForm</Display>
-  <Edit>DocumentLibraryForm</Edit>
-  <New>DocumentLibraryForm</New>
-</FormTemplates>
+<file path=customXml/itemProps1.xml><?xml version="1.0" encoding="utf-8"?>
+<ds:datastoreItem xmlns:ds="http://schemas.openxmlformats.org/officeDocument/2006/customXml" ds:itemID="{620ED59B-F67D-4B99-A0A7-E5237FF58100}">
+  <ds:schemaRefs>
+    <ds:schemaRef ds:uri="http://schemas.microsoft.com/office/2006/metadata/properties"/>
+    <ds:schemaRef ds:uri="http://schemas.microsoft.com/office/2006/documentManagement/types"/>
+    <ds:schemaRef ds:uri="http://purl.org/dc/terms/"/>
+    <ds:schemaRef ds:uri="http://schemas.openxmlformats.org/package/2006/metadata/core-properties"/>
+    <ds:schemaRef ds:uri="16c05727-aa75-4e4a-9b5f-8a80a1165891"/>
+    <ds:schemaRef ds:uri="http://purl.org/dc/dcmitype/"/>
+    <ds:schemaRef ds:uri="http://schemas.microsoft.com/office/infopath/2007/PartnerControls"/>
+    <ds:schemaRef ds:uri="http://purl.org/dc/elements/1.1/"/>
+    <ds:schemaRef ds:uri="71af3243-3dd4-4a8d-8c0d-dd76da1f02a5"/>
+    <ds:schemaRef ds:uri="http://www.w3.org/XML/1998/namespace"/>
+  </ds:schemaRefs>
+</ds:datastoreItem>
 </file>
 
-<file path=customXml/item3.xml><?xml version="1.0" encoding="utf-8"?>
-<p:properties xmlns:p="http://schemas.microsoft.com/office/2006/metadata/properties" xmlns:xsi="http://www.w3.org/2001/XMLSchema-instance" xmlns:pc="http://schemas.microsoft.com/office/infopath/2007/PartnerControls">
-  <documentManagement>
-    <MediaServiceKeyPoints xmlns="71af3243-3dd4-4a8d-8c0d-dd76da1f02a5" xsi:nil="true"/>
-  </documentManagement>
-</p:properties>
+<file path=customXml/itemProps2.xml><?xml version="1.0" encoding="utf-8"?>
+<ds:datastoreItem xmlns:ds="http://schemas.openxmlformats.org/officeDocument/2006/customXml" ds:itemID="{3E17AD15-0DEB-4851-82A2-261C041346DD}">
+  <ds:schemaRefs>
+    <ds:schemaRef ds:uri="http://schemas.microsoft.com/sharepoint/v3/contenttype/forms"/>
+  </ds:schemaRefs>
+</ds:datastoreItem>
 </file>
 
-<file path=customXml/itemProps1.xml><?xml version="1.0" encoding="utf-8"?>
+<file path=customXml/itemProps3.xml><?xml version="1.0" encoding="utf-8"?>
 <ds:datastoreItem xmlns:ds="http://schemas.openxmlformats.org/officeDocument/2006/customXml" ds:itemID="{22736BCB-6CE4-414B-B2BE-1DA087E5215C}">
   <ds:schemaRefs>
     <ds:schemaRef ds:uri="http://schemas.microsoft.com/office/2006/metadata/contentType"/>
@@ -8883,29 +10772,4 @@
     <ds:schemaRef ds:uri="http://schemas.microsoft.com/internal/obd"/>
   </ds:schemaRefs>
 </ds:datastoreItem>
-</file>
-
-<file path=customXml/itemProps2.xml><?xml version="1.0" encoding="utf-8"?>
-<ds:datastoreItem xmlns:ds="http://schemas.openxmlformats.org/officeDocument/2006/customXml" ds:itemID="{3E17AD15-0DEB-4851-82A2-261C041346DD}">
-  <ds:schemaRefs>
-    <ds:schemaRef ds:uri="http://schemas.microsoft.com/sharepoint/v3/contenttype/forms"/>
-  </ds:schemaRefs>
-</ds:datastoreItem>
-</file>
-
-<file path=customXml/itemProps3.xml><?xml version="1.0" encoding="utf-8"?>
-<ds:datastoreItem xmlns:ds="http://schemas.openxmlformats.org/officeDocument/2006/customXml" ds:itemID="{620ED59B-F67D-4B99-A0A7-E5237FF58100}">
-  <ds:schemaRefs>
-    <ds:schemaRef ds:uri="http://schemas.microsoft.com/office/2006/metadata/properties"/>
-    <ds:schemaRef ds:uri="http://schemas.microsoft.com/office/2006/documentManagement/types"/>
-    <ds:schemaRef ds:uri="http://purl.org/dc/terms/"/>
-    <ds:schemaRef ds:uri="http://schemas.openxmlformats.org/package/2006/metadata/core-properties"/>
-    <ds:schemaRef ds:uri="16c05727-aa75-4e4a-9b5f-8a80a1165891"/>
-    <ds:schemaRef ds:uri="http://purl.org/dc/dcmitype/"/>
-    <ds:schemaRef ds:uri="http://schemas.microsoft.com/office/infopath/2007/PartnerControls"/>
-    <ds:schemaRef ds:uri="http://purl.org/dc/elements/1.1/"/>
-    <ds:schemaRef ds:uri="71af3243-3dd4-4a8d-8c0d-dd76da1f02a5"/>
-    <ds:schemaRef ds:uri="http://www.w3.org/XML/1998/namespace"/>
-  </ds:schemaRefs>
-</ds:datastoreItem>
 </file>
--- a/Apresentação/Apresentação-Sollute.pptx
+++ b/Apresentação/Apresentação-Sollute.pptx
@@ -5,20 +5,19 @@
     <p:sldMasterId id="2147483828" r:id="rId4"/>
   </p:sldMasterIdLst>
   <p:notesMasterIdLst>
-    <p:notesMasterId r:id="rId13"/>
+    <p:notesMasterId r:id="rId12"/>
   </p:notesMasterIdLst>
   <p:handoutMasterIdLst>
-    <p:handoutMasterId r:id="rId14"/>
+    <p:handoutMasterId r:id="rId13"/>
   </p:handoutMasterIdLst>
   <p:sldIdLst>
     <p:sldId id="256" r:id="rId5"/>
-    <p:sldId id="266" r:id="rId6"/>
-    <p:sldId id="261" r:id="rId7"/>
+    <p:sldId id="261" r:id="rId6"/>
+    <p:sldId id="266" r:id="rId7"/>
     <p:sldId id="263" r:id="rId8"/>
     <p:sldId id="262" r:id="rId9"/>
     <p:sldId id="264" r:id="rId10"/>
-    <p:sldId id="265" r:id="rId11"/>
-    <p:sldId id="267" r:id="rId12"/>
+    <p:sldId id="267" r:id="rId11"/>
   </p:sldIdLst>
   <p:sldSz cx="12192000" cy="6858000"/>
   <p:notesSz cx="6858000" cy="9144000"/>
@@ -210,7 +209,7 @@
           <a:p>
             <a:fld id="{1233B479-B86F-4B3B-92CC-A65D21022A71}" type="datetime1">
               <a:rPr lang="pt-BR" smtClean="0"/>
-              <a:t>02/03/2022</a:t>
+              <a:t>08/03/2022</a:t>
             </a:fld>
             <a:endParaRPr lang="pt-BR" dirty="0"/>
           </a:p>
@@ -376,7 +375,7 @@
             <a:fld id="{8EE89ABE-C638-43EB-8FF2-1C40E4E3A55D}" type="datetime1">
               <a:rPr lang="pt-BR" smtClean="0"/>
               <a:pPr/>
-              <a:t>02/03/2022</a:t>
+              <a:t>08/03/2022</a:t>
             </a:fld>
             <a:endParaRPr lang="pt-BR" dirty="0"/>
           </a:p>
@@ -893,7 +892,7 @@
             <a:pPr rtl="0"/>
             <a:fld id="{ACA70E9B-807F-4AE6-92CC-96282D5E7311}" type="datetime1">
               <a:rPr lang="pt-BR" noProof="0" smtClean="0"/>
-              <a:t>02/03/2022</a:t>
+              <a:t>08/03/2022</a:t>
             </a:fld>
             <a:endParaRPr lang="pt-BR" noProof="0" dirty="0"/>
           </a:p>
@@ -1071,7 +1070,7 @@
             <a:pPr rtl="0"/>
             <a:fld id="{2F190B64-7C24-4AC5-981A-18293759B464}" type="datetime1">
               <a:rPr lang="pt-BR" noProof="0" smtClean="0"/>
-              <a:t>02/03/2022</a:t>
+              <a:t>08/03/2022</a:t>
             </a:fld>
             <a:endParaRPr lang="pt-BR" noProof="0" dirty="0"/>
           </a:p>
@@ -1259,7 +1258,7 @@
             <a:pPr rtl="0"/>
             <a:fld id="{DCB21156-01AE-471C-8785-A0104C41415F}" type="datetime1">
               <a:rPr lang="pt-BR" noProof="0" smtClean="0"/>
-              <a:t>02/03/2022</a:t>
+              <a:t>08/03/2022</a:t>
             </a:fld>
             <a:endParaRPr lang="pt-BR" noProof="0" dirty="0"/>
           </a:p>
@@ -1437,7 +1436,7 @@
             <a:pPr rtl="0"/>
             <a:fld id="{27C79FE1-4EE1-4F09-AF1C-ADB867A4DDB7}" type="datetime1">
               <a:rPr lang="pt-BR" noProof="0" smtClean="0"/>
-              <a:t>02/03/2022</a:t>
+              <a:t>08/03/2022</a:t>
             </a:fld>
             <a:endParaRPr lang="pt-BR" noProof="0" dirty="0"/>
           </a:p>
@@ -1713,7 +1712,7 @@
             <a:pPr rtl="0"/>
             <a:fld id="{5132E7D4-C3C8-491E-AF18-B3F00DDC0614}" type="datetime1">
               <a:rPr lang="pt-BR" noProof="0" smtClean="0"/>
-              <a:t>02/03/2022</a:t>
+              <a:t>08/03/2022</a:t>
             </a:fld>
             <a:endParaRPr lang="pt-BR" noProof="0" dirty="0"/>
           </a:p>
@@ -1953,7 +1952,7 @@
             <a:pPr rtl="0"/>
             <a:fld id="{FB6D9EE8-2544-4943-81D3-517B336FA10A}" type="datetime1">
               <a:rPr lang="pt-BR" noProof="0" smtClean="0"/>
-              <a:t>02/03/2022</a:t>
+              <a:t>08/03/2022</a:t>
             </a:fld>
             <a:endParaRPr lang="pt-BR" noProof="0" dirty="0"/>
           </a:p>
@@ -2319,7 +2318,7 @@
             <a:pPr rtl="0"/>
             <a:fld id="{0B952E2D-6498-45E7-A8E3-132689DDCE1E}" type="datetime1">
               <a:rPr lang="pt-BR" noProof="0" smtClean="0"/>
-              <a:t>02/03/2022</a:t>
+              <a:t>08/03/2022</a:t>
             </a:fld>
             <a:endParaRPr lang="pt-BR" noProof="0" dirty="0"/>
           </a:p>
@@ -2470,7 +2469,7 @@
             <a:pPr rtl="0"/>
             <a:fld id="{100953FF-B44C-4032-BE08-263E004F48D0}" type="datetime1">
               <a:rPr lang="pt-BR" noProof="0" smtClean="0"/>
-              <a:t>02/03/2022</a:t>
+              <a:t>08/03/2022</a:t>
             </a:fld>
             <a:endParaRPr lang="pt-BR" noProof="0" dirty="0"/>
           </a:p>
@@ -2572,7 +2571,7 @@
             <a:pPr rtl="0"/>
             <a:fld id="{EA1CED91-10F8-4F28-862B-FD4E3A97170A}" type="datetime1">
               <a:rPr lang="pt-BR" noProof="0" smtClean="0"/>
-              <a:t>02/03/2022</a:t>
+              <a:t>08/03/2022</a:t>
             </a:fld>
             <a:endParaRPr lang="pt-BR" noProof="0" dirty="0"/>
           </a:p>
@@ -2937,7 +2936,7 @@
             <a:pPr rtl="0"/>
             <a:fld id="{7ACFC77E-2AA3-4152-A54C-74981BE28E55}" type="datetime1">
               <a:rPr lang="pt-BR" noProof="0" smtClean="0"/>
-              <a:t>02/03/2022</a:t>
+              <a:t>08/03/2022</a:t>
             </a:fld>
             <a:endParaRPr lang="pt-BR" noProof="0" dirty="0"/>
           </a:p>
@@ -3303,7 +3302,7 @@
             <a:pPr rtl="0"/>
             <a:fld id="{8EC681D4-C3A8-4CE6-91AF-0785B228C7CF}" type="datetime1">
               <a:rPr lang="pt-BR" noProof="0" smtClean="0"/>
-              <a:t>02/03/2022</a:t>
+              <a:t>08/03/2022</a:t>
             </a:fld>
             <a:endParaRPr lang="pt-BR" noProof="0" dirty="0"/>
           </a:p>
@@ -3551,7 +3550,7 @@
             <a:pPr rtl="0"/>
             <a:fld id="{CB6EA007-E4DD-442B-86B0-09BBF9FC84DB}" type="datetime1">
               <a:rPr lang="pt-BR" noProof="0" smtClean="0"/>
-              <a:t>02/03/2022</a:t>
+              <a:t>08/03/2022</a:t>
             </a:fld>
             <a:endParaRPr lang="pt-BR" noProof="0" dirty="0"/>
           </a:p>
@@ -4181,111 +4180,6 @@
       </p:grpSpPr>
       <p:sp>
         <p:nvSpPr>
-          <p:cNvPr id="2" name="Título 1">
-            <a:extLst>
-              <a:ext uri="{FF2B5EF4-FFF2-40B4-BE49-F238E27FC236}">
-                <a16:creationId xmlns:a16="http://schemas.microsoft.com/office/drawing/2014/main" id="{5DAB7D3B-3662-40F3-916B-ECE75CA79447}"/>
-              </a:ext>
-            </a:extLst>
-          </p:cNvPr>
-          <p:cNvSpPr>
-            <a:spLocks noGrp="1"/>
-          </p:cNvSpPr>
-          <p:nvPr>
-            <p:ph type="title"/>
-          </p:nvPr>
-        </p:nvSpPr>
-        <p:spPr/>
-        <p:txBody>
-          <a:bodyPr/>
-          <a:lstStyle/>
-          <a:p>
-            <a:endParaRPr lang="pt-BR"/>
-          </a:p>
-        </p:txBody>
-      </p:sp>
-      <p:sp>
-        <p:nvSpPr>
-          <p:cNvPr id="3" name="Espaço Reservado para Conteúdo 2">
-            <a:extLst>
-              <a:ext uri="{FF2B5EF4-FFF2-40B4-BE49-F238E27FC236}">
-                <a16:creationId xmlns:a16="http://schemas.microsoft.com/office/drawing/2014/main" id="{377FD2C8-55CC-4572-96A6-EA4449DF63CA}"/>
-              </a:ext>
-            </a:extLst>
-          </p:cNvPr>
-          <p:cNvSpPr>
-            <a:spLocks noGrp="1"/>
-          </p:cNvSpPr>
-          <p:nvPr>
-            <p:ph idx="1"/>
-          </p:nvPr>
-        </p:nvSpPr>
-        <p:spPr/>
-        <p:txBody>
-          <a:bodyPr/>
-          <a:lstStyle/>
-          <a:p>
-            <a:r>
-              <a:rPr lang="pt-BR" dirty="0"/>
-              <a:t>Contextualização (quantas empresas abriram no brasil)</a:t>
-            </a:r>
-          </a:p>
-          <a:p>
-            <a:r>
-              <a:rPr lang="pt-BR" dirty="0"/>
-              <a:t>ERP: o que é, para que serve, benefícios da utilização.</a:t>
-            </a:r>
-          </a:p>
-          <a:p>
-            <a:r>
-              <a:rPr lang="pt-BR" dirty="0"/>
-              <a:t>Desenho </a:t>
-            </a:r>
-            <a:r>
-              <a:rPr lang="pt-BR"/>
-              <a:t>de solução</a:t>
-            </a:r>
-          </a:p>
-          <a:p>
-            <a:endParaRPr lang="pt-BR" dirty="0"/>
-          </a:p>
-          <a:p>
-            <a:endParaRPr lang="pt-BR" dirty="0"/>
-          </a:p>
-        </p:txBody>
-      </p:sp>
-    </p:spTree>
-    <p:extLst>
-      <p:ext uri="{BB962C8B-B14F-4D97-AF65-F5344CB8AC3E}">
-        <p14:creationId xmlns:p14="http://schemas.microsoft.com/office/powerpoint/2010/main" val="2265508033"/>
-      </p:ext>
-    </p:extLst>
-  </p:cSld>
-  <p:clrMapOvr>
-    <a:masterClrMapping/>
-  </p:clrMapOvr>
-</p:sld>
-</file>
-
-<file path=ppt/slides/slide3.xml><?xml version="1.0" encoding="utf-8"?>
-<p:sld xmlns:a="http://schemas.openxmlformats.org/drawingml/2006/main" xmlns:r="http://schemas.openxmlformats.org/officeDocument/2006/relationships" xmlns:p="http://schemas.openxmlformats.org/presentationml/2006/main">
-  <p:cSld>
-    <p:spTree>
-      <p:nvGrpSpPr>
-        <p:cNvPr id="1" name=""/>
-        <p:cNvGrpSpPr/>
-        <p:nvPr/>
-      </p:nvGrpSpPr>
-      <p:grpSpPr>
-        <a:xfrm>
-          <a:off x="0" y="0"/>
-          <a:ext cx="0" cy="0"/>
-          <a:chOff x="0" y="0"/>
-          <a:chExt cx="0" cy="0"/>
-        </a:xfrm>
-      </p:grpSpPr>
-      <p:sp>
-        <p:nvSpPr>
           <p:cNvPr id="4" name="Retângulo 3"/>
           <p:cNvSpPr/>
           <p:nvPr/>
@@ -4642,6 +4536,111 @@
     <p:extLst>
       <p:ext uri="{BB962C8B-B14F-4D97-AF65-F5344CB8AC3E}">
         <p14:creationId xmlns:p14="http://schemas.microsoft.com/office/powerpoint/2010/main" val="34239173"/>
+      </p:ext>
+    </p:extLst>
+  </p:cSld>
+  <p:clrMapOvr>
+    <a:masterClrMapping/>
+  </p:clrMapOvr>
+</p:sld>
+</file>
+
+<file path=ppt/slides/slide3.xml><?xml version="1.0" encoding="utf-8"?>
+<p:sld xmlns:a="http://schemas.openxmlformats.org/drawingml/2006/main" xmlns:r="http://schemas.openxmlformats.org/officeDocument/2006/relationships" xmlns:p="http://schemas.openxmlformats.org/presentationml/2006/main" show="0">
+  <p:cSld>
+    <p:spTree>
+      <p:nvGrpSpPr>
+        <p:cNvPr id="1" name=""/>
+        <p:cNvGrpSpPr/>
+        <p:nvPr/>
+      </p:nvGrpSpPr>
+      <p:grpSpPr>
+        <a:xfrm>
+          <a:off x="0" y="0"/>
+          <a:ext cx="0" cy="0"/>
+          <a:chOff x="0" y="0"/>
+          <a:chExt cx="0" cy="0"/>
+        </a:xfrm>
+      </p:grpSpPr>
+      <p:sp>
+        <p:nvSpPr>
+          <p:cNvPr id="2" name="Título 1">
+            <a:extLst>
+              <a:ext uri="{FF2B5EF4-FFF2-40B4-BE49-F238E27FC236}">
+                <a16:creationId xmlns:a16="http://schemas.microsoft.com/office/drawing/2014/main" id="{5DAB7D3B-3662-40F3-916B-ECE75CA79447}"/>
+              </a:ext>
+            </a:extLst>
+          </p:cNvPr>
+          <p:cNvSpPr>
+            <a:spLocks noGrp="1"/>
+          </p:cNvSpPr>
+          <p:nvPr>
+            <p:ph type="title"/>
+          </p:nvPr>
+        </p:nvSpPr>
+        <p:spPr/>
+        <p:txBody>
+          <a:bodyPr/>
+          <a:lstStyle/>
+          <a:p>
+            <a:endParaRPr lang="pt-BR"/>
+          </a:p>
+        </p:txBody>
+      </p:sp>
+      <p:sp>
+        <p:nvSpPr>
+          <p:cNvPr id="3" name="Espaço Reservado para Conteúdo 2">
+            <a:extLst>
+              <a:ext uri="{FF2B5EF4-FFF2-40B4-BE49-F238E27FC236}">
+                <a16:creationId xmlns:a16="http://schemas.microsoft.com/office/drawing/2014/main" id="{377FD2C8-55CC-4572-96A6-EA4449DF63CA}"/>
+              </a:ext>
+            </a:extLst>
+          </p:cNvPr>
+          <p:cNvSpPr>
+            <a:spLocks noGrp="1"/>
+          </p:cNvSpPr>
+          <p:nvPr>
+            <p:ph idx="1"/>
+          </p:nvPr>
+        </p:nvSpPr>
+        <p:spPr/>
+        <p:txBody>
+          <a:bodyPr/>
+          <a:lstStyle/>
+          <a:p>
+            <a:r>
+              <a:rPr lang="pt-BR" dirty="0"/>
+              <a:t>Contextualização (quantas empresas abriram no brasil)</a:t>
+            </a:r>
+          </a:p>
+          <a:p>
+            <a:r>
+              <a:rPr lang="pt-BR" dirty="0"/>
+              <a:t>ERP: o que é, para que serve, benefícios da utilização.</a:t>
+            </a:r>
+          </a:p>
+          <a:p>
+            <a:r>
+              <a:rPr lang="pt-BR" dirty="0"/>
+              <a:t>Desenho </a:t>
+            </a:r>
+            <a:r>
+              <a:rPr lang="pt-BR"/>
+              <a:t>de solução</a:t>
+            </a:r>
+          </a:p>
+          <a:p>
+            <a:endParaRPr lang="pt-BR" dirty="0"/>
+          </a:p>
+          <a:p>
+            <a:endParaRPr lang="pt-BR" dirty="0"/>
+          </a:p>
+        </p:txBody>
+      </p:sp>
+    </p:spTree>
+    <p:extLst>
+      <p:ext uri="{BB962C8B-B14F-4D97-AF65-F5344CB8AC3E}">
+        <p14:creationId xmlns:p14="http://schemas.microsoft.com/office/powerpoint/2010/main" val="2265508033"/>
       </p:ext>
     </p:extLst>
   </p:cSld>
@@ -5604,7 +5603,7 @@
         <p:spPr>
           <a:xfrm>
             <a:off x="3543013" y="847706"/>
-            <a:ext cx="2862694" cy="830997"/>
+            <a:ext cx="2862694" cy="1077218"/>
           </a:xfrm>
           <a:prstGeom prst="rect">
             <a:avLst/>
@@ -5644,75 +5643,6 @@
             <a:r>
               <a:rPr lang="pt-BR" sz="1600" dirty="0"/>
               <a:t>Sente  Ansiedade</a:t>
-            </a:r>
-          </a:p>
-        </p:txBody>
-      </p:sp>
-      <p:sp>
-        <p:nvSpPr>
-          <p:cNvPr id="20" name="CaixaDeTexto 19">
-            <a:extLst>
-              <a:ext uri="{FF2B5EF4-FFF2-40B4-BE49-F238E27FC236}">
-                <a16:creationId xmlns:a16="http://schemas.microsoft.com/office/drawing/2014/main" id="{51D5D471-E281-4681-8746-5E36E5A851F5}"/>
-              </a:ext>
-            </a:extLst>
-          </p:cNvPr>
-          <p:cNvSpPr txBox="1"/>
-          <p:nvPr/>
-        </p:nvSpPr>
-        <p:spPr>
-          <a:xfrm>
-            <a:off x="4703439" y="3636244"/>
-            <a:ext cx="3976253" cy="1323439"/>
-          </a:xfrm>
-          <a:prstGeom prst="rect">
-            <a:avLst/>
-          </a:prstGeom>
-          <a:noFill/>
-        </p:spPr>
-        <p:txBody>
-          <a:bodyPr wrap="square" rtlCol="0">
-            <a:spAutoFit/>
-          </a:bodyPr>
-          <a:lstStyle/>
-          <a:p>
-            <a:pPr marL="285750" indent="-285750">
-              <a:buFont typeface="Arial" panose="020B0604020202020204" pitchFamily="34" charset="0"/>
-              <a:buChar char="•"/>
-            </a:pPr>
-            <a:r>
-              <a:rPr lang="pt-BR" sz="1600" dirty="0"/>
-              <a:t>Vendas de produtos ou serviços</a:t>
-            </a:r>
-          </a:p>
-          <a:p>
-            <a:pPr marL="285750" indent="-285750">
-              <a:buFont typeface="Arial" panose="020B0604020202020204" pitchFamily="34" charset="0"/>
-              <a:buChar char="•"/>
-            </a:pPr>
-            <a:r>
-              <a:rPr lang="pt-BR" sz="1600" dirty="0"/>
-              <a:t>Fala sobre o trabalho</a:t>
-            </a:r>
-          </a:p>
-          <a:p>
-            <a:pPr marL="285750" indent="-285750">
-              <a:buFont typeface="Arial" panose="020B0604020202020204" pitchFamily="34" charset="0"/>
-              <a:buChar char="•"/>
-            </a:pPr>
-            <a:r>
-              <a:rPr lang="pt-BR" sz="1600" dirty="0"/>
-              <a:t>Trabalha em excesso</a:t>
-            </a:r>
-          </a:p>
-          <a:p>
-            <a:pPr marL="285750" indent="-285750">
-              <a:buFont typeface="Arial" panose="020B0604020202020204" pitchFamily="34" charset="0"/>
-              <a:buChar char="•"/>
-            </a:pPr>
-            <a:r>
-              <a:rPr lang="pt-BR" sz="1600" dirty="0"/>
-              <a:t>Fala com muitas pessoas</a:t>
             </a:r>
           </a:p>
           <a:p>
@@ -5726,6 +5656,82 @@
       </p:sp>
       <p:sp>
         <p:nvSpPr>
+          <p:cNvPr id="20" name="CaixaDeTexto 19">
+            <a:extLst>
+              <a:ext uri="{FF2B5EF4-FFF2-40B4-BE49-F238E27FC236}">
+                <a16:creationId xmlns:a16="http://schemas.microsoft.com/office/drawing/2014/main" id="{51D5D471-E281-4681-8746-5E36E5A851F5}"/>
+              </a:ext>
+            </a:extLst>
+          </p:cNvPr>
+          <p:cNvSpPr txBox="1"/>
+          <p:nvPr/>
+        </p:nvSpPr>
+        <p:spPr>
+          <a:xfrm>
+            <a:off x="4703439" y="3636244"/>
+            <a:ext cx="3976253" cy="1323439"/>
+          </a:xfrm>
+          <a:prstGeom prst="rect">
+            <a:avLst/>
+          </a:prstGeom>
+          <a:noFill/>
+        </p:spPr>
+        <p:txBody>
+          <a:bodyPr wrap="square" rtlCol="0">
+            <a:spAutoFit/>
+          </a:bodyPr>
+          <a:lstStyle/>
+          <a:p>
+            <a:pPr marL="285750" indent="-285750">
+              <a:buFont typeface="Arial" panose="020B0604020202020204" pitchFamily="34" charset="0"/>
+              <a:buChar char="•"/>
+            </a:pPr>
+            <a:r>
+              <a:rPr lang="pt-BR" sz="1600" dirty="0"/>
+              <a:t>Vendas de produtos ou serviços</a:t>
+            </a:r>
+          </a:p>
+          <a:p>
+            <a:pPr marL="285750" indent="-285750">
+              <a:buFont typeface="Arial" panose="020B0604020202020204" pitchFamily="34" charset="0"/>
+              <a:buChar char="•"/>
+            </a:pPr>
+            <a:r>
+              <a:rPr lang="pt-BR" sz="1600" dirty="0"/>
+              <a:t>Fala sobre o trabalho</a:t>
+            </a:r>
+          </a:p>
+          <a:p>
+            <a:pPr marL="285750" indent="-285750">
+              <a:buFont typeface="Arial" panose="020B0604020202020204" pitchFamily="34" charset="0"/>
+              <a:buChar char="•"/>
+            </a:pPr>
+            <a:r>
+              <a:rPr lang="pt-BR" sz="1600" dirty="0"/>
+              <a:t>Trabalha em excesso</a:t>
+            </a:r>
+          </a:p>
+          <a:p>
+            <a:pPr marL="285750" indent="-285750">
+              <a:buFont typeface="Arial" panose="020B0604020202020204" pitchFamily="34" charset="0"/>
+              <a:buChar char="•"/>
+            </a:pPr>
+            <a:r>
+              <a:rPr lang="pt-BR" sz="1600" dirty="0"/>
+              <a:t>Fala com muitas pessoas</a:t>
+            </a:r>
+          </a:p>
+          <a:p>
+            <a:pPr marL="285750" indent="-285750">
+              <a:buFont typeface="Arial" panose="020B0604020202020204" pitchFamily="34" charset="0"/>
+              <a:buChar char="•"/>
+            </a:pPr>
+            <a:endParaRPr lang="pt-BR" sz="1600" dirty="0"/>
+          </a:p>
+        </p:txBody>
+      </p:sp>
+      <p:sp>
+        <p:nvSpPr>
           <p:cNvPr id="21" name="CaixaDeTexto 20">
             <a:extLst>
               <a:ext uri="{FF2B5EF4-FFF2-40B4-BE49-F238E27FC236}">
@@ -5738,8 +5744,8 @@
         </p:nvSpPr>
         <p:spPr>
           <a:xfrm>
-            <a:off x="428669" y="5555363"/>
-            <a:ext cx="3976253" cy="1077218"/>
+            <a:off x="358462" y="5344402"/>
+            <a:ext cx="4484497" cy="1569660"/>
           </a:xfrm>
           <a:prstGeom prst="rect">
             <a:avLst/>
@@ -5758,7 +5764,7 @@
             </a:pPr>
             <a:r>
               <a:rPr lang="pt-BR" sz="1600" dirty="0"/>
-              <a:t>Falta de organização</a:t>
+              <a:t>Falta de organização .n</a:t>
             </a:r>
           </a:p>
           <a:p>
@@ -5768,7 +5774,7 @@
             </a:pPr>
             <a:r>
               <a:rPr lang="pt-BR" sz="1600" dirty="0"/>
-              <a:t>Muitas tarefas simultâneas</a:t>
+              <a:t>Muitas tarefas simultâneas .n</a:t>
             </a:r>
           </a:p>
           <a:p>
@@ -5778,7 +5784,7 @@
             </a:pPr>
             <a:r>
               <a:rPr lang="pt-BR" sz="1600" dirty="0"/>
-              <a:t>Falta de tempo</a:t>
+              <a:t>Falta de tempo .n</a:t>
             </a:r>
           </a:p>
           <a:p>
@@ -5788,7 +5794,39 @@
             </a:pPr>
             <a:r>
               <a:rPr lang="pt-BR" sz="1600" dirty="0"/>
-              <a:t>Falta de distribuição de tarefas</a:t>
+              <a:t>Falta de </a:t>
+            </a:r>
+            <a:r>
+              <a:rPr lang="pt-BR" sz="1600" dirty="0" err="1"/>
+              <a:t>distribução</a:t>
+            </a:r>
+            <a:r>
+              <a:rPr lang="pt-BR" sz="1600" dirty="0"/>
+              <a:t> de tarefas .n</a:t>
+            </a:r>
+          </a:p>
+          <a:p>
+            <a:pPr marL="285750" indent="-285750">
+              <a:buFont typeface="Arial" panose="020B0604020202020204" pitchFamily="34" charset="0"/>
+              <a:buChar char="•"/>
+            </a:pPr>
+            <a:r>
+              <a:rPr lang="pt-BR" sz="1600" dirty="0"/>
+              <a:t>Medo do empreendimento não dar certo . D</a:t>
+            </a:r>
+          </a:p>
+          <a:p>
+            <a:pPr marL="285750" indent="-285750">
+              <a:buFont typeface="Arial" panose="020B0604020202020204" pitchFamily="34" charset="0"/>
+              <a:buChar char="•"/>
+            </a:pPr>
+            <a:r>
+              <a:rPr lang="pt-BR" sz="1600" dirty="0" err="1"/>
+              <a:t>Obstaculos</a:t>
+            </a:r>
+            <a:r>
+              <a:rPr lang="pt-BR" sz="1600" dirty="0"/>
+              <a:t>!!!</a:t>
             </a:r>
           </a:p>
         </p:txBody>
@@ -5808,7 +5846,7 @@
         <p:spPr>
           <a:xfrm>
             <a:off x="6234112" y="5495093"/>
-            <a:ext cx="5805487" cy="1077218"/>
+            <a:ext cx="5805487" cy="1323439"/>
           </a:xfrm>
           <a:prstGeom prst="rect">
             <a:avLst/>
@@ -5838,6 +5876,16 @@
             <a:r>
               <a:rPr lang="pt-BR" sz="1600" dirty="0"/>
               <a:t>Obter controle simplificado e direto de tudo o que entra e sai de dentro da empresa.</a:t>
+            </a:r>
+          </a:p>
+          <a:p>
+            <a:pPr marL="285750" indent="-285750">
+              <a:buFont typeface="Arial" panose="020B0604020202020204" pitchFamily="34" charset="0"/>
+              <a:buChar char="•"/>
+            </a:pPr>
+            <a:r>
+              <a:rPr lang="pt-BR" sz="1600" dirty="0"/>
+              <a:t>Possibilidades!!!</a:t>
             </a:r>
           </a:p>
         </p:txBody>
@@ -5915,1941 +5963,6 @@
 </file>
 
 <file path=ppt/slides/slide7.xml><?xml version="1.0" encoding="utf-8"?>
-<p:sld xmlns:a="http://schemas.openxmlformats.org/drawingml/2006/main" xmlns:r="http://schemas.openxmlformats.org/officeDocument/2006/relationships" xmlns:p="http://schemas.openxmlformats.org/presentationml/2006/main">
-  <p:cSld>
-    <p:spTree>
-      <p:nvGrpSpPr>
-        <p:cNvPr id="1" name=""/>
-        <p:cNvGrpSpPr/>
-        <p:nvPr/>
-      </p:nvGrpSpPr>
-      <p:grpSpPr>
-        <a:xfrm>
-          <a:off x="0" y="0"/>
-          <a:ext cx="0" cy="0"/>
-          <a:chOff x="0" y="0"/>
-          <a:chExt cx="0" cy="0"/>
-        </a:xfrm>
-      </p:grpSpPr>
-      <p:sp>
-        <p:nvSpPr>
-          <p:cNvPr id="31" name="Retângulo 30"/>
-          <p:cNvSpPr/>
-          <p:nvPr/>
-        </p:nvSpPr>
-        <p:spPr>
-          <a:xfrm>
-            <a:off x="-79092" y="-50502"/>
-            <a:ext cx="12261287" cy="6858000"/>
-          </a:xfrm>
-          <a:prstGeom prst="rect">
-            <a:avLst/>
-          </a:prstGeom>
-          <a:solidFill>
-            <a:srgbClr val="FFFFFF"/>
-          </a:solidFill>
-          <a:ln>
-            <a:solidFill>
-              <a:srgbClr val="605FAB"/>
-            </a:solidFill>
-          </a:ln>
-        </p:spPr>
-        <p:style>
-          <a:lnRef idx="2">
-            <a:schemeClr val="accent1">
-              <a:shade val="50000"/>
-            </a:schemeClr>
-          </a:lnRef>
-          <a:fillRef idx="1">
-            <a:schemeClr val="accent1"/>
-          </a:fillRef>
-          <a:effectRef idx="0">
-            <a:schemeClr val="accent1"/>
-          </a:effectRef>
-          <a:fontRef idx="minor">
-            <a:schemeClr val="lt1"/>
-          </a:fontRef>
-        </p:style>
-        <p:txBody>
-          <a:bodyPr rtlCol="0" anchor="ctr"/>
-          <a:lstStyle/>
-          <a:p>
-            <a:pPr algn="ctr"/>
-            <a:endParaRPr lang="pt-BR"/>
-          </a:p>
-        </p:txBody>
-      </p:sp>
-      <p:sp>
-        <p:nvSpPr>
-          <p:cNvPr id="4" name="Título 5">
-            <a:extLst>
-              <a:ext uri="{FF2B5EF4-FFF2-40B4-BE49-F238E27FC236}">
-                <a16:creationId xmlns:a16="http://schemas.microsoft.com/office/drawing/2014/main" id="{FBFC9F05-42CB-4663-9738-6A830E14BF9B}"/>
-              </a:ext>
-            </a:extLst>
-          </p:cNvPr>
-          <p:cNvSpPr>
-            <a:spLocks noGrp="1"/>
-          </p:cNvSpPr>
-          <p:nvPr>
-            <p:ph type="title"/>
-          </p:nvPr>
-        </p:nvSpPr>
-        <p:spPr>
-          <a:xfrm>
-            <a:off x="672352" y="50502"/>
-            <a:ext cx="10554448" cy="660473"/>
-          </a:xfrm>
-          <a:solidFill>
-            <a:srgbClr val="DAD2F1"/>
-          </a:solidFill>
-          <a:ln>
-            <a:solidFill>
-              <a:srgbClr val="3E00FF"/>
-            </a:solidFill>
-          </a:ln>
-        </p:spPr>
-        <p:txBody>
-          <a:bodyPr>
-            <a:normAutofit fontScale="90000"/>
-          </a:bodyPr>
-          <a:lstStyle/>
-          <a:p>
-            <a:r>
-              <a:rPr lang="pt-BR" dirty="0"/>
-              <a:t>Jornada do usuário</a:t>
-            </a:r>
-          </a:p>
-        </p:txBody>
-      </p:sp>
-      <p:sp>
-        <p:nvSpPr>
-          <p:cNvPr id="5" name="Seta: Pentágono 39">
-            <a:extLst>
-              <a:ext uri="{FF2B5EF4-FFF2-40B4-BE49-F238E27FC236}">
-                <a16:creationId xmlns:a16="http://schemas.microsoft.com/office/drawing/2014/main" id="{7A5E176E-AA3B-4B6E-AE29-195BD6366D37}"/>
-              </a:ext>
-            </a:extLst>
-          </p:cNvPr>
-          <p:cNvSpPr/>
-          <p:nvPr/>
-        </p:nvSpPr>
-        <p:spPr>
-          <a:xfrm>
-            <a:off x="3054600" y="996615"/>
-            <a:ext cx="2037351" cy="573368"/>
-          </a:xfrm>
-          <a:prstGeom prst="homePlate">
-            <a:avLst/>
-          </a:prstGeom>
-          <a:solidFill>
-            <a:srgbClr val="3E00FF"/>
-          </a:solidFill>
-          <a:ln>
-            <a:noFill/>
-          </a:ln>
-        </p:spPr>
-        <p:style>
-          <a:lnRef idx="2">
-            <a:schemeClr val="accent1">
-              <a:shade val="50000"/>
-            </a:schemeClr>
-          </a:lnRef>
-          <a:fillRef idx="1">
-            <a:schemeClr val="accent1"/>
-          </a:fillRef>
-          <a:effectRef idx="0">
-            <a:schemeClr val="accent1"/>
-          </a:effectRef>
-          <a:fontRef idx="minor">
-            <a:schemeClr val="lt1"/>
-          </a:fontRef>
-        </p:style>
-        <p:txBody>
-          <a:bodyPr rtlCol="0" anchor="ctr"/>
-          <a:lstStyle/>
-          <a:p>
-            <a:pPr algn="ctr"/>
-            <a:r>
-              <a:rPr lang="pt-BR" sz="1400" b="1" dirty="0"/>
-              <a:t>ACESSA O SITE</a:t>
-            </a:r>
-          </a:p>
-        </p:txBody>
-      </p:sp>
-      <p:cxnSp>
-        <p:nvCxnSpPr>
-          <p:cNvPr id="6" name="Conector reto 5">
-            <a:extLst>
-              <a:ext uri="{FF2B5EF4-FFF2-40B4-BE49-F238E27FC236}">
-                <a16:creationId xmlns:a16="http://schemas.microsoft.com/office/drawing/2014/main" id="{A8AD9801-F73F-4FF4-AD2D-E89ABBB7D0F5}"/>
-              </a:ext>
-            </a:extLst>
-          </p:cNvPr>
-          <p:cNvCxnSpPr>
-            <a:cxnSpLocks/>
-          </p:cNvCxnSpPr>
-          <p:nvPr/>
-        </p:nvCxnSpPr>
-        <p:spPr>
-          <a:xfrm>
-            <a:off x="672352" y="1763806"/>
-            <a:ext cx="10554448" cy="0"/>
-          </a:xfrm>
-          <a:prstGeom prst="line">
-            <a:avLst/>
-          </a:prstGeom>
-          <a:ln>
-            <a:solidFill>
-              <a:srgbClr val="3E00FF"/>
-            </a:solidFill>
-          </a:ln>
-        </p:spPr>
-        <p:style>
-          <a:lnRef idx="1">
-            <a:schemeClr val="accent1"/>
-          </a:lnRef>
-          <a:fillRef idx="0">
-            <a:schemeClr val="accent1"/>
-          </a:fillRef>
-          <a:effectRef idx="0">
-            <a:schemeClr val="accent1"/>
-          </a:effectRef>
-          <a:fontRef idx="minor">
-            <a:schemeClr val="tx1"/>
-          </a:fontRef>
-        </p:style>
-      </p:cxnSp>
-      <p:sp>
-        <p:nvSpPr>
-          <p:cNvPr id="7" name="Retângulo 6">
-            <a:extLst>
-              <a:ext uri="{FF2B5EF4-FFF2-40B4-BE49-F238E27FC236}">
-                <a16:creationId xmlns:a16="http://schemas.microsoft.com/office/drawing/2014/main" id="{C2EABCFD-DF70-4F16-AD1B-2E16D3CBCDB4}"/>
-              </a:ext>
-            </a:extLst>
-          </p:cNvPr>
-          <p:cNvSpPr/>
-          <p:nvPr/>
-        </p:nvSpPr>
-        <p:spPr>
-          <a:xfrm>
-            <a:off x="2906643" y="2067812"/>
-            <a:ext cx="2125581" cy="461665"/>
-          </a:xfrm>
-          <a:prstGeom prst="rect">
-            <a:avLst/>
-          </a:prstGeom>
-        </p:spPr>
-        <p:txBody>
-          <a:bodyPr wrap="square">
-            <a:spAutoFit/>
-          </a:bodyPr>
-          <a:lstStyle/>
-          <a:p>
-            <a:pPr marL="342900" indent="-342900">
-              <a:buFont typeface="Arial" panose="020B0604020202020204" pitchFamily="34" charset="0"/>
-              <a:buChar char="•"/>
-            </a:pPr>
-            <a:r>
-              <a:rPr lang="pt-BR" sz="1200" dirty="0">
-                <a:latin typeface="Exo 2" panose="00000500000000000000" pitchFamily="50" charset="0"/>
-              </a:rPr>
-              <a:t>Procura o site na barra de pesquisa</a:t>
-            </a:r>
-          </a:p>
-        </p:txBody>
-      </p:sp>
-      <p:cxnSp>
-        <p:nvCxnSpPr>
-          <p:cNvPr id="8" name="Conector reto 7">
-            <a:extLst>
-              <a:ext uri="{FF2B5EF4-FFF2-40B4-BE49-F238E27FC236}">
-                <a16:creationId xmlns:a16="http://schemas.microsoft.com/office/drawing/2014/main" id="{B27F9872-88B9-49C8-9870-E721BFE687D5}"/>
-              </a:ext>
-            </a:extLst>
-          </p:cNvPr>
-          <p:cNvCxnSpPr>
-            <a:cxnSpLocks/>
-          </p:cNvCxnSpPr>
-          <p:nvPr/>
-        </p:nvCxnSpPr>
-        <p:spPr>
-          <a:xfrm>
-            <a:off x="672352" y="2862692"/>
-            <a:ext cx="10554448" cy="0"/>
-          </a:xfrm>
-          <a:prstGeom prst="line">
-            <a:avLst/>
-          </a:prstGeom>
-          <a:ln>
-            <a:solidFill>
-              <a:srgbClr val="3E00FF"/>
-            </a:solidFill>
-          </a:ln>
-        </p:spPr>
-        <p:style>
-          <a:lnRef idx="1">
-            <a:schemeClr val="accent1"/>
-          </a:lnRef>
-          <a:fillRef idx="0">
-            <a:schemeClr val="accent1"/>
-          </a:fillRef>
-          <a:effectRef idx="0">
-            <a:schemeClr val="accent1"/>
-          </a:effectRef>
-          <a:fontRef idx="minor">
-            <a:schemeClr val="tx1"/>
-          </a:fontRef>
-        </p:style>
-      </p:cxnSp>
-      <p:sp>
-        <p:nvSpPr>
-          <p:cNvPr id="9" name="Retângulo 8">
-            <a:extLst>
-              <a:ext uri="{FF2B5EF4-FFF2-40B4-BE49-F238E27FC236}">
-                <a16:creationId xmlns:a16="http://schemas.microsoft.com/office/drawing/2014/main" id="{97711B2C-6CD3-470D-AA36-229EC801CCD1}"/>
-              </a:ext>
-            </a:extLst>
-          </p:cNvPr>
-          <p:cNvSpPr/>
-          <p:nvPr/>
-        </p:nvSpPr>
-        <p:spPr>
-          <a:xfrm>
-            <a:off x="672352" y="940464"/>
-            <a:ext cx="2184972" cy="769441"/>
-          </a:xfrm>
-          <a:prstGeom prst="rect">
-            <a:avLst/>
-          </a:prstGeom>
-        </p:spPr>
-        <p:txBody>
-          <a:bodyPr wrap="square">
-            <a:spAutoFit/>
-          </a:bodyPr>
-          <a:lstStyle/>
-          <a:p>
-            <a:r>
-              <a:rPr lang="pt-BR" sz="2800" b="1" dirty="0">
-                <a:latin typeface="Exo 2" panose="00000500000000000000" pitchFamily="50" charset="0"/>
-              </a:rPr>
-              <a:t>Fases </a:t>
-            </a:r>
-            <a:r>
-              <a:rPr lang="pt-BR" sz="1600" b="1" dirty="0">
-                <a:latin typeface="Exo 2" panose="00000500000000000000" pitchFamily="50" charset="0"/>
-              </a:rPr>
-              <a:t>(utilizador)</a:t>
-            </a:r>
-          </a:p>
-        </p:txBody>
-      </p:sp>
-      <p:sp>
-        <p:nvSpPr>
-          <p:cNvPr id="10" name="Retângulo 9">
-            <a:extLst>
-              <a:ext uri="{FF2B5EF4-FFF2-40B4-BE49-F238E27FC236}">
-                <a16:creationId xmlns:a16="http://schemas.microsoft.com/office/drawing/2014/main" id="{32D853A9-2996-41B9-BDE6-AC13EBC37446}"/>
-              </a:ext>
-            </a:extLst>
-          </p:cNvPr>
-          <p:cNvSpPr/>
-          <p:nvPr/>
-        </p:nvSpPr>
-        <p:spPr>
-          <a:xfrm>
-            <a:off x="672352" y="1765933"/>
-            <a:ext cx="2184972" cy="1077218"/>
-          </a:xfrm>
-          <a:prstGeom prst="rect">
-            <a:avLst/>
-          </a:prstGeom>
-        </p:spPr>
-        <p:txBody>
-          <a:bodyPr wrap="square">
-            <a:spAutoFit/>
-          </a:bodyPr>
-          <a:lstStyle/>
-          <a:p>
-            <a:r>
-              <a:rPr lang="pt-BR" sz="2800" b="1" dirty="0">
-                <a:latin typeface="Exo 2" panose="00000500000000000000" pitchFamily="50" charset="0"/>
-              </a:rPr>
-              <a:t>Faz</a:t>
-            </a:r>
-          </a:p>
-          <a:p>
-            <a:r>
-              <a:rPr lang="pt-BR" sz="1800" b="1" dirty="0">
-                <a:latin typeface="Exo 2" panose="00000500000000000000" pitchFamily="50" charset="0"/>
-              </a:rPr>
-              <a:t>(ações do usuário) </a:t>
-            </a:r>
-          </a:p>
-        </p:txBody>
-      </p:sp>
-      <p:pic>
-        <p:nvPicPr>
-          <p:cNvPr id="11" name="Gráfico 48" descr="Rosto surpreso sem preenchimento ">
-            <a:extLst>
-              <a:ext uri="{FF2B5EF4-FFF2-40B4-BE49-F238E27FC236}">
-                <a16:creationId xmlns:a16="http://schemas.microsoft.com/office/drawing/2014/main" id="{75C24F49-359D-4FB9-AF27-0954A5DF839A}"/>
-              </a:ext>
-            </a:extLst>
-          </p:cNvPr>
-          <p:cNvPicPr>
-            <a:picLocks noChangeAspect="1"/>
-          </p:cNvPicPr>
-          <p:nvPr/>
-        </p:nvPicPr>
-        <p:blipFill>
-          <a:blip r:embed="rId2">
-            <a:extLst>
-              <a:ext uri="{28A0092B-C50C-407E-A947-70E740481C1C}">
-                <a14:useLocalDpi xmlns:a14="http://schemas.microsoft.com/office/drawing/2010/main"/>
-              </a:ext>
-              <a:ext uri="{96DAC541-7B7A-43D3-8B79-37D633B846F1}">
-                <asvg:svgBlip xmlns:asvg="http://schemas.microsoft.com/office/drawing/2016/SVG/main" r:embed="rId3"/>
-              </a:ext>
-            </a:extLst>
-          </a:blip>
-          <a:stretch>
-            <a:fillRect/>
-          </a:stretch>
-        </p:blipFill>
-        <p:spPr>
-          <a:xfrm>
-            <a:off x="12345328" y="4996300"/>
-            <a:ext cx="914400" cy="914400"/>
-          </a:xfrm>
-          <a:prstGeom prst="rect">
-            <a:avLst/>
-          </a:prstGeom>
-        </p:spPr>
-      </p:pic>
-      <p:sp>
-        <p:nvSpPr>
-          <p:cNvPr id="12" name="Retângulo 11">
-            <a:extLst>
-              <a:ext uri="{FF2B5EF4-FFF2-40B4-BE49-F238E27FC236}">
-                <a16:creationId xmlns:a16="http://schemas.microsoft.com/office/drawing/2014/main" id="{6C1FC3A8-D29F-416C-8866-FFBFF6CFA21F}"/>
-              </a:ext>
-            </a:extLst>
-          </p:cNvPr>
-          <p:cNvSpPr/>
-          <p:nvPr/>
-        </p:nvSpPr>
-        <p:spPr>
-          <a:xfrm>
-            <a:off x="689164" y="2887724"/>
-            <a:ext cx="2382248" cy="1138773"/>
-          </a:xfrm>
-          <a:prstGeom prst="rect">
-            <a:avLst/>
-          </a:prstGeom>
-        </p:spPr>
-        <p:txBody>
-          <a:bodyPr wrap="square">
-            <a:spAutoFit/>
-          </a:bodyPr>
-          <a:lstStyle/>
-          <a:p>
-            <a:r>
-              <a:rPr lang="pt-BR" sz="2800" b="1" dirty="0">
-                <a:latin typeface="Exo 2" panose="00000500000000000000" pitchFamily="50" charset="0"/>
-              </a:rPr>
-              <a:t>Sente</a:t>
-            </a:r>
-          </a:p>
-          <a:p>
-            <a:r>
-              <a:rPr lang="pt-BR" sz="2000" b="1" dirty="0">
-                <a:latin typeface="Exo 2" panose="00000500000000000000" pitchFamily="50" charset="0"/>
-              </a:rPr>
-              <a:t>(dores do usuário) </a:t>
-            </a:r>
-          </a:p>
-        </p:txBody>
-      </p:sp>
-      <p:cxnSp>
-        <p:nvCxnSpPr>
-          <p:cNvPr id="13" name="Conector reto 12">
-            <a:extLst>
-              <a:ext uri="{FF2B5EF4-FFF2-40B4-BE49-F238E27FC236}">
-                <a16:creationId xmlns:a16="http://schemas.microsoft.com/office/drawing/2014/main" id="{5F72E0CD-6E7D-4BE3-B122-0FDE0DB13CA3}"/>
-              </a:ext>
-            </a:extLst>
-          </p:cNvPr>
-          <p:cNvCxnSpPr>
-            <a:cxnSpLocks/>
-          </p:cNvCxnSpPr>
-          <p:nvPr/>
-        </p:nvCxnSpPr>
-        <p:spPr>
-          <a:xfrm>
-            <a:off x="672352" y="3977621"/>
-            <a:ext cx="10554448" cy="0"/>
-          </a:xfrm>
-          <a:prstGeom prst="line">
-            <a:avLst/>
-          </a:prstGeom>
-          <a:ln>
-            <a:solidFill>
-              <a:srgbClr val="3E00FF"/>
-            </a:solidFill>
-          </a:ln>
-        </p:spPr>
-        <p:style>
-          <a:lnRef idx="1">
-            <a:schemeClr val="accent1"/>
-          </a:lnRef>
-          <a:fillRef idx="0">
-            <a:schemeClr val="accent1"/>
-          </a:fillRef>
-          <a:effectRef idx="0">
-            <a:schemeClr val="accent1"/>
-          </a:effectRef>
-          <a:fontRef idx="minor">
-            <a:schemeClr val="tx1"/>
-          </a:fontRef>
-        </p:style>
-      </p:cxnSp>
-      <p:sp>
-        <p:nvSpPr>
-          <p:cNvPr id="14" name="Retângulo 13">
-            <a:extLst>
-              <a:ext uri="{FF2B5EF4-FFF2-40B4-BE49-F238E27FC236}">
-                <a16:creationId xmlns:a16="http://schemas.microsoft.com/office/drawing/2014/main" id="{38E392A5-D5C4-4E93-81B3-2C2DDE0DF481}"/>
-              </a:ext>
-            </a:extLst>
-          </p:cNvPr>
-          <p:cNvSpPr/>
-          <p:nvPr/>
-        </p:nvSpPr>
-        <p:spPr>
-          <a:xfrm>
-            <a:off x="2857324" y="4310871"/>
-            <a:ext cx="2037351" cy="830997"/>
-          </a:xfrm>
-          <a:prstGeom prst="rect">
-            <a:avLst/>
-          </a:prstGeom>
-        </p:spPr>
-        <p:txBody>
-          <a:bodyPr wrap="square">
-            <a:spAutoFit/>
-          </a:bodyPr>
-          <a:lstStyle/>
-          <a:p>
-            <a:pPr marL="342900" indent="-342900">
-              <a:buFont typeface="Arial" panose="020B0604020202020204" pitchFamily="34" charset="0"/>
-              <a:buChar char="•"/>
-            </a:pPr>
-            <a:r>
-              <a:rPr lang="pt-BR" sz="1200" dirty="0">
-                <a:latin typeface="Exo 2" panose="00000500000000000000" pitchFamily="50" charset="0"/>
-              </a:rPr>
-              <a:t>“Como deve ser esse site?” </a:t>
-            </a:r>
-          </a:p>
-          <a:p>
-            <a:pPr marL="342900" indent="-342900">
-              <a:buFont typeface="Arial" panose="020B0604020202020204" pitchFamily="34" charset="0"/>
-              <a:buChar char="•"/>
-            </a:pPr>
-            <a:r>
-              <a:rPr lang="pt-BR" sz="1200" dirty="0">
-                <a:latin typeface="Exo 2" panose="00000500000000000000" pitchFamily="50" charset="0"/>
-              </a:rPr>
-              <a:t>“Será que esse site vai me ajudar?”</a:t>
-            </a:r>
-          </a:p>
-        </p:txBody>
-      </p:sp>
-      <p:cxnSp>
-        <p:nvCxnSpPr>
-          <p:cNvPr id="15" name="Conector reto 14">
-            <a:extLst>
-              <a:ext uri="{FF2B5EF4-FFF2-40B4-BE49-F238E27FC236}">
-                <a16:creationId xmlns:a16="http://schemas.microsoft.com/office/drawing/2014/main" id="{B0E22083-FDC6-42DB-8F22-3D295395355C}"/>
-              </a:ext>
-            </a:extLst>
-          </p:cNvPr>
-          <p:cNvCxnSpPr>
-            <a:cxnSpLocks/>
-          </p:cNvCxnSpPr>
-          <p:nvPr/>
-        </p:nvCxnSpPr>
-        <p:spPr>
-          <a:xfrm>
-            <a:off x="672352" y="5453500"/>
-            <a:ext cx="10554448" cy="0"/>
-          </a:xfrm>
-          <a:prstGeom prst="line">
-            <a:avLst/>
-          </a:prstGeom>
-          <a:ln>
-            <a:solidFill>
-              <a:srgbClr val="3E00FF"/>
-            </a:solidFill>
-          </a:ln>
-        </p:spPr>
-        <p:style>
-          <a:lnRef idx="1">
-            <a:schemeClr val="accent1"/>
-          </a:lnRef>
-          <a:fillRef idx="0">
-            <a:schemeClr val="accent1"/>
-          </a:fillRef>
-          <a:effectRef idx="0">
-            <a:schemeClr val="accent1"/>
-          </a:effectRef>
-          <a:fontRef idx="minor">
-            <a:schemeClr val="tx1"/>
-          </a:fontRef>
-        </p:style>
-      </p:cxnSp>
-      <p:sp>
-        <p:nvSpPr>
-          <p:cNvPr id="16" name="Retângulo 15">
-            <a:extLst>
-              <a:ext uri="{FF2B5EF4-FFF2-40B4-BE49-F238E27FC236}">
-                <a16:creationId xmlns:a16="http://schemas.microsoft.com/office/drawing/2014/main" id="{0AFE6135-8811-4A6E-833E-9E842EBC6675}"/>
-              </a:ext>
-            </a:extLst>
-          </p:cNvPr>
-          <p:cNvSpPr/>
-          <p:nvPr/>
-        </p:nvSpPr>
-        <p:spPr>
-          <a:xfrm>
-            <a:off x="672352" y="4267456"/>
-            <a:ext cx="2184972" cy="830997"/>
-          </a:xfrm>
-          <a:prstGeom prst="rect">
-            <a:avLst/>
-          </a:prstGeom>
-        </p:spPr>
-        <p:txBody>
-          <a:bodyPr wrap="square">
-            <a:spAutoFit/>
-          </a:bodyPr>
-          <a:lstStyle/>
-          <a:p>
-            <a:r>
-              <a:rPr lang="pt-BR" sz="2800" b="1" dirty="0">
-                <a:latin typeface="Exo 2" panose="00000500000000000000" pitchFamily="50" charset="0"/>
-              </a:rPr>
-              <a:t>Pensa</a:t>
-            </a:r>
-          </a:p>
-          <a:p>
-            <a:r>
-              <a:rPr lang="pt-BR" sz="2000" b="1" dirty="0">
-                <a:latin typeface="Exo 2" panose="00000500000000000000" pitchFamily="50" charset="0"/>
-              </a:rPr>
-              <a:t>(usuário) </a:t>
-            </a:r>
-          </a:p>
-        </p:txBody>
-      </p:sp>
-      <p:sp>
-        <p:nvSpPr>
-          <p:cNvPr id="17" name="Retângulo 16">
-            <a:extLst>
-              <a:ext uri="{FF2B5EF4-FFF2-40B4-BE49-F238E27FC236}">
-                <a16:creationId xmlns:a16="http://schemas.microsoft.com/office/drawing/2014/main" id="{11053D1A-6F2A-4187-BDDA-F16CCFD2FB8A}"/>
-              </a:ext>
-            </a:extLst>
-          </p:cNvPr>
-          <p:cNvSpPr/>
-          <p:nvPr/>
-        </p:nvSpPr>
-        <p:spPr>
-          <a:xfrm>
-            <a:off x="680374" y="5644778"/>
-            <a:ext cx="2184972" cy="800219"/>
-          </a:xfrm>
-          <a:prstGeom prst="rect">
-            <a:avLst/>
-          </a:prstGeom>
-        </p:spPr>
-        <p:txBody>
-          <a:bodyPr wrap="square">
-            <a:spAutoFit/>
-          </a:bodyPr>
-          <a:lstStyle/>
-          <a:p>
-            <a:r>
-              <a:rPr lang="pt-BR" sz="2800" b="1" dirty="0">
-                <a:latin typeface="Exo 2" panose="00000500000000000000" pitchFamily="50" charset="0"/>
-              </a:rPr>
-              <a:t>Proposta</a:t>
-            </a:r>
-          </a:p>
-          <a:p>
-            <a:r>
-              <a:rPr lang="pt-BR" sz="1800" b="1" dirty="0">
-                <a:latin typeface="Exo 2" panose="00000500000000000000" pitchFamily="50" charset="0"/>
-              </a:rPr>
-              <a:t>(mudanças) </a:t>
-            </a:r>
-          </a:p>
-        </p:txBody>
-      </p:sp>
-      <p:sp>
-        <p:nvSpPr>
-          <p:cNvPr id="19" name="Seta: Pentágono 56">
-            <a:extLst>
-              <a:ext uri="{FF2B5EF4-FFF2-40B4-BE49-F238E27FC236}">
-                <a16:creationId xmlns:a16="http://schemas.microsoft.com/office/drawing/2014/main" id="{7F002D23-EA12-4C3E-8CD9-8A8226298C53}"/>
-              </a:ext>
-            </a:extLst>
-          </p:cNvPr>
-          <p:cNvSpPr/>
-          <p:nvPr/>
-        </p:nvSpPr>
-        <p:spPr>
-          <a:xfrm>
-            <a:off x="5180182" y="983236"/>
-            <a:ext cx="2037351" cy="573368"/>
-          </a:xfrm>
-          <a:prstGeom prst="homePlate">
-            <a:avLst/>
-          </a:prstGeom>
-          <a:solidFill>
-            <a:srgbClr val="3E00FF"/>
-          </a:solidFill>
-          <a:ln>
-            <a:noFill/>
-          </a:ln>
-        </p:spPr>
-        <p:style>
-          <a:lnRef idx="2">
-            <a:schemeClr val="accent1">
-              <a:shade val="50000"/>
-            </a:schemeClr>
-          </a:lnRef>
-          <a:fillRef idx="1">
-            <a:schemeClr val="accent1"/>
-          </a:fillRef>
-          <a:effectRef idx="0">
-            <a:schemeClr val="accent1"/>
-          </a:effectRef>
-          <a:fontRef idx="minor">
-            <a:schemeClr val="lt1"/>
-          </a:fontRef>
-        </p:style>
-        <p:txBody>
-          <a:bodyPr rtlCol="0" anchor="ctr"/>
-          <a:lstStyle/>
-          <a:p>
-            <a:pPr algn="ctr"/>
-            <a:r>
-              <a:rPr lang="pt-BR" sz="1400" b="1" dirty="0"/>
-              <a:t>REALIZA O CADASTRO</a:t>
-            </a:r>
-          </a:p>
-        </p:txBody>
-      </p:sp>
-      <p:sp>
-        <p:nvSpPr>
-          <p:cNvPr id="20" name="Seta: Pentágono 57">
-            <a:extLst>
-              <a:ext uri="{FF2B5EF4-FFF2-40B4-BE49-F238E27FC236}">
-                <a16:creationId xmlns:a16="http://schemas.microsoft.com/office/drawing/2014/main" id="{0CCDB0CF-AE1B-43FB-B894-DA318A573E45}"/>
-              </a:ext>
-            </a:extLst>
-          </p:cNvPr>
-          <p:cNvSpPr/>
-          <p:nvPr/>
-        </p:nvSpPr>
-        <p:spPr>
-          <a:xfrm>
-            <a:off x="7305764" y="973689"/>
-            <a:ext cx="2037351" cy="573368"/>
-          </a:xfrm>
-          <a:prstGeom prst="homePlate">
-            <a:avLst/>
-          </a:prstGeom>
-          <a:solidFill>
-            <a:srgbClr val="3E00FF"/>
-          </a:solidFill>
-          <a:ln>
-            <a:noFill/>
-          </a:ln>
-        </p:spPr>
-        <p:style>
-          <a:lnRef idx="2">
-            <a:schemeClr val="accent1">
-              <a:shade val="50000"/>
-            </a:schemeClr>
-          </a:lnRef>
-          <a:fillRef idx="1">
-            <a:schemeClr val="accent1"/>
-          </a:fillRef>
-          <a:effectRef idx="0">
-            <a:schemeClr val="accent1"/>
-          </a:effectRef>
-          <a:fontRef idx="minor">
-            <a:schemeClr val="lt1"/>
-          </a:fontRef>
-        </p:style>
-        <p:txBody>
-          <a:bodyPr rtlCol="0" anchor="ctr"/>
-          <a:lstStyle/>
-          <a:p>
-            <a:pPr algn="ctr"/>
-            <a:r>
-              <a:rPr lang="pt-BR" sz="1400" b="1" dirty="0"/>
-              <a:t>REALIZA O LOGIN</a:t>
-            </a:r>
-          </a:p>
-        </p:txBody>
-      </p:sp>
-      <p:sp>
-        <p:nvSpPr>
-          <p:cNvPr id="21" name="Seta: Pentágono 58">
-            <a:extLst>
-              <a:ext uri="{FF2B5EF4-FFF2-40B4-BE49-F238E27FC236}">
-                <a16:creationId xmlns:a16="http://schemas.microsoft.com/office/drawing/2014/main" id="{0BB13E62-EB58-4BCD-B51B-6701A40573A6}"/>
-              </a:ext>
-            </a:extLst>
-          </p:cNvPr>
-          <p:cNvSpPr/>
-          <p:nvPr/>
-        </p:nvSpPr>
-        <p:spPr>
-          <a:xfrm>
-            <a:off x="9431346" y="973689"/>
-            <a:ext cx="2037351" cy="573368"/>
-          </a:xfrm>
-          <a:prstGeom prst="homePlate">
-            <a:avLst/>
-          </a:prstGeom>
-          <a:solidFill>
-            <a:srgbClr val="3E00FF"/>
-          </a:solidFill>
-          <a:ln>
-            <a:noFill/>
-          </a:ln>
-        </p:spPr>
-        <p:style>
-          <a:lnRef idx="2">
-            <a:schemeClr val="accent1">
-              <a:shade val="50000"/>
-            </a:schemeClr>
-          </a:lnRef>
-          <a:fillRef idx="1">
-            <a:schemeClr val="accent1"/>
-          </a:fillRef>
-          <a:effectRef idx="0">
-            <a:schemeClr val="accent1"/>
-          </a:effectRef>
-          <a:fontRef idx="minor">
-            <a:schemeClr val="lt1"/>
-          </a:fontRef>
-        </p:style>
-        <p:txBody>
-          <a:bodyPr rtlCol="0" anchor="ctr"/>
-          <a:lstStyle/>
-          <a:p>
-            <a:pPr algn="ctr"/>
-            <a:r>
-              <a:rPr lang="pt-BR" sz="1400" b="1" dirty="0"/>
-              <a:t>ACESSAR A DASHBOARD</a:t>
-            </a:r>
-          </a:p>
-        </p:txBody>
-      </p:sp>
-      <p:pic>
-        <p:nvPicPr>
-          <p:cNvPr id="22" name="Gráfico 73" descr="Envelope">
-            <a:extLst>
-              <a:ext uri="{FF2B5EF4-FFF2-40B4-BE49-F238E27FC236}">
-                <a16:creationId xmlns:a16="http://schemas.microsoft.com/office/drawing/2014/main" id="{705BD92E-401D-430E-BC8C-783C8215BA59}"/>
-              </a:ext>
-            </a:extLst>
-          </p:cNvPr>
-          <p:cNvPicPr>
-            <a:picLocks noChangeAspect="1"/>
-          </p:cNvPicPr>
-          <p:nvPr/>
-        </p:nvPicPr>
-        <p:blipFill>
-          <a:blip r:embed="rId4">
-            <a:extLst>
-              <a:ext uri="{28A0092B-C50C-407E-A947-70E740481C1C}">
-                <a14:useLocalDpi xmlns:a14="http://schemas.microsoft.com/office/drawing/2010/main"/>
-              </a:ext>
-              <a:ext uri="{96DAC541-7B7A-43D3-8B79-37D633B846F1}">
-                <asvg:svgBlip xmlns:asvg="http://schemas.microsoft.com/office/drawing/2016/SVG/main" r:embed="rId5"/>
-              </a:ext>
-            </a:extLst>
-          </a:blip>
-          <a:stretch>
-            <a:fillRect/>
-          </a:stretch>
-        </p:blipFill>
-        <p:spPr>
-          <a:xfrm>
-            <a:off x="-1156625" y="-203425"/>
-            <a:ext cx="914400" cy="914400"/>
-          </a:xfrm>
-          <a:prstGeom prst="rect">
-            <a:avLst/>
-          </a:prstGeom>
-        </p:spPr>
-      </p:pic>
-      <p:pic>
-        <p:nvPicPr>
-          <p:cNvPr id="23" name="Gráfico 74" descr="Baixar da nuvem">
-            <a:extLst>
-              <a:ext uri="{FF2B5EF4-FFF2-40B4-BE49-F238E27FC236}">
-                <a16:creationId xmlns:a16="http://schemas.microsoft.com/office/drawing/2014/main" id="{E889898B-07D7-4A93-9022-99313B4109FB}"/>
-              </a:ext>
-            </a:extLst>
-          </p:cNvPr>
-          <p:cNvPicPr>
-            <a:picLocks noChangeAspect="1"/>
-          </p:cNvPicPr>
-          <p:nvPr/>
-        </p:nvPicPr>
-        <p:blipFill>
-          <a:blip r:embed="rId6">
-            <a:extLst>
-              <a:ext uri="{28A0092B-C50C-407E-A947-70E740481C1C}">
-                <a14:useLocalDpi xmlns:a14="http://schemas.microsoft.com/office/drawing/2010/main"/>
-              </a:ext>
-              <a:ext uri="{96DAC541-7B7A-43D3-8B79-37D633B846F1}">
-                <asvg:svgBlip xmlns:asvg="http://schemas.microsoft.com/office/drawing/2016/SVG/main" r:embed="rId7"/>
-              </a:ext>
-            </a:extLst>
-          </a:blip>
-          <a:stretch>
-            <a:fillRect/>
-          </a:stretch>
-        </p:blipFill>
-        <p:spPr>
-          <a:xfrm>
-            <a:off x="-1206301" y="2705477"/>
-            <a:ext cx="914400" cy="914400"/>
-          </a:xfrm>
-          <a:prstGeom prst="rect">
-            <a:avLst/>
-          </a:prstGeom>
-        </p:spPr>
-      </p:pic>
-      <p:pic>
-        <p:nvPicPr>
-          <p:cNvPr id="24" name="Gráfico 75" descr="Call center">
-            <a:extLst>
-              <a:ext uri="{FF2B5EF4-FFF2-40B4-BE49-F238E27FC236}">
-                <a16:creationId xmlns:a16="http://schemas.microsoft.com/office/drawing/2014/main" id="{809ADB87-B26C-4F66-9B09-86E09B718FD7}"/>
-              </a:ext>
-            </a:extLst>
-          </p:cNvPr>
-          <p:cNvPicPr>
-            <a:picLocks noChangeAspect="1"/>
-          </p:cNvPicPr>
-          <p:nvPr/>
-        </p:nvPicPr>
-        <p:blipFill>
-          <a:blip r:embed="rId8">
-            <a:extLst>
-              <a:ext uri="{28A0092B-C50C-407E-A947-70E740481C1C}">
-                <a14:useLocalDpi xmlns:a14="http://schemas.microsoft.com/office/drawing/2010/main"/>
-              </a:ext>
-              <a:ext uri="{96DAC541-7B7A-43D3-8B79-37D633B846F1}">
-                <asvg:svgBlip xmlns:asvg="http://schemas.microsoft.com/office/drawing/2016/SVG/main" r:embed="rId9"/>
-              </a:ext>
-            </a:extLst>
-          </a:blip>
-          <a:stretch>
-            <a:fillRect/>
-          </a:stretch>
-        </p:blipFill>
-        <p:spPr>
-          <a:xfrm>
-            <a:off x="-1206301" y="700633"/>
-            <a:ext cx="914400" cy="914400"/>
-          </a:xfrm>
-          <a:prstGeom prst="rect">
-            <a:avLst/>
-          </a:prstGeom>
-        </p:spPr>
-      </p:pic>
-      <p:pic>
-        <p:nvPicPr>
-          <p:cNvPr id="25" name="Gráfico 76" descr="Fala">
-            <a:extLst>
-              <a:ext uri="{FF2B5EF4-FFF2-40B4-BE49-F238E27FC236}">
-                <a16:creationId xmlns:a16="http://schemas.microsoft.com/office/drawing/2014/main" id="{B80393A4-CD8B-4216-A968-72EE521BFADA}"/>
-              </a:ext>
-            </a:extLst>
-          </p:cNvPr>
-          <p:cNvPicPr>
-            <a:picLocks noChangeAspect="1"/>
-          </p:cNvPicPr>
-          <p:nvPr/>
-        </p:nvPicPr>
-        <p:blipFill>
-          <a:blip r:embed="rId10">
-            <a:extLst>
-              <a:ext uri="{28A0092B-C50C-407E-A947-70E740481C1C}">
-                <a14:useLocalDpi xmlns:a14="http://schemas.microsoft.com/office/drawing/2010/main"/>
-              </a:ext>
-              <a:ext uri="{96DAC541-7B7A-43D3-8B79-37D633B846F1}">
-                <asvg:svgBlip xmlns:asvg="http://schemas.microsoft.com/office/drawing/2016/SVG/main" r:embed="rId11"/>
-              </a:ext>
-            </a:extLst>
-          </a:blip>
-          <a:stretch>
-            <a:fillRect/>
-          </a:stretch>
-        </p:blipFill>
-        <p:spPr>
-          <a:xfrm>
-            <a:off x="-1206301" y="1791077"/>
-            <a:ext cx="914400" cy="914400"/>
-          </a:xfrm>
-          <a:prstGeom prst="rect">
-            <a:avLst/>
-          </a:prstGeom>
-        </p:spPr>
-      </p:pic>
-      <p:pic>
-        <p:nvPicPr>
-          <p:cNvPr id="26" name="Gráfico 77" descr="Rosto sorridente sem preenchimento ">
-            <a:extLst>
-              <a:ext uri="{FF2B5EF4-FFF2-40B4-BE49-F238E27FC236}">
-                <a16:creationId xmlns:a16="http://schemas.microsoft.com/office/drawing/2014/main" id="{C0027FE7-FDE9-473F-ADAF-1281A7BD417D}"/>
-              </a:ext>
-            </a:extLst>
-          </p:cNvPr>
-          <p:cNvPicPr>
-            <a:picLocks noChangeAspect="1"/>
-          </p:cNvPicPr>
-          <p:nvPr/>
-        </p:nvPicPr>
-        <p:blipFill>
-          <a:blip r:embed="rId12">
-            <a:extLst>
-              <a:ext uri="{28A0092B-C50C-407E-A947-70E740481C1C}">
-                <a14:useLocalDpi xmlns:a14="http://schemas.microsoft.com/office/drawing/2010/main"/>
-              </a:ext>
-              <a:ext uri="{96DAC541-7B7A-43D3-8B79-37D633B846F1}">
-                <asvg:svgBlip xmlns:asvg="http://schemas.microsoft.com/office/drawing/2016/SVG/main" r:embed="rId13"/>
-              </a:ext>
-            </a:extLst>
-          </a:blip>
-          <a:stretch>
-            <a:fillRect/>
-          </a:stretch>
-        </p:blipFill>
-        <p:spPr>
-          <a:xfrm>
-            <a:off x="12345328" y="2973565"/>
-            <a:ext cx="914400" cy="914400"/>
-          </a:xfrm>
-          <a:prstGeom prst="rect">
-            <a:avLst/>
-          </a:prstGeom>
-        </p:spPr>
-      </p:pic>
-      <p:pic>
-        <p:nvPicPr>
-          <p:cNvPr id="27" name="Gráfico 78" descr="Rosto neutro sem preenchimento ">
-            <a:extLst>
-              <a:ext uri="{FF2B5EF4-FFF2-40B4-BE49-F238E27FC236}">
-                <a16:creationId xmlns:a16="http://schemas.microsoft.com/office/drawing/2014/main" id="{D1E4C346-AACD-4ABA-9540-6EE52F5A8371}"/>
-              </a:ext>
-            </a:extLst>
-          </p:cNvPr>
-          <p:cNvPicPr>
-            <a:picLocks noChangeAspect="1"/>
-          </p:cNvPicPr>
-          <p:nvPr/>
-        </p:nvPicPr>
-        <p:blipFill>
-          <a:blip r:embed="rId14">
-            <a:extLst>
-              <a:ext uri="{28A0092B-C50C-407E-A947-70E740481C1C}">
-                <a14:useLocalDpi xmlns:a14="http://schemas.microsoft.com/office/drawing/2010/main"/>
-              </a:ext>
-              <a:ext uri="{96DAC541-7B7A-43D3-8B79-37D633B846F1}">
-                <asvg:svgBlip xmlns:asvg="http://schemas.microsoft.com/office/drawing/2016/SVG/main" r:embed="rId15"/>
-              </a:ext>
-            </a:extLst>
-          </a:blip>
-          <a:stretch>
-            <a:fillRect/>
-          </a:stretch>
-        </p:blipFill>
-        <p:spPr>
-          <a:xfrm>
-            <a:off x="3512233" y="2983529"/>
-            <a:ext cx="914400" cy="914400"/>
-          </a:xfrm>
-          <a:prstGeom prst="rect">
-            <a:avLst/>
-          </a:prstGeom>
-        </p:spPr>
-      </p:pic>
-      <p:pic>
-        <p:nvPicPr>
-          <p:cNvPr id="28" name="Gráfico 79" descr="Rosto triste sem preenchimento ">
-            <a:extLst>
-              <a:ext uri="{FF2B5EF4-FFF2-40B4-BE49-F238E27FC236}">
-                <a16:creationId xmlns:a16="http://schemas.microsoft.com/office/drawing/2014/main" id="{5E638E41-AE51-4FCB-918B-4D93C61F3350}"/>
-              </a:ext>
-            </a:extLst>
-          </p:cNvPr>
-          <p:cNvPicPr>
-            <a:picLocks noChangeAspect="1"/>
-          </p:cNvPicPr>
-          <p:nvPr/>
-        </p:nvPicPr>
-        <p:blipFill>
-          <a:blip r:embed="rId16">
-            <a:extLst>
-              <a:ext uri="{28A0092B-C50C-407E-A947-70E740481C1C}">
-                <a14:useLocalDpi xmlns:a14="http://schemas.microsoft.com/office/drawing/2010/main"/>
-              </a:ext>
-              <a:ext uri="{96DAC541-7B7A-43D3-8B79-37D633B846F1}">
-                <asvg:svgBlip xmlns:asvg="http://schemas.microsoft.com/office/drawing/2016/SVG/main" r:embed="rId17"/>
-              </a:ext>
-            </a:extLst>
-          </a:blip>
-          <a:stretch>
-            <a:fillRect/>
-          </a:stretch>
-        </p:blipFill>
-        <p:spPr>
-          <a:xfrm>
-            <a:off x="12345328" y="981211"/>
-            <a:ext cx="914400" cy="914400"/>
-          </a:xfrm>
-          <a:prstGeom prst="rect">
-            <a:avLst/>
-          </a:prstGeom>
-        </p:spPr>
-      </p:pic>
-      <p:pic>
-        <p:nvPicPr>
-          <p:cNvPr id="29" name="Gráfico 80" descr="Rosto sorrindo sem preenchimento ">
-            <a:extLst>
-              <a:ext uri="{FF2B5EF4-FFF2-40B4-BE49-F238E27FC236}">
-                <a16:creationId xmlns:a16="http://schemas.microsoft.com/office/drawing/2014/main" id="{72C5BDBD-5C3F-4A7A-A02D-0828B0C77AEA}"/>
-              </a:ext>
-            </a:extLst>
-          </p:cNvPr>
-          <p:cNvPicPr>
-            <a:picLocks noChangeAspect="1"/>
-          </p:cNvPicPr>
-          <p:nvPr/>
-        </p:nvPicPr>
-        <p:blipFill>
-          <a:blip r:embed="rId18">
-            <a:extLst>
-              <a:ext uri="{28A0092B-C50C-407E-A947-70E740481C1C}">
-                <a14:useLocalDpi xmlns:a14="http://schemas.microsoft.com/office/drawing/2010/main"/>
-              </a:ext>
-              <a:ext uri="{96DAC541-7B7A-43D3-8B79-37D633B846F1}">
-                <asvg:svgBlip xmlns:asvg="http://schemas.microsoft.com/office/drawing/2016/SVG/main" r:embed="rId19"/>
-              </a:ext>
-            </a:extLst>
-          </a:blip>
-          <a:stretch>
-            <a:fillRect/>
-          </a:stretch>
-        </p:blipFill>
-        <p:spPr>
-          <a:xfrm>
-            <a:off x="12345328" y="0"/>
-            <a:ext cx="914400" cy="914400"/>
-          </a:xfrm>
-          <a:prstGeom prst="rect">
-            <a:avLst/>
-          </a:prstGeom>
-        </p:spPr>
-      </p:pic>
-      <p:pic>
-        <p:nvPicPr>
-          <p:cNvPr id="30" name="Gráfico 81" descr="Rosto sorridente sem preenchimento ">
-            <a:extLst>
-              <a:ext uri="{FF2B5EF4-FFF2-40B4-BE49-F238E27FC236}">
-                <a16:creationId xmlns:a16="http://schemas.microsoft.com/office/drawing/2014/main" id="{268105E5-E4E0-44B5-A69D-8326F3F69238}"/>
-              </a:ext>
-            </a:extLst>
-          </p:cNvPr>
-          <p:cNvPicPr>
-            <a:picLocks noChangeAspect="1"/>
-          </p:cNvPicPr>
-          <p:nvPr/>
-        </p:nvPicPr>
-        <p:blipFill>
-          <a:blip r:embed="rId12">
-            <a:extLst>
-              <a:ext uri="{28A0092B-C50C-407E-A947-70E740481C1C}">
-                <a14:useLocalDpi xmlns:a14="http://schemas.microsoft.com/office/drawing/2010/main"/>
-              </a:ext>
-              <a:ext uri="{96DAC541-7B7A-43D3-8B79-37D633B846F1}">
-                <asvg:svgBlip xmlns:asvg="http://schemas.microsoft.com/office/drawing/2016/SVG/main" r:embed="rId13"/>
-              </a:ext>
-            </a:extLst>
-          </a:blip>
-          <a:stretch>
-            <a:fillRect/>
-          </a:stretch>
-        </p:blipFill>
-        <p:spPr>
-          <a:xfrm>
-            <a:off x="12345328" y="3980453"/>
-            <a:ext cx="914400" cy="914400"/>
-          </a:xfrm>
-          <a:prstGeom prst="rect">
-            <a:avLst/>
-          </a:prstGeom>
-        </p:spPr>
-      </p:pic>
-      <p:sp>
-        <p:nvSpPr>
-          <p:cNvPr id="33" name="Retângulo 32">
-            <a:extLst>
-              <a:ext uri="{FF2B5EF4-FFF2-40B4-BE49-F238E27FC236}">
-                <a16:creationId xmlns:a16="http://schemas.microsoft.com/office/drawing/2014/main" id="{C2EABCFD-DF70-4F16-AD1B-2E16D3CBCDB4}"/>
-              </a:ext>
-            </a:extLst>
-          </p:cNvPr>
-          <p:cNvSpPr/>
-          <p:nvPr/>
-        </p:nvSpPr>
-        <p:spPr>
-          <a:xfrm>
-            <a:off x="5081543" y="1735796"/>
-            <a:ext cx="2496969" cy="1200329"/>
-          </a:xfrm>
-          <a:prstGeom prst="rect">
-            <a:avLst/>
-          </a:prstGeom>
-        </p:spPr>
-        <p:txBody>
-          <a:bodyPr wrap="square">
-            <a:spAutoFit/>
-          </a:bodyPr>
-          <a:lstStyle/>
-          <a:p>
-            <a:pPr marL="342900" indent="-342900">
-              <a:buFont typeface="Arial" panose="020B0604020202020204" pitchFamily="34" charset="0"/>
-              <a:buChar char="•"/>
-            </a:pPr>
-            <a:r>
-              <a:rPr lang="pt-BR" sz="1200" dirty="0">
-                <a:latin typeface="Exo 2" panose="00000500000000000000" pitchFamily="50" charset="0"/>
-              </a:rPr>
-              <a:t>Inseri Dados de Entrada</a:t>
-            </a:r>
-          </a:p>
-          <a:p>
-            <a:pPr marL="342900" indent="-342900">
-              <a:buFont typeface="Arial" panose="020B0604020202020204" pitchFamily="34" charset="0"/>
-              <a:buChar char="•"/>
-            </a:pPr>
-            <a:r>
-              <a:rPr lang="pt-BR" sz="1200" dirty="0">
-                <a:latin typeface="Exo 2" panose="00000500000000000000" pitchFamily="50" charset="0"/>
-              </a:rPr>
-              <a:t>Inseri Dados da Empresa </a:t>
-            </a:r>
-          </a:p>
-          <a:p>
-            <a:pPr marL="342900" indent="-342900">
-              <a:buFont typeface="Arial" panose="020B0604020202020204" pitchFamily="34" charset="0"/>
-              <a:buChar char="•"/>
-            </a:pPr>
-            <a:r>
-              <a:rPr lang="pt-BR" sz="1200" dirty="0">
-                <a:latin typeface="Exo 2" panose="00000500000000000000" pitchFamily="50" charset="0"/>
-              </a:rPr>
-              <a:t>Inseri Dados de Endereço</a:t>
-            </a:r>
-          </a:p>
-        </p:txBody>
-      </p:sp>
-      <p:sp>
-        <p:nvSpPr>
-          <p:cNvPr id="34" name="Retângulo 33">
-            <a:extLst>
-              <a:ext uri="{FF2B5EF4-FFF2-40B4-BE49-F238E27FC236}">
-                <a16:creationId xmlns:a16="http://schemas.microsoft.com/office/drawing/2014/main" id="{C2EABCFD-DF70-4F16-AD1B-2E16D3CBCDB4}"/>
-              </a:ext>
-            </a:extLst>
-          </p:cNvPr>
-          <p:cNvSpPr/>
-          <p:nvPr/>
-        </p:nvSpPr>
-        <p:spPr>
-          <a:xfrm>
-            <a:off x="7219661" y="1984507"/>
-            <a:ext cx="2496969" cy="461665"/>
-          </a:xfrm>
-          <a:prstGeom prst="rect">
-            <a:avLst/>
-          </a:prstGeom>
-        </p:spPr>
-        <p:txBody>
-          <a:bodyPr wrap="square">
-            <a:spAutoFit/>
-          </a:bodyPr>
-          <a:lstStyle/>
-          <a:p>
-            <a:pPr marL="342900" indent="-342900">
-              <a:buFont typeface="Arial" panose="020B0604020202020204" pitchFamily="34" charset="0"/>
-              <a:buChar char="•"/>
-            </a:pPr>
-            <a:r>
-              <a:rPr lang="pt-BR" sz="1200" dirty="0">
-                <a:latin typeface="Exo 2" panose="00000500000000000000" pitchFamily="50" charset="0"/>
-              </a:rPr>
-              <a:t>Inseri o E-mail</a:t>
-            </a:r>
-          </a:p>
-          <a:p>
-            <a:pPr marL="342900" indent="-342900">
-              <a:buFont typeface="Arial" panose="020B0604020202020204" pitchFamily="34" charset="0"/>
-              <a:buChar char="•"/>
-            </a:pPr>
-            <a:r>
-              <a:rPr lang="pt-BR" sz="1200" dirty="0">
-                <a:latin typeface="Exo 2" panose="00000500000000000000" pitchFamily="50" charset="0"/>
-              </a:rPr>
-              <a:t>Inseri a Senha</a:t>
-            </a:r>
-          </a:p>
-        </p:txBody>
-      </p:sp>
-      <p:sp>
-        <p:nvSpPr>
-          <p:cNvPr id="36" name="Retângulo 35">
-            <a:extLst>
-              <a:ext uri="{FF2B5EF4-FFF2-40B4-BE49-F238E27FC236}">
-                <a16:creationId xmlns:a16="http://schemas.microsoft.com/office/drawing/2014/main" id="{C2EABCFD-DF70-4F16-AD1B-2E16D3CBCDB4}"/>
-              </a:ext>
-            </a:extLst>
-          </p:cNvPr>
-          <p:cNvSpPr/>
-          <p:nvPr/>
-        </p:nvSpPr>
-        <p:spPr>
-          <a:xfrm>
-            <a:off x="9343115" y="1807015"/>
-            <a:ext cx="2496969" cy="1015663"/>
-          </a:xfrm>
-          <a:prstGeom prst="rect">
-            <a:avLst/>
-          </a:prstGeom>
-        </p:spPr>
-        <p:txBody>
-          <a:bodyPr wrap="square">
-            <a:spAutoFit/>
-          </a:bodyPr>
-          <a:lstStyle/>
-          <a:p>
-            <a:pPr marL="342900" indent="-342900">
-              <a:buFont typeface="Arial" panose="020B0604020202020204" pitchFamily="34" charset="0"/>
-              <a:buChar char="•"/>
-            </a:pPr>
-            <a:r>
-              <a:rPr lang="pt-BR" sz="1200" dirty="0">
-                <a:latin typeface="Exo 2" panose="00000500000000000000" pitchFamily="50" charset="0"/>
-              </a:rPr>
-              <a:t>Fazer o cadastro de produto</a:t>
-            </a:r>
-          </a:p>
-          <a:p>
-            <a:pPr marL="342900" indent="-342900">
-              <a:buFont typeface="Arial" panose="020B0604020202020204" pitchFamily="34" charset="0"/>
-              <a:buChar char="•"/>
-            </a:pPr>
-            <a:r>
-              <a:rPr lang="pt-BR" sz="1200" dirty="0">
-                <a:latin typeface="Exo 2" panose="00000500000000000000" pitchFamily="50" charset="0"/>
-              </a:rPr>
-              <a:t>Fazer controle de estoque</a:t>
-            </a:r>
-          </a:p>
-          <a:p>
-            <a:pPr marL="342900" indent="-342900">
-              <a:buFont typeface="Arial" panose="020B0604020202020204" pitchFamily="34" charset="0"/>
-              <a:buChar char="•"/>
-            </a:pPr>
-            <a:r>
-              <a:rPr lang="pt-BR" sz="1200" dirty="0">
-                <a:latin typeface="Exo 2" panose="00000500000000000000" pitchFamily="50" charset="0"/>
-              </a:rPr>
-              <a:t>Realizar Venda</a:t>
-            </a:r>
-          </a:p>
-        </p:txBody>
-      </p:sp>
-      <p:pic>
-        <p:nvPicPr>
-          <p:cNvPr id="37" name="Gráfico 78" descr="Rosto neutro sem preenchimento ">
-            <a:extLst>
-              <a:ext uri="{FF2B5EF4-FFF2-40B4-BE49-F238E27FC236}">
-                <a16:creationId xmlns:a16="http://schemas.microsoft.com/office/drawing/2014/main" id="{D1E4C346-AACD-4ABA-9540-6EE52F5A8371}"/>
-              </a:ext>
-            </a:extLst>
-          </p:cNvPr>
-          <p:cNvPicPr>
-            <a:picLocks noChangeAspect="1"/>
-          </p:cNvPicPr>
-          <p:nvPr/>
-        </p:nvPicPr>
-        <p:blipFill>
-          <a:blip r:embed="rId14">
-            <a:extLst>
-              <a:ext uri="{28A0092B-C50C-407E-A947-70E740481C1C}">
-                <a14:useLocalDpi xmlns:a14="http://schemas.microsoft.com/office/drawing/2010/main"/>
-              </a:ext>
-              <a:ext uri="{96DAC541-7B7A-43D3-8B79-37D633B846F1}">
-                <asvg:svgBlip xmlns:asvg="http://schemas.microsoft.com/office/drawing/2016/SVG/main" r:embed="rId15"/>
-              </a:ext>
-            </a:extLst>
-          </a:blip>
-          <a:stretch>
-            <a:fillRect/>
-          </a:stretch>
-        </p:blipFill>
-        <p:spPr>
-          <a:xfrm>
-            <a:off x="12311690" y="1966677"/>
-            <a:ext cx="914400" cy="914400"/>
-          </a:xfrm>
-          <a:prstGeom prst="rect">
-            <a:avLst/>
-          </a:prstGeom>
-        </p:spPr>
-      </p:pic>
-      <p:pic>
-        <p:nvPicPr>
-          <p:cNvPr id="39" name="Gráfico 77" descr="Rosto sorridente sem preenchimento ">
-            <a:extLst>
-              <a:ext uri="{FF2B5EF4-FFF2-40B4-BE49-F238E27FC236}">
-                <a16:creationId xmlns:a16="http://schemas.microsoft.com/office/drawing/2014/main" id="{C0027FE7-FDE9-473F-ADAF-1281A7BD417D}"/>
-              </a:ext>
-            </a:extLst>
-          </p:cNvPr>
-          <p:cNvPicPr>
-            <a:picLocks noChangeAspect="1"/>
-          </p:cNvPicPr>
-          <p:nvPr/>
-        </p:nvPicPr>
-        <p:blipFill>
-          <a:blip r:embed="rId12">
-            <a:extLst>
-              <a:ext uri="{28A0092B-C50C-407E-A947-70E740481C1C}">
-                <a14:useLocalDpi xmlns:a14="http://schemas.microsoft.com/office/drawing/2010/main"/>
-              </a:ext>
-              <a:ext uri="{96DAC541-7B7A-43D3-8B79-37D633B846F1}">
-                <asvg:svgBlip xmlns:asvg="http://schemas.microsoft.com/office/drawing/2016/SVG/main" r:embed="rId13"/>
-              </a:ext>
-            </a:extLst>
-          </a:blip>
-          <a:stretch>
-            <a:fillRect/>
-          </a:stretch>
-        </p:blipFill>
-        <p:spPr>
-          <a:xfrm>
-            <a:off x="7867239" y="2999911"/>
-            <a:ext cx="914400" cy="914400"/>
-          </a:xfrm>
-          <a:prstGeom prst="rect">
-            <a:avLst/>
-          </a:prstGeom>
-        </p:spPr>
-      </p:pic>
-      <p:pic>
-        <p:nvPicPr>
-          <p:cNvPr id="40" name="Gráfico 79" descr="Rosto triste sem preenchimento ">
-            <a:extLst>
-              <a:ext uri="{FF2B5EF4-FFF2-40B4-BE49-F238E27FC236}">
-                <a16:creationId xmlns:a16="http://schemas.microsoft.com/office/drawing/2014/main" id="{5E638E41-AE51-4FCB-918B-4D93C61F3350}"/>
-              </a:ext>
-            </a:extLst>
-          </p:cNvPr>
-          <p:cNvPicPr>
-            <a:picLocks noChangeAspect="1"/>
-          </p:cNvPicPr>
-          <p:nvPr/>
-        </p:nvPicPr>
-        <p:blipFill>
-          <a:blip r:embed="rId16">
-            <a:extLst>
-              <a:ext uri="{28A0092B-C50C-407E-A947-70E740481C1C}">
-                <a14:useLocalDpi xmlns:a14="http://schemas.microsoft.com/office/drawing/2010/main"/>
-              </a:ext>
-              <a:ext uri="{96DAC541-7B7A-43D3-8B79-37D633B846F1}">
-                <asvg:svgBlip xmlns:asvg="http://schemas.microsoft.com/office/drawing/2016/SVG/main" r:embed="rId17"/>
-              </a:ext>
-            </a:extLst>
-          </a:blip>
-          <a:stretch>
-            <a:fillRect/>
-          </a:stretch>
-        </p:blipFill>
-        <p:spPr>
-          <a:xfrm>
-            <a:off x="5741657" y="2975699"/>
-            <a:ext cx="914400" cy="914400"/>
-          </a:xfrm>
-          <a:prstGeom prst="rect">
-            <a:avLst/>
-          </a:prstGeom>
-        </p:spPr>
-      </p:pic>
-      <p:pic>
-        <p:nvPicPr>
-          <p:cNvPr id="41" name="Gráfico 80" descr="Rosto sorrindo sem preenchimento ">
-            <a:extLst>
-              <a:ext uri="{FF2B5EF4-FFF2-40B4-BE49-F238E27FC236}">
-                <a16:creationId xmlns:a16="http://schemas.microsoft.com/office/drawing/2014/main" id="{72C5BDBD-5C3F-4A7A-A02D-0828B0C77AEA}"/>
-              </a:ext>
-            </a:extLst>
-          </p:cNvPr>
-          <p:cNvPicPr>
-            <a:picLocks noChangeAspect="1"/>
-          </p:cNvPicPr>
-          <p:nvPr/>
-        </p:nvPicPr>
-        <p:blipFill>
-          <a:blip r:embed="rId18">
-            <a:extLst>
-              <a:ext uri="{28A0092B-C50C-407E-A947-70E740481C1C}">
-                <a14:useLocalDpi xmlns:a14="http://schemas.microsoft.com/office/drawing/2010/main"/>
-              </a:ext>
-              <a:ext uri="{96DAC541-7B7A-43D3-8B79-37D633B846F1}">
-                <asvg:svgBlip xmlns:asvg="http://schemas.microsoft.com/office/drawing/2016/SVG/main" r:embed="rId19"/>
-              </a:ext>
-            </a:extLst>
-          </a:blip>
-          <a:stretch>
-            <a:fillRect/>
-          </a:stretch>
-        </p:blipFill>
-        <p:spPr>
-          <a:xfrm>
-            <a:off x="9992821" y="2973565"/>
-            <a:ext cx="914400" cy="914400"/>
-          </a:xfrm>
-          <a:prstGeom prst="rect">
-            <a:avLst/>
-          </a:prstGeom>
-        </p:spPr>
-      </p:pic>
-      <p:sp>
-        <p:nvSpPr>
-          <p:cNvPr id="42" name="Retângulo 41">
-            <a:extLst>
-              <a:ext uri="{FF2B5EF4-FFF2-40B4-BE49-F238E27FC236}">
-                <a16:creationId xmlns:a16="http://schemas.microsoft.com/office/drawing/2014/main" id="{38E392A5-D5C4-4E93-81B3-2C2DDE0DF481}"/>
-              </a:ext>
-            </a:extLst>
-          </p:cNvPr>
-          <p:cNvSpPr/>
-          <p:nvPr/>
-        </p:nvSpPr>
-        <p:spPr>
-          <a:xfrm>
-            <a:off x="5091951" y="4300265"/>
-            <a:ext cx="2037351" cy="1015663"/>
-          </a:xfrm>
-          <a:prstGeom prst="rect">
-            <a:avLst/>
-          </a:prstGeom>
-        </p:spPr>
-        <p:txBody>
-          <a:bodyPr wrap="square">
-            <a:spAutoFit/>
-          </a:bodyPr>
-          <a:lstStyle/>
-          <a:p>
-            <a:pPr marL="342900" indent="-342900">
-              <a:buFont typeface="Arial" panose="020B0604020202020204" pitchFamily="34" charset="0"/>
-              <a:buChar char="•"/>
-            </a:pPr>
-            <a:r>
-              <a:rPr lang="pt-BR" sz="1200" dirty="0">
-                <a:latin typeface="Exo 2" panose="00000500000000000000" pitchFamily="50" charset="0"/>
-              </a:rPr>
-              <a:t>“Ai, quanta burocracia” </a:t>
-            </a:r>
-          </a:p>
-          <a:p>
-            <a:pPr marL="342900" indent="-342900">
-              <a:buFont typeface="Arial" panose="020B0604020202020204" pitchFamily="34" charset="0"/>
-              <a:buChar char="•"/>
-            </a:pPr>
-            <a:r>
-              <a:rPr lang="pt-BR" sz="1200" dirty="0">
-                <a:latin typeface="Exo 2" panose="00000500000000000000" pitchFamily="50" charset="0"/>
-              </a:rPr>
-              <a:t>“Porque será que eles precisam do meu endereço”</a:t>
-            </a:r>
-          </a:p>
-        </p:txBody>
-      </p:sp>
-      <p:sp>
-        <p:nvSpPr>
-          <p:cNvPr id="43" name="Retângulo 42">
-            <a:extLst>
-              <a:ext uri="{FF2B5EF4-FFF2-40B4-BE49-F238E27FC236}">
-                <a16:creationId xmlns:a16="http://schemas.microsoft.com/office/drawing/2014/main" id="{38E392A5-D5C4-4E93-81B3-2C2DDE0DF481}"/>
-              </a:ext>
-            </a:extLst>
-          </p:cNvPr>
-          <p:cNvSpPr/>
-          <p:nvPr/>
-        </p:nvSpPr>
-        <p:spPr>
-          <a:xfrm>
-            <a:off x="7393995" y="4311290"/>
-            <a:ext cx="2037351" cy="1015663"/>
-          </a:xfrm>
-          <a:prstGeom prst="rect">
-            <a:avLst/>
-          </a:prstGeom>
-        </p:spPr>
-        <p:txBody>
-          <a:bodyPr wrap="square">
-            <a:spAutoFit/>
-          </a:bodyPr>
-          <a:lstStyle/>
-          <a:p>
-            <a:pPr marL="342900" indent="-342900">
-              <a:buFont typeface="Arial" panose="020B0604020202020204" pitchFamily="34" charset="0"/>
-              <a:buChar char="•"/>
-            </a:pPr>
-            <a:r>
-              <a:rPr lang="pt-BR" sz="1200" dirty="0">
-                <a:latin typeface="Exo 2" panose="00000500000000000000" pitchFamily="50" charset="0"/>
-              </a:rPr>
-              <a:t>“Finalmente conclui o cadastro” </a:t>
-            </a:r>
-          </a:p>
-          <a:p>
-            <a:pPr marL="342900" indent="-342900">
-              <a:buFont typeface="Arial" panose="020B0604020202020204" pitchFamily="34" charset="0"/>
-              <a:buChar char="•"/>
-            </a:pPr>
-            <a:r>
-              <a:rPr lang="pt-BR" sz="1200" dirty="0">
-                <a:latin typeface="Exo 2" panose="00000500000000000000" pitchFamily="50" charset="0"/>
-              </a:rPr>
-              <a:t>“Agora é mais rápido”</a:t>
-            </a:r>
-          </a:p>
-        </p:txBody>
-      </p:sp>
-      <p:sp>
-        <p:nvSpPr>
-          <p:cNvPr id="44" name="Retângulo 43">
-            <a:extLst>
-              <a:ext uri="{FF2B5EF4-FFF2-40B4-BE49-F238E27FC236}">
-                <a16:creationId xmlns:a16="http://schemas.microsoft.com/office/drawing/2014/main" id="{38E392A5-D5C4-4E93-81B3-2C2DDE0DF481}"/>
-              </a:ext>
-            </a:extLst>
-          </p:cNvPr>
-          <p:cNvSpPr/>
-          <p:nvPr/>
-        </p:nvSpPr>
-        <p:spPr>
-          <a:xfrm>
-            <a:off x="9363929" y="4266078"/>
-            <a:ext cx="2037351" cy="830997"/>
-          </a:xfrm>
-          <a:prstGeom prst="rect">
-            <a:avLst/>
-          </a:prstGeom>
-        </p:spPr>
-        <p:txBody>
-          <a:bodyPr wrap="square">
-            <a:spAutoFit/>
-          </a:bodyPr>
-          <a:lstStyle/>
-          <a:p>
-            <a:pPr marL="342900" indent="-342900">
-              <a:buFont typeface="Arial" panose="020B0604020202020204" pitchFamily="34" charset="0"/>
-              <a:buChar char="•"/>
-            </a:pPr>
-            <a:r>
-              <a:rPr lang="pt-BR" sz="1200" dirty="0">
-                <a:latin typeface="Exo 2" panose="00000500000000000000" pitchFamily="50" charset="0"/>
-              </a:rPr>
-              <a:t>“Agora sim, tenho as informações que eu queria” </a:t>
-            </a:r>
-          </a:p>
-        </p:txBody>
-      </p:sp>
-      <p:sp>
-        <p:nvSpPr>
-          <p:cNvPr id="47" name="Retângulo 46">
-            <a:extLst>
-              <a:ext uri="{FF2B5EF4-FFF2-40B4-BE49-F238E27FC236}">
-                <a16:creationId xmlns:a16="http://schemas.microsoft.com/office/drawing/2014/main" id="{38E392A5-D5C4-4E93-81B3-2C2DDE0DF481}"/>
-              </a:ext>
-            </a:extLst>
-          </p:cNvPr>
-          <p:cNvSpPr/>
-          <p:nvPr/>
-        </p:nvSpPr>
-        <p:spPr>
-          <a:xfrm>
-            <a:off x="3059042" y="5985315"/>
-            <a:ext cx="2037351" cy="276999"/>
-          </a:xfrm>
-          <a:prstGeom prst="rect">
-            <a:avLst/>
-          </a:prstGeom>
-        </p:spPr>
-        <p:txBody>
-          <a:bodyPr wrap="square">
-            <a:spAutoFit/>
-          </a:bodyPr>
-          <a:lstStyle/>
-          <a:p>
-            <a:pPr marL="342900" indent="-342900">
-              <a:buFont typeface="Arial" panose="020B0604020202020204" pitchFamily="34" charset="0"/>
-              <a:buChar char="•"/>
-            </a:pPr>
-            <a:endParaRPr lang="pt-BR" sz="1200" dirty="0">
-              <a:latin typeface="Exo 2" panose="00000500000000000000" pitchFamily="50" charset="0"/>
-            </a:endParaRPr>
-          </a:p>
-        </p:txBody>
-      </p:sp>
-      <p:sp>
-        <p:nvSpPr>
-          <p:cNvPr id="48" name="Retângulo 47">
-            <a:extLst>
-              <a:ext uri="{FF2B5EF4-FFF2-40B4-BE49-F238E27FC236}">
-                <a16:creationId xmlns:a16="http://schemas.microsoft.com/office/drawing/2014/main" id="{38E392A5-D5C4-4E93-81B3-2C2DDE0DF481}"/>
-              </a:ext>
-            </a:extLst>
-          </p:cNvPr>
-          <p:cNvSpPr/>
-          <p:nvPr/>
-        </p:nvSpPr>
-        <p:spPr>
-          <a:xfrm>
-            <a:off x="5032224" y="5743091"/>
-            <a:ext cx="2037351" cy="830997"/>
-          </a:xfrm>
-          <a:prstGeom prst="rect">
-            <a:avLst/>
-          </a:prstGeom>
-        </p:spPr>
-        <p:txBody>
-          <a:bodyPr wrap="square">
-            <a:spAutoFit/>
-          </a:bodyPr>
-          <a:lstStyle/>
-          <a:p>
-            <a:pPr marL="342900" indent="-342900">
-              <a:buFont typeface="Arial" panose="020B0604020202020204" pitchFamily="34" charset="0"/>
-              <a:buChar char="•"/>
-            </a:pPr>
-            <a:r>
-              <a:rPr lang="pt-BR" sz="1200" dirty="0">
-                <a:latin typeface="Exo 2" panose="00000500000000000000" pitchFamily="50" charset="0"/>
-              </a:rPr>
-              <a:t>Separar o cadastro em etapas para não parecer longo</a:t>
-            </a:r>
-          </a:p>
-        </p:txBody>
-      </p:sp>
-      <p:sp>
-        <p:nvSpPr>
-          <p:cNvPr id="49" name="Retângulo 48">
-            <a:extLst>
-              <a:ext uri="{FF2B5EF4-FFF2-40B4-BE49-F238E27FC236}">
-                <a16:creationId xmlns:a16="http://schemas.microsoft.com/office/drawing/2014/main" id="{38E392A5-D5C4-4E93-81B3-2C2DDE0DF481}"/>
-              </a:ext>
-            </a:extLst>
-          </p:cNvPr>
-          <p:cNvSpPr/>
-          <p:nvPr/>
-        </p:nvSpPr>
-        <p:spPr>
-          <a:xfrm>
-            <a:off x="7247040" y="5591073"/>
-            <a:ext cx="2125583" cy="1200329"/>
-          </a:xfrm>
-          <a:prstGeom prst="rect">
-            <a:avLst/>
-          </a:prstGeom>
-        </p:spPr>
-        <p:txBody>
-          <a:bodyPr wrap="square">
-            <a:spAutoFit/>
-          </a:bodyPr>
-          <a:lstStyle/>
-          <a:p>
-            <a:pPr marL="342900" indent="-342900">
-              <a:buFont typeface="Arial" panose="020B0604020202020204" pitchFamily="34" charset="0"/>
-              <a:buChar char="•"/>
-            </a:pPr>
-            <a:r>
-              <a:rPr lang="pt-BR" sz="1200" dirty="0">
-                <a:latin typeface="Exo 2" panose="00000500000000000000" pitchFamily="50" charset="0"/>
-              </a:rPr>
-              <a:t>Após o cadastro, fazer a realização do </a:t>
-            </a:r>
-            <a:r>
-              <a:rPr lang="pt-BR" sz="1200" dirty="0" err="1">
-                <a:latin typeface="Exo 2" panose="00000500000000000000" pitchFamily="50" charset="0"/>
-              </a:rPr>
-              <a:t>login</a:t>
-            </a:r>
-            <a:r>
-              <a:rPr lang="pt-BR" sz="1200" dirty="0">
-                <a:latin typeface="Exo 2" panose="00000500000000000000" pitchFamily="50" charset="0"/>
-              </a:rPr>
-              <a:t> automático, para minimizar o tempo</a:t>
-            </a:r>
-          </a:p>
-        </p:txBody>
-      </p:sp>
-      <p:sp>
-        <p:nvSpPr>
-          <p:cNvPr id="50" name="Retângulo 49">
-            <a:extLst>
-              <a:ext uri="{FF2B5EF4-FFF2-40B4-BE49-F238E27FC236}">
-                <a16:creationId xmlns:a16="http://schemas.microsoft.com/office/drawing/2014/main" id="{38E392A5-D5C4-4E93-81B3-2C2DDE0DF481}"/>
-              </a:ext>
-            </a:extLst>
-          </p:cNvPr>
-          <p:cNvSpPr/>
-          <p:nvPr/>
-        </p:nvSpPr>
-        <p:spPr>
-          <a:xfrm>
-            <a:off x="9343114" y="5660007"/>
-            <a:ext cx="2037351" cy="1015663"/>
-          </a:xfrm>
-          <a:prstGeom prst="rect">
-            <a:avLst/>
-          </a:prstGeom>
-        </p:spPr>
-        <p:txBody>
-          <a:bodyPr wrap="square">
-            <a:spAutoFit/>
-          </a:bodyPr>
-          <a:lstStyle/>
-          <a:p>
-            <a:pPr marL="342900" indent="-342900">
-              <a:buFont typeface="Arial" panose="020B0604020202020204" pitchFamily="34" charset="0"/>
-              <a:buChar char="•"/>
-            </a:pPr>
-            <a:r>
-              <a:rPr lang="pt-BR" sz="1200" dirty="0">
-                <a:latin typeface="Exo 2" panose="00000500000000000000" pitchFamily="50" charset="0"/>
-              </a:rPr>
-              <a:t>Deixar a </a:t>
-            </a:r>
-            <a:r>
-              <a:rPr lang="pt-BR" sz="1200" dirty="0" err="1">
-                <a:latin typeface="Exo 2" panose="00000500000000000000" pitchFamily="50" charset="0"/>
-              </a:rPr>
-              <a:t>dashbord</a:t>
-            </a:r>
-            <a:r>
-              <a:rPr lang="pt-BR" sz="1200" dirty="0">
-                <a:latin typeface="Exo 2" panose="00000500000000000000" pitchFamily="50" charset="0"/>
-              </a:rPr>
-              <a:t> bem intuitiva para não confundir o usuário</a:t>
-            </a:r>
-          </a:p>
-        </p:txBody>
-      </p:sp>
-      <p:sp>
-        <p:nvSpPr>
-          <p:cNvPr id="51" name="Retângulo 50">
-            <a:extLst>
-              <a:ext uri="{FF2B5EF4-FFF2-40B4-BE49-F238E27FC236}">
-                <a16:creationId xmlns:a16="http://schemas.microsoft.com/office/drawing/2014/main" id="{38E392A5-D5C4-4E93-81B3-2C2DDE0DF481}"/>
-              </a:ext>
-            </a:extLst>
-          </p:cNvPr>
-          <p:cNvSpPr/>
-          <p:nvPr/>
-        </p:nvSpPr>
-        <p:spPr>
-          <a:xfrm>
-            <a:off x="2801177" y="5700581"/>
-            <a:ext cx="2037351" cy="1200329"/>
-          </a:xfrm>
-          <a:prstGeom prst="rect">
-            <a:avLst/>
-          </a:prstGeom>
-        </p:spPr>
-        <p:txBody>
-          <a:bodyPr wrap="square">
-            <a:spAutoFit/>
-          </a:bodyPr>
-          <a:lstStyle/>
-          <a:p>
-            <a:pPr marL="342900" indent="-342900">
-              <a:buFont typeface="Arial" panose="020B0604020202020204" pitchFamily="34" charset="0"/>
-              <a:buChar char="•"/>
-            </a:pPr>
-            <a:r>
-              <a:rPr lang="pt-BR" sz="1200" dirty="0">
-                <a:latin typeface="Exo 2" panose="00000500000000000000" pitchFamily="50" charset="0"/>
-              </a:rPr>
-              <a:t>Botões maiores para melhor sinalização</a:t>
-            </a:r>
-          </a:p>
-          <a:p>
-            <a:pPr marL="342900" indent="-342900">
-              <a:buFont typeface="Arial" panose="020B0604020202020204" pitchFamily="34" charset="0"/>
-              <a:buChar char="•"/>
-            </a:pPr>
-            <a:r>
-              <a:rPr lang="pt-BR" sz="1200" dirty="0">
-                <a:latin typeface="Exo 2" panose="00000500000000000000" pitchFamily="50" charset="0"/>
-              </a:rPr>
-              <a:t>Colocar uma explicação do intuito do nosso produto </a:t>
-            </a:r>
-          </a:p>
-          <a:p>
-            <a:pPr marL="342900" indent="-342900">
-              <a:buFont typeface="Arial" panose="020B0604020202020204" pitchFamily="34" charset="0"/>
-              <a:buChar char="•"/>
-            </a:pPr>
-            <a:endParaRPr lang="pt-BR" sz="1200" dirty="0">
-              <a:latin typeface="Exo 2" panose="00000500000000000000" pitchFamily="50" charset="0"/>
-            </a:endParaRPr>
-          </a:p>
-        </p:txBody>
-      </p:sp>
-    </p:spTree>
-    <p:extLst>
-      <p:ext uri="{BB962C8B-B14F-4D97-AF65-F5344CB8AC3E}">
-        <p14:creationId xmlns:p14="http://schemas.microsoft.com/office/powerpoint/2010/main" val="2413859736"/>
-      </p:ext>
-    </p:extLst>
-  </p:cSld>
-  <p:clrMapOvr>
-    <a:masterClrMapping/>
-  </p:clrMapOvr>
-</p:sld>
-</file>
-
-<file path=ppt/slides/slide8.xml><?xml version="1.0" encoding="utf-8"?>
 <p:sld xmlns:a="http://schemas.openxmlformats.org/drawingml/2006/main" xmlns:r="http://schemas.openxmlformats.org/officeDocument/2006/relationships" xmlns:p="http://schemas.openxmlformats.org/presentationml/2006/main">
   <p:cSld>
     <p:bg>
@@ -10503,20 +8616,20 @@
 </file>
 
 <file path=customXml/item1.xml><?xml version="1.0" encoding="utf-8"?>
-<p:properties xmlns:p="http://schemas.microsoft.com/office/2006/metadata/properties" xmlns:xsi="http://www.w3.org/2001/XMLSchema-instance" xmlns:pc="http://schemas.microsoft.com/office/infopath/2007/PartnerControls">
-  <documentManagement>
-    <MediaServiceKeyPoints xmlns="71af3243-3dd4-4a8d-8c0d-dd76da1f02a5" xsi:nil="true"/>
-  </documentManagement>
-</p:properties>
-</file>
-
-<file path=customXml/item2.xml><?xml version="1.0" encoding="utf-8"?>
 <?mso-contentType ?>
 <FormTemplates xmlns="http://schemas.microsoft.com/sharepoint/v3/contenttype/forms">
   <Display>DocumentLibraryForm</Display>
   <Edit>DocumentLibraryForm</Edit>
   <New>DocumentLibraryForm</New>
 </FormTemplates>
+</file>
+
+<file path=customXml/item2.xml><?xml version="1.0" encoding="utf-8"?>
+<p:properties xmlns:p="http://schemas.microsoft.com/office/2006/metadata/properties" xmlns:xsi="http://www.w3.org/2001/XMLSchema-instance" xmlns:pc="http://schemas.microsoft.com/office/infopath/2007/PartnerControls">
+  <documentManagement>
+    <MediaServiceKeyPoints xmlns="71af3243-3dd4-4a8d-8c0d-dd76da1f02a5" xsi:nil="true"/>
+  </documentManagement>
+</p:properties>
 </file>
 
 <file path=customXml/item3.xml><?xml version="1.0" encoding="utf-8"?>
@@ -10731,6 +8844,14 @@
 </file>
 
 <file path=customXml/itemProps1.xml><?xml version="1.0" encoding="utf-8"?>
+<ds:datastoreItem xmlns:ds="http://schemas.openxmlformats.org/officeDocument/2006/customXml" ds:itemID="{3E17AD15-0DEB-4851-82A2-261C041346DD}">
+  <ds:schemaRefs>
+    <ds:schemaRef ds:uri="http://schemas.microsoft.com/sharepoint/v3/contenttype/forms"/>
+  </ds:schemaRefs>
+</ds:datastoreItem>
+</file>
+
+<file path=customXml/itemProps2.xml><?xml version="1.0" encoding="utf-8"?>
 <ds:datastoreItem xmlns:ds="http://schemas.openxmlformats.org/officeDocument/2006/customXml" ds:itemID="{620ED59B-F67D-4B99-A0A7-E5237FF58100}">
   <ds:schemaRefs>
     <ds:schemaRef ds:uri="http://schemas.microsoft.com/office/2006/metadata/properties"/>
@@ -10743,14 +8864,6 @@
     <ds:schemaRef ds:uri="http://purl.org/dc/elements/1.1/"/>
     <ds:schemaRef ds:uri="71af3243-3dd4-4a8d-8c0d-dd76da1f02a5"/>
     <ds:schemaRef ds:uri="http://www.w3.org/XML/1998/namespace"/>
-  </ds:schemaRefs>
-</ds:datastoreItem>
-</file>
-
-<file path=customXml/itemProps2.xml><?xml version="1.0" encoding="utf-8"?>
-<ds:datastoreItem xmlns:ds="http://schemas.openxmlformats.org/officeDocument/2006/customXml" ds:itemID="{3E17AD15-0DEB-4851-82A2-261C041346DD}">
-  <ds:schemaRefs>
-    <ds:schemaRef ds:uri="http://schemas.microsoft.com/sharepoint/v3/contenttype/forms"/>
   </ds:schemaRefs>
 </ds:datastoreItem>
 </file>

--- a/Apresentação/Apresentação-Sollute.pptx
+++ b/Apresentação/Apresentação-Sollute.pptx
@@ -209,7 +209,7 @@
           <a:p>
             <a:fld id="{1233B479-B86F-4B3B-92CC-A65D21022A71}" type="datetime1">
               <a:rPr lang="pt-BR" smtClean="0"/>
-              <a:t>08/03/2022</a:t>
+              <a:t>09/03/2022</a:t>
             </a:fld>
             <a:endParaRPr lang="pt-BR" dirty="0"/>
           </a:p>
@@ -375,7 +375,7 @@
             <a:fld id="{8EE89ABE-C638-43EB-8FF2-1C40E4E3A55D}" type="datetime1">
               <a:rPr lang="pt-BR" smtClean="0"/>
               <a:pPr/>
-              <a:t>08/03/2022</a:t>
+              <a:t>09/03/2022</a:t>
             </a:fld>
             <a:endParaRPr lang="pt-BR" dirty="0"/>
           </a:p>
@@ -892,7 +892,7 @@
             <a:pPr rtl="0"/>
             <a:fld id="{ACA70E9B-807F-4AE6-92CC-96282D5E7311}" type="datetime1">
               <a:rPr lang="pt-BR" noProof="0" smtClean="0"/>
-              <a:t>08/03/2022</a:t>
+              <a:t>09/03/2022</a:t>
             </a:fld>
             <a:endParaRPr lang="pt-BR" noProof="0" dirty="0"/>
           </a:p>
@@ -1070,7 +1070,7 @@
             <a:pPr rtl="0"/>
             <a:fld id="{2F190B64-7C24-4AC5-981A-18293759B464}" type="datetime1">
               <a:rPr lang="pt-BR" noProof="0" smtClean="0"/>
-              <a:t>08/03/2022</a:t>
+              <a:t>09/03/2022</a:t>
             </a:fld>
             <a:endParaRPr lang="pt-BR" noProof="0" dirty="0"/>
           </a:p>
@@ -1258,7 +1258,7 @@
             <a:pPr rtl="0"/>
             <a:fld id="{DCB21156-01AE-471C-8785-A0104C41415F}" type="datetime1">
               <a:rPr lang="pt-BR" noProof="0" smtClean="0"/>
-              <a:t>08/03/2022</a:t>
+              <a:t>09/03/2022</a:t>
             </a:fld>
             <a:endParaRPr lang="pt-BR" noProof="0" dirty="0"/>
           </a:p>
@@ -1436,7 +1436,7 @@
             <a:pPr rtl="0"/>
             <a:fld id="{27C79FE1-4EE1-4F09-AF1C-ADB867A4DDB7}" type="datetime1">
               <a:rPr lang="pt-BR" noProof="0" smtClean="0"/>
-              <a:t>08/03/2022</a:t>
+              <a:t>09/03/2022</a:t>
             </a:fld>
             <a:endParaRPr lang="pt-BR" noProof="0" dirty="0"/>
           </a:p>
@@ -1712,7 +1712,7 @@
             <a:pPr rtl="0"/>
             <a:fld id="{5132E7D4-C3C8-491E-AF18-B3F00DDC0614}" type="datetime1">
               <a:rPr lang="pt-BR" noProof="0" smtClean="0"/>
-              <a:t>08/03/2022</a:t>
+              <a:t>09/03/2022</a:t>
             </a:fld>
             <a:endParaRPr lang="pt-BR" noProof="0" dirty="0"/>
           </a:p>
@@ -1952,7 +1952,7 @@
             <a:pPr rtl="0"/>
             <a:fld id="{FB6D9EE8-2544-4943-81D3-517B336FA10A}" type="datetime1">
               <a:rPr lang="pt-BR" noProof="0" smtClean="0"/>
-              <a:t>08/03/2022</a:t>
+              <a:t>09/03/2022</a:t>
             </a:fld>
             <a:endParaRPr lang="pt-BR" noProof="0" dirty="0"/>
           </a:p>
@@ -2318,7 +2318,7 @@
             <a:pPr rtl="0"/>
             <a:fld id="{0B952E2D-6498-45E7-A8E3-132689DDCE1E}" type="datetime1">
               <a:rPr lang="pt-BR" noProof="0" smtClean="0"/>
-              <a:t>08/03/2022</a:t>
+              <a:t>09/03/2022</a:t>
             </a:fld>
             <a:endParaRPr lang="pt-BR" noProof="0" dirty="0"/>
           </a:p>
@@ -2469,7 +2469,7 @@
             <a:pPr rtl="0"/>
             <a:fld id="{100953FF-B44C-4032-BE08-263E004F48D0}" type="datetime1">
               <a:rPr lang="pt-BR" noProof="0" smtClean="0"/>
-              <a:t>08/03/2022</a:t>
+              <a:t>09/03/2022</a:t>
             </a:fld>
             <a:endParaRPr lang="pt-BR" noProof="0" dirty="0"/>
           </a:p>
@@ -2571,7 +2571,7 @@
             <a:pPr rtl="0"/>
             <a:fld id="{EA1CED91-10F8-4F28-862B-FD4E3A97170A}" type="datetime1">
               <a:rPr lang="pt-BR" noProof="0" smtClean="0"/>
-              <a:t>08/03/2022</a:t>
+              <a:t>09/03/2022</a:t>
             </a:fld>
             <a:endParaRPr lang="pt-BR" noProof="0" dirty="0"/>
           </a:p>
@@ -2936,7 +2936,7 @@
             <a:pPr rtl="0"/>
             <a:fld id="{7ACFC77E-2AA3-4152-A54C-74981BE28E55}" type="datetime1">
               <a:rPr lang="pt-BR" noProof="0" smtClean="0"/>
-              <a:t>08/03/2022</a:t>
+              <a:t>09/03/2022</a:t>
             </a:fld>
             <a:endParaRPr lang="pt-BR" noProof="0" dirty="0"/>
           </a:p>
@@ -3302,7 +3302,7 @@
             <a:pPr rtl="0"/>
             <a:fld id="{8EC681D4-C3A8-4CE6-91AF-0785B228C7CF}" type="datetime1">
               <a:rPr lang="pt-BR" noProof="0" smtClean="0"/>
-              <a:t>08/03/2022</a:t>
+              <a:t>09/03/2022</a:t>
             </a:fld>
             <a:endParaRPr lang="pt-BR" noProof="0" dirty="0"/>
           </a:p>
@@ -3550,7 +3550,7 @@
             <a:pPr rtl="0"/>
             <a:fld id="{CB6EA007-E4DD-442B-86B0-09BBF9FC84DB}" type="datetime1">
               <a:rPr lang="pt-BR" noProof="0" smtClean="0"/>
-              <a:t>08/03/2022</a:t>
+              <a:t>09/03/2022</a:t>
             </a:fld>
             <a:endParaRPr lang="pt-BR" noProof="0" dirty="0"/>
           </a:p>
@@ -5428,8 +5428,8 @@
         </p:nvSpPr>
         <p:spPr>
           <a:xfrm>
-            <a:off x="7961385" y="2098438"/>
-            <a:ext cx="4084986" cy="2062103"/>
+            <a:off x="7961757" y="2131702"/>
+            <a:ext cx="4324687" cy="1323439"/>
           </a:xfrm>
           <a:prstGeom prst="rect">
             <a:avLst/>
@@ -5448,29 +5448,15 @@
             </a:pPr>
             <a:r>
               <a:rPr lang="pt-BR" sz="1600" dirty="0"/>
-              <a:t>Redes sociais(</a:t>
+              <a:t>Redes sociais (</a:t>
             </a:r>
             <a:r>
               <a:rPr lang="pt-BR" sz="1600" dirty="0" err="1"/>
-              <a:t>Tik</a:t>
+              <a:t>TikTok</a:t>
             </a:r>
             <a:r>
               <a:rPr lang="pt-BR" sz="1600" dirty="0"/>
-              <a:t> Tok, Instagram, Facebook).</a:t>
-            </a:r>
-          </a:p>
-          <a:p>
-            <a:r>
-              <a:rPr lang="pt-BR" sz="1600" dirty="0"/>
-              <a:t>       Market </a:t>
-            </a:r>
-            <a:r>
-              <a:rPr lang="pt-BR" sz="1600" dirty="0" err="1"/>
-              <a:t>Place</a:t>
-            </a:r>
-            <a:r>
-              <a:rPr lang="pt-BR" sz="1600" dirty="0"/>
-              <a:t>(Facebook, OLX)</a:t>
+              <a:t>, Instagram, Facebook)</a:t>
             </a:r>
           </a:p>
           <a:p>
@@ -5479,8 +5465,12 @@
               <a:buChar char="•"/>
             </a:pPr>
             <a:r>
+              <a:rPr lang="pt-BR" sz="1600" dirty="0" err="1"/>
+              <a:t>MarketPlace</a:t>
+            </a:r>
+            <a:r>
               <a:rPr lang="pt-BR" sz="1600" dirty="0"/>
-              <a:t>Jornal </a:t>
+              <a:t> (Facebook, OLX)</a:t>
             </a:r>
           </a:p>
           <a:p>
@@ -5509,13 +5499,10 @@
               <a:buFont typeface="Arial" panose="020B0604020202020204" pitchFamily="34" charset="0"/>
               <a:buChar char="•"/>
             </a:pPr>
-            <a:endParaRPr lang="pt-BR" sz="1600" dirty="0"/>
-          </a:p>
-          <a:p>
-            <a:endParaRPr lang="pt-BR" sz="1600" dirty="0"/>
-          </a:p>
-          <a:p>
-            <a:endParaRPr lang="pt-BR" sz="1600" dirty="0"/>
+            <a:r>
+              <a:rPr lang="pt-BR" sz="1600" dirty="0"/>
+              <a:t>Televisão (Jornal)</a:t>
+            </a:r>
           </a:p>
         </p:txBody>
       </p:sp>
@@ -5533,8 +5520,8 @@
         </p:nvSpPr>
         <p:spPr>
           <a:xfrm>
-            <a:off x="828766" y="2404844"/>
-            <a:ext cx="3176061" cy="1323439"/>
+            <a:off x="741808" y="2155158"/>
+            <a:ext cx="3176061" cy="1569660"/>
           </a:xfrm>
           <a:prstGeom prst="rect">
             <a:avLst/>
@@ -5581,10 +5568,237 @@
               <a:buFont typeface="Arial" panose="020B0604020202020204" pitchFamily="34" charset="0"/>
               <a:buChar char="•"/>
             </a:pPr>
-            <a:endParaRPr lang="pt-BR" sz="1600" dirty="0"/>
-          </a:p>
-          <a:p>
-            <a:endParaRPr lang="pt-BR" sz="1600" dirty="0"/>
+            <a:r>
+              <a:rPr lang="pt-BR" sz="1600" dirty="0"/>
+              <a:t>Músicas</a:t>
+            </a:r>
+          </a:p>
+          <a:p>
+            <a:pPr marL="285750" indent="-285750">
+              <a:buFont typeface="Arial" panose="020B0604020202020204" pitchFamily="34" charset="0"/>
+              <a:buChar char="•"/>
+            </a:pPr>
+            <a:r>
+              <a:rPr lang="pt-BR" sz="1600" dirty="0"/>
+              <a:t>Rádio</a:t>
+            </a:r>
+          </a:p>
+          <a:p>
+            <a:pPr marL="285750" indent="-285750">
+              <a:buFont typeface="Arial" panose="020B0604020202020204" pitchFamily="34" charset="0"/>
+              <a:buChar char="•"/>
+            </a:pPr>
+            <a:r>
+              <a:rPr lang="pt-BR" sz="1600" dirty="0"/>
+              <a:t>Podcast</a:t>
+            </a:r>
+          </a:p>
+        </p:txBody>
+      </p:sp>
+      <p:sp>
+        <p:nvSpPr>
+          <p:cNvPr id="20" name="CaixaDeTexto 19">
+            <a:extLst>
+              <a:ext uri="{FF2B5EF4-FFF2-40B4-BE49-F238E27FC236}">
+                <a16:creationId xmlns:a16="http://schemas.microsoft.com/office/drawing/2014/main" id="{51D5D471-E281-4681-8746-5E36E5A851F5}"/>
+              </a:ext>
+            </a:extLst>
+          </p:cNvPr>
+          <p:cNvSpPr txBox="1"/>
+          <p:nvPr/>
+        </p:nvSpPr>
+        <p:spPr>
+          <a:xfrm>
+            <a:off x="2868669" y="3902039"/>
+            <a:ext cx="3481620" cy="830997"/>
+          </a:xfrm>
+          <a:prstGeom prst="rect">
+            <a:avLst/>
+          </a:prstGeom>
+          <a:noFill/>
+        </p:spPr>
+        <p:txBody>
+          <a:bodyPr wrap="square" rtlCol="0">
+            <a:spAutoFit/>
+          </a:bodyPr>
+          <a:lstStyle/>
+          <a:p>
+            <a:pPr marL="285750" indent="-285750">
+              <a:buFont typeface="Arial" panose="020B0604020202020204" pitchFamily="34" charset="0"/>
+              <a:buChar char="•"/>
+            </a:pPr>
+            <a:r>
+              <a:rPr lang="pt-BR" sz="1600" dirty="0"/>
+              <a:t>Faz vendas de produtos ou serviços</a:t>
+            </a:r>
+          </a:p>
+          <a:p>
+            <a:pPr marL="285750" indent="-285750">
+              <a:buFont typeface="Arial" panose="020B0604020202020204" pitchFamily="34" charset="0"/>
+              <a:buChar char="•"/>
+            </a:pPr>
+            <a:r>
+              <a:rPr lang="pt-BR" sz="1600" dirty="0"/>
+              <a:t>Faz trabalhos excessivos</a:t>
+            </a:r>
+          </a:p>
+          <a:p>
+            <a:pPr marL="285750" indent="-285750">
+              <a:buFont typeface="Arial" panose="020B0604020202020204" pitchFamily="34" charset="0"/>
+              <a:buChar char="•"/>
+            </a:pPr>
+            <a:r>
+              <a:rPr lang="pt-BR" sz="1600" dirty="0"/>
+              <a:t>Faz pesquisas de novas tendencias</a:t>
+            </a:r>
+          </a:p>
+        </p:txBody>
+      </p:sp>
+      <p:sp>
+        <p:nvSpPr>
+          <p:cNvPr id="21" name="CaixaDeTexto 20">
+            <a:extLst>
+              <a:ext uri="{FF2B5EF4-FFF2-40B4-BE49-F238E27FC236}">
+                <a16:creationId xmlns:a16="http://schemas.microsoft.com/office/drawing/2014/main" id="{A8ACBED5-51E9-4721-8AC4-05EEA68FE2FB}"/>
+              </a:ext>
+            </a:extLst>
+          </p:cNvPr>
+          <p:cNvSpPr txBox="1"/>
+          <p:nvPr/>
+        </p:nvSpPr>
+        <p:spPr>
+          <a:xfrm>
+            <a:off x="321796" y="5379116"/>
+            <a:ext cx="4484497" cy="1384995"/>
+          </a:xfrm>
+          <a:prstGeom prst="rect">
+            <a:avLst/>
+          </a:prstGeom>
+          <a:noFill/>
+        </p:spPr>
+        <p:txBody>
+          <a:bodyPr wrap="square" rtlCol="0">
+            <a:spAutoFit/>
+          </a:bodyPr>
+          <a:lstStyle/>
+          <a:p>
+            <a:pPr marL="285750" indent="-285750">
+              <a:buFont typeface="Arial" panose="020B0604020202020204" pitchFamily="34" charset="0"/>
+              <a:buChar char="•"/>
+            </a:pPr>
+            <a:r>
+              <a:rPr lang="pt-BR" sz="1400" dirty="0"/>
+              <a:t>Medo do empreendimento não dar certo </a:t>
+            </a:r>
+          </a:p>
+          <a:p>
+            <a:pPr marL="285750" indent="-285750">
+              <a:buFont typeface="Arial" panose="020B0604020202020204" pitchFamily="34" charset="0"/>
+              <a:buChar char="•"/>
+            </a:pPr>
+            <a:r>
+              <a:rPr lang="pt-BR" sz="1400" dirty="0"/>
+              <a:t>Orçamento limitado</a:t>
+            </a:r>
+          </a:p>
+          <a:p>
+            <a:pPr marL="285750" indent="-285750">
+              <a:buFont typeface="Arial" panose="020B0604020202020204" pitchFamily="34" charset="0"/>
+              <a:buChar char="•"/>
+            </a:pPr>
+            <a:r>
+              <a:rPr lang="pt-BR" sz="1400" dirty="0"/>
+              <a:t>Possibilidade de faltar coisas no estoque</a:t>
+            </a:r>
+          </a:p>
+          <a:p>
+            <a:pPr marL="285750" indent="-285750">
+              <a:buFont typeface="Arial" panose="020B0604020202020204" pitchFamily="34" charset="0"/>
+              <a:buChar char="•"/>
+            </a:pPr>
+            <a:r>
+              <a:rPr lang="pt-BR" sz="1400" dirty="0"/>
+              <a:t>Medo de se machucar ou ficar doente e não poder trabalhar.</a:t>
+            </a:r>
+          </a:p>
+          <a:p>
+            <a:pPr marL="285750" indent="-285750">
+              <a:buFont typeface="Arial" panose="020B0604020202020204" pitchFamily="34" charset="0"/>
+              <a:buChar char="•"/>
+            </a:pPr>
+            <a:r>
+              <a:rPr lang="pt-BR" sz="1400" dirty="0"/>
+              <a:t>Muitas tarefas simultâneas </a:t>
+            </a:r>
+          </a:p>
+        </p:txBody>
+      </p:sp>
+      <p:sp>
+        <p:nvSpPr>
+          <p:cNvPr id="22" name="CaixaDeTexto 21">
+            <a:extLst>
+              <a:ext uri="{FF2B5EF4-FFF2-40B4-BE49-F238E27FC236}">
+                <a16:creationId xmlns:a16="http://schemas.microsoft.com/office/drawing/2014/main" id="{9963E216-4D5C-48AE-87D3-EE58AF318505}"/>
+              </a:ext>
+            </a:extLst>
+          </p:cNvPr>
+          <p:cNvSpPr txBox="1"/>
+          <p:nvPr/>
+        </p:nvSpPr>
+        <p:spPr>
+          <a:xfrm>
+            <a:off x="6234112" y="5439677"/>
+            <a:ext cx="5805487" cy="954107"/>
+          </a:xfrm>
+          <a:prstGeom prst="rect">
+            <a:avLst/>
+          </a:prstGeom>
+          <a:noFill/>
+        </p:spPr>
+        <p:txBody>
+          <a:bodyPr wrap="square" rtlCol="0">
+            <a:spAutoFit/>
+          </a:bodyPr>
+          <a:lstStyle/>
+          <a:p>
+            <a:pPr marL="285750" indent="-285750">
+              <a:buFont typeface="Arial" panose="020B0604020202020204" pitchFamily="34" charset="0"/>
+              <a:buChar char="•"/>
+            </a:pPr>
+            <a:r>
+              <a:rPr lang="pt-BR" sz="1400" dirty="0"/>
+              <a:t>Melhor organização</a:t>
+            </a:r>
+          </a:p>
+          <a:p>
+            <a:pPr marL="285750" indent="-285750">
+              <a:buFont typeface="Arial" panose="020B0604020202020204" pitchFamily="34" charset="0"/>
+              <a:buChar char="•"/>
+            </a:pPr>
+            <a:r>
+              <a:rPr lang="pt-BR" sz="1400" dirty="0"/>
+              <a:t>Mais responsabilidade com gastos</a:t>
+            </a:r>
+          </a:p>
+          <a:p>
+            <a:pPr marL="285750" indent="-285750">
+              <a:buFont typeface="Arial" panose="020B0604020202020204" pitchFamily="34" charset="0"/>
+              <a:buChar char="•"/>
+            </a:pPr>
+            <a:r>
+              <a:rPr lang="pt-BR" sz="1400" dirty="0"/>
+              <a:t>Empreendimento dar certo</a:t>
+            </a:r>
+          </a:p>
+          <a:p>
+            <a:pPr marL="285750" indent="-285750">
+              <a:buFont typeface="Arial" panose="020B0604020202020204" pitchFamily="34" charset="0"/>
+              <a:buChar char="•"/>
+            </a:pPr>
+            <a:r>
+              <a:rPr lang="pt-BR" sz="1400" dirty="0"/>
+              <a:t>Mais fluxo de caixa</a:t>
+            </a:r>
           </a:p>
         </p:txBody>
       </p:sp>
@@ -5602,8 +5816,8 @@
         </p:nvSpPr>
         <p:spPr>
           <a:xfrm>
-            <a:off x="3543013" y="847706"/>
-            <a:ext cx="2862694" cy="1077218"/>
+            <a:off x="3543013" y="579858"/>
+            <a:ext cx="2862694" cy="1323439"/>
           </a:xfrm>
           <a:prstGeom prst="rect">
             <a:avLst/>
@@ -5650,16 +5864,29 @@
               <a:buFont typeface="Arial" panose="020B0604020202020204" pitchFamily="34" charset="0"/>
               <a:buChar char="•"/>
             </a:pPr>
-            <a:endParaRPr lang="pt-BR" sz="1600" dirty="0"/>
-          </a:p>
-        </p:txBody>
-      </p:sp>
-      <p:sp>
-        <p:nvSpPr>
-          <p:cNvPr id="20" name="CaixaDeTexto 19">
+            <a:r>
+              <a:rPr lang="pt-BR" sz="1600" dirty="0"/>
+              <a:t>Sente  Cansaço</a:t>
+            </a:r>
+          </a:p>
+          <a:p>
+            <a:pPr marL="285750" indent="-285750">
+              <a:buFont typeface="Arial" panose="020B0604020202020204" pitchFamily="34" charset="0"/>
+              <a:buChar char="•"/>
+            </a:pPr>
+            <a:r>
+              <a:rPr lang="pt-BR" sz="1600" dirty="0"/>
+              <a:t>Sente  Pressionada </a:t>
+            </a:r>
+          </a:p>
+        </p:txBody>
+      </p:sp>
+      <p:sp>
+        <p:nvSpPr>
+          <p:cNvPr id="26" name="CaixaDeTexto 25">
             <a:extLst>
               <a:ext uri="{FF2B5EF4-FFF2-40B4-BE49-F238E27FC236}">
-                <a16:creationId xmlns:a16="http://schemas.microsoft.com/office/drawing/2014/main" id="{51D5D471-E281-4681-8746-5E36E5A851F5}"/>
+                <a16:creationId xmlns:a16="http://schemas.microsoft.com/office/drawing/2014/main" id="{848E44E1-191F-4918-86B4-4808343804A0}"/>
               </a:ext>
             </a:extLst>
           </p:cNvPr>
@@ -5668,8 +5895,8 @@
         </p:nvSpPr>
         <p:spPr>
           <a:xfrm>
-            <a:off x="4703439" y="3636244"/>
-            <a:ext cx="3976253" cy="1323439"/>
+            <a:off x="6092420" y="583922"/>
+            <a:ext cx="2862694" cy="1077218"/>
           </a:xfrm>
           <a:prstGeom prst="rect">
             <a:avLst/>
@@ -5688,7 +5915,7 @@
             </a:pPr>
             <a:r>
               <a:rPr lang="pt-BR" sz="1600" dirty="0"/>
-              <a:t>Vendas de produtos ou serviços</a:t>
+              <a:t>Pensa no futuro</a:t>
             </a:r>
           </a:p>
           <a:p>
@@ -5698,7 +5925,7 @@
             </a:pPr>
             <a:r>
               <a:rPr lang="pt-BR" sz="1600" dirty="0"/>
-              <a:t>Fala sobre o trabalho</a:t>
+              <a:t>Pensa na família</a:t>
             </a:r>
           </a:p>
           <a:p>
@@ -5708,7 +5935,7 @@
             </a:pPr>
             <a:r>
               <a:rPr lang="pt-BR" sz="1600" dirty="0"/>
-              <a:t>Trabalha em excesso</a:t>
+              <a:t>Pensa na própria saúde</a:t>
             </a:r>
           </a:p>
           <a:p>
@@ -5718,45 +5945,48 @@
             </a:pPr>
             <a:r>
               <a:rPr lang="pt-BR" sz="1600" dirty="0"/>
-              <a:t>Fala com muitas pessoas</a:t>
-            </a:r>
-          </a:p>
+              <a:t>Pensa em dinheiro</a:t>
+            </a:r>
+          </a:p>
+        </p:txBody>
+      </p:sp>
+      <p:sp>
+        <p:nvSpPr>
+          <p:cNvPr id="24" name="CaixaDeTexto 23">
+            <a:extLst>
+              <a:ext uri="{FF2B5EF4-FFF2-40B4-BE49-F238E27FC236}">
+                <a16:creationId xmlns:a16="http://schemas.microsoft.com/office/drawing/2014/main" id="{5DEC5C2D-DD94-4B8A-B6B4-0149A21BE1B2}"/>
+              </a:ext>
+            </a:extLst>
+          </p:cNvPr>
+          <p:cNvSpPr txBox="1"/>
+          <p:nvPr/>
+        </p:nvSpPr>
+        <p:spPr>
+          <a:xfrm>
+            <a:off x="6479847" y="3896626"/>
+            <a:ext cx="3108646" cy="1077218"/>
+          </a:xfrm>
+          <a:prstGeom prst="rect">
+            <a:avLst/>
+          </a:prstGeom>
+          <a:noFill/>
+        </p:spPr>
+        <p:txBody>
+          <a:bodyPr wrap="square" rtlCol="0">
+            <a:spAutoFit/>
+          </a:bodyPr>
+          <a:lstStyle/>
           <a:p>
             <a:pPr marL="285750" indent="-285750">
               <a:buFont typeface="Arial" panose="020B0604020202020204" pitchFamily="34" charset="0"/>
               <a:buChar char="•"/>
             </a:pPr>
-            <a:endParaRPr lang="pt-BR" sz="1600" dirty="0"/>
-          </a:p>
-        </p:txBody>
-      </p:sp>
-      <p:sp>
-        <p:nvSpPr>
-          <p:cNvPr id="21" name="CaixaDeTexto 20">
-            <a:extLst>
-              <a:ext uri="{FF2B5EF4-FFF2-40B4-BE49-F238E27FC236}">
-                <a16:creationId xmlns:a16="http://schemas.microsoft.com/office/drawing/2014/main" id="{A8ACBED5-51E9-4721-8AC4-05EEA68FE2FB}"/>
-              </a:ext>
-            </a:extLst>
-          </p:cNvPr>
-          <p:cNvSpPr txBox="1"/>
-          <p:nvPr/>
-        </p:nvSpPr>
-        <p:spPr>
-          <a:xfrm>
-            <a:off x="358462" y="5344402"/>
-            <a:ext cx="4484497" cy="1569660"/>
-          </a:xfrm>
-          <a:prstGeom prst="rect">
-            <a:avLst/>
-          </a:prstGeom>
-          <a:noFill/>
-        </p:spPr>
-        <p:txBody>
-          <a:bodyPr wrap="square" rtlCol="0">
-            <a:spAutoFit/>
-          </a:bodyPr>
-          <a:lstStyle/>
+            <a:r>
+              <a:rPr lang="pt-BR" sz="1600" dirty="0"/>
+              <a:t>Fala sobre o trabalho</a:t>
+            </a:r>
+          </a:p>
           <a:p>
             <a:pPr marL="285750" indent="-285750">
               <a:buFont typeface="Arial" panose="020B0604020202020204" pitchFamily="34" charset="0"/>
@@ -5764,7 +5994,7 @@
             </a:pPr>
             <a:r>
               <a:rPr lang="pt-BR" sz="1600" dirty="0"/>
-              <a:t>Falta de organização .n</a:t>
+              <a:t>Fala com muitas pessoas sobre perspectivas de vida</a:t>
             </a:r>
           </a:p>
           <a:p>
@@ -5774,177 +6004,7 @@
             </a:pPr>
             <a:r>
               <a:rPr lang="pt-BR" sz="1600" dirty="0"/>
-              <a:t>Muitas tarefas simultâneas .n</a:t>
-            </a:r>
-          </a:p>
-          <a:p>
-            <a:pPr marL="285750" indent="-285750">
-              <a:buFont typeface="Arial" panose="020B0604020202020204" pitchFamily="34" charset="0"/>
-              <a:buChar char="•"/>
-            </a:pPr>
-            <a:r>
-              <a:rPr lang="pt-BR" sz="1600" dirty="0"/>
-              <a:t>Falta de tempo .n</a:t>
-            </a:r>
-          </a:p>
-          <a:p>
-            <a:pPr marL="285750" indent="-285750">
-              <a:buFont typeface="Arial" panose="020B0604020202020204" pitchFamily="34" charset="0"/>
-              <a:buChar char="•"/>
-            </a:pPr>
-            <a:r>
-              <a:rPr lang="pt-BR" sz="1600" dirty="0"/>
-              <a:t>Falta de </a:t>
-            </a:r>
-            <a:r>
-              <a:rPr lang="pt-BR" sz="1600" dirty="0" err="1"/>
-              <a:t>distribução</a:t>
-            </a:r>
-            <a:r>
-              <a:rPr lang="pt-BR" sz="1600" dirty="0"/>
-              <a:t> de tarefas .n</a:t>
-            </a:r>
-          </a:p>
-          <a:p>
-            <a:pPr marL="285750" indent="-285750">
-              <a:buFont typeface="Arial" panose="020B0604020202020204" pitchFamily="34" charset="0"/>
-              <a:buChar char="•"/>
-            </a:pPr>
-            <a:r>
-              <a:rPr lang="pt-BR" sz="1600" dirty="0"/>
-              <a:t>Medo do empreendimento não dar certo . D</a:t>
-            </a:r>
-          </a:p>
-          <a:p>
-            <a:pPr marL="285750" indent="-285750">
-              <a:buFont typeface="Arial" panose="020B0604020202020204" pitchFamily="34" charset="0"/>
-              <a:buChar char="•"/>
-            </a:pPr>
-            <a:r>
-              <a:rPr lang="pt-BR" sz="1600" dirty="0" err="1"/>
-              <a:t>Obstaculos</a:t>
-            </a:r>
-            <a:r>
-              <a:rPr lang="pt-BR" sz="1600" dirty="0"/>
-              <a:t>!!!</a:t>
-            </a:r>
-          </a:p>
-        </p:txBody>
-      </p:sp>
-      <p:sp>
-        <p:nvSpPr>
-          <p:cNvPr id="22" name="CaixaDeTexto 21">
-            <a:extLst>
-              <a:ext uri="{FF2B5EF4-FFF2-40B4-BE49-F238E27FC236}">
-                <a16:creationId xmlns:a16="http://schemas.microsoft.com/office/drawing/2014/main" id="{9963E216-4D5C-48AE-87D3-EE58AF318505}"/>
-              </a:ext>
-            </a:extLst>
-          </p:cNvPr>
-          <p:cNvSpPr txBox="1"/>
-          <p:nvPr/>
-        </p:nvSpPr>
-        <p:spPr>
-          <a:xfrm>
-            <a:off x="6234112" y="5495093"/>
-            <a:ext cx="5805487" cy="1323439"/>
-          </a:xfrm>
-          <a:prstGeom prst="rect">
-            <a:avLst/>
-          </a:prstGeom>
-          <a:noFill/>
-        </p:spPr>
-        <p:txBody>
-          <a:bodyPr wrap="square" rtlCol="0">
-            <a:spAutoFit/>
-          </a:bodyPr>
-          <a:lstStyle/>
-          <a:p>
-            <a:pPr marL="285750" indent="-285750">
-              <a:buFont typeface="Arial" panose="020B0604020202020204" pitchFamily="34" charset="0"/>
-              <a:buChar char="•"/>
-            </a:pPr>
-            <a:r>
-              <a:rPr lang="pt-BR" sz="1600" dirty="0"/>
-              <a:t>Precisa de uma sistema de gerenciamento para ajudar na organização de tarefas e controle de produtos.</a:t>
-            </a:r>
-          </a:p>
-          <a:p>
-            <a:pPr marL="285750" indent="-285750">
-              <a:buFont typeface="Arial" panose="020B0604020202020204" pitchFamily="34" charset="0"/>
-              <a:buChar char="•"/>
-            </a:pPr>
-            <a:r>
-              <a:rPr lang="pt-BR" sz="1600" dirty="0"/>
-              <a:t>Obter controle simplificado e direto de tudo o que entra e sai de dentro da empresa.</a:t>
-            </a:r>
-          </a:p>
-          <a:p>
-            <a:pPr marL="285750" indent="-285750">
-              <a:buFont typeface="Arial" panose="020B0604020202020204" pitchFamily="34" charset="0"/>
-              <a:buChar char="•"/>
-            </a:pPr>
-            <a:r>
-              <a:rPr lang="pt-BR" sz="1600" dirty="0"/>
-              <a:t>Possibilidades!!!</a:t>
-            </a:r>
-          </a:p>
-        </p:txBody>
-      </p:sp>
-      <p:sp>
-        <p:nvSpPr>
-          <p:cNvPr id="26" name="CaixaDeTexto 25">
-            <a:extLst>
-              <a:ext uri="{FF2B5EF4-FFF2-40B4-BE49-F238E27FC236}">
-                <a16:creationId xmlns:a16="http://schemas.microsoft.com/office/drawing/2014/main" id="{848E44E1-191F-4918-86B4-4808343804A0}"/>
-              </a:ext>
-            </a:extLst>
-          </p:cNvPr>
-          <p:cNvSpPr txBox="1"/>
-          <p:nvPr/>
-        </p:nvSpPr>
-        <p:spPr>
-          <a:xfrm>
-            <a:off x="6092420" y="851770"/>
-            <a:ext cx="2862694" cy="830997"/>
-          </a:xfrm>
-          <a:prstGeom prst="rect">
-            <a:avLst/>
-          </a:prstGeom>
-          <a:noFill/>
-        </p:spPr>
-        <p:txBody>
-          <a:bodyPr wrap="square" rtlCol="0">
-            <a:spAutoFit/>
-          </a:bodyPr>
-          <a:lstStyle/>
-          <a:p>
-            <a:pPr marL="285750" indent="-285750">
-              <a:buFont typeface="Arial" panose="020B0604020202020204" pitchFamily="34" charset="0"/>
-              <a:buChar char="•"/>
-            </a:pPr>
-            <a:r>
-              <a:rPr lang="pt-BR" sz="1600" dirty="0"/>
-              <a:t>Sente  Cansaço</a:t>
-            </a:r>
-          </a:p>
-          <a:p>
-            <a:pPr marL="285750" indent="-285750">
-              <a:buFont typeface="Arial" panose="020B0604020202020204" pitchFamily="34" charset="0"/>
-              <a:buChar char="•"/>
-            </a:pPr>
-            <a:r>
-              <a:rPr lang="pt-BR" sz="1600" dirty="0"/>
-              <a:t>Sente  Pressionada </a:t>
-            </a:r>
-          </a:p>
-          <a:p>
-            <a:pPr marL="285750" indent="-285750">
-              <a:buFont typeface="Arial" panose="020B0604020202020204" pitchFamily="34" charset="0"/>
-              <a:buChar char="•"/>
-            </a:pPr>
-            <a:r>
-              <a:rPr lang="pt-BR" sz="1600" dirty="0"/>
-              <a:t>Pensa no futuro</a:t>
+              <a:t>Fala sobre empreendimentos</a:t>
             </a:r>
           </a:p>
         </p:txBody>
@@ -8616,20 +8676,20 @@
 </file>
 
 <file path=customXml/item1.xml><?xml version="1.0" encoding="utf-8"?>
+<p:properties xmlns:p="http://schemas.microsoft.com/office/2006/metadata/properties" xmlns:xsi="http://www.w3.org/2001/XMLSchema-instance" xmlns:pc="http://schemas.microsoft.com/office/infopath/2007/PartnerControls">
+  <documentManagement>
+    <MediaServiceKeyPoints xmlns="71af3243-3dd4-4a8d-8c0d-dd76da1f02a5" xsi:nil="true"/>
+  </documentManagement>
+</p:properties>
+</file>
+
+<file path=customXml/item2.xml><?xml version="1.0" encoding="utf-8"?>
 <?mso-contentType ?>
 <FormTemplates xmlns="http://schemas.microsoft.com/sharepoint/v3/contenttype/forms">
   <Display>DocumentLibraryForm</Display>
   <Edit>DocumentLibraryForm</Edit>
   <New>DocumentLibraryForm</New>
 </FormTemplates>
-</file>
-
-<file path=customXml/item2.xml><?xml version="1.0" encoding="utf-8"?>
-<p:properties xmlns:p="http://schemas.microsoft.com/office/2006/metadata/properties" xmlns:xsi="http://www.w3.org/2001/XMLSchema-instance" xmlns:pc="http://schemas.microsoft.com/office/infopath/2007/PartnerControls">
-  <documentManagement>
-    <MediaServiceKeyPoints xmlns="71af3243-3dd4-4a8d-8c0d-dd76da1f02a5" xsi:nil="true"/>
-  </documentManagement>
-</p:properties>
 </file>
 
 <file path=customXml/item3.xml><?xml version="1.0" encoding="utf-8"?>
@@ -8844,14 +8904,6 @@
 </file>
 
 <file path=customXml/itemProps1.xml><?xml version="1.0" encoding="utf-8"?>
-<ds:datastoreItem xmlns:ds="http://schemas.openxmlformats.org/officeDocument/2006/customXml" ds:itemID="{3E17AD15-0DEB-4851-82A2-261C041346DD}">
-  <ds:schemaRefs>
-    <ds:schemaRef ds:uri="http://schemas.microsoft.com/sharepoint/v3/contenttype/forms"/>
-  </ds:schemaRefs>
-</ds:datastoreItem>
-</file>
-
-<file path=customXml/itemProps2.xml><?xml version="1.0" encoding="utf-8"?>
 <ds:datastoreItem xmlns:ds="http://schemas.openxmlformats.org/officeDocument/2006/customXml" ds:itemID="{620ED59B-F67D-4B99-A0A7-E5237FF58100}">
   <ds:schemaRefs>
     <ds:schemaRef ds:uri="http://schemas.microsoft.com/office/2006/metadata/properties"/>
@@ -8864,6 +8916,14 @@
     <ds:schemaRef ds:uri="http://purl.org/dc/elements/1.1/"/>
     <ds:schemaRef ds:uri="71af3243-3dd4-4a8d-8c0d-dd76da1f02a5"/>
     <ds:schemaRef ds:uri="http://www.w3.org/XML/1998/namespace"/>
+  </ds:schemaRefs>
+</ds:datastoreItem>
+</file>
+
+<file path=customXml/itemProps2.xml><?xml version="1.0" encoding="utf-8"?>
+<ds:datastoreItem xmlns:ds="http://schemas.openxmlformats.org/officeDocument/2006/customXml" ds:itemID="{3E17AD15-0DEB-4851-82A2-261C041346DD}">
+  <ds:schemaRefs>
+    <ds:schemaRef ds:uri="http://schemas.microsoft.com/sharepoint/v3/contenttype/forms"/>
   </ds:schemaRefs>
 </ds:datastoreItem>
 </file>
